--- a/docs/PD3_interim_report.pptx
+++ b/docs/PD3_interim_report.pptx
@@ -205,7 +205,7 @@
           <a:p>
             <a:fld id="{A9875936-CAD0-1C40-8DBE-97E7FC885E68}" type="datetimeFigureOut">
               <a:rPr kumimoji="1" lang="ja-JP" altLang="en-US" smtClean="0"/>
-              <a:t>2020/9/14</a:t>
+              <a:t>2020/9/15</a:t>
             </a:fld>
             <a:endParaRPr kumimoji="1" lang="ja-JP" altLang="en-US"/>
           </a:p>
@@ -735,7 +735,7 @@
           <a:p>
             <a:fld id="{748E6AB6-1A34-DC48-935D-01482CBC09AE}" type="datetimeFigureOut">
               <a:rPr kumimoji="1" lang="ja-JP" altLang="en-US" smtClean="0"/>
-              <a:t>2020/9/14</a:t>
+              <a:t>2020/9/15</a:t>
             </a:fld>
             <a:endParaRPr kumimoji="1" lang="ja-JP" altLang="en-US"/>
           </a:p>
@@ -965,7 +965,7 @@
           <a:p>
             <a:fld id="{748E6AB6-1A34-DC48-935D-01482CBC09AE}" type="datetimeFigureOut">
               <a:rPr kumimoji="1" lang="ja-JP" altLang="en-US" smtClean="0"/>
-              <a:t>2020/9/14</a:t>
+              <a:t>2020/9/15</a:t>
             </a:fld>
             <a:endParaRPr kumimoji="1" lang="ja-JP" altLang="en-US"/>
           </a:p>
@@ -1205,7 +1205,7 @@
           <a:p>
             <a:fld id="{748E6AB6-1A34-DC48-935D-01482CBC09AE}" type="datetimeFigureOut">
               <a:rPr kumimoji="1" lang="ja-JP" altLang="en-US" smtClean="0"/>
-              <a:t>2020/9/14</a:t>
+              <a:t>2020/9/15</a:t>
             </a:fld>
             <a:endParaRPr kumimoji="1" lang="ja-JP" altLang="en-US"/>
           </a:p>
@@ -1435,7 +1435,7 @@
           <a:p>
             <a:fld id="{748E6AB6-1A34-DC48-935D-01482CBC09AE}" type="datetimeFigureOut">
               <a:rPr kumimoji="1" lang="ja-JP" altLang="en-US" smtClean="0"/>
-              <a:t>2020/9/14</a:t>
+              <a:t>2020/9/15</a:t>
             </a:fld>
             <a:endParaRPr kumimoji="1" lang="ja-JP" altLang="en-US"/>
           </a:p>
@@ -1710,7 +1710,7 @@
           <a:p>
             <a:fld id="{748E6AB6-1A34-DC48-935D-01482CBC09AE}" type="datetimeFigureOut">
               <a:rPr kumimoji="1" lang="ja-JP" altLang="en-US" smtClean="0"/>
-              <a:t>2020/9/14</a:t>
+              <a:t>2020/9/15</a:t>
             </a:fld>
             <a:endParaRPr kumimoji="1" lang="ja-JP" altLang="en-US"/>
           </a:p>
@@ -2039,7 +2039,7 @@
           <a:p>
             <a:fld id="{748E6AB6-1A34-DC48-935D-01482CBC09AE}" type="datetimeFigureOut">
               <a:rPr kumimoji="1" lang="ja-JP" altLang="en-US" smtClean="0"/>
-              <a:t>2020/9/14</a:t>
+              <a:t>2020/9/15</a:t>
             </a:fld>
             <a:endParaRPr kumimoji="1" lang="ja-JP" altLang="en-US"/>
           </a:p>
@@ -2515,7 +2515,7 @@
           <a:p>
             <a:fld id="{748E6AB6-1A34-DC48-935D-01482CBC09AE}" type="datetimeFigureOut">
               <a:rPr kumimoji="1" lang="ja-JP" altLang="en-US" smtClean="0"/>
-              <a:t>2020/9/14</a:t>
+              <a:t>2020/9/15</a:t>
             </a:fld>
             <a:endParaRPr kumimoji="1" lang="ja-JP" altLang="en-US"/>
           </a:p>
@@ -2656,7 +2656,7 @@
           <a:p>
             <a:fld id="{748E6AB6-1A34-DC48-935D-01482CBC09AE}" type="datetimeFigureOut">
               <a:rPr kumimoji="1" lang="ja-JP" altLang="en-US" smtClean="0"/>
-              <a:t>2020/9/14</a:t>
+              <a:t>2020/9/15</a:t>
             </a:fld>
             <a:endParaRPr kumimoji="1" lang="ja-JP" altLang="en-US"/>
           </a:p>
@@ -2769,7 +2769,7 @@
           <a:p>
             <a:fld id="{748E6AB6-1A34-DC48-935D-01482CBC09AE}" type="datetimeFigureOut">
               <a:rPr kumimoji="1" lang="ja-JP" altLang="en-US" smtClean="0"/>
-              <a:t>2020/9/14</a:t>
+              <a:t>2020/9/15</a:t>
             </a:fld>
             <a:endParaRPr kumimoji="1" lang="ja-JP" altLang="en-US"/>
           </a:p>
@@ -3112,7 +3112,7 @@
           <a:p>
             <a:fld id="{748E6AB6-1A34-DC48-935D-01482CBC09AE}" type="datetimeFigureOut">
               <a:rPr kumimoji="1" lang="ja-JP" altLang="en-US" smtClean="0"/>
-              <a:t>2020/9/14</a:t>
+              <a:t>2020/9/15</a:t>
             </a:fld>
             <a:endParaRPr kumimoji="1" lang="ja-JP" altLang="en-US"/>
           </a:p>
@@ -3400,7 +3400,7 @@
           <a:p>
             <a:fld id="{748E6AB6-1A34-DC48-935D-01482CBC09AE}" type="datetimeFigureOut">
               <a:rPr kumimoji="1" lang="ja-JP" altLang="en-US" smtClean="0"/>
-              <a:t>2020/9/14</a:t>
+              <a:t>2020/9/15</a:t>
             </a:fld>
             <a:endParaRPr kumimoji="1" lang="ja-JP" altLang="en-US"/>
           </a:p>
@@ -3673,7 +3673,7 @@
           <a:p>
             <a:fld id="{748E6AB6-1A34-DC48-935D-01482CBC09AE}" type="datetimeFigureOut">
               <a:rPr kumimoji="1" lang="ja-JP" altLang="en-US" smtClean="0"/>
-              <a:t>2020/9/14</a:t>
+              <a:t>2020/9/15</a:t>
             </a:fld>
             <a:endParaRPr kumimoji="1" lang="ja-JP" altLang="en-US"/>
           </a:p>
@@ -5734,8 +5734,8 @@
         </p:nvSpPr>
         <p:spPr>
           <a:xfrm>
-            <a:off x="2003611" y="1600201"/>
-            <a:ext cx="7678271" cy="2031325"/>
+            <a:off x="1902757" y="2593732"/>
+            <a:ext cx="7678271" cy="2308324"/>
           </a:xfrm>
           <a:prstGeom prst="rect">
             <a:avLst/>
@@ -5749,14 +5749,97 @@
           <a:lstStyle/>
           <a:p>
             <a:r>
-              <a:rPr kumimoji="1" lang="ja-JP" altLang="en-US"/>
-              <a:t>特徴量について</a:t>
+              <a:rPr kumimoji="1" lang="ja-JP" altLang="en-US" dirty="0" smtClean="0"/>
+              <a:t>以下の特徴量</a:t>
+            </a:r>
+            <a:r>
+              <a:rPr lang="ja-JP" altLang="en-US" dirty="0" smtClean="0"/>
+              <a:t>を用意する</a:t>
             </a:r>
             <a:endParaRPr kumimoji="1" lang="en-US" altLang="ja-JP" dirty="0"/>
           </a:p>
           <a:p>
             <a:r>
-              <a:rPr lang="ja-JP" altLang="en-US"/>
+              <a:rPr lang="ja-JP" altLang="en-US" dirty="0"/>
+              <a:t>・</a:t>
+            </a:r>
+            <a:r>
+              <a:rPr lang="en-US" altLang="ja-JP" dirty="0" smtClean="0"/>
+              <a:t>dislikes(</a:t>
+            </a:r>
+            <a:r>
+              <a:rPr lang="ja-JP" altLang="en-US" dirty="0" smtClean="0"/>
+              <a:t>低評価数</a:t>
+            </a:r>
+            <a:r>
+              <a:rPr lang="en-US" altLang="ja-JP" dirty="0" smtClean="0"/>
+              <a:t>)</a:t>
+            </a:r>
+            <a:r>
+              <a:rPr lang="ja-JP" altLang="en-US" dirty="0" err="1" smtClean="0"/>
+              <a:t>、</a:t>
+            </a:r>
+            <a:r>
+              <a:rPr lang="en-US" altLang="ja-JP" dirty="0" smtClean="0"/>
+              <a:t>likes(</a:t>
+            </a:r>
+            <a:r>
+              <a:rPr lang="ja-JP" altLang="en-US" dirty="0" smtClean="0"/>
+              <a:t>高評価数</a:t>
+            </a:r>
+            <a:r>
+              <a:rPr lang="en-US" altLang="ja-JP" dirty="0" smtClean="0"/>
+              <a:t>)</a:t>
+            </a:r>
+            <a:r>
+              <a:rPr lang="ja-JP" altLang="en-US" dirty="0" err="1" smtClean="0"/>
+              <a:t>、</a:t>
+            </a:r>
+            <a:r>
+              <a:rPr lang="en-US" altLang="ja-JP" dirty="0" err="1" smtClean="0"/>
+              <a:t>comment_count</a:t>
+            </a:r>
+            <a:r>
+              <a:rPr lang="en-US" altLang="ja-JP" dirty="0" smtClean="0"/>
+              <a:t>(</a:t>
+            </a:r>
+            <a:r>
+              <a:rPr lang="ja-JP" altLang="en-US" dirty="0" smtClean="0"/>
+              <a:t>コメント数</a:t>
+            </a:r>
+            <a:r>
+              <a:rPr lang="en-US" altLang="ja-JP" dirty="0" smtClean="0"/>
+              <a:t>)</a:t>
+            </a:r>
+            <a:r>
+              <a:rPr lang="ja-JP" altLang="en-US" dirty="0" smtClean="0"/>
+              <a:t>の</a:t>
+            </a:r>
+            <a:r>
+              <a:rPr lang="ja-JP" altLang="en-US" dirty="0"/>
+              <a:t>四則演算等の</a:t>
+            </a:r>
+            <a:r>
+              <a:rPr lang="en-US" altLang="ja-JP" dirty="0" smtClean="0"/>
+              <a:t>aggregation(</a:t>
+            </a:r>
+            <a:r>
+              <a:rPr lang="ja-JP" altLang="en-US" dirty="0" smtClean="0"/>
+              <a:t>集計</a:t>
+            </a:r>
+            <a:r>
+              <a:rPr lang="en-US" altLang="ja-JP" dirty="0" smtClean="0"/>
+              <a:t>)</a:t>
+            </a:r>
+            <a:r>
+              <a:rPr lang="ja-JP" altLang="en-US" dirty="0" smtClean="0"/>
+              <a:t>特徴量</a:t>
+            </a:r>
+            <a:endParaRPr lang="en-US" altLang="ja-JP" dirty="0"/>
+          </a:p>
+          <a:p>
+            <a:r>
+              <a:rPr lang="ja-JP" altLang="en-US" dirty="0"/>
               <a:t>・</a:t>
             </a:r>
             <a:r>
@@ -5764,7 +5847,7 @@
               <a:t>dislikes</a:t>
             </a:r>
             <a:r>
-              <a:rPr lang="ja-JP" altLang="en-US"/>
+              <a:rPr lang="ja-JP" altLang="en-US" dirty="0" err="1"/>
               <a:t>、</a:t>
             </a:r>
             <a:r>
@@ -5772,7 +5855,7 @@
               <a:t>likes</a:t>
             </a:r>
             <a:r>
-              <a:rPr lang="ja-JP" altLang="en-US"/>
+              <a:rPr lang="ja-JP" altLang="en-US" dirty="0" err="1"/>
               <a:t>、</a:t>
             </a:r>
             <a:r>
@@ -5780,68 +5863,29 @@
               <a:t>comment_count</a:t>
             </a:r>
             <a:r>
-              <a:rPr lang="ja-JP" altLang="en-US"/>
-              <a:t>の四則演算等の</a:t>
+              <a:rPr lang="ja-JP" altLang="en-US" dirty="0"/>
+              <a:t>の予測数</a:t>
+            </a:r>
+            <a:endParaRPr lang="en-US" altLang="ja-JP" dirty="0"/>
+          </a:p>
+          <a:p>
+            <a:r>
+              <a:rPr lang="ja-JP" altLang="en-US" dirty="0"/>
+              <a:t>・テキストの</a:t>
             </a:r>
             <a:r>
               <a:rPr lang="en-US" altLang="ja-JP" dirty="0"/>
               <a:t>aggregation</a:t>
             </a:r>
             <a:r>
-              <a:rPr lang="ja-JP" altLang="en-US"/>
+              <a:rPr lang="ja-JP" altLang="en-US" dirty="0"/>
               <a:t>特徴量</a:t>
             </a:r>
             <a:endParaRPr lang="en-US" altLang="ja-JP" dirty="0"/>
           </a:p>
           <a:p>
             <a:r>
-              <a:rPr lang="ja-JP" altLang="en-US"/>
-              <a:t>・</a:t>
-            </a:r>
-            <a:r>
-              <a:rPr lang="en-US" altLang="ja-JP" dirty="0"/>
-              <a:t>dislikes</a:t>
-            </a:r>
-            <a:r>
-              <a:rPr lang="ja-JP" altLang="en-US"/>
-              <a:t>、</a:t>
-            </a:r>
-            <a:r>
-              <a:rPr lang="en-US" altLang="ja-JP" dirty="0"/>
-              <a:t>likes</a:t>
-            </a:r>
-            <a:r>
-              <a:rPr lang="ja-JP" altLang="en-US"/>
-              <a:t>、</a:t>
-            </a:r>
-            <a:r>
-              <a:rPr lang="en-US" altLang="ja-JP" dirty="0" err="1"/>
-              <a:t>comment_count</a:t>
-            </a:r>
-            <a:r>
-              <a:rPr lang="ja-JP" altLang="en-US"/>
-              <a:t>の予測数</a:t>
-            </a:r>
-            <a:endParaRPr lang="en-US" altLang="ja-JP" dirty="0"/>
-          </a:p>
-          <a:p>
-            <a:r>
-              <a:rPr lang="ja-JP" altLang="en-US"/>
-              <a:t>・テキストの</a:t>
-            </a:r>
-            <a:r>
-              <a:rPr lang="en-US" altLang="ja-JP" dirty="0"/>
-              <a:t>aggregation</a:t>
-            </a:r>
-            <a:r>
-              <a:rPr lang="ja-JP" altLang="en-US"/>
-              <a:t>特徴量</a:t>
-            </a:r>
-            <a:endParaRPr lang="en-US" altLang="ja-JP" dirty="0"/>
-          </a:p>
-          <a:p>
-            <a:r>
-              <a:rPr lang="ja-JP" altLang="en-US"/>
+              <a:rPr lang="ja-JP" altLang="en-US" dirty="0"/>
               <a:t>・テキストの</a:t>
             </a:r>
             <a:r>
@@ -5857,7 +5901,7 @@
               <a:t>svd</a:t>
             </a:r>
             <a:r>
-              <a:rPr lang="ja-JP" altLang="en-US"/>
+              <a:rPr lang="ja-JP" altLang="en-US" dirty="0" err="1"/>
               <a:t>、</a:t>
             </a:r>
             <a:r>
@@ -5865,7 +5909,7 @@
               <a:t>doc2vec</a:t>
             </a:r>
             <a:r>
-              <a:rPr lang="ja-JP" altLang="en-US"/>
+              <a:rPr lang="ja-JP" altLang="en-US" dirty="0" err="1"/>
               <a:t>、</a:t>
             </a:r>
             <a:r>
@@ -5876,7 +5920,7 @@
           </a:p>
           <a:p>
             <a:r>
-              <a:rPr lang="ja-JP" altLang="en-US"/>
+              <a:rPr lang="ja-JP" altLang="en-US" dirty="0"/>
               <a:t>・</a:t>
             </a:r>
             <a:r>
@@ -5886,7 +5930,7 @@
           </a:p>
           <a:p>
             <a:r>
-              <a:rPr lang="ja-JP" altLang="en-US"/>
+              <a:rPr lang="ja-JP" altLang="en-US" dirty="0"/>
               <a:t>・テキストの中に</a:t>
             </a:r>
             <a:r>
@@ -5894,7 +5938,7 @@
               <a:t>keyword</a:t>
             </a:r>
             <a:r>
-              <a:rPr lang="ja-JP" altLang="en-US"/>
+              <a:rPr lang="ja-JP" altLang="en-US" dirty="0"/>
               <a:t>あり、なしの</a:t>
             </a:r>
             <a:r>
@@ -5902,7 +5946,7 @@
               <a:t>binary</a:t>
             </a:r>
             <a:r>
-              <a:rPr lang="ja-JP" altLang="en-US"/>
+              <a:rPr lang="ja-JP" altLang="en-US" dirty="0"/>
               <a:t>特徴量</a:t>
             </a:r>
             <a:endParaRPr lang="en-US" altLang="ja-JP" dirty="0"/>
@@ -5923,7 +5967,7 @@
         </p:nvSpPr>
         <p:spPr>
           <a:xfrm>
-            <a:off x="1896034" y="4324879"/>
+            <a:off x="2003611" y="5273650"/>
             <a:ext cx="7476565" cy="923330"/>
           </a:xfrm>
           <a:prstGeom prst="rect">
@@ -5938,14 +5982,18 @@
           <a:lstStyle/>
           <a:p>
             <a:r>
-              <a:rPr kumimoji="1" lang="ja-JP" altLang="en-US"/>
-              <a:t>モデルについて</a:t>
+              <a:rPr kumimoji="1" lang="ja-JP" altLang="en-US" dirty="0" smtClean="0"/>
+              <a:t>使用するモデル</a:t>
+            </a:r>
+            <a:r>
+              <a:rPr kumimoji="1" lang="ja-JP" altLang="en-US" dirty="0"/>
+              <a:t>について</a:t>
             </a:r>
             <a:endParaRPr kumimoji="1" lang="en-US" altLang="ja-JP" dirty="0"/>
           </a:p>
           <a:p>
             <a:r>
-              <a:rPr lang="ja-JP" altLang="en-US"/>
+              <a:rPr lang="ja-JP" altLang="en-US" dirty="0"/>
               <a:t>・シングルモデルでは</a:t>
             </a:r>
             <a:r>
@@ -5953,7 +6001,7 @@
               <a:t>LightGBM</a:t>
             </a:r>
             <a:r>
-              <a:rPr lang="ja-JP" altLang="en-US"/>
+              <a:rPr lang="ja-JP" altLang="en-US" dirty="0" err="1"/>
               <a:t>、</a:t>
             </a:r>
             <a:r>
@@ -5961,7 +6009,7 @@
               <a:t>XGB</a:t>
             </a:r>
             <a:r>
-              <a:rPr lang="ja-JP" altLang="en-US"/>
+              <a:rPr lang="ja-JP" altLang="en-US" dirty="0" err="1"/>
               <a:t>、</a:t>
             </a:r>
             <a:r>
@@ -5972,7 +6020,7 @@
           </a:p>
           <a:p>
             <a:r>
-              <a:rPr kumimoji="1" lang="ja-JP" altLang="en-US"/>
+              <a:rPr kumimoji="1" lang="ja-JP" altLang="en-US" dirty="0"/>
               <a:t>・</a:t>
             </a:r>
             <a:r>
@@ -5980,14 +6028,63 @@
               <a:t>Stacking(</a:t>
             </a:r>
             <a:r>
-              <a:rPr kumimoji="1" lang="ja-JP" altLang="en-US"/>
+              <a:rPr kumimoji="1" lang="ja-JP" altLang="en-US" dirty="0"/>
               <a:t>まだ考え中</a:t>
             </a:r>
             <a:r>
               <a:rPr kumimoji="1" lang="en-US" altLang="ja-JP" dirty="0"/>
               <a:t>)</a:t>
             </a:r>
-            <a:endParaRPr kumimoji="1" lang="ja-JP" altLang="en-US"/>
+            <a:endParaRPr kumimoji="1" lang="ja-JP" altLang="en-US" dirty="0"/>
+          </a:p>
+        </p:txBody>
+      </p:sp>
+      <p:sp>
+        <p:nvSpPr>
+          <p:cNvPr id="6" name="テキスト ボックス 5"/>
+          <p:cNvSpPr txBox="1"/>
+          <p:nvPr/>
+        </p:nvSpPr>
+        <p:spPr>
+          <a:xfrm>
+            <a:off x="2003611" y="1438439"/>
+            <a:ext cx="6595266" cy="923330"/>
+          </a:xfrm>
+          <a:prstGeom prst="rect">
+            <a:avLst/>
+          </a:prstGeom>
+          <a:noFill/>
+        </p:spPr>
+        <p:txBody>
+          <a:bodyPr wrap="square" rtlCol="0">
+            <a:spAutoFit/>
+          </a:bodyPr>
+          <a:lstStyle/>
+          <a:p>
+            <a:r>
+              <a:rPr kumimoji="1" lang="en-US" altLang="ja-JP" dirty="0" smtClean="0"/>
+              <a:t>EDA(</a:t>
+            </a:r>
+            <a:r>
+              <a:rPr kumimoji="1" lang="ja-JP" altLang="en-US" dirty="0" smtClean="0"/>
+              <a:t>探索型データ解析</a:t>
+            </a:r>
+            <a:r>
+              <a:rPr kumimoji="1" lang="en-US" altLang="ja-JP" dirty="0" smtClean="0"/>
+              <a:t>)</a:t>
+            </a:r>
+            <a:r>
+              <a:rPr kumimoji="1" lang="ja-JP" altLang="en-US" dirty="0" smtClean="0"/>
+              <a:t>を行い、再生数を予測するのに効果的な特徴量を見つける</a:t>
+            </a:r>
+            <a:r>
+              <a:rPr lang="ja-JP" altLang="en-US" dirty="0" smtClean="0"/>
+              <a:t>。</a:t>
+            </a:r>
+            <a:endParaRPr lang="en-US" altLang="ja-JP" dirty="0" smtClean="0"/>
+          </a:p>
+          <a:p>
+            <a:endParaRPr kumimoji="1" lang="en-US" altLang="ja-JP" dirty="0" smtClean="0"/>
           </a:p>
         </p:txBody>
       </p:sp>
@@ -6088,7 +6185,7 @@
               <a:t>YouTube</a:t>
             </a:r>
             <a:r>
-              <a:rPr lang="ja-JP" altLang="en-US"/>
+              <a:rPr lang="ja-JP" altLang="en-US" dirty="0"/>
               <a:t>動画の再生数を予測する</a:t>
             </a:r>
           </a:p>
@@ -6096,20 +6193,14 @@
       </p:sp>
       <p:sp>
         <p:nvSpPr>
-          <p:cNvPr id="4" name="テキスト ボックス 3">
-            <a:extLst>
-              <a:ext uri="{FF2B5EF4-FFF2-40B4-BE49-F238E27FC236}">
-                <a16:creationId xmlns:a16="http://schemas.microsoft.com/office/drawing/2014/main" id="{31BFA115-21E0-6245-982F-0C5F0321224D}"/>
-              </a:ext>
-            </a:extLst>
-          </p:cNvPr>
+          <p:cNvPr id="5" name="テキスト ボックス 4"/>
           <p:cNvSpPr txBox="1"/>
           <p:nvPr/>
         </p:nvSpPr>
         <p:spPr>
           <a:xfrm>
-            <a:off x="3115234" y="2866194"/>
-            <a:ext cx="7476565" cy="646331"/>
+            <a:off x="1679331" y="1591408"/>
+            <a:ext cx="8985738" cy="3416320"/>
           </a:xfrm>
           <a:prstGeom prst="rect">
             <a:avLst/>
@@ -6123,17 +6214,287 @@
           <a:lstStyle/>
           <a:p>
             <a:r>
-              <a:rPr lang="ja-JP" altLang="en-US"/>
-              <a:t>特徴量などは作り終えている・作るためのプログラムはあるので、</a:t>
+              <a:rPr kumimoji="1" lang="ja-JP" altLang="en-US" dirty="0" smtClean="0"/>
+              <a:t>〇・データ収集。</a:t>
+            </a:r>
+            <a:r>
+              <a:rPr kumimoji="1" lang="en-US" altLang="ja-JP" dirty="0" err="1" smtClean="0"/>
+              <a:t>Probspace</a:t>
+            </a:r>
+            <a:r>
+              <a:rPr lang="ja-JP" altLang="en-US" dirty="0" smtClean="0"/>
+              <a:t> </a:t>
+            </a:r>
+            <a:r>
+              <a:rPr lang="en-US" altLang="ja-JP" dirty="0" smtClean="0"/>
+              <a:t>YouTube</a:t>
+            </a:r>
+            <a:r>
+              <a:rPr lang="ja-JP" altLang="en-US" dirty="0" smtClean="0"/>
+              <a:t>動画視聴回数予測コンペ</a:t>
+            </a:r>
+            <a:endParaRPr lang="en-US" altLang="ja-JP" dirty="0" smtClean="0"/>
+          </a:p>
+          <a:p>
+            <a:r>
+              <a:rPr kumimoji="1" lang="ja-JP" altLang="en-US" dirty="0" smtClean="0"/>
+              <a:t>〇・収集したデータを</a:t>
+            </a:r>
+            <a:r>
+              <a:rPr lang="en-US" altLang="ja-JP" dirty="0" smtClean="0"/>
+              <a:t>EDA(</a:t>
+            </a:r>
+            <a:r>
+              <a:rPr lang="ja-JP" altLang="en-US" dirty="0" smtClean="0"/>
+              <a:t>探索型データ解析</a:t>
+            </a:r>
+            <a:r>
+              <a:rPr lang="en-US" altLang="ja-JP" dirty="0" smtClean="0"/>
+              <a:t>)</a:t>
+            </a:r>
+            <a:r>
+              <a:rPr lang="ja-JP" altLang="en-US" dirty="0" smtClean="0"/>
+              <a:t>を行う</a:t>
+            </a:r>
+            <a:endParaRPr lang="en-US" altLang="ja-JP" dirty="0" smtClean="0"/>
+          </a:p>
+          <a:p>
+            <a:r>
+              <a:rPr lang="ja-JP" altLang="en-US" dirty="0" smtClean="0"/>
+              <a:t>〇・特徴量エンジニアリング</a:t>
+            </a:r>
+            <a:endParaRPr lang="en-US" altLang="ja-JP" dirty="0" smtClean="0"/>
+          </a:p>
+          <a:p>
+            <a:r>
+              <a:rPr kumimoji="1" lang="ja-JP" altLang="en-US" dirty="0"/>
+              <a:t>　</a:t>
+            </a:r>
+            <a:r>
+              <a:rPr kumimoji="1" lang="ja-JP" altLang="en-US" dirty="0" smtClean="0"/>
+              <a:t>・</a:t>
+            </a:r>
+            <a:r>
+              <a:rPr kumimoji="1" lang="en-US" altLang="ja-JP" dirty="0" smtClean="0"/>
+              <a:t>numerical data(dislikes, likes, </a:t>
+            </a:r>
+            <a:r>
+              <a:rPr kumimoji="1" lang="en-US" altLang="ja-JP" dirty="0" err="1" smtClean="0"/>
+              <a:t>comment_count</a:t>
+            </a:r>
+            <a:r>
+              <a:rPr kumimoji="1" lang="en-US" altLang="ja-JP" dirty="0" smtClean="0"/>
+              <a:t>)</a:t>
+            </a:r>
+            <a:r>
+              <a:rPr kumimoji="1" lang="ja-JP" altLang="en-US" dirty="0" smtClean="0"/>
+              <a:t>の</a:t>
+            </a:r>
+            <a:r>
+              <a:rPr kumimoji="1" lang="en-US" altLang="ja-JP" dirty="0" smtClean="0"/>
+              <a:t>aggregation</a:t>
+            </a:r>
+            <a:r>
+              <a:rPr kumimoji="1" lang="ja-JP" altLang="en-US" dirty="0" smtClean="0"/>
+              <a:t>特徴量を作成</a:t>
+            </a:r>
+            <a:endParaRPr lang="en-US" altLang="ja-JP" dirty="0" smtClean="0"/>
+          </a:p>
+          <a:p>
+            <a:r>
+              <a:rPr lang="ja-JP" altLang="en-US" dirty="0"/>
+              <a:t>　</a:t>
+            </a:r>
+            <a:r>
+              <a:rPr lang="ja-JP" altLang="en-US" dirty="0" smtClean="0"/>
+              <a:t>・</a:t>
+            </a:r>
+            <a:r>
+              <a:rPr lang="en-US" altLang="ja-JP" dirty="0" smtClean="0"/>
+              <a:t>text data</a:t>
+            </a:r>
+            <a:r>
+              <a:rPr lang="ja-JP" altLang="en-US" dirty="0" smtClean="0"/>
+              <a:t>は</a:t>
+            </a:r>
+            <a:r>
+              <a:rPr lang="en-US" altLang="ja-JP" dirty="0" err="1" smtClean="0"/>
+              <a:t>tf-idf</a:t>
+            </a:r>
+            <a:r>
+              <a:rPr lang="ja-JP" altLang="en-US" dirty="0" smtClean="0"/>
+              <a:t>特徴量を</a:t>
+            </a:r>
+            <a:r>
+              <a:rPr lang="en-US" altLang="ja-JP" dirty="0" err="1" smtClean="0"/>
+              <a:t>svd</a:t>
+            </a:r>
+            <a:r>
+              <a:rPr lang="ja-JP" altLang="en-US" dirty="0" smtClean="0"/>
+              <a:t>特徴量に変換、そして</a:t>
+            </a:r>
+            <a:r>
+              <a:rPr lang="en-US" altLang="ja-JP" dirty="0" smtClean="0"/>
+              <a:t>aggregation</a:t>
+            </a:r>
+            <a:r>
+              <a:rPr lang="ja-JP" altLang="en-US" dirty="0" smtClean="0"/>
+              <a:t>特徴量を作成</a:t>
+            </a:r>
+            <a:endParaRPr lang="en-US" altLang="ja-JP" dirty="0" smtClean="0"/>
+          </a:p>
+          <a:p>
+            <a:r>
+              <a:rPr kumimoji="1" lang="ja-JP" altLang="en-US" dirty="0"/>
+              <a:t>　</a:t>
+            </a:r>
+            <a:r>
+              <a:rPr kumimoji="1" lang="ja-JP" altLang="en-US" dirty="0" smtClean="0"/>
+              <a:t>・</a:t>
+            </a:r>
+            <a:r>
+              <a:rPr lang="en-US" altLang="ja-JP" dirty="0" smtClean="0"/>
+              <a:t>Target Encoding</a:t>
             </a:r>
             <a:endParaRPr lang="en-US" altLang="ja-JP" dirty="0"/>
           </a:p>
           <a:p>
-            <a:r>
-              <a:rPr kumimoji="1" lang="ja-JP" altLang="en-US"/>
-              <a:t>モデル作成や扱うモデルのパラメータ調整などを行う</a:t>
-            </a:r>
-            <a:endParaRPr kumimoji="1" lang="en-US" altLang="ja-JP" dirty="0"/>
+            <a:endParaRPr kumimoji="1" lang="en-US" altLang="ja-JP" dirty="0" smtClean="0"/>
+          </a:p>
+          <a:p>
+            <a:r>
+              <a:rPr lang="en-US" altLang="ja-JP" dirty="0" smtClean="0"/>
+              <a:t>×</a:t>
+            </a:r>
+            <a:r>
+              <a:rPr lang="ja-JP" altLang="en-US" dirty="0" smtClean="0"/>
+              <a:t>・モデルについて</a:t>
+            </a:r>
+            <a:endParaRPr lang="en-US" altLang="ja-JP" dirty="0" smtClean="0"/>
+          </a:p>
+          <a:p>
+            <a:r>
+              <a:rPr lang="ja-JP" altLang="en-US" dirty="0"/>
+              <a:t>　</a:t>
+            </a:r>
+            <a:r>
+              <a:rPr lang="ja-JP" altLang="en-US" dirty="0" smtClean="0"/>
+              <a:t>・</a:t>
+            </a:r>
+            <a:r>
+              <a:rPr lang="en-US" altLang="ja-JP" dirty="0" err="1" smtClean="0"/>
+              <a:t>LightGBM</a:t>
+            </a:r>
+            <a:r>
+              <a:rPr lang="ja-JP" altLang="en-US" dirty="0" smtClean="0"/>
+              <a:t>をメインとして</a:t>
+            </a:r>
+            <a:r>
+              <a:rPr lang="en-US" altLang="ja-JP" dirty="0" smtClean="0"/>
+              <a:t>NN</a:t>
+            </a:r>
+            <a:r>
+              <a:rPr lang="ja-JP" altLang="en-US" dirty="0" err="1" smtClean="0"/>
+              <a:t>、</a:t>
+            </a:r>
+            <a:r>
+              <a:rPr lang="en-US" altLang="ja-JP" dirty="0" smtClean="0"/>
+              <a:t>RF(</a:t>
+            </a:r>
+            <a:r>
+              <a:rPr lang="en-US" altLang="ja-JP" dirty="0" err="1" smtClean="0"/>
+              <a:t>lightGBM</a:t>
+            </a:r>
+            <a:r>
+              <a:rPr lang="en-US" altLang="ja-JP" dirty="0" smtClean="0"/>
+              <a:t> </a:t>
+            </a:r>
+            <a:r>
+              <a:rPr lang="en-US" altLang="ja-JP" dirty="0" err="1" smtClean="0"/>
+              <a:t>rf</a:t>
+            </a:r>
+            <a:r>
+              <a:rPr lang="en-US" altLang="ja-JP" dirty="0" smtClean="0"/>
+              <a:t> mode) </a:t>
+            </a:r>
+            <a:r>
+              <a:rPr lang="ja-JP" altLang="en-US" dirty="0" smtClean="0"/>
+              <a:t>の</a:t>
+            </a:r>
+            <a:r>
+              <a:rPr lang="en-US" altLang="ja-JP" dirty="0" smtClean="0"/>
+              <a:t>Linear Regression</a:t>
+            </a:r>
+            <a:r>
+              <a:rPr lang="ja-JP" altLang="en-US" dirty="0" smtClean="0"/>
+              <a:t>に</a:t>
+            </a:r>
+            <a:endParaRPr lang="en-US" altLang="ja-JP" dirty="0" smtClean="0"/>
+          </a:p>
+          <a:p>
+            <a:r>
+              <a:rPr lang="ja-JP" altLang="en-US" dirty="0"/>
+              <a:t>　</a:t>
+            </a:r>
+            <a:r>
+              <a:rPr lang="ja-JP" altLang="en-US" dirty="0" smtClean="0"/>
+              <a:t>　よる</a:t>
+            </a:r>
+            <a:r>
+              <a:rPr lang="en-US" altLang="ja-JP" dirty="0" smtClean="0"/>
+              <a:t>Stacking</a:t>
+            </a:r>
+            <a:r>
+              <a:rPr lang="ja-JP" altLang="en-US" dirty="0" smtClean="0"/>
+              <a:t>を行う。</a:t>
+            </a:r>
+            <a:endParaRPr lang="en-US" altLang="ja-JP" dirty="0" smtClean="0"/>
+          </a:p>
+          <a:p>
+            <a:r>
+              <a:rPr lang="ja-JP" altLang="en-US" dirty="0"/>
+              <a:t>　</a:t>
+            </a:r>
+            <a:r>
+              <a:rPr lang="ja-JP" altLang="en-US" dirty="0" smtClean="0"/>
+              <a:t>・シングルモデルでは、</a:t>
+            </a:r>
+            <a:r>
+              <a:rPr lang="en-US" altLang="ja-JP" dirty="0" err="1" smtClean="0"/>
+              <a:t>LightGBM</a:t>
+            </a:r>
+            <a:r>
+              <a:rPr lang="ja-JP" altLang="en-US" dirty="0" err="1" smtClean="0"/>
+              <a:t>、</a:t>
+            </a:r>
+            <a:r>
+              <a:rPr lang="en-US" altLang="ja-JP" dirty="0" err="1" smtClean="0"/>
+              <a:t>XGBoost</a:t>
+            </a:r>
+            <a:r>
+              <a:rPr lang="ja-JP" altLang="en-US" dirty="0" err="1" smtClean="0"/>
+              <a:t>、</a:t>
+            </a:r>
+            <a:r>
+              <a:rPr lang="en-US" altLang="ja-JP" dirty="0" err="1" smtClean="0"/>
+              <a:t>CatBoost</a:t>
+            </a:r>
+            <a:r>
+              <a:rPr lang="ja-JP" altLang="en-US" dirty="0" smtClean="0"/>
+              <a:t>を試す</a:t>
+            </a:r>
+            <a:endParaRPr lang="en-US" altLang="ja-JP" dirty="0" smtClean="0"/>
+          </a:p>
+          <a:p>
+            <a:r>
+              <a:rPr lang="ja-JP" altLang="en-US" dirty="0"/>
+              <a:t>　</a:t>
+            </a:r>
+            <a:r>
+              <a:rPr lang="ja-JP" altLang="en-US" dirty="0" smtClean="0"/>
+              <a:t>・各々のモデルのパラメータ調整</a:t>
+            </a:r>
+            <a:endParaRPr lang="en-US" altLang="ja-JP" dirty="0" smtClean="0"/>
           </a:p>
         </p:txBody>
       </p:sp>
@@ -6167,6 +6528,158 @@
           <a:chExt cx="0" cy="0"/>
         </a:xfrm>
       </p:grpSpPr>
+      <p:sp>
+        <p:nvSpPr>
+          <p:cNvPr id="2" name="テキスト ボックス 1"/>
+          <p:cNvSpPr txBox="1"/>
+          <p:nvPr/>
+        </p:nvSpPr>
+        <p:spPr>
+          <a:xfrm>
+            <a:off x="4580792" y="923220"/>
+            <a:ext cx="5081954" cy="523220"/>
+          </a:xfrm>
+          <a:prstGeom prst="rect">
+            <a:avLst/>
+          </a:prstGeom>
+          <a:noFill/>
+        </p:spPr>
+        <p:txBody>
+          <a:bodyPr wrap="square" rtlCol="0">
+            <a:spAutoFit/>
+          </a:bodyPr>
+          <a:lstStyle/>
+          <a:p>
+            <a:r>
+              <a:rPr lang="ja-JP" altLang="en-US" sz="2800" dirty="0" smtClean="0"/>
+              <a:t>今後の進め方について</a:t>
+            </a:r>
+            <a:endParaRPr kumimoji="1" lang="ja-JP" altLang="en-US" sz="2800" dirty="0"/>
+          </a:p>
+        </p:txBody>
+      </p:sp>
+      <p:sp>
+        <p:nvSpPr>
+          <p:cNvPr id="3" name="正方形/長方形 2">
+            <a:extLst>
+              <a:ext uri="{FF2B5EF4-FFF2-40B4-BE49-F238E27FC236}">
+                <a16:creationId xmlns:a16="http://schemas.microsoft.com/office/drawing/2014/main" id="{9E1FD1D3-C49F-F146-B181-76C5A130F93C}"/>
+              </a:ext>
+            </a:extLst>
+          </p:cNvPr>
+          <p:cNvSpPr/>
+          <p:nvPr/>
+        </p:nvSpPr>
+        <p:spPr>
+          <a:xfrm>
+            <a:off x="8087853" y="214350"/>
+            <a:ext cx="3680816" cy="369332"/>
+          </a:xfrm>
+          <a:prstGeom prst="rect">
+            <a:avLst/>
+          </a:prstGeom>
+        </p:spPr>
+        <p:txBody>
+          <a:bodyPr wrap="none">
+            <a:spAutoFit/>
+          </a:bodyPr>
+          <a:lstStyle/>
+          <a:p>
+            <a:r>
+              <a:rPr lang="en-US" altLang="ja-JP" dirty="0"/>
+              <a:t>YouTube</a:t>
+            </a:r>
+            <a:r>
+              <a:rPr lang="ja-JP" altLang="en-US" dirty="0"/>
+              <a:t>動画の再生数を予測する</a:t>
+            </a:r>
+          </a:p>
+        </p:txBody>
+      </p:sp>
+      <p:sp>
+        <p:nvSpPr>
+          <p:cNvPr id="4" name="テキスト ボックス 3"/>
+          <p:cNvSpPr txBox="1"/>
+          <p:nvPr/>
+        </p:nvSpPr>
+        <p:spPr>
+          <a:xfrm>
+            <a:off x="2233246" y="2725617"/>
+            <a:ext cx="8440616" cy="923330"/>
+          </a:xfrm>
+          <a:prstGeom prst="rect">
+            <a:avLst/>
+          </a:prstGeom>
+          <a:noFill/>
+        </p:spPr>
+        <p:txBody>
+          <a:bodyPr wrap="square" rtlCol="0">
+            <a:spAutoFit/>
+          </a:bodyPr>
+          <a:lstStyle/>
+          <a:p>
+            <a:r>
+              <a:rPr lang="ja-JP" altLang="en-US" dirty="0" smtClean="0"/>
+              <a:t>・テキストデータを</a:t>
+            </a:r>
+            <a:r>
+              <a:rPr lang="en-US" altLang="ja-JP" dirty="0" smtClean="0"/>
+              <a:t>doc2vec</a:t>
+            </a:r>
+            <a:r>
+              <a:rPr lang="ja-JP" altLang="en-US" dirty="0" smtClean="0"/>
+              <a:t>でベクトル化</a:t>
+            </a:r>
+            <a:endParaRPr lang="en-US" altLang="ja-JP" dirty="0" smtClean="0"/>
+          </a:p>
+          <a:p>
+            <a:r>
+              <a:rPr lang="ja-JP" altLang="en-US" dirty="0" smtClean="0"/>
+              <a:t>・</a:t>
+            </a:r>
+            <a:r>
+              <a:rPr lang="en-US" altLang="ja-JP" dirty="0" smtClean="0"/>
+              <a:t>BERT</a:t>
+            </a:r>
+            <a:r>
+              <a:rPr lang="ja-JP" altLang="en-US" dirty="0" smtClean="0"/>
+              <a:t>を使ってテキストデータ</a:t>
+            </a:r>
+            <a:r>
+              <a:rPr lang="en-US" altLang="ja-JP" dirty="0" smtClean="0"/>
+              <a:t>(title, description, </a:t>
+            </a:r>
+            <a:r>
+              <a:rPr lang="en-US" altLang="ja-JP" dirty="0" err="1" smtClean="0"/>
+              <a:t>chanmelTitle</a:t>
+            </a:r>
+            <a:r>
+              <a:rPr lang="en-US" altLang="ja-JP" dirty="0" smtClean="0"/>
+              <a:t>, tags)</a:t>
+            </a:r>
+            <a:r>
+              <a:rPr lang="ja-JP" altLang="en-US" dirty="0" smtClean="0"/>
+              <a:t>の特徴出</a:t>
+            </a:r>
+            <a:endParaRPr lang="en-US" altLang="ja-JP" dirty="0" smtClean="0"/>
+          </a:p>
+          <a:p>
+            <a:r>
+              <a:rPr lang="ja-JP" altLang="en-US" dirty="0" smtClean="0"/>
+              <a:t>・</a:t>
+            </a:r>
+            <a:r>
+              <a:rPr lang="ja-JP" altLang="en-US" dirty="0"/>
+              <a:t>進捗状況</a:t>
+            </a:r>
+            <a:r>
+              <a:rPr lang="ja-JP" altLang="en-US" dirty="0" smtClean="0"/>
+              <a:t>でできていなかったモデリングを行う</a:t>
+            </a:r>
+            <a:endParaRPr lang="en-US" altLang="ja-JP" dirty="0" smtClean="0"/>
+          </a:p>
+        </p:txBody>
+      </p:sp>
     </p:spTree>
     <p:extLst>
       <p:ext uri="{BB962C8B-B14F-4D97-AF65-F5344CB8AC3E}">

--- a/docs/PD3_interim_report.pptx
+++ b/docs/PD3_interim_report.pptx
@@ -5,18 +5,17 @@
     <p:sldMasterId id="2147483648" r:id="rId1"/>
   </p:sldMasterIdLst>
   <p:notesMasterIdLst>
-    <p:notesMasterId r:id="rId11"/>
+    <p:notesMasterId r:id="rId10"/>
   </p:notesMasterIdLst>
   <p:sldIdLst>
     <p:sldId id="256" r:id="rId2"/>
-    <p:sldId id="257" r:id="rId3"/>
-    <p:sldId id="258" r:id="rId4"/>
-    <p:sldId id="259" r:id="rId5"/>
-    <p:sldId id="260" r:id="rId6"/>
-    <p:sldId id="262" r:id="rId7"/>
-    <p:sldId id="263" r:id="rId8"/>
-    <p:sldId id="261" r:id="rId9"/>
-    <p:sldId id="264" r:id="rId10"/>
+    <p:sldId id="258" r:id="rId3"/>
+    <p:sldId id="259" r:id="rId4"/>
+    <p:sldId id="260" r:id="rId5"/>
+    <p:sldId id="262" r:id="rId6"/>
+    <p:sldId id="263" r:id="rId7"/>
+    <p:sldId id="261" r:id="rId8"/>
+    <p:sldId id="264" r:id="rId9"/>
   </p:sldIdLst>
   <p:sldSz cx="12192000" cy="6858000"/>
   <p:notesSz cx="6858000" cy="9144000"/>
@@ -4116,7 +4115,7 @@
               <a:t>PD3</a:t>
             </a:r>
             <a:r>
-              <a:rPr kumimoji="1" lang="ja-JP" altLang="en-US"/>
+              <a:rPr kumimoji="1" lang="ja-JP" altLang="en-US" dirty="0"/>
               <a:t>中間報告会</a:t>
             </a:r>
           </a:p>
@@ -4148,7 +4147,7 @@
               <a:t>4EP4-35 </a:t>
             </a:r>
             <a:r>
-              <a:rPr kumimoji="1" lang="ja-JP" altLang="en-US"/>
+              <a:rPr kumimoji="1" lang="ja-JP" altLang="en-US" dirty="0"/>
               <a:t>鶴瀬</a:t>
             </a:r>
             <a:r>
@@ -4156,8 +4155,83 @@
               <a:t> </a:t>
             </a:r>
             <a:r>
-              <a:rPr kumimoji="1" lang="ja-JP" altLang="en-US"/>
+              <a:rPr kumimoji="1" lang="ja-JP" altLang="en-US" dirty="0"/>
               <a:t>和輝</a:t>
+            </a:r>
+          </a:p>
+        </p:txBody>
+      </p:sp>
+      <p:sp>
+        <p:nvSpPr>
+          <p:cNvPr id="5" name="テキスト ボックス 4">
+            <a:extLst>
+              <a:ext uri="{FF2B5EF4-FFF2-40B4-BE49-F238E27FC236}">
+                <a16:creationId xmlns:a16="http://schemas.microsoft.com/office/drawing/2014/main" id="{B77F334E-631D-254C-88BE-4396BF50E29D}"/>
+              </a:ext>
+            </a:extLst>
+          </p:cNvPr>
+          <p:cNvSpPr txBox="1"/>
+          <p:nvPr/>
+        </p:nvSpPr>
+        <p:spPr>
+          <a:xfrm>
+            <a:off x="5150085" y="4296673"/>
+            <a:ext cx="3226085" cy="523220"/>
+          </a:xfrm>
+          <a:prstGeom prst="rect">
+            <a:avLst/>
+          </a:prstGeom>
+          <a:noFill/>
+        </p:spPr>
+        <p:txBody>
+          <a:bodyPr wrap="square" rtlCol="0">
+            <a:spAutoFit/>
+          </a:bodyPr>
+          <a:lstStyle/>
+          <a:p>
+            <a:r>
+              <a:rPr lang="ja-JP" altLang="en-US" sz="2800" dirty="0"/>
+              <a:t>研究テーマ</a:t>
+            </a:r>
+            <a:endParaRPr kumimoji="1" lang="ja-JP" altLang="en-US" sz="2800" dirty="0"/>
+          </a:p>
+        </p:txBody>
+      </p:sp>
+      <p:sp>
+        <p:nvSpPr>
+          <p:cNvPr id="6" name="テキスト ボックス 5">
+            <a:extLst>
+              <a:ext uri="{FF2B5EF4-FFF2-40B4-BE49-F238E27FC236}">
+                <a16:creationId xmlns:a16="http://schemas.microsoft.com/office/drawing/2014/main" id="{B45AF809-86C8-FF42-B150-C57AA420D2A6}"/>
+              </a:ext>
+            </a:extLst>
+          </p:cNvPr>
+          <p:cNvSpPr txBox="1"/>
+          <p:nvPr/>
+        </p:nvSpPr>
+        <p:spPr>
+          <a:xfrm>
+            <a:off x="3133538" y="5184366"/>
+            <a:ext cx="8558372" cy="584775"/>
+          </a:xfrm>
+          <a:prstGeom prst="rect">
+            <a:avLst/>
+          </a:prstGeom>
+          <a:noFill/>
+        </p:spPr>
+        <p:txBody>
+          <a:bodyPr wrap="square" rtlCol="0">
+            <a:spAutoFit/>
+          </a:bodyPr>
+          <a:lstStyle/>
+          <a:p>
+            <a:r>
+              <a:rPr kumimoji="1" lang="en-US" altLang="ja-JP" sz="3200" u="sng" dirty="0"/>
+              <a:t>YouTube</a:t>
+            </a:r>
+            <a:r>
+              <a:rPr kumimoji="1" lang="ja-JP" altLang="en-US" sz="3200" u="sng" dirty="0"/>
+              <a:t>動画の再生数を予測する</a:t>
             </a:r>
           </a:p>
         </p:txBody>
@@ -4197,7 +4271,7 @@
           <p:cNvPr id="2" name="テキスト ボックス 1">
             <a:extLst>
               <a:ext uri="{FF2B5EF4-FFF2-40B4-BE49-F238E27FC236}">
-                <a16:creationId xmlns:a16="http://schemas.microsoft.com/office/drawing/2014/main" id="{B77F334E-631D-254C-88BE-4396BF50E29D}"/>
+                <a16:creationId xmlns:a16="http://schemas.microsoft.com/office/drawing/2014/main" id="{AC8A423E-B9FC-A541-80EA-FF2735834F9C}"/>
               </a:ext>
             </a:extLst>
           </p:cNvPr>
@@ -4206,8 +4280,8 @@
         </p:nvSpPr>
         <p:spPr>
           <a:xfrm>
-            <a:off x="4719262" y="1931542"/>
-            <a:ext cx="3226085" cy="523220"/>
+            <a:off x="5393933" y="606174"/>
+            <a:ext cx="4534328" cy="584775"/>
           </a:xfrm>
           <a:prstGeom prst="rect">
             <a:avLst/>
@@ -4221,19 +4295,56 @@
           <a:lstStyle/>
           <a:p>
             <a:r>
-              <a:rPr lang="ja-JP" altLang="en-US" sz="2800"/>
-              <a:t>研究テーマ</a:t>
-            </a:r>
-            <a:endParaRPr kumimoji="1" lang="ja-JP" altLang="en-US" sz="2800"/>
-          </a:p>
-        </p:txBody>
-      </p:sp>
-      <p:sp>
-        <p:nvSpPr>
-          <p:cNvPr id="3" name="テキスト ボックス 2">
-            <a:extLst>
-              <a:ext uri="{FF2B5EF4-FFF2-40B4-BE49-F238E27FC236}">
-                <a16:creationId xmlns:a16="http://schemas.microsoft.com/office/drawing/2014/main" id="{B45AF809-86C8-FF42-B150-C57AA420D2A6}"/>
+              <a:rPr kumimoji="1" lang="ja-JP" altLang="en-US" sz="3200"/>
+              <a:t>背景</a:t>
+            </a:r>
+          </a:p>
+        </p:txBody>
+      </p:sp>
+      <p:sp>
+        <p:nvSpPr>
+          <p:cNvPr id="4" name="正方形/長方形 3">
+            <a:extLst>
+              <a:ext uri="{FF2B5EF4-FFF2-40B4-BE49-F238E27FC236}">
+                <a16:creationId xmlns:a16="http://schemas.microsoft.com/office/drawing/2014/main" id="{882DA2B2-5FEA-1048-B805-5A541659178C}"/>
+              </a:ext>
+            </a:extLst>
+          </p:cNvPr>
+          <p:cNvSpPr/>
+          <p:nvPr/>
+        </p:nvSpPr>
+        <p:spPr>
+          <a:xfrm>
+            <a:off x="8087853" y="214350"/>
+            <a:ext cx="3680816" cy="369332"/>
+          </a:xfrm>
+          <a:prstGeom prst="rect">
+            <a:avLst/>
+          </a:prstGeom>
+        </p:spPr>
+        <p:txBody>
+          <a:bodyPr wrap="none">
+            <a:spAutoFit/>
+          </a:bodyPr>
+          <a:lstStyle/>
+          <a:p>
+            <a:r>
+              <a:rPr lang="en-US" altLang="ja-JP" dirty="0"/>
+              <a:t>YouTube</a:t>
+            </a:r>
+            <a:r>
+              <a:rPr lang="ja-JP" altLang="en-US"/>
+              <a:t>動画の再生数を予測する</a:t>
+            </a:r>
+          </a:p>
+        </p:txBody>
+      </p:sp>
+      <p:sp>
+        <p:nvSpPr>
+          <p:cNvPr id="5" name="テキスト ボックス 4">
+            <a:extLst>
+              <a:ext uri="{FF2B5EF4-FFF2-40B4-BE49-F238E27FC236}">
+                <a16:creationId xmlns:a16="http://schemas.microsoft.com/office/drawing/2014/main" id="{FFF2DC2A-28A3-794F-9F27-8E6A07A95728}"/>
               </a:ext>
             </a:extLst>
           </p:cNvPr>
@@ -4242,8 +4353,8 @@
         </p:nvSpPr>
         <p:spPr>
           <a:xfrm>
-            <a:off x="2913731" y="2878886"/>
-            <a:ext cx="8558372" cy="584775"/>
+            <a:off x="2435000" y="1768744"/>
+            <a:ext cx="8379538" cy="1384995"/>
           </a:xfrm>
           <a:prstGeom prst="rect">
             <a:avLst/>
@@ -4257,12 +4368,137 @@
           <a:lstStyle/>
           <a:p>
             <a:r>
-              <a:rPr kumimoji="1" lang="en-US" altLang="ja-JP" sz="3200" u="sng" dirty="0"/>
+              <a:rPr kumimoji="1" lang="ja-JP" altLang="en-US" sz="2800" dirty="0" smtClean="0"/>
+              <a:t>・</a:t>
+            </a:r>
+            <a:r>
+              <a:rPr kumimoji="1" lang="en-US" altLang="ja-JP" sz="2800" dirty="0" smtClean="0"/>
               <a:t>YouTube</a:t>
             </a:r>
             <a:r>
-              <a:rPr kumimoji="1" lang="ja-JP" altLang="en-US" sz="3200" u="sng"/>
-              <a:t>動画の再生数を予測する</a:t>
+              <a:rPr kumimoji="1" lang="ja-JP" altLang="en-US" sz="2800" dirty="0"/>
+              <a:t>は、</a:t>
+            </a:r>
+            <a:r>
+              <a:rPr kumimoji="1" lang="en-US" altLang="ja-JP" sz="2800" dirty="0"/>
+              <a:t>2019</a:t>
+            </a:r>
+            <a:r>
+              <a:rPr kumimoji="1" lang="ja-JP" altLang="en-US" sz="2800" dirty="0"/>
+              <a:t>年広告売上高</a:t>
+            </a:r>
+            <a:r>
+              <a:rPr kumimoji="1" lang="en-US" altLang="ja-JP" sz="2800" dirty="0"/>
+              <a:t>150</a:t>
+            </a:r>
+            <a:r>
+              <a:rPr lang="ja-JP" altLang="en-US" sz="2800" dirty="0"/>
+              <a:t>億ドル</a:t>
+            </a:r>
+            <a:r>
+              <a:rPr lang="ja-JP" altLang="en-US" sz="2800" dirty="0" smtClean="0"/>
+              <a:t>、　</a:t>
+            </a:r>
+            <a:endParaRPr lang="en-US" altLang="ja-JP" sz="2800" dirty="0" smtClean="0"/>
+          </a:p>
+          <a:p>
+            <a:r>
+              <a:rPr lang="ja-JP" altLang="en-US" sz="2800" dirty="0"/>
+              <a:t>　</a:t>
+            </a:r>
+            <a:r>
+              <a:rPr lang="ja-JP" altLang="en-US" sz="2800" dirty="0" smtClean="0"/>
+              <a:t>月間</a:t>
+            </a:r>
+            <a:r>
+              <a:rPr lang="ja-JP" altLang="en-US" sz="2800" dirty="0"/>
+              <a:t>アクセス</a:t>
+            </a:r>
+            <a:r>
+              <a:rPr lang="en-US" altLang="ja-JP" sz="2800" dirty="0"/>
+              <a:t>20</a:t>
+            </a:r>
+            <a:r>
+              <a:rPr lang="ja-JP" altLang="en-US" sz="2800" dirty="0"/>
+              <a:t>億人に達するほど、世界で</a:t>
+            </a:r>
+            <a:r>
+              <a:rPr lang="ja-JP" altLang="en-US" sz="2800" dirty="0" smtClean="0"/>
+              <a:t>最も</a:t>
+            </a:r>
+            <a:endParaRPr lang="en-US" altLang="ja-JP" sz="2800" dirty="0" smtClean="0"/>
+          </a:p>
+          <a:p>
+            <a:r>
+              <a:rPr lang="ja-JP" altLang="en-US" sz="2800" dirty="0"/>
+              <a:t>　</a:t>
+            </a:r>
+            <a:r>
+              <a:rPr lang="ja-JP" altLang="en-US" sz="2800" dirty="0" smtClean="0"/>
+              <a:t>普及</a:t>
+            </a:r>
+            <a:r>
+              <a:rPr lang="ja-JP" altLang="en-US" sz="2800" dirty="0"/>
+              <a:t>した動画マーケティングツール</a:t>
+            </a:r>
+            <a:endParaRPr kumimoji="1" lang="ja-JP" altLang="en-US" sz="2800" dirty="0"/>
+          </a:p>
+        </p:txBody>
+      </p:sp>
+      <p:sp>
+        <p:nvSpPr>
+          <p:cNvPr id="6" name="テキスト ボックス 5">
+            <a:extLst>
+              <a:ext uri="{FF2B5EF4-FFF2-40B4-BE49-F238E27FC236}">
+                <a16:creationId xmlns:a16="http://schemas.microsoft.com/office/drawing/2014/main" id="{92014160-B825-D645-96A5-7102EB108868}"/>
+              </a:ext>
+            </a:extLst>
+          </p:cNvPr>
+          <p:cNvSpPr txBox="1"/>
+          <p:nvPr/>
+        </p:nvSpPr>
+        <p:spPr>
+          <a:xfrm>
+            <a:off x="2373454" y="3384694"/>
+            <a:ext cx="7214424" cy="954107"/>
+          </a:xfrm>
+          <a:prstGeom prst="rect">
+            <a:avLst/>
+          </a:prstGeom>
+          <a:noFill/>
+        </p:spPr>
+        <p:txBody>
+          <a:bodyPr wrap="square" rtlCol="0">
+            <a:spAutoFit/>
+          </a:bodyPr>
+          <a:lstStyle/>
+          <a:p>
+            <a:r>
+              <a:rPr kumimoji="1" lang="ja-JP" altLang="en-US" sz="2800" dirty="0" smtClean="0"/>
+              <a:t>・再生数</a:t>
+            </a:r>
+            <a:r>
+              <a:rPr kumimoji="1" lang="ja-JP" altLang="en-US" sz="2800" dirty="0"/>
+              <a:t>を増やすための施策が、日々</a:t>
+            </a:r>
+            <a:r>
+              <a:rPr kumimoji="1" lang="ja-JP" altLang="en-US" sz="2800" dirty="0" smtClean="0"/>
+              <a:t>多く</a:t>
+            </a:r>
+            <a:endParaRPr kumimoji="1" lang="en-US" altLang="ja-JP" sz="2800" dirty="0" smtClean="0"/>
+          </a:p>
+          <a:p>
+            <a:r>
+              <a:rPr lang="ja-JP" altLang="en-US" sz="2800" dirty="0"/>
+              <a:t>　</a:t>
+            </a:r>
+            <a:r>
+              <a:rPr kumimoji="1" lang="ja-JP" altLang="en-US" sz="2800" dirty="0" smtClean="0"/>
+              <a:t>の</a:t>
+            </a:r>
+            <a:r>
+              <a:rPr kumimoji="1" lang="ja-JP" altLang="en-US" sz="2800" dirty="0"/>
+              <a:t>メディアでノウハウが紹介されている</a:t>
             </a:r>
           </a:p>
         </p:txBody>
@@ -4270,7 +4506,7 @@
     </p:spTree>
     <p:extLst>
       <p:ext uri="{BB962C8B-B14F-4D97-AF65-F5344CB8AC3E}">
-        <p14:creationId xmlns:p14="http://schemas.microsoft.com/office/powerpoint/2010/main" val="3840564244"/>
+        <p14:creationId xmlns:p14="http://schemas.microsoft.com/office/powerpoint/2010/main" val="2741742146"/>
       </p:ext>
     </p:extLst>
   </p:cSld>
@@ -4299,10 +4535,10 @@
       </p:grpSpPr>
       <p:sp>
         <p:nvSpPr>
-          <p:cNvPr id="2" name="テキスト ボックス 1">
-            <a:extLst>
-              <a:ext uri="{FF2B5EF4-FFF2-40B4-BE49-F238E27FC236}">
-                <a16:creationId xmlns:a16="http://schemas.microsoft.com/office/drawing/2014/main" id="{AC8A423E-B9FC-A541-80EA-FF2735834F9C}"/>
+          <p:cNvPr id="4" name="テキスト ボックス 3">
+            <a:extLst>
+              <a:ext uri="{FF2B5EF4-FFF2-40B4-BE49-F238E27FC236}">
+                <a16:creationId xmlns:a16="http://schemas.microsoft.com/office/drawing/2014/main" id="{E38BA1DA-BF24-E04A-AE6F-1202DD8E3567}"/>
               </a:ext>
             </a:extLst>
           </p:cNvPr>
@@ -4311,7 +4547,7 @@
         </p:nvSpPr>
         <p:spPr>
           <a:xfrm>
-            <a:off x="5393933" y="606174"/>
+            <a:off x="5205674" y="633068"/>
             <a:ext cx="4534328" cy="584775"/>
           </a:xfrm>
           <a:prstGeom prst="rect">
@@ -4327,17 +4563,96 @@
           <a:p>
             <a:r>
               <a:rPr kumimoji="1" lang="ja-JP" altLang="en-US" sz="3200"/>
-              <a:t>背景</a:t>
-            </a:r>
-          </a:p>
-        </p:txBody>
-      </p:sp>
-      <p:sp>
-        <p:nvSpPr>
-          <p:cNvPr id="4" name="正方形/長方形 3">
-            <a:extLst>
-              <a:ext uri="{FF2B5EF4-FFF2-40B4-BE49-F238E27FC236}">
-                <a16:creationId xmlns:a16="http://schemas.microsoft.com/office/drawing/2014/main" id="{882DA2B2-5FEA-1048-B805-5A541659178C}"/>
+              <a:t>背景と課題</a:t>
+            </a:r>
+          </a:p>
+        </p:txBody>
+      </p:sp>
+      <p:sp>
+        <p:nvSpPr>
+          <p:cNvPr id="7" name="テキスト ボックス 6">
+            <a:extLst>
+              <a:ext uri="{FF2B5EF4-FFF2-40B4-BE49-F238E27FC236}">
+                <a16:creationId xmlns:a16="http://schemas.microsoft.com/office/drawing/2014/main" id="{9BE45E8F-B5DE-CA44-98E0-921DE1776FD9}"/>
+              </a:ext>
+            </a:extLst>
+          </p:cNvPr>
+          <p:cNvSpPr txBox="1"/>
+          <p:nvPr/>
+        </p:nvSpPr>
+        <p:spPr>
+          <a:xfrm>
+            <a:off x="2919095" y="1700982"/>
+            <a:ext cx="7214424" cy="707886"/>
+          </a:xfrm>
+          <a:prstGeom prst="rect">
+            <a:avLst/>
+          </a:prstGeom>
+          <a:noFill/>
+        </p:spPr>
+        <p:txBody>
+          <a:bodyPr wrap="square" rtlCol="0">
+            <a:spAutoFit/>
+          </a:bodyPr>
+          <a:lstStyle/>
+          <a:p>
+            <a:r>
+              <a:rPr kumimoji="1" lang="ja-JP" altLang="en-US" sz="2000"/>
+              <a:t>再生数を増やすための施策が、日々多くのメディアでノウハウが紹介されている</a:t>
+            </a:r>
+          </a:p>
+        </p:txBody>
+      </p:sp>
+      <p:sp>
+        <p:nvSpPr>
+          <p:cNvPr id="8" name="テキスト ボックス 7">
+            <a:extLst>
+              <a:ext uri="{FF2B5EF4-FFF2-40B4-BE49-F238E27FC236}">
+                <a16:creationId xmlns:a16="http://schemas.microsoft.com/office/drawing/2014/main" id="{05DBC78C-9CC4-C846-9864-66481ACE51AB}"/>
+              </a:ext>
+            </a:extLst>
+          </p:cNvPr>
+          <p:cNvSpPr txBox="1"/>
+          <p:nvPr/>
+        </p:nvSpPr>
+        <p:spPr>
+          <a:xfrm>
+            <a:off x="2703941" y="3341136"/>
+            <a:ext cx="7214424" cy="1815882"/>
+          </a:xfrm>
+          <a:prstGeom prst="rect">
+            <a:avLst/>
+          </a:prstGeom>
+          <a:noFill/>
+        </p:spPr>
+        <p:txBody>
+          <a:bodyPr wrap="square" rtlCol="0">
+            <a:spAutoFit/>
+          </a:bodyPr>
+          <a:lstStyle/>
+          <a:p>
+            <a:r>
+              <a:rPr lang="ja-JP" altLang="en-US" sz="2800"/>
+              <a:t>各取り組みによりどれだけ視聴回数を伸ばすことが出来るのか、</a:t>
+            </a:r>
+            <a:r>
+              <a:rPr lang="ja-JP" altLang="en-US" sz="2800" u="sng"/>
+              <a:t>定量データに基づいたノウハウ紹介は少なく</a:t>
+            </a:r>
+            <a:r>
+              <a:rPr lang="ja-JP" altLang="en-US" sz="2800"/>
+              <a:t>、何が効果的か分かっていない</a:t>
+            </a:r>
+            <a:endParaRPr kumimoji="1" lang="ja-JP" altLang="en-US" sz="2800"/>
+          </a:p>
+        </p:txBody>
+      </p:sp>
+      <p:sp>
+        <p:nvSpPr>
+          <p:cNvPr id="9" name="正方形/長方形 8">
+            <a:extLst>
+              <a:ext uri="{FF2B5EF4-FFF2-40B4-BE49-F238E27FC236}">
+                <a16:creationId xmlns:a16="http://schemas.microsoft.com/office/drawing/2014/main" id="{678CCE50-F0A4-2949-9F10-8A80F2D06327}"/>
               </a:ext>
             </a:extLst>
           </p:cNvPr>
@@ -4370,109 +4685,10 @@
           </a:p>
         </p:txBody>
       </p:sp>
-      <p:sp>
-        <p:nvSpPr>
-          <p:cNvPr id="5" name="テキスト ボックス 4">
-            <a:extLst>
-              <a:ext uri="{FF2B5EF4-FFF2-40B4-BE49-F238E27FC236}">
-                <a16:creationId xmlns:a16="http://schemas.microsoft.com/office/drawing/2014/main" id="{FFF2DC2A-28A3-794F-9F27-8E6A07A95728}"/>
-              </a:ext>
-            </a:extLst>
-          </p:cNvPr>
-          <p:cNvSpPr txBox="1"/>
-          <p:nvPr/>
-        </p:nvSpPr>
-        <p:spPr>
-          <a:xfrm>
-            <a:off x="2435000" y="1768744"/>
-            <a:ext cx="7321999" cy="1384995"/>
-          </a:xfrm>
-          <a:prstGeom prst="rect">
-            <a:avLst/>
-          </a:prstGeom>
-          <a:noFill/>
-        </p:spPr>
-        <p:txBody>
-          <a:bodyPr wrap="square" rtlCol="0">
-            <a:spAutoFit/>
-          </a:bodyPr>
-          <a:lstStyle/>
-          <a:p>
-            <a:r>
-              <a:rPr kumimoji="1" lang="en-US" altLang="ja-JP" sz="2800" dirty="0"/>
-              <a:t>YouTube</a:t>
-            </a:r>
-            <a:r>
-              <a:rPr kumimoji="1" lang="ja-JP" altLang="en-US" sz="2800"/>
-              <a:t>は、</a:t>
-            </a:r>
-            <a:r>
-              <a:rPr kumimoji="1" lang="en-US" altLang="ja-JP" sz="2800" dirty="0"/>
-              <a:t>2019</a:t>
-            </a:r>
-            <a:r>
-              <a:rPr kumimoji="1" lang="ja-JP" altLang="en-US" sz="2800"/>
-              <a:t>年広告売上高</a:t>
-            </a:r>
-            <a:r>
-              <a:rPr kumimoji="1" lang="en-US" altLang="ja-JP" sz="2800" dirty="0"/>
-              <a:t>150</a:t>
-            </a:r>
-            <a:r>
-              <a:rPr lang="ja-JP" altLang="en-US" sz="2800"/>
-              <a:t>億ドル、月間アクセス</a:t>
-            </a:r>
-            <a:r>
-              <a:rPr lang="en-US" altLang="ja-JP" sz="2800" dirty="0"/>
-              <a:t>20</a:t>
-            </a:r>
-            <a:r>
-              <a:rPr lang="ja-JP" altLang="en-US" sz="2800"/>
-              <a:t>億人に達するほど、世界で最も普及した動画マーケティングツール</a:t>
-            </a:r>
-            <a:endParaRPr kumimoji="1" lang="ja-JP" altLang="en-US" sz="2800"/>
-          </a:p>
-        </p:txBody>
-      </p:sp>
-      <p:sp>
-        <p:nvSpPr>
-          <p:cNvPr id="6" name="テキスト ボックス 5">
-            <a:extLst>
-              <a:ext uri="{FF2B5EF4-FFF2-40B4-BE49-F238E27FC236}">
-                <a16:creationId xmlns:a16="http://schemas.microsoft.com/office/drawing/2014/main" id="{92014160-B825-D645-96A5-7102EB108868}"/>
-              </a:ext>
-            </a:extLst>
-          </p:cNvPr>
-          <p:cNvSpPr txBox="1"/>
-          <p:nvPr/>
-        </p:nvSpPr>
-        <p:spPr>
-          <a:xfrm>
-            <a:off x="2435000" y="4323158"/>
-            <a:ext cx="7214424" cy="954107"/>
-          </a:xfrm>
-          <a:prstGeom prst="rect">
-            <a:avLst/>
-          </a:prstGeom>
-          <a:noFill/>
-        </p:spPr>
-        <p:txBody>
-          <a:bodyPr wrap="square" rtlCol="0">
-            <a:spAutoFit/>
-          </a:bodyPr>
-          <a:lstStyle/>
-          <a:p>
-            <a:r>
-              <a:rPr kumimoji="1" lang="ja-JP" altLang="en-US" sz="2800"/>
-              <a:t>再生数を増やすための施策が、日々多くのメディアでノウハウが紹介されている</a:t>
-            </a:r>
-          </a:p>
-        </p:txBody>
-      </p:sp>
     </p:spTree>
     <p:extLst>
       <p:ext uri="{BB962C8B-B14F-4D97-AF65-F5344CB8AC3E}">
-        <p14:creationId xmlns:p14="http://schemas.microsoft.com/office/powerpoint/2010/main" val="2741742146"/>
+        <p14:creationId xmlns:p14="http://schemas.microsoft.com/office/powerpoint/2010/main" val="1869314079"/>
       </p:ext>
     </p:extLst>
   </p:cSld>
@@ -4501,10 +4717,10 @@
       </p:grpSpPr>
       <p:sp>
         <p:nvSpPr>
-          <p:cNvPr id="4" name="テキスト ボックス 3">
-            <a:extLst>
-              <a:ext uri="{FF2B5EF4-FFF2-40B4-BE49-F238E27FC236}">
-                <a16:creationId xmlns:a16="http://schemas.microsoft.com/office/drawing/2014/main" id="{E38BA1DA-BF24-E04A-AE6F-1202DD8E3567}"/>
+          <p:cNvPr id="2" name="テキスト ボックス 1">
+            <a:extLst>
+              <a:ext uri="{FF2B5EF4-FFF2-40B4-BE49-F238E27FC236}">
+                <a16:creationId xmlns:a16="http://schemas.microsoft.com/office/drawing/2014/main" id="{1CB45B1F-1DFA-594A-B604-1F7D0E8D7D97}"/>
               </a:ext>
             </a:extLst>
           </p:cNvPr>
@@ -4528,18 +4744,19 @@
           <a:lstStyle/>
           <a:p>
             <a:r>
-              <a:rPr kumimoji="1" lang="ja-JP" altLang="en-US" sz="3200"/>
-              <a:t>背景と課題</a:t>
-            </a:r>
-          </a:p>
-        </p:txBody>
-      </p:sp>
-      <p:sp>
-        <p:nvSpPr>
-          <p:cNvPr id="7" name="テキスト ボックス 6">
-            <a:extLst>
-              <a:ext uri="{FF2B5EF4-FFF2-40B4-BE49-F238E27FC236}">
-                <a16:creationId xmlns:a16="http://schemas.microsoft.com/office/drawing/2014/main" id="{9BE45E8F-B5DE-CA44-98E0-921DE1776FD9}"/>
+              <a:rPr lang="ja-JP" altLang="en-US" sz="3200"/>
+              <a:t>ゴール</a:t>
+            </a:r>
+            <a:endParaRPr kumimoji="1" lang="ja-JP" altLang="en-US" sz="3200"/>
+          </a:p>
+        </p:txBody>
+      </p:sp>
+      <p:sp>
+        <p:nvSpPr>
+          <p:cNvPr id="4" name="テキスト ボックス 3">
+            <a:extLst>
+              <a:ext uri="{FF2B5EF4-FFF2-40B4-BE49-F238E27FC236}">
+                <a16:creationId xmlns:a16="http://schemas.microsoft.com/office/drawing/2014/main" id="{B0977E71-FFEA-7941-9D09-1D0F1794D2FD}"/>
               </a:ext>
             </a:extLst>
           </p:cNvPr>
@@ -4548,8 +4765,8 @@
         </p:nvSpPr>
         <p:spPr>
           <a:xfrm>
-            <a:off x="2919095" y="1700982"/>
-            <a:ext cx="7214424" cy="707886"/>
+            <a:off x="1936376" y="2252210"/>
+            <a:ext cx="8619565" cy="1384995"/>
           </a:xfrm>
           <a:prstGeom prst="rect">
             <a:avLst/>
@@ -4563,62 +4780,34 @@
           <a:lstStyle/>
           <a:p>
             <a:r>
-              <a:rPr kumimoji="1" lang="ja-JP" altLang="en-US" sz="2000"/>
-              <a:t>再生数を増やすための施策が、日々多くのメディアでノウハウが紹介されている</a:t>
-            </a:r>
-          </a:p>
-        </p:txBody>
-      </p:sp>
-      <p:sp>
-        <p:nvSpPr>
-          <p:cNvPr id="8" name="テキスト ボックス 7">
-            <a:extLst>
-              <a:ext uri="{FF2B5EF4-FFF2-40B4-BE49-F238E27FC236}">
-                <a16:creationId xmlns:a16="http://schemas.microsoft.com/office/drawing/2014/main" id="{05DBC78C-9CC4-C846-9864-66481ACE51AB}"/>
-              </a:ext>
-            </a:extLst>
-          </p:cNvPr>
-          <p:cNvSpPr txBox="1"/>
-          <p:nvPr/>
-        </p:nvSpPr>
-        <p:spPr>
-          <a:xfrm>
-            <a:off x="2703941" y="3341136"/>
-            <a:ext cx="7214424" cy="1815882"/>
-          </a:xfrm>
-          <a:prstGeom prst="rect">
-            <a:avLst/>
-          </a:prstGeom>
-          <a:noFill/>
-        </p:spPr>
-        <p:txBody>
-          <a:bodyPr wrap="square" rtlCol="0">
-            <a:spAutoFit/>
-          </a:bodyPr>
-          <a:lstStyle/>
-          <a:p>
-            <a:r>
-              <a:rPr lang="ja-JP" altLang="en-US" sz="2800"/>
-              <a:t>各取り組みによりどれだけ視聴回数を伸ばすことが出来るのか、</a:t>
-            </a:r>
-            <a:r>
-              <a:rPr lang="ja-JP" altLang="en-US" sz="2800" u="sng"/>
-              <a:t>定量データに基づいたノウハウ紹介は少なく</a:t>
-            </a:r>
-            <a:r>
-              <a:rPr lang="ja-JP" altLang="en-US" sz="2800"/>
-              <a:t>、何が効果的か分かっていない</a:t>
-            </a:r>
-            <a:endParaRPr kumimoji="1" lang="ja-JP" altLang="en-US" sz="2800"/>
-          </a:p>
-        </p:txBody>
-      </p:sp>
-      <p:sp>
-        <p:nvSpPr>
-          <p:cNvPr id="9" name="正方形/長方形 8">
-            <a:extLst>
-              <a:ext uri="{FF2B5EF4-FFF2-40B4-BE49-F238E27FC236}">
-                <a16:creationId xmlns:a16="http://schemas.microsoft.com/office/drawing/2014/main" id="{678CCE50-F0A4-2949-9F10-8A80F2D06327}"/>
+              <a:rPr kumimoji="1" lang="en-US" altLang="ja-JP" sz="2800" dirty="0"/>
+              <a:t>YouTuber</a:t>
+            </a:r>
+            <a:r>
+              <a:rPr lang="en-US" altLang="ja-JP" sz="2800" dirty="0"/>
+              <a:t>(</a:t>
+            </a:r>
+            <a:r>
+              <a:rPr lang="ja-JP" altLang="en-US" sz="2800" dirty="0"/>
+              <a:t>動画クリエイター</a:t>
+            </a:r>
+            <a:r>
+              <a:rPr lang="en-US" altLang="ja-JP" sz="2800" dirty="0"/>
+              <a:t>)</a:t>
+            </a:r>
+            <a:r>
+              <a:rPr kumimoji="1" lang="ja-JP" altLang="en-US" sz="2800" dirty="0"/>
+              <a:t>にとって生命線とされる再生数を伸ばすために、どのような指標を心がける必要があるか、その情報を可視化する</a:t>
+            </a:r>
+          </a:p>
+        </p:txBody>
+      </p:sp>
+      <p:sp>
+        <p:nvSpPr>
+          <p:cNvPr id="5" name="正方形/長方形 4">
+            <a:extLst>
+              <a:ext uri="{FF2B5EF4-FFF2-40B4-BE49-F238E27FC236}">
+                <a16:creationId xmlns:a16="http://schemas.microsoft.com/office/drawing/2014/main" id="{ADD9F3E2-8053-CF4C-9A90-08901E027975}"/>
               </a:ext>
             </a:extLst>
           </p:cNvPr>
@@ -4654,7 +4843,7 @@
     </p:spTree>
     <p:extLst>
       <p:ext uri="{BB962C8B-B14F-4D97-AF65-F5344CB8AC3E}">
-        <p14:creationId xmlns:p14="http://schemas.microsoft.com/office/powerpoint/2010/main" val="1869314079"/>
+        <p14:creationId xmlns:p14="http://schemas.microsoft.com/office/powerpoint/2010/main" val="2313303819"/>
       </p:ext>
     </p:extLst>
   </p:cSld>
@@ -4686,161 +4875,6 @@
           <p:cNvPr id="2" name="テキスト ボックス 1">
             <a:extLst>
               <a:ext uri="{FF2B5EF4-FFF2-40B4-BE49-F238E27FC236}">
-                <a16:creationId xmlns:a16="http://schemas.microsoft.com/office/drawing/2014/main" id="{1CB45B1F-1DFA-594A-B604-1F7D0E8D7D97}"/>
-              </a:ext>
-            </a:extLst>
-          </p:cNvPr>
-          <p:cNvSpPr txBox="1"/>
-          <p:nvPr/>
-        </p:nvSpPr>
-        <p:spPr>
-          <a:xfrm>
-            <a:off x="5205674" y="633068"/>
-            <a:ext cx="4534328" cy="584775"/>
-          </a:xfrm>
-          <a:prstGeom prst="rect">
-            <a:avLst/>
-          </a:prstGeom>
-          <a:noFill/>
-        </p:spPr>
-        <p:txBody>
-          <a:bodyPr wrap="square" rtlCol="0">
-            <a:spAutoFit/>
-          </a:bodyPr>
-          <a:lstStyle/>
-          <a:p>
-            <a:r>
-              <a:rPr lang="ja-JP" altLang="en-US" sz="3200"/>
-              <a:t>ゴール</a:t>
-            </a:r>
-            <a:endParaRPr kumimoji="1" lang="ja-JP" altLang="en-US" sz="3200"/>
-          </a:p>
-        </p:txBody>
-      </p:sp>
-      <p:sp>
-        <p:nvSpPr>
-          <p:cNvPr id="4" name="テキスト ボックス 3">
-            <a:extLst>
-              <a:ext uri="{FF2B5EF4-FFF2-40B4-BE49-F238E27FC236}">
-                <a16:creationId xmlns:a16="http://schemas.microsoft.com/office/drawing/2014/main" id="{B0977E71-FFEA-7941-9D09-1D0F1794D2FD}"/>
-              </a:ext>
-            </a:extLst>
-          </p:cNvPr>
-          <p:cNvSpPr txBox="1"/>
-          <p:nvPr/>
-        </p:nvSpPr>
-        <p:spPr>
-          <a:xfrm>
-            <a:off x="1936376" y="2252210"/>
-            <a:ext cx="8619565" cy="1384995"/>
-          </a:xfrm>
-          <a:prstGeom prst="rect">
-            <a:avLst/>
-          </a:prstGeom>
-          <a:noFill/>
-        </p:spPr>
-        <p:txBody>
-          <a:bodyPr wrap="square" rtlCol="0">
-            <a:spAutoFit/>
-          </a:bodyPr>
-          <a:lstStyle/>
-          <a:p>
-            <a:r>
-              <a:rPr kumimoji="1" lang="en-US" altLang="ja-JP" sz="2800" dirty="0"/>
-              <a:t>YouTuber</a:t>
-            </a:r>
-            <a:r>
-              <a:rPr lang="en-US" altLang="ja-JP" sz="2800" dirty="0"/>
-              <a:t>(</a:t>
-            </a:r>
-            <a:r>
-              <a:rPr lang="ja-JP" altLang="en-US" sz="2800"/>
-              <a:t>動画クリエイター</a:t>
-            </a:r>
-            <a:r>
-              <a:rPr lang="en-US" altLang="ja-JP" sz="2800" dirty="0"/>
-              <a:t>)</a:t>
-            </a:r>
-            <a:r>
-              <a:rPr kumimoji="1" lang="ja-JP" altLang="en-US" sz="2800"/>
-              <a:t>にとって生命線とされる再生数を伸ばすために、どのような指標を心がける必要があるか、その情報を可視化する</a:t>
-            </a:r>
-          </a:p>
-        </p:txBody>
-      </p:sp>
-      <p:sp>
-        <p:nvSpPr>
-          <p:cNvPr id="5" name="正方形/長方形 4">
-            <a:extLst>
-              <a:ext uri="{FF2B5EF4-FFF2-40B4-BE49-F238E27FC236}">
-                <a16:creationId xmlns:a16="http://schemas.microsoft.com/office/drawing/2014/main" id="{ADD9F3E2-8053-CF4C-9A90-08901E027975}"/>
-              </a:ext>
-            </a:extLst>
-          </p:cNvPr>
-          <p:cNvSpPr/>
-          <p:nvPr/>
-        </p:nvSpPr>
-        <p:spPr>
-          <a:xfrm>
-            <a:off x="8087853" y="214350"/>
-            <a:ext cx="3680816" cy="369332"/>
-          </a:xfrm>
-          <a:prstGeom prst="rect">
-            <a:avLst/>
-          </a:prstGeom>
-        </p:spPr>
-        <p:txBody>
-          <a:bodyPr wrap="none">
-            <a:spAutoFit/>
-          </a:bodyPr>
-          <a:lstStyle/>
-          <a:p>
-            <a:r>
-              <a:rPr lang="en-US" altLang="ja-JP" dirty="0"/>
-              <a:t>YouTube</a:t>
-            </a:r>
-            <a:r>
-              <a:rPr lang="ja-JP" altLang="en-US"/>
-              <a:t>動画の再生数を予測する</a:t>
-            </a:r>
-          </a:p>
-        </p:txBody>
-      </p:sp>
-    </p:spTree>
-    <p:extLst>
-      <p:ext uri="{BB962C8B-B14F-4D97-AF65-F5344CB8AC3E}">
-        <p14:creationId xmlns:p14="http://schemas.microsoft.com/office/powerpoint/2010/main" val="2313303819"/>
-      </p:ext>
-    </p:extLst>
-  </p:cSld>
-  <p:clrMapOvr>
-    <a:masterClrMapping/>
-  </p:clrMapOvr>
-</p:sld>
-</file>
-
-<file path=ppt/slides/slide6.xml><?xml version="1.0" encoding="utf-8"?>
-<p:sld xmlns:a="http://schemas.openxmlformats.org/drawingml/2006/main" xmlns:r="http://schemas.openxmlformats.org/officeDocument/2006/relationships" xmlns:p="http://schemas.openxmlformats.org/presentationml/2006/main">
-  <p:cSld>
-    <p:spTree>
-      <p:nvGrpSpPr>
-        <p:cNvPr id="1" name=""/>
-        <p:cNvGrpSpPr/>
-        <p:nvPr/>
-      </p:nvGrpSpPr>
-      <p:grpSpPr>
-        <a:xfrm>
-          <a:off x="0" y="0"/>
-          <a:ext cx="0" cy="0"/>
-          <a:chOff x="0" y="0"/>
-          <a:chExt cx="0" cy="0"/>
-        </a:xfrm>
-      </p:grpSpPr>
-      <p:sp>
-        <p:nvSpPr>
-          <p:cNvPr id="2" name="テキスト ボックス 1">
-            <a:extLst>
-              <a:ext uri="{FF2B5EF4-FFF2-40B4-BE49-F238E27FC236}">
                 <a16:creationId xmlns:a16="http://schemas.microsoft.com/office/drawing/2014/main" id="{0FF66E0B-929E-F440-B956-550809E8F348}"/>
               </a:ext>
             </a:extLst>
@@ -4947,7 +4981,7 @@
           <p:nvPr>
             <p:extLst>
               <p:ext uri="{D42A27DB-BD31-4B8C-83A1-F6EECF244321}">
-                <p14:modId xmlns:p14="http://schemas.microsoft.com/office/powerpoint/2010/main" val="1323486119"/>
+                <p14:modId xmlns:p14="http://schemas.microsoft.com/office/powerpoint/2010/main" val="3500451614"/>
               </p:ext>
             </p:extLst>
           </p:nvPr>
@@ -5091,10 +5125,10 @@
                     <a:lstStyle/>
                     <a:p>
                       <a:r>
-                        <a:rPr kumimoji="1" lang="en-US" altLang="ja-JP" dirty="0" err="1"/>
-                        <a:t>publishAt</a:t>
+                        <a:rPr kumimoji="1" lang="en-US" altLang="ja-JP" dirty="0" err="1" smtClean="0"/>
+                        <a:t>publishedAt</a:t>
                       </a:r>
-                      <a:endParaRPr kumimoji="1" lang="ja-JP" altLang="en-US"/>
+                      <a:endParaRPr kumimoji="1" lang="ja-JP" altLang="en-US" dirty="0"/>
                     </a:p>
                   </a:txBody>
                   <a:tcPr/>
@@ -5562,7 +5596,7 @@
                     <a:lstStyle/>
                     <a:p>
                       <a:r>
-                        <a:rPr kumimoji="1" lang="ja-JP" altLang="en-US"/>
+                        <a:rPr kumimoji="1" lang="ja-JP" altLang="en-US" dirty="0"/>
                         <a:t>再生数</a:t>
                       </a:r>
                     </a:p>
@@ -5611,9 +5645,53 @@
               <a:t>YouTube</a:t>
             </a:r>
             <a:r>
-              <a:rPr lang="ja-JP" altLang="en-US"/>
+              <a:rPr lang="ja-JP" altLang="en-US" dirty="0"/>
               <a:t>動画の再生数を予測する</a:t>
             </a:r>
+          </a:p>
+        </p:txBody>
+      </p:sp>
+      <p:sp>
+        <p:nvSpPr>
+          <p:cNvPr id="4" name="テキスト ボックス 3"/>
+          <p:cNvSpPr txBox="1"/>
+          <p:nvPr/>
+        </p:nvSpPr>
+        <p:spPr>
+          <a:xfrm>
+            <a:off x="340659" y="2039815"/>
+            <a:ext cx="2901461" cy="646331"/>
+          </a:xfrm>
+          <a:prstGeom prst="rect">
+            <a:avLst/>
+          </a:prstGeom>
+          <a:noFill/>
+        </p:spPr>
+        <p:txBody>
+          <a:bodyPr wrap="square" rtlCol="0">
+            <a:spAutoFit/>
+          </a:bodyPr>
+          <a:lstStyle/>
+          <a:p>
+            <a:r>
+              <a:rPr kumimoji="1" lang="ja-JP" altLang="en-US" dirty="0" smtClean="0"/>
+              <a:t>レコード数：</a:t>
+            </a:r>
+            <a:r>
+              <a:rPr kumimoji="1" lang="en-US" altLang="ja-JP" dirty="0" smtClean="0"/>
+              <a:t>19720</a:t>
+            </a:r>
+          </a:p>
+          <a:p>
+            <a:r>
+              <a:rPr lang="ja-JP" altLang="en-US" dirty="0" smtClean="0"/>
+              <a:t>列数：</a:t>
+            </a:r>
+            <a:r>
+              <a:rPr lang="en-US" altLang="ja-JP" dirty="0" smtClean="0"/>
+              <a:t>17</a:t>
+            </a:r>
+            <a:endParaRPr kumimoji="1" lang="ja-JP" altLang="en-US" dirty="0"/>
           </a:p>
         </p:txBody>
       </p:sp>
@@ -5621,6 +5699,405 @@
     <p:extLst>
       <p:ext uri="{BB962C8B-B14F-4D97-AF65-F5344CB8AC3E}">
         <p14:creationId xmlns:p14="http://schemas.microsoft.com/office/powerpoint/2010/main" val="4244461551"/>
+      </p:ext>
+    </p:extLst>
+  </p:cSld>
+  <p:clrMapOvr>
+    <a:masterClrMapping/>
+  </p:clrMapOvr>
+</p:sld>
+</file>
+
+<file path=ppt/slides/slide6.xml><?xml version="1.0" encoding="utf-8"?>
+<p:sld xmlns:a="http://schemas.openxmlformats.org/drawingml/2006/main" xmlns:r="http://schemas.openxmlformats.org/officeDocument/2006/relationships" xmlns:p="http://schemas.openxmlformats.org/presentationml/2006/main">
+  <p:cSld>
+    <p:spTree>
+      <p:nvGrpSpPr>
+        <p:cNvPr id="1" name=""/>
+        <p:cNvGrpSpPr/>
+        <p:nvPr/>
+      </p:nvGrpSpPr>
+      <p:grpSpPr>
+        <a:xfrm>
+          <a:off x="0" y="0"/>
+          <a:ext cx="0" cy="0"/>
+          <a:chOff x="0" y="0"/>
+          <a:chExt cx="0" cy="0"/>
+        </a:xfrm>
+      </p:grpSpPr>
+      <p:sp>
+        <p:nvSpPr>
+          <p:cNvPr id="2" name="テキスト ボックス 1">
+            <a:extLst>
+              <a:ext uri="{FF2B5EF4-FFF2-40B4-BE49-F238E27FC236}">
+                <a16:creationId xmlns:a16="http://schemas.microsoft.com/office/drawing/2014/main" id="{E7168466-B6A2-4447-84A6-4F4CFFEEF700}"/>
+              </a:ext>
+            </a:extLst>
+          </p:cNvPr>
+          <p:cNvSpPr txBox="1"/>
+          <p:nvPr/>
+        </p:nvSpPr>
+        <p:spPr>
+          <a:xfrm>
+            <a:off x="3968544" y="612751"/>
+            <a:ext cx="4534328" cy="584775"/>
+          </a:xfrm>
+          <a:prstGeom prst="rect">
+            <a:avLst/>
+          </a:prstGeom>
+          <a:noFill/>
+        </p:spPr>
+        <p:txBody>
+          <a:bodyPr wrap="square" rtlCol="0">
+            <a:spAutoFit/>
+          </a:bodyPr>
+          <a:lstStyle/>
+          <a:p>
+            <a:r>
+              <a:rPr kumimoji="1" lang="ja-JP" altLang="en-US" sz="3200"/>
+              <a:t>アプローチ・方法</a:t>
+            </a:r>
+          </a:p>
+        </p:txBody>
+      </p:sp>
+      <p:sp>
+        <p:nvSpPr>
+          <p:cNvPr id="3" name="正方形/長方形 2">
+            <a:extLst>
+              <a:ext uri="{FF2B5EF4-FFF2-40B4-BE49-F238E27FC236}">
+                <a16:creationId xmlns:a16="http://schemas.microsoft.com/office/drawing/2014/main" id="{239722ED-18AF-B440-9963-428DDB1DA1DF}"/>
+              </a:ext>
+            </a:extLst>
+          </p:cNvPr>
+          <p:cNvSpPr/>
+          <p:nvPr/>
+        </p:nvSpPr>
+        <p:spPr>
+          <a:xfrm>
+            <a:off x="8087853" y="214350"/>
+            <a:ext cx="3680816" cy="369332"/>
+          </a:xfrm>
+          <a:prstGeom prst="rect">
+            <a:avLst/>
+          </a:prstGeom>
+        </p:spPr>
+        <p:txBody>
+          <a:bodyPr wrap="none">
+            <a:spAutoFit/>
+          </a:bodyPr>
+          <a:lstStyle/>
+          <a:p>
+            <a:r>
+              <a:rPr lang="en-US" altLang="ja-JP" dirty="0"/>
+              <a:t>YouTube</a:t>
+            </a:r>
+            <a:r>
+              <a:rPr lang="ja-JP" altLang="en-US"/>
+              <a:t>動画の再生数を予測する</a:t>
+            </a:r>
+          </a:p>
+        </p:txBody>
+      </p:sp>
+      <p:sp>
+        <p:nvSpPr>
+          <p:cNvPr id="4" name="テキスト ボックス 3">
+            <a:extLst>
+              <a:ext uri="{FF2B5EF4-FFF2-40B4-BE49-F238E27FC236}">
+                <a16:creationId xmlns:a16="http://schemas.microsoft.com/office/drawing/2014/main" id="{0532C71D-B41A-7C49-AA67-DB4FD682D7B6}"/>
+              </a:ext>
+            </a:extLst>
+          </p:cNvPr>
+          <p:cNvSpPr txBox="1"/>
+          <p:nvPr/>
+        </p:nvSpPr>
+        <p:spPr>
+          <a:xfrm>
+            <a:off x="1810590" y="2924477"/>
+            <a:ext cx="8850235" cy="3416320"/>
+          </a:xfrm>
+          <a:prstGeom prst="rect">
+            <a:avLst/>
+          </a:prstGeom>
+          <a:noFill/>
+        </p:spPr>
+        <p:txBody>
+          <a:bodyPr wrap="square" rtlCol="0">
+            <a:spAutoFit/>
+          </a:bodyPr>
+          <a:lstStyle/>
+          <a:p>
+            <a:r>
+              <a:rPr kumimoji="1" lang="ja-JP" altLang="en-US" sz="2400" dirty="0" smtClean="0"/>
+              <a:t>以下の特徴量</a:t>
+            </a:r>
+            <a:r>
+              <a:rPr lang="ja-JP" altLang="en-US" sz="2400" dirty="0" smtClean="0"/>
+              <a:t>を</a:t>
+            </a:r>
+            <a:r>
+              <a:rPr lang="ja-JP" altLang="en-US" sz="2400" dirty="0" smtClean="0"/>
+              <a:t>用意</a:t>
+            </a:r>
+            <a:endParaRPr kumimoji="1" lang="en-US" altLang="ja-JP" sz="2400" dirty="0"/>
+          </a:p>
+          <a:p>
+            <a:r>
+              <a:rPr lang="ja-JP" altLang="en-US" sz="2400" dirty="0"/>
+              <a:t>・</a:t>
+            </a:r>
+            <a:r>
+              <a:rPr lang="en-US" altLang="ja-JP" sz="2400" dirty="0" smtClean="0"/>
+              <a:t>dislikes(</a:t>
+            </a:r>
+            <a:r>
+              <a:rPr lang="ja-JP" altLang="en-US" sz="2400" dirty="0" smtClean="0"/>
+              <a:t>低評価数</a:t>
+            </a:r>
+            <a:r>
+              <a:rPr lang="en-US" altLang="ja-JP" sz="2400" dirty="0" smtClean="0"/>
+              <a:t>)</a:t>
+            </a:r>
+            <a:r>
+              <a:rPr lang="ja-JP" altLang="en-US" sz="2400" dirty="0" err="1" smtClean="0"/>
+              <a:t>、</a:t>
+            </a:r>
+            <a:r>
+              <a:rPr lang="en-US" altLang="ja-JP" sz="2400" dirty="0" smtClean="0"/>
+              <a:t>likes(</a:t>
+            </a:r>
+            <a:r>
+              <a:rPr lang="ja-JP" altLang="en-US" sz="2400" dirty="0" smtClean="0"/>
+              <a:t>高評価数</a:t>
+            </a:r>
+            <a:r>
+              <a:rPr lang="en-US" altLang="ja-JP" sz="2400" dirty="0" smtClean="0"/>
+              <a:t>)</a:t>
+            </a:r>
+            <a:r>
+              <a:rPr lang="en-US" altLang="ja-JP" sz="2400" dirty="0" err="1" smtClean="0"/>
+              <a:t>comment_count</a:t>
+            </a:r>
+            <a:r>
+              <a:rPr lang="en-US" altLang="ja-JP" sz="2400" dirty="0" smtClean="0"/>
+              <a:t>(</a:t>
+            </a:r>
+            <a:r>
+              <a:rPr lang="ja-JP" altLang="en-US" sz="2400" dirty="0" smtClean="0"/>
+              <a:t>コメン</a:t>
+            </a:r>
+            <a:endParaRPr lang="en-US" altLang="ja-JP" sz="2400" dirty="0" smtClean="0"/>
+          </a:p>
+          <a:p>
+            <a:r>
+              <a:rPr lang="ja-JP" altLang="en-US" sz="2400" dirty="0"/>
+              <a:t>　</a:t>
+            </a:r>
+            <a:r>
+              <a:rPr lang="ja-JP" altLang="en-US" sz="2400" dirty="0" smtClean="0"/>
+              <a:t>ト数</a:t>
+            </a:r>
+            <a:r>
+              <a:rPr lang="en-US" altLang="ja-JP" sz="2400" dirty="0" smtClean="0"/>
+              <a:t>)</a:t>
+            </a:r>
+            <a:r>
+              <a:rPr lang="ja-JP" altLang="en-US" sz="2400" dirty="0" smtClean="0"/>
+              <a:t>の四則</a:t>
+            </a:r>
+            <a:r>
+              <a:rPr lang="ja-JP" altLang="en-US" sz="2400" dirty="0"/>
+              <a:t>演算等の</a:t>
+            </a:r>
+            <a:r>
+              <a:rPr lang="en-US" altLang="ja-JP" sz="2400" dirty="0" smtClean="0"/>
+              <a:t>aggregation(</a:t>
+            </a:r>
+            <a:r>
+              <a:rPr lang="ja-JP" altLang="en-US" sz="2400" dirty="0" smtClean="0"/>
+              <a:t>集計</a:t>
+            </a:r>
+            <a:r>
+              <a:rPr lang="en-US" altLang="ja-JP" sz="2400" dirty="0" smtClean="0"/>
+              <a:t>)</a:t>
+            </a:r>
+            <a:r>
+              <a:rPr lang="ja-JP" altLang="en-US" sz="2400" dirty="0" smtClean="0"/>
+              <a:t>特徴量</a:t>
+            </a:r>
+            <a:endParaRPr lang="en-US" altLang="ja-JP" sz="2400" dirty="0"/>
+          </a:p>
+          <a:p>
+            <a:r>
+              <a:rPr lang="ja-JP" altLang="en-US" sz="2400" dirty="0"/>
+              <a:t>・</a:t>
+            </a:r>
+            <a:r>
+              <a:rPr lang="en-US" altLang="ja-JP" sz="2400" dirty="0"/>
+              <a:t>dislikes</a:t>
+            </a:r>
+            <a:r>
+              <a:rPr lang="ja-JP" altLang="en-US" sz="2400" dirty="0" err="1"/>
+              <a:t>、</a:t>
+            </a:r>
+            <a:r>
+              <a:rPr lang="en-US" altLang="ja-JP" sz="2400" dirty="0"/>
+              <a:t>likes</a:t>
+            </a:r>
+            <a:r>
+              <a:rPr lang="ja-JP" altLang="en-US" sz="2400" dirty="0" err="1"/>
+              <a:t>、</a:t>
+            </a:r>
+            <a:r>
+              <a:rPr lang="en-US" altLang="ja-JP" sz="2400" dirty="0" err="1"/>
+              <a:t>comment_count</a:t>
+            </a:r>
+            <a:r>
+              <a:rPr lang="ja-JP" altLang="en-US" sz="2400" dirty="0"/>
+              <a:t>の予測数</a:t>
+            </a:r>
+            <a:endParaRPr lang="en-US" altLang="ja-JP" sz="2400" dirty="0"/>
+          </a:p>
+          <a:p>
+            <a:r>
+              <a:rPr lang="ja-JP" altLang="en-US" sz="2400" dirty="0"/>
+              <a:t>・テキストの</a:t>
+            </a:r>
+            <a:r>
+              <a:rPr lang="en-US" altLang="ja-JP" sz="2400" dirty="0"/>
+              <a:t>aggregation</a:t>
+            </a:r>
+            <a:r>
+              <a:rPr lang="ja-JP" altLang="en-US" sz="2400" dirty="0"/>
+              <a:t>特徴量</a:t>
+            </a:r>
+            <a:endParaRPr lang="en-US" altLang="ja-JP" sz="2400" dirty="0"/>
+          </a:p>
+          <a:p>
+            <a:r>
+              <a:rPr lang="ja-JP" altLang="en-US" sz="2400" dirty="0"/>
+              <a:t>・テキストの</a:t>
+            </a:r>
+            <a:r>
+              <a:rPr lang="en-US" altLang="ja-JP" sz="2400" dirty="0" err="1"/>
+              <a:t>tf-idf</a:t>
+            </a:r>
+            <a:r>
+              <a:rPr lang="en-US" altLang="ja-JP" sz="2400" dirty="0"/>
+              <a:t> -&gt; </a:t>
+            </a:r>
+            <a:r>
+              <a:rPr lang="en-US" altLang="ja-JP" sz="2400" dirty="0" err="1"/>
+              <a:t>svd</a:t>
+            </a:r>
+            <a:r>
+              <a:rPr lang="ja-JP" altLang="en-US" sz="2400" dirty="0" err="1"/>
+              <a:t>、</a:t>
+            </a:r>
+            <a:r>
+              <a:rPr lang="en-US" altLang="ja-JP" sz="2400" dirty="0"/>
+              <a:t>doc2vec</a:t>
+            </a:r>
+            <a:r>
+              <a:rPr lang="ja-JP" altLang="en-US" sz="2400" dirty="0" err="1"/>
+              <a:t>、</a:t>
+            </a:r>
+            <a:r>
+              <a:rPr lang="en-US" altLang="ja-JP" sz="2400" dirty="0" err="1"/>
+              <a:t>tf-idf+t-sne</a:t>
+            </a:r>
+            <a:endParaRPr lang="en-US" altLang="ja-JP" sz="2400" dirty="0"/>
+          </a:p>
+          <a:p>
+            <a:r>
+              <a:rPr lang="ja-JP" altLang="en-US" sz="2400" dirty="0"/>
+              <a:t>・</a:t>
+            </a:r>
+            <a:r>
+              <a:rPr lang="en-US" altLang="ja-JP" sz="2400" dirty="0"/>
+              <a:t>Target Encoding</a:t>
+            </a:r>
+          </a:p>
+          <a:p>
+            <a:r>
+              <a:rPr lang="ja-JP" altLang="en-US" sz="2400" dirty="0"/>
+              <a:t>・テキストの中に</a:t>
+            </a:r>
+            <a:r>
+              <a:rPr lang="en-US" altLang="ja-JP" sz="2400" dirty="0"/>
+              <a:t>keyword</a:t>
+            </a:r>
+            <a:r>
+              <a:rPr lang="ja-JP" altLang="en-US" sz="2400" dirty="0"/>
+              <a:t>あり、なしの</a:t>
+            </a:r>
+            <a:r>
+              <a:rPr lang="en-US" altLang="ja-JP" sz="2400" dirty="0"/>
+              <a:t>binary</a:t>
+            </a:r>
+            <a:r>
+              <a:rPr lang="ja-JP" altLang="en-US" sz="2400" dirty="0" smtClean="0"/>
+              <a:t>特徴量</a:t>
+            </a:r>
+            <a:endParaRPr lang="en-US" altLang="ja-JP" sz="2400" dirty="0" smtClean="0"/>
+          </a:p>
+          <a:p>
+            <a:endParaRPr lang="en-US" altLang="ja-JP" sz="2400" dirty="0" smtClean="0"/>
+          </a:p>
+        </p:txBody>
+      </p:sp>
+      <p:sp>
+        <p:nvSpPr>
+          <p:cNvPr id="6" name="テキスト ボックス 5"/>
+          <p:cNvSpPr txBox="1"/>
+          <p:nvPr/>
+        </p:nvSpPr>
+        <p:spPr>
+          <a:xfrm>
+            <a:off x="2003610" y="1438439"/>
+            <a:ext cx="7210727" cy="1107996"/>
+          </a:xfrm>
+          <a:prstGeom prst="rect">
+            <a:avLst/>
+          </a:prstGeom>
+          <a:noFill/>
+        </p:spPr>
+        <p:txBody>
+          <a:bodyPr wrap="square" rtlCol="0">
+            <a:spAutoFit/>
+          </a:bodyPr>
+          <a:lstStyle/>
+          <a:p>
+            <a:r>
+              <a:rPr kumimoji="1" lang="en-US" altLang="ja-JP" sz="2400" dirty="0" smtClean="0"/>
+              <a:t>EDA(</a:t>
+            </a:r>
+            <a:r>
+              <a:rPr kumimoji="1" lang="ja-JP" altLang="en-US" sz="2400" dirty="0" smtClean="0"/>
+              <a:t>探索型データ解析</a:t>
+            </a:r>
+            <a:r>
+              <a:rPr kumimoji="1" lang="en-US" altLang="ja-JP" sz="2400" dirty="0" smtClean="0"/>
+              <a:t>)</a:t>
+            </a:r>
+            <a:r>
+              <a:rPr kumimoji="1" lang="ja-JP" altLang="en-US" sz="2400" dirty="0" smtClean="0"/>
+              <a:t>を行い、再生数を予測するのに効果的な特徴量を見つける</a:t>
+            </a:r>
+            <a:r>
+              <a:rPr lang="ja-JP" altLang="en-US" sz="2400" dirty="0" smtClean="0"/>
+              <a:t>。</a:t>
+            </a:r>
+            <a:endParaRPr lang="en-US" altLang="ja-JP" sz="2400" dirty="0" smtClean="0"/>
+          </a:p>
+          <a:p>
+            <a:endParaRPr kumimoji="1" lang="en-US" altLang="ja-JP" dirty="0" smtClean="0"/>
+          </a:p>
+        </p:txBody>
+      </p:sp>
+    </p:spTree>
+    <p:extLst>
+      <p:ext uri="{BB962C8B-B14F-4D97-AF65-F5344CB8AC3E}">
+        <p14:creationId xmlns:p14="http://schemas.microsoft.com/office/powerpoint/2010/main" val="2653347254"/>
       </p:ext>
     </p:extLst>
   </p:cSld>
@@ -5652,7 +6129,7 @@
           <p:cNvPr id="2" name="テキスト ボックス 1">
             <a:extLst>
               <a:ext uri="{FF2B5EF4-FFF2-40B4-BE49-F238E27FC236}">
-                <a16:creationId xmlns:a16="http://schemas.microsoft.com/office/drawing/2014/main" id="{E7168466-B6A2-4447-84A6-4F4CFFEEF700}"/>
+                <a16:creationId xmlns:a16="http://schemas.microsoft.com/office/drawing/2014/main" id="{E228DF88-6D15-5843-BA10-9257189A60A9}"/>
               </a:ext>
             </a:extLst>
           </p:cNvPr>
@@ -5661,7 +6138,7 @@
         </p:nvSpPr>
         <p:spPr>
           <a:xfrm>
-            <a:off x="3968544" y="612751"/>
+            <a:off x="5205674" y="633068"/>
             <a:ext cx="4534328" cy="584775"/>
           </a:xfrm>
           <a:prstGeom prst="rect">
@@ -5677,7 +6154,7 @@
           <a:p>
             <a:r>
               <a:rPr kumimoji="1" lang="ja-JP" altLang="en-US" sz="3200"/>
-              <a:t>アプローチ・方法</a:t>
+              <a:t>進捗状況</a:t>
             </a:r>
           </a:p>
         </p:txBody>
@@ -5687,7 +6164,7 @@
           <p:cNvPr id="3" name="正方形/長方形 2">
             <a:extLst>
               <a:ext uri="{FF2B5EF4-FFF2-40B4-BE49-F238E27FC236}">
-                <a16:creationId xmlns:a16="http://schemas.microsoft.com/office/drawing/2014/main" id="{239722ED-18AF-B440-9963-428DDB1DA1DF}"/>
+                <a16:creationId xmlns:a16="http://schemas.microsoft.com/office/drawing/2014/main" id="{9E1FD1D3-C49F-F146-B181-76C5A130F93C}"/>
               </a:ext>
             </a:extLst>
           </p:cNvPr>
@@ -5714,7 +6191,7 @@
               <a:t>YouTube</a:t>
             </a:r>
             <a:r>
-              <a:rPr lang="ja-JP" altLang="en-US"/>
+              <a:rPr lang="ja-JP" altLang="en-US" dirty="0"/>
               <a:t>動画の再生数を予測する</a:t>
             </a:r>
           </a:p>
@@ -5722,20 +6199,14 @@
       </p:sp>
       <p:sp>
         <p:nvSpPr>
-          <p:cNvPr id="4" name="テキスト ボックス 3">
-            <a:extLst>
-              <a:ext uri="{FF2B5EF4-FFF2-40B4-BE49-F238E27FC236}">
-                <a16:creationId xmlns:a16="http://schemas.microsoft.com/office/drawing/2014/main" id="{0532C71D-B41A-7C49-AA67-DB4FD682D7B6}"/>
-              </a:ext>
-            </a:extLst>
-          </p:cNvPr>
+          <p:cNvPr id="5" name="テキスト ボックス 4"/>
           <p:cNvSpPr txBox="1"/>
           <p:nvPr/>
         </p:nvSpPr>
         <p:spPr>
           <a:xfrm>
-            <a:off x="1902757" y="2593732"/>
-            <a:ext cx="7678271" cy="2308324"/>
+            <a:off x="1679330" y="1125415"/>
+            <a:ext cx="9873761" cy="5262979"/>
           </a:xfrm>
           <a:prstGeom prst="rect">
             <a:avLst/>
@@ -5749,349 +6220,372 @@
           <a:lstStyle/>
           <a:p>
             <a:r>
-              <a:rPr kumimoji="1" lang="ja-JP" altLang="en-US" dirty="0" smtClean="0"/>
-              <a:t>以下の特徴量</a:t>
-            </a:r>
-            <a:r>
-              <a:rPr lang="ja-JP" altLang="en-US" dirty="0" smtClean="0"/>
-              <a:t>を用意する</a:t>
-            </a:r>
-            <a:endParaRPr kumimoji="1" lang="en-US" altLang="ja-JP" dirty="0"/>
-          </a:p>
-          <a:p>
-            <a:r>
-              <a:rPr lang="ja-JP" altLang="en-US" dirty="0"/>
+              <a:rPr lang="ja-JP" altLang="en-US" sz="2400" dirty="0" smtClean="0"/>
+              <a:t>特徴量について</a:t>
+            </a:r>
+            <a:endParaRPr kumimoji="1" lang="en-US" altLang="ja-JP" sz="2400" dirty="0" smtClean="0"/>
+          </a:p>
+          <a:p>
+            <a:r>
+              <a:rPr kumimoji="1" lang="ja-JP" altLang="en-US" sz="2400" dirty="0" smtClean="0"/>
+              <a:t>〇</a:t>
+            </a:r>
+            <a:r>
+              <a:rPr kumimoji="1" lang="ja-JP" altLang="en-US" sz="2400" dirty="0" smtClean="0"/>
+              <a:t>・データ収集。</a:t>
+            </a:r>
+            <a:r>
+              <a:rPr kumimoji="1" lang="en-US" altLang="ja-JP" sz="2400" dirty="0" err="1" smtClean="0"/>
+              <a:t>Probspace</a:t>
+            </a:r>
+            <a:r>
+              <a:rPr lang="ja-JP" altLang="en-US" sz="2400" dirty="0" smtClean="0"/>
+              <a:t> </a:t>
+            </a:r>
+            <a:r>
+              <a:rPr lang="en-US" altLang="ja-JP" sz="2400" dirty="0" smtClean="0"/>
+              <a:t>YouTube</a:t>
+            </a:r>
+            <a:r>
+              <a:rPr lang="ja-JP" altLang="en-US" sz="2400" dirty="0" smtClean="0"/>
+              <a:t>動画視聴回数予測コンペ</a:t>
+            </a:r>
+            <a:endParaRPr lang="en-US" altLang="ja-JP" sz="2400" dirty="0" smtClean="0"/>
+          </a:p>
+          <a:p>
+            <a:r>
+              <a:rPr kumimoji="1" lang="ja-JP" altLang="en-US" sz="2400" dirty="0" smtClean="0"/>
+              <a:t>〇・収集したデータを</a:t>
+            </a:r>
+            <a:r>
+              <a:rPr lang="en-US" altLang="ja-JP" sz="2400" dirty="0" smtClean="0"/>
+              <a:t>EDA(</a:t>
+            </a:r>
+            <a:r>
+              <a:rPr lang="ja-JP" altLang="en-US" sz="2400" dirty="0" smtClean="0"/>
+              <a:t>探索型データ解析</a:t>
+            </a:r>
+            <a:r>
+              <a:rPr lang="en-US" altLang="ja-JP" sz="2400" dirty="0" smtClean="0"/>
+              <a:t>)</a:t>
+            </a:r>
+            <a:r>
+              <a:rPr lang="ja-JP" altLang="en-US" sz="2400" dirty="0" smtClean="0"/>
+              <a:t>を行う</a:t>
+            </a:r>
+            <a:endParaRPr lang="en-US" altLang="ja-JP" sz="2400" dirty="0" smtClean="0"/>
+          </a:p>
+          <a:p>
+            <a:r>
+              <a:rPr lang="ja-JP" altLang="en-US" sz="2400" dirty="0" smtClean="0"/>
+              <a:t>〇・特徴量エンジニアリング</a:t>
+            </a:r>
+            <a:endParaRPr lang="en-US" altLang="ja-JP" sz="2400" dirty="0" smtClean="0"/>
+          </a:p>
+          <a:p>
+            <a:r>
+              <a:rPr kumimoji="1" lang="ja-JP" altLang="en-US" sz="2400" dirty="0"/>
+              <a:t>　</a:t>
+            </a:r>
+            <a:r>
+              <a:rPr kumimoji="1" lang="ja-JP" altLang="en-US" sz="2400" dirty="0" smtClean="0"/>
               <a:t>・</a:t>
             </a:r>
             <a:r>
-              <a:rPr lang="en-US" altLang="ja-JP" dirty="0" smtClean="0"/>
-              <a:t>dislikes(</a:t>
-            </a:r>
-            <a:r>
-              <a:rPr lang="ja-JP" altLang="en-US" dirty="0" smtClean="0"/>
-              <a:t>低評価数</a:t>
-            </a:r>
-            <a:r>
-              <a:rPr lang="en-US" altLang="ja-JP" dirty="0" smtClean="0"/>
+              <a:rPr kumimoji="1" lang="en-US" altLang="ja-JP" sz="2400" dirty="0" smtClean="0"/>
+              <a:t>numerical data(dislikes, likes, </a:t>
+            </a:r>
+            <a:r>
+              <a:rPr kumimoji="1" lang="en-US" altLang="ja-JP" sz="2400" dirty="0" err="1" smtClean="0"/>
+              <a:t>comment_count</a:t>
+            </a:r>
+            <a:r>
+              <a:rPr kumimoji="1" lang="en-US" altLang="ja-JP" sz="2400" dirty="0" smtClean="0"/>
               <a:t>)</a:t>
             </a:r>
             <a:r>
-              <a:rPr lang="ja-JP" altLang="en-US" dirty="0" err="1" smtClean="0"/>
+              <a:rPr kumimoji="1" lang="ja-JP" altLang="en-US" sz="2400" dirty="0" smtClean="0"/>
+              <a:t>の</a:t>
+            </a:r>
+            <a:r>
+              <a:rPr kumimoji="1" lang="en-US" altLang="ja-JP" sz="2400" dirty="0" smtClean="0"/>
+              <a:t>aggregation</a:t>
+            </a:r>
+            <a:r>
+              <a:rPr kumimoji="1" lang="ja-JP" altLang="en-US" sz="2400" dirty="0" smtClean="0"/>
+              <a:t>特</a:t>
+            </a:r>
+            <a:endParaRPr kumimoji="1" lang="en-US" altLang="ja-JP" sz="2400" dirty="0" smtClean="0"/>
+          </a:p>
+          <a:p>
+            <a:r>
+              <a:rPr lang="ja-JP" altLang="en-US" sz="2400" dirty="0"/>
+              <a:t>　</a:t>
+            </a:r>
+            <a:r>
+              <a:rPr lang="ja-JP" altLang="en-US" sz="2400" dirty="0" smtClean="0"/>
+              <a:t>　</a:t>
+            </a:r>
+            <a:r>
+              <a:rPr kumimoji="1" lang="ja-JP" altLang="en-US" sz="2400" dirty="0" smtClean="0"/>
+              <a:t>徴量</a:t>
+            </a:r>
+            <a:r>
+              <a:rPr kumimoji="1" lang="ja-JP" altLang="en-US" sz="2400" dirty="0" smtClean="0"/>
+              <a:t>を作成</a:t>
+            </a:r>
+            <a:endParaRPr lang="en-US" altLang="ja-JP" sz="2400" dirty="0" smtClean="0"/>
+          </a:p>
+          <a:p>
+            <a:r>
+              <a:rPr lang="ja-JP" altLang="en-US" sz="2400" dirty="0"/>
+              <a:t>　</a:t>
+            </a:r>
+            <a:r>
+              <a:rPr lang="ja-JP" altLang="en-US" sz="2400" dirty="0" smtClean="0"/>
+              <a:t>・</a:t>
+            </a:r>
+            <a:r>
+              <a:rPr lang="en-US" altLang="ja-JP" sz="2400" dirty="0" smtClean="0"/>
+              <a:t>text data</a:t>
+            </a:r>
+            <a:r>
+              <a:rPr lang="ja-JP" altLang="en-US" sz="2400" dirty="0" smtClean="0"/>
+              <a:t>は</a:t>
+            </a:r>
+            <a:r>
+              <a:rPr lang="en-US" altLang="ja-JP" sz="2400" dirty="0" err="1" smtClean="0"/>
+              <a:t>tf-idf</a:t>
+            </a:r>
+            <a:r>
+              <a:rPr lang="ja-JP" altLang="en-US" sz="2400" dirty="0" smtClean="0"/>
+              <a:t>特徴量を</a:t>
+            </a:r>
+            <a:r>
+              <a:rPr lang="en-US" altLang="ja-JP" sz="2400" dirty="0" err="1" smtClean="0"/>
+              <a:t>svd</a:t>
+            </a:r>
+            <a:r>
+              <a:rPr lang="ja-JP" altLang="en-US" sz="2400" dirty="0" smtClean="0"/>
+              <a:t>特徴量に変換、</a:t>
+            </a:r>
+            <a:r>
+              <a:rPr lang="ja-JP" altLang="en-US" sz="2400" dirty="0" smtClean="0"/>
+              <a:t>そして</a:t>
+            </a:r>
+            <a:r>
+              <a:rPr lang="en-US" altLang="ja-JP" sz="2400" dirty="0" smtClean="0"/>
+              <a:t>aggregation</a:t>
+            </a:r>
+            <a:r>
+              <a:rPr lang="ja-JP" altLang="en-US" sz="2400" dirty="0" smtClean="0"/>
+              <a:t>特</a:t>
+            </a:r>
+            <a:endParaRPr lang="en-US" altLang="ja-JP" sz="2400" dirty="0" smtClean="0"/>
+          </a:p>
+          <a:p>
+            <a:r>
+              <a:rPr lang="ja-JP" altLang="en-US" sz="2400" dirty="0"/>
+              <a:t>　</a:t>
+            </a:r>
+            <a:r>
+              <a:rPr lang="ja-JP" altLang="en-US" sz="2400" dirty="0" smtClean="0"/>
+              <a:t>　</a:t>
+            </a:r>
+            <a:r>
+              <a:rPr lang="ja-JP" altLang="en-US" sz="2400" dirty="0" smtClean="0"/>
+              <a:t>徴量</a:t>
+            </a:r>
+            <a:r>
+              <a:rPr lang="ja-JP" altLang="en-US" sz="2400" dirty="0" smtClean="0"/>
+              <a:t>を作成</a:t>
+            </a:r>
+            <a:endParaRPr lang="en-US" altLang="ja-JP" sz="2400" dirty="0" smtClean="0"/>
+          </a:p>
+          <a:p>
+            <a:r>
+              <a:rPr kumimoji="1" lang="ja-JP" altLang="en-US" sz="2400" dirty="0"/>
+              <a:t>　</a:t>
+            </a:r>
+            <a:r>
+              <a:rPr kumimoji="1" lang="ja-JP" altLang="en-US" sz="2400" dirty="0" smtClean="0"/>
+              <a:t>・</a:t>
+            </a:r>
+            <a:r>
+              <a:rPr lang="en-US" altLang="ja-JP" sz="2400" dirty="0" smtClean="0"/>
+              <a:t>Target </a:t>
+            </a:r>
+            <a:r>
+              <a:rPr lang="en-US" altLang="ja-JP" sz="2400" dirty="0" smtClean="0"/>
+              <a:t>Encoding</a:t>
+            </a:r>
+            <a:endParaRPr kumimoji="1" lang="en-US" altLang="ja-JP" sz="2400" dirty="0" smtClean="0"/>
+          </a:p>
+          <a:p>
+            <a:r>
+              <a:rPr lang="ja-JP" altLang="en-US" sz="2400" dirty="0" smtClean="0"/>
+              <a:t>モデル</a:t>
+            </a:r>
+            <a:r>
+              <a:rPr lang="ja-JP" altLang="en-US" sz="2400" dirty="0" smtClean="0"/>
+              <a:t>について</a:t>
+            </a:r>
+            <a:endParaRPr lang="en-US" altLang="ja-JP" sz="2400" dirty="0" smtClean="0"/>
+          </a:p>
+          <a:p>
+            <a:r>
+              <a:rPr lang="ja-JP" altLang="en-US" sz="2400" dirty="0"/>
+              <a:t>　</a:t>
+            </a:r>
+            <a:r>
+              <a:rPr lang="en-US" altLang="ja-JP" sz="2400" dirty="0" smtClean="0"/>
+              <a:t>×</a:t>
+            </a:r>
+            <a:r>
+              <a:rPr lang="ja-JP" altLang="en-US" sz="2400" dirty="0" smtClean="0"/>
+              <a:t>・</a:t>
+            </a:r>
+            <a:r>
+              <a:rPr lang="en-US" altLang="ja-JP" sz="2400" dirty="0" err="1" smtClean="0"/>
+              <a:t>LightGBM</a:t>
+            </a:r>
+            <a:r>
+              <a:rPr lang="ja-JP" altLang="en-US" sz="2400" dirty="0" smtClean="0"/>
+              <a:t>をメインとして</a:t>
+            </a:r>
+            <a:r>
+              <a:rPr lang="en-US" altLang="ja-JP" sz="2400" dirty="0" smtClean="0"/>
+              <a:t>NN</a:t>
+            </a:r>
+            <a:r>
+              <a:rPr lang="ja-JP" altLang="en-US" sz="2400" dirty="0" err="1" smtClean="0"/>
               <a:t>、</a:t>
             </a:r>
             <a:r>
-              <a:rPr lang="en-US" altLang="ja-JP" dirty="0" smtClean="0"/>
-              <a:t>likes(</a:t>
-            </a:r>
-            <a:r>
-              <a:rPr lang="ja-JP" altLang="en-US" dirty="0" smtClean="0"/>
-              <a:t>高評価数</a:t>
-            </a:r>
-            <a:r>
-              <a:rPr lang="en-US" altLang="ja-JP" dirty="0" smtClean="0"/>
-              <a:t>)</a:t>
-            </a:r>
-            <a:r>
-              <a:rPr lang="ja-JP" altLang="en-US" dirty="0" err="1" smtClean="0"/>
+              <a:rPr lang="en-US" altLang="ja-JP" sz="2400" dirty="0" smtClean="0"/>
+              <a:t>RF(</a:t>
+            </a:r>
+            <a:r>
+              <a:rPr lang="en-US" altLang="ja-JP" sz="2400" dirty="0" err="1" smtClean="0"/>
+              <a:t>lightGBM</a:t>
+            </a:r>
+            <a:r>
+              <a:rPr lang="en-US" altLang="ja-JP" sz="2400" dirty="0" smtClean="0"/>
+              <a:t> </a:t>
+            </a:r>
+            <a:r>
+              <a:rPr lang="en-US" altLang="ja-JP" sz="2400" dirty="0" err="1" smtClean="0"/>
+              <a:t>rf</a:t>
+            </a:r>
+            <a:r>
+              <a:rPr lang="en-US" altLang="ja-JP" sz="2400" dirty="0" smtClean="0"/>
+              <a:t> mode) </a:t>
+            </a:r>
+            <a:r>
+              <a:rPr lang="ja-JP" altLang="en-US" sz="2400" dirty="0" smtClean="0"/>
+              <a:t>の</a:t>
+            </a:r>
+            <a:endParaRPr lang="en-US" altLang="ja-JP" sz="2400" dirty="0" smtClean="0"/>
+          </a:p>
+          <a:p>
+            <a:r>
+              <a:rPr lang="ja-JP" altLang="en-US" sz="2400" dirty="0"/>
+              <a:t>　</a:t>
+            </a:r>
+            <a:r>
+              <a:rPr lang="ja-JP" altLang="en-US" sz="2400" dirty="0" smtClean="0"/>
+              <a:t>　　</a:t>
+            </a:r>
+            <a:r>
+              <a:rPr lang="en-US" altLang="ja-JP" sz="2400" dirty="0" smtClean="0"/>
+              <a:t>Linear </a:t>
+            </a:r>
+            <a:r>
+              <a:rPr lang="en-US" altLang="ja-JP" sz="2400" dirty="0" smtClean="0"/>
+              <a:t>Regression</a:t>
+            </a:r>
+            <a:r>
+              <a:rPr lang="ja-JP" altLang="en-US" sz="2400" dirty="0" smtClean="0"/>
+              <a:t>による</a:t>
+            </a:r>
+            <a:r>
+              <a:rPr lang="en-US" altLang="ja-JP" sz="2400" dirty="0" smtClean="0"/>
+              <a:t>Stacking</a:t>
+            </a:r>
+            <a:r>
+              <a:rPr lang="ja-JP" altLang="en-US" sz="2400" dirty="0" smtClean="0"/>
+              <a:t>を行う。</a:t>
+            </a:r>
+            <a:endParaRPr lang="en-US" altLang="ja-JP" sz="2400" dirty="0" smtClean="0"/>
+          </a:p>
+          <a:p>
+            <a:r>
+              <a:rPr lang="ja-JP" altLang="en-US" sz="2400" dirty="0"/>
+              <a:t>　</a:t>
+            </a:r>
+            <a:r>
+              <a:rPr lang="en-US" altLang="ja-JP" sz="2400" dirty="0" smtClean="0"/>
+              <a:t>×</a:t>
+            </a:r>
+            <a:r>
+              <a:rPr lang="ja-JP" altLang="en-US" sz="2400" dirty="0" smtClean="0"/>
+              <a:t>・</a:t>
+            </a:r>
+            <a:r>
+              <a:rPr lang="ja-JP" altLang="en-US" sz="2400" dirty="0" smtClean="0"/>
+              <a:t>シングルモデルでは、</a:t>
+            </a:r>
+            <a:r>
+              <a:rPr lang="en-US" altLang="ja-JP" sz="2400" dirty="0" err="1" smtClean="0"/>
+              <a:t>LightGBM</a:t>
+            </a:r>
+            <a:r>
+              <a:rPr lang="ja-JP" altLang="en-US" sz="2400" dirty="0" err="1" smtClean="0"/>
               <a:t>、</a:t>
             </a:r>
             <a:r>
-              <a:rPr lang="en-US" altLang="ja-JP" dirty="0" err="1" smtClean="0"/>
-              <a:t>comment_count</a:t>
-            </a:r>
-            <a:r>
-              <a:rPr lang="en-US" altLang="ja-JP" dirty="0" smtClean="0"/>
-              <a:t>(</a:t>
-            </a:r>
-            <a:r>
-              <a:rPr lang="ja-JP" altLang="en-US" dirty="0" smtClean="0"/>
-              <a:t>コメント数</a:t>
-            </a:r>
-            <a:r>
-              <a:rPr lang="en-US" altLang="ja-JP" dirty="0" smtClean="0"/>
-              <a:t>)</a:t>
-            </a:r>
-            <a:r>
-              <a:rPr lang="ja-JP" altLang="en-US" dirty="0" smtClean="0"/>
-              <a:t>の</a:t>
-            </a:r>
-            <a:r>
-              <a:rPr lang="ja-JP" altLang="en-US" dirty="0"/>
-              <a:t>四則演算等の</a:t>
-            </a:r>
-            <a:r>
-              <a:rPr lang="en-US" altLang="ja-JP" dirty="0" smtClean="0"/>
-              <a:t>aggregation(</a:t>
-            </a:r>
-            <a:r>
-              <a:rPr lang="ja-JP" altLang="en-US" dirty="0" smtClean="0"/>
-              <a:t>集計</a:t>
-            </a:r>
-            <a:r>
-              <a:rPr lang="en-US" altLang="ja-JP" dirty="0" smtClean="0"/>
-              <a:t>)</a:t>
-            </a:r>
-            <a:r>
-              <a:rPr lang="ja-JP" altLang="en-US" dirty="0" smtClean="0"/>
-              <a:t>特徴量</a:t>
-            </a:r>
-            <a:endParaRPr lang="en-US" altLang="ja-JP" dirty="0"/>
-          </a:p>
-          <a:p>
-            <a:r>
-              <a:rPr lang="ja-JP" altLang="en-US" dirty="0"/>
+              <a:rPr lang="en-US" altLang="ja-JP" sz="2400" dirty="0" err="1" smtClean="0"/>
+              <a:t>XGBoost</a:t>
+            </a:r>
+            <a:r>
+              <a:rPr lang="ja-JP" altLang="en-US" sz="2400" dirty="0" err="1" smtClean="0"/>
+              <a:t>、</a:t>
+            </a:r>
+            <a:r>
+              <a:rPr lang="en-US" altLang="ja-JP" sz="2400" dirty="0" err="1" smtClean="0"/>
+              <a:t>CatBoost</a:t>
+            </a:r>
+            <a:r>
+              <a:rPr lang="ja-JP" altLang="en-US" sz="2400" dirty="0" smtClean="0"/>
+              <a:t>を試す</a:t>
+            </a:r>
+            <a:endParaRPr lang="en-US" altLang="ja-JP" sz="2400" dirty="0" smtClean="0"/>
+          </a:p>
+          <a:p>
+            <a:r>
+              <a:rPr lang="ja-JP" altLang="en-US" sz="2400" dirty="0"/>
+              <a:t>　</a:t>
+            </a:r>
+            <a:r>
+              <a:rPr lang="en-US" altLang="ja-JP" sz="2400" dirty="0" smtClean="0"/>
+              <a:t>×</a:t>
+            </a:r>
+            <a:r>
+              <a:rPr lang="ja-JP" altLang="en-US" sz="2400" dirty="0" smtClean="0"/>
               <a:t>・</a:t>
             </a:r>
             <a:r>
-              <a:rPr lang="en-US" altLang="ja-JP" dirty="0"/>
-              <a:t>dislikes</a:t>
-            </a:r>
-            <a:r>
-              <a:rPr lang="ja-JP" altLang="en-US" dirty="0" err="1"/>
-              <a:t>、</a:t>
-            </a:r>
-            <a:r>
-              <a:rPr lang="en-US" altLang="ja-JP" dirty="0"/>
-              <a:t>likes</a:t>
-            </a:r>
-            <a:r>
-              <a:rPr lang="ja-JP" altLang="en-US" dirty="0" err="1"/>
-              <a:t>、</a:t>
-            </a:r>
-            <a:r>
-              <a:rPr lang="en-US" altLang="ja-JP" dirty="0" err="1"/>
-              <a:t>comment_count</a:t>
-            </a:r>
-            <a:r>
-              <a:rPr lang="ja-JP" altLang="en-US" dirty="0"/>
-              <a:t>の予測数</a:t>
-            </a:r>
-            <a:endParaRPr lang="en-US" altLang="ja-JP" dirty="0"/>
-          </a:p>
-          <a:p>
-            <a:r>
-              <a:rPr lang="ja-JP" altLang="en-US" dirty="0"/>
-              <a:t>・テキストの</a:t>
-            </a:r>
-            <a:r>
-              <a:rPr lang="en-US" altLang="ja-JP" dirty="0"/>
-              <a:t>aggregation</a:t>
-            </a:r>
-            <a:r>
-              <a:rPr lang="ja-JP" altLang="en-US" dirty="0"/>
-              <a:t>特徴量</a:t>
-            </a:r>
-            <a:endParaRPr lang="en-US" altLang="ja-JP" dirty="0"/>
-          </a:p>
-          <a:p>
-            <a:r>
-              <a:rPr lang="ja-JP" altLang="en-US" dirty="0"/>
-              <a:t>・テキストの</a:t>
-            </a:r>
-            <a:r>
-              <a:rPr lang="en-US" altLang="ja-JP" dirty="0" err="1"/>
-              <a:t>tf-idf</a:t>
-            </a:r>
-            <a:r>
-              <a:rPr lang="en-US" altLang="ja-JP" dirty="0"/>
-              <a:t> -&gt; </a:t>
-            </a:r>
-            <a:r>
-              <a:rPr lang="en-US" altLang="ja-JP" dirty="0" err="1"/>
-              <a:t>svd</a:t>
-            </a:r>
-            <a:r>
-              <a:rPr lang="ja-JP" altLang="en-US" dirty="0" err="1"/>
-              <a:t>、</a:t>
-            </a:r>
-            <a:r>
-              <a:rPr lang="en-US" altLang="ja-JP" dirty="0"/>
-              <a:t>doc2vec</a:t>
-            </a:r>
-            <a:r>
-              <a:rPr lang="ja-JP" altLang="en-US" dirty="0" err="1"/>
-              <a:t>、</a:t>
-            </a:r>
-            <a:r>
-              <a:rPr lang="en-US" altLang="ja-JP" dirty="0" err="1"/>
-              <a:t>tf-idf+t-sne</a:t>
-            </a:r>
-            <a:endParaRPr lang="en-US" altLang="ja-JP" dirty="0"/>
-          </a:p>
-          <a:p>
-            <a:r>
-              <a:rPr lang="ja-JP" altLang="en-US" dirty="0"/>
-              <a:t>・</a:t>
-            </a:r>
-            <a:r>
-              <a:rPr lang="en-US" altLang="ja-JP" dirty="0"/>
-              <a:t>Target Encoding</a:t>
-            </a:r>
-          </a:p>
-          <a:p>
-            <a:r>
-              <a:rPr lang="ja-JP" altLang="en-US" dirty="0"/>
-              <a:t>・テキストの中に</a:t>
-            </a:r>
-            <a:r>
-              <a:rPr lang="en-US" altLang="ja-JP" dirty="0"/>
-              <a:t>keyword</a:t>
-            </a:r>
-            <a:r>
-              <a:rPr lang="ja-JP" altLang="en-US" dirty="0"/>
-              <a:t>あり、なしの</a:t>
-            </a:r>
-            <a:r>
-              <a:rPr lang="en-US" altLang="ja-JP" dirty="0"/>
-              <a:t>binary</a:t>
-            </a:r>
-            <a:r>
-              <a:rPr lang="ja-JP" altLang="en-US" dirty="0"/>
-              <a:t>特徴量</a:t>
-            </a:r>
-            <a:endParaRPr lang="en-US" altLang="ja-JP" dirty="0"/>
-          </a:p>
-        </p:txBody>
-      </p:sp>
-      <p:sp>
-        <p:nvSpPr>
-          <p:cNvPr id="5" name="テキスト ボックス 4">
-            <a:extLst>
-              <a:ext uri="{FF2B5EF4-FFF2-40B4-BE49-F238E27FC236}">
-                <a16:creationId xmlns:a16="http://schemas.microsoft.com/office/drawing/2014/main" id="{55E70261-F4DE-084D-9D57-D8CC7C281D10}"/>
-              </a:ext>
-            </a:extLst>
-          </p:cNvPr>
-          <p:cNvSpPr txBox="1"/>
-          <p:nvPr/>
-        </p:nvSpPr>
-        <p:spPr>
-          <a:xfrm>
-            <a:off x="2003611" y="5273650"/>
-            <a:ext cx="7476565" cy="923330"/>
-          </a:xfrm>
-          <a:prstGeom prst="rect">
-            <a:avLst/>
-          </a:prstGeom>
-          <a:noFill/>
-        </p:spPr>
-        <p:txBody>
-          <a:bodyPr wrap="square" rtlCol="0">
-            <a:spAutoFit/>
-          </a:bodyPr>
-          <a:lstStyle/>
-          <a:p>
-            <a:r>
-              <a:rPr kumimoji="1" lang="ja-JP" altLang="en-US" dirty="0" smtClean="0"/>
-              <a:t>使用するモデル</a:t>
-            </a:r>
-            <a:r>
-              <a:rPr kumimoji="1" lang="ja-JP" altLang="en-US" dirty="0"/>
-              <a:t>について</a:t>
-            </a:r>
-            <a:endParaRPr kumimoji="1" lang="en-US" altLang="ja-JP" dirty="0"/>
-          </a:p>
-          <a:p>
-            <a:r>
-              <a:rPr lang="ja-JP" altLang="en-US" dirty="0"/>
-              <a:t>・シングルモデルでは</a:t>
-            </a:r>
-            <a:r>
-              <a:rPr lang="en-US" altLang="ja-JP" dirty="0" err="1"/>
-              <a:t>LightGBM</a:t>
-            </a:r>
-            <a:r>
-              <a:rPr lang="ja-JP" altLang="en-US" dirty="0" err="1"/>
-              <a:t>、</a:t>
-            </a:r>
-            <a:r>
-              <a:rPr lang="en-US" altLang="ja-JP" dirty="0"/>
-              <a:t>XGB</a:t>
-            </a:r>
-            <a:r>
-              <a:rPr lang="ja-JP" altLang="en-US" dirty="0" err="1"/>
-              <a:t>、</a:t>
-            </a:r>
-            <a:r>
-              <a:rPr lang="en-US" altLang="ja-JP" dirty="0" err="1"/>
-              <a:t>Catboost</a:t>
-            </a:r>
-            <a:endParaRPr lang="en-US" altLang="ja-JP" dirty="0"/>
-          </a:p>
-          <a:p>
-            <a:r>
-              <a:rPr kumimoji="1" lang="ja-JP" altLang="en-US" dirty="0"/>
-              <a:t>・</a:t>
-            </a:r>
-            <a:r>
-              <a:rPr kumimoji="1" lang="en-US" altLang="ja-JP" dirty="0"/>
-              <a:t>Stacking(</a:t>
-            </a:r>
-            <a:r>
-              <a:rPr kumimoji="1" lang="ja-JP" altLang="en-US" dirty="0"/>
-              <a:t>まだ考え中</a:t>
-            </a:r>
-            <a:r>
-              <a:rPr kumimoji="1" lang="en-US" altLang="ja-JP" dirty="0"/>
-              <a:t>)</a:t>
-            </a:r>
-            <a:endParaRPr kumimoji="1" lang="ja-JP" altLang="en-US" dirty="0"/>
-          </a:p>
-        </p:txBody>
-      </p:sp>
-      <p:sp>
-        <p:nvSpPr>
-          <p:cNvPr id="6" name="テキスト ボックス 5"/>
-          <p:cNvSpPr txBox="1"/>
-          <p:nvPr/>
-        </p:nvSpPr>
-        <p:spPr>
-          <a:xfrm>
-            <a:off x="2003611" y="1438439"/>
-            <a:ext cx="6595266" cy="923330"/>
-          </a:xfrm>
-          <a:prstGeom prst="rect">
-            <a:avLst/>
-          </a:prstGeom>
-          <a:noFill/>
-        </p:spPr>
-        <p:txBody>
-          <a:bodyPr wrap="square" rtlCol="0">
-            <a:spAutoFit/>
-          </a:bodyPr>
-          <a:lstStyle/>
-          <a:p>
-            <a:r>
-              <a:rPr kumimoji="1" lang="en-US" altLang="ja-JP" dirty="0" smtClean="0"/>
-              <a:t>EDA(</a:t>
-            </a:r>
-            <a:r>
-              <a:rPr kumimoji="1" lang="ja-JP" altLang="en-US" dirty="0" smtClean="0"/>
-              <a:t>探索型データ解析</a:t>
-            </a:r>
-            <a:r>
-              <a:rPr kumimoji="1" lang="en-US" altLang="ja-JP" dirty="0" smtClean="0"/>
-              <a:t>)</a:t>
-            </a:r>
-            <a:r>
-              <a:rPr kumimoji="1" lang="ja-JP" altLang="en-US" dirty="0" smtClean="0"/>
-              <a:t>を行い、再生数を予測するのに効果的な特徴量を見つける</a:t>
-            </a:r>
-            <a:r>
-              <a:rPr lang="ja-JP" altLang="en-US" dirty="0" smtClean="0"/>
-              <a:t>。</a:t>
-            </a:r>
-            <a:endParaRPr lang="en-US" altLang="ja-JP" dirty="0" smtClean="0"/>
-          </a:p>
-          <a:p>
-            <a:endParaRPr kumimoji="1" lang="en-US" altLang="ja-JP" dirty="0" smtClean="0"/>
+              <a:rPr lang="ja-JP" altLang="en-US" sz="2400" dirty="0" smtClean="0"/>
+              <a:t>各々のモデルのパラメータ調整</a:t>
+            </a:r>
+            <a:endParaRPr lang="en-US" altLang="ja-JP" sz="2400" dirty="0" smtClean="0"/>
           </a:p>
         </p:txBody>
       </p:sp>
     </p:spTree>
     <p:extLst>
       <p:ext uri="{BB962C8B-B14F-4D97-AF65-F5344CB8AC3E}">
-        <p14:creationId xmlns:p14="http://schemas.microsoft.com/office/powerpoint/2010/main" val="2653347254"/>
+        <p14:creationId xmlns:p14="http://schemas.microsoft.com/office/powerpoint/2010/main" val="3850791543"/>
       </p:ext>
     </p:extLst>
   </p:cSld>
@@ -6120,20 +6614,14 @@
       </p:grpSpPr>
       <p:sp>
         <p:nvSpPr>
-          <p:cNvPr id="2" name="テキスト ボックス 1">
-            <a:extLst>
-              <a:ext uri="{FF2B5EF4-FFF2-40B4-BE49-F238E27FC236}">
-                <a16:creationId xmlns:a16="http://schemas.microsoft.com/office/drawing/2014/main" id="{E228DF88-6D15-5843-BA10-9257189A60A9}"/>
-              </a:ext>
-            </a:extLst>
-          </p:cNvPr>
+          <p:cNvPr id="2" name="テキスト ボックス 1"/>
           <p:cNvSpPr txBox="1"/>
           <p:nvPr/>
         </p:nvSpPr>
         <p:spPr>
           <a:xfrm>
-            <a:off x="5205674" y="633068"/>
-            <a:ext cx="4534328" cy="584775"/>
+            <a:off x="4141177" y="1248535"/>
+            <a:ext cx="5081954" cy="523220"/>
           </a:xfrm>
           <a:prstGeom prst="rect">
             <a:avLst/>
@@ -6147,9 +6635,10 @@
           <a:lstStyle/>
           <a:p>
             <a:r>
-              <a:rPr kumimoji="1" lang="ja-JP" altLang="en-US" sz="3200"/>
-              <a:t>進捗状況</a:t>
-            </a:r>
+              <a:rPr lang="ja-JP" altLang="en-US" sz="2800" dirty="0" smtClean="0"/>
+              <a:t>今後の進め方について</a:t>
+            </a:r>
+            <a:endParaRPr kumimoji="1" lang="ja-JP" altLang="en-US" sz="2800" dirty="0"/>
           </a:p>
         </p:txBody>
       </p:sp>
@@ -6193,14 +6682,14 @@
       </p:sp>
       <p:sp>
         <p:nvSpPr>
-          <p:cNvPr id="5" name="テキスト ボックス 4"/>
+          <p:cNvPr id="4" name="テキスト ボックス 3"/>
           <p:cNvSpPr txBox="1"/>
           <p:nvPr/>
         </p:nvSpPr>
         <p:spPr>
           <a:xfrm>
-            <a:off x="1679331" y="1591408"/>
-            <a:ext cx="8985738" cy="3416320"/>
+            <a:off x="1916723" y="2769578"/>
+            <a:ext cx="10084777" cy="1815882"/>
           </a:xfrm>
           <a:prstGeom prst="rect">
             <a:avLst/>
@@ -6214,469 +6703,71 @@
           <a:lstStyle/>
           <a:p>
             <a:r>
-              <a:rPr kumimoji="1" lang="ja-JP" altLang="en-US" dirty="0" smtClean="0"/>
-              <a:t>〇・データ収集。</a:t>
-            </a:r>
-            <a:r>
-              <a:rPr kumimoji="1" lang="en-US" altLang="ja-JP" dirty="0" err="1" smtClean="0"/>
-              <a:t>Probspace</a:t>
-            </a:r>
-            <a:r>
-              <a:rPr lang="ja-JP" altLang="en-US" dirty="0" smtClean="0"/>
-              <a:t> </a:t>
-            </a:r>
-            <a:r>
-              <a:rPr lang="en-US" altLang="ja-JP" dirty="0" smtClean="0"/>
-              <a:t>YouTube</a:t>
-            </a:r>
-            <a:r>
-              <a:rPr lang="ja-JP" altLang="en-US" dirty="0" smtClean="0"/>
-              <a:t>動画視聴回数予測コンペ</a:t>
-            </a:r>
-            <a:endParaRPr lang="en-US" altLang="ja-JP" dirty="0" smtClean="0"/>
-          </a:p>
-          <a:p>
-            <a:r>
-              <a:rPr kumimoji="1" lang="ja-JP" altLang="en-US" dirty="0" smtClean="0"/>
-              <a:t>〇・収集したデータを</a:t>
-            </a:r>
-            <a:r>
-              <a:rPr lang="en-US" altLang="ja-JP" dirty="0" smtClean="0"/>
-              <a:t>EDA(</a:t>
-            </a:r>
-            <a:r>
-              <a:rPr lang="ja-JP" altLang="en-US" dirty="0" smtClean="0"/>
-              <a:t>探索型データ解析</a:t>
-            </a:r>
-            <a:r>
-              <a:rPr lang="en-US" altLang="ja-JP" dirty="0" smtClean="0"/>
-              <a:t>)</a:t>
-            </a:r>
-            <a:r>
-              <a:rPr lang="ja-JP" altLang="en-US" dirty="0" smtClean="0"/>
-              <a:t>を行う</a:t>
-            </a:r>
-            <a:endParaRPr lang="en-US" altLang="ja-JP" dirty="0" smtClean="0"/>
-          </a:p>
-          <a:p>
-            <a:r>
-              <a:rPr lang="ja-JP" altLang="en-US" dirty="0" smtClean="0"/>
-              <a:t>〇・特徴量エンジニアリング</a:t>
-            </a:r>
-            <a:endParaRPr lang="en-US" altLang="ja-JP" dirty="0" smtClean="0"/>
-          </a:p>
-          <a:p>
-            <a:r>
-              <a:rPr kumimoji="1" lang="ja-JP" altLang="en-US" dirty="0"/>
+              <a:rPr lang="ja-JP" altLang="en-US" sz="2800" dirty="0" smtClean="0"/>
+              <a:t>・テキストデータを</a:t>
+            </a:r>
+            <a:r>
+              <a:rPr lang="en-US" altLang="ja-JP" sz="2800" dirty="0" smtClean="0"/>
+              <a:t>doc2vec</a:t>
+            </a:r>
+            <a:r>
+              <a:rPr lang="ja-JP" altLang="en-US" sz="2800" dirty="0" smtClean="0"/>
+              <a:t>でベクトル化</a:t>
+            </a:r>
+            <a:endParaRPr lang="en-US" altLang="ja-JP" sz="2800" dirty="0" smtClean="0"/>
+          </a:p>
+          <a:p>
+            <a:r>
+              <a:rPr lang="ja-JP" altLang="en-US" sz="2800" dirty="0" smtClean="0"/>
+              <a:t>・</a:t>
+            </a:r>
+            <a:r>
+              <a:rPr lang="en-US" altLang="ja-JP" sz="2800" dirty="0" smtClean="0"/>
+              <a:t>BERT</a:t>
+            </a:r>
+            <a:r>
+              <a:rPr lang="ja-JP" altLang="en-US" sz="2800" dirty="0" smtClean="0"/>
+              <a:t>を使ってテキストデータ</a:t>
+            </a:r>
+            <a:r>
+              <a:rPr lang="en-US" altLang="ja-JP" sz="2800" dirty="0" smtClean="0"/>
+              <a:t>(title, description, </a:t>
+            </a:r>
+            <a:endParaRPr lang="en-US" altLang="ja-JP" sz="2800" dirty="0" smtClean="0"/>
+          </a:p>
+          <a:p>
+            <a:r>
+              <a:rPr lang="ja-JP" altLang="en-US" sz="2800" dirty="0"/>
               <a:t>　</a:t>
             </a:r>
             <a:r>
-              <a:rPr kumimoji="1" lang="ja-JP" altLang="en-US" dirty="0" smtClean="0"/>
+              <a:rPr lang="en-US" altLang="ja-JP" sz="2800" dirty="0" err="1" smtClean="0"/>
+              <a:t>chanmelTitle</a:t>
+            </a:r>
+            <a:r>
+              <a:rPr lang="en-US" altLang="ja-JP" sz="2800" dirty="0" smtClean="0"/>
+              <a:t>, tags)</a:t>
+            </a:r>
+            <a:r>
+              <a:rPr lang="ja-JP" altLang="en-US" sz="2800" dirty="0" smtClean="0"/>
+              <a:t>の特徴出</a:t>
+            </a:r>
+            <a:endParaRPr lang="en-US" altLang="ja-JP" sz="2800" dirty="0" smtClean="0"/>
+          </a:p>
+          <a:p>
+            <a:r>
+              <a:rPr lang="ja-JP" altLang="en-US" sz="2800" dirty="0" smtClean="0"/>
               <a:t>・</a:t>
             </a:r>
             <a:r>
-              <a:rPr kumimoji="1" lang="en-US" altLang="ja-JP" dirty="0" smtClean="0"/>
-              <a:t>numerical data(dislikes, likes, </a:t>
-            </a:r>
-            <a:r>
-              <a:rPr kumimoji="1" lang="en-US" altLang="ja-JP" dirty="0" err="1" smtClean="0"/>
-              <a:t>comment_count</a:t>
-            </a:r>
-            <a:r>
-              <a:rPr kumimoji="1" lang="en-US" altLang="ja-JP" dirty="0" smtClean="0"/>
-              <a:t>)</a:t>
-            </a:r>
-            <a:r>
-              <a:rPr kumimoji="1" lang="ja-JP" altLang="en-US" dirty="0" smtClean="0"/>
-              <a:t>の</a:t>
-            </a:r>
-            <a:r>
-              <a:rPr kumimoji="1" lang="en-US" altLang="ja-JP" dirty="0" smtClean="0"/>
-              <a:t>aggregation</a:t>
-            </a:r>
-            <a:r>
-              <a:rPr kumimoji="1" lang="ja-JP" altLang="en-US" dirty="0" smtClean="0"/>
-              <a:t>特徴量を作成</a:t>
-            </a:r>
-            <a:endParaRPr lang="en-US" altLang="ja-JP" dirty="0" smtClean="0"/>
-          </a:p>
-          <a:p>
-            <a:r>
-              <a:rPr lang="ja-JP" altLang="en-US" dirty="0"/>
-              <a:t>　</a:t>
-            </a:r>
-            <a:r>
-              <a:rPr lang="ja-JP" altLang="en-US" dirty="0" smtClean="0"/>
-              <a:t>・</a:t>
-            </a:r>
-            <a:r>
-              <a:rPr lang="en-US" altLang="ja-JP" dirty="0" smtClean="0"/>
-              <a:t>text data</a:t>
-            </a:r>
-            <a:r>
-              <a:rPr lang="ja-JP" altLang="en-US" dirty="0" smtClean="0"/>
-              <a:t>は</a:t>
-            </a:r>
-            <a:r>
-              <a:rPr lang="en-US" altLang="ja-JP" dirty="0" err="1" smtClean="0"/>
-              <a:t>tf-idf</a:t>
-            </a:r>
-            <a:r>
-              <a:rPr lang="ja-JP" altLang="en-US" dirty="0" smtClean="0"/>
-              <a:t>特徴量を</a:t>
-            </a:r>
-            <a:r>
-              <a:rPr lang="en-US" altLang="ja-JP" dirty="0" err="1" smtClean="0"/>
-              <a:t>svd</a:t>
-            </a:r>
-            <a:r>
-              <a:rPr lang="ja-JP" altLang="en-US" dirty="0" smtClean="0"/>
-              <a:t>特徴量に変換、そして</a:t>
-            </a:r>
-            <a:r>
-              <a:rPr lang="en-US" altLang="ja-JP" dirty="0" smtClean="0"/>
-              <a:t>aggregation</a:t>
-            </a:r>
-            <a:r>
-              <a:rPr lang="ja-JP" altLang="en-US" dirty="0" smtClean="0"/>
-              <a:t>特徴量を作成</a:t>
-            </a:r>
-            <a:endParaRPr lang="en-US" altLang="ja-JP" dirty="0" smtClean="0"/>
-          </a:p>
-          <a:p>
-            <a:r>
-              <a:rPr kumimoji="1" lang="ja-JP" altLang="en-US" dirty="0"/>
-              <a:t>　</a:t>
-            </a:r>
-            <a:r>
-              <a:rPr kumimoji="1" lang="ja-JP" altLang="en-US" dirty="0" smtClean="0"/>
-              <a:t>・</a:t>
-            </a:r>
-            <a:r>
-              <a:rPr lang="en-US" altLang="ja-JP" dirty="0" smtClean="0"/>
-              <a:t>Target Encoding</a:t>
-            </a:r>
-            <a:endParaRPr lang="en-US" altLang="ja-JP" dirty="0"/>
-          </a:p>
-          <a:p>
-            <a:endParaRPr kumimoji="1" lang="en-US" altLang="ja-JP" dirty="0" smtClean="0"/>
-          </a:p>
-          <a:p>
-            <a:r>
-              <a:rPr lang="en-US" altLang="ja-JP" dirty="0" smtClean="0"/>
-              <a:t>×</a:t>
-            </a:r>
-            <a:r>
-              <a:rPr lang="ja-JP" altLang="en-US" dirty="0" smtClean="0"/>
-              <a:t>・モデルについて</a:t>
-            </a:r>
-            <a:endParaRPr lang="en-US" altLang="ja-JP" dirty="0" smtClean="0"/>
-          </a:p>
-          <a:p>
-            <a:r>
-              <a:rPr lang="ja-JP" altLang="en-US" dirty="0"/>
-              <a:t>　</a:t>
-            </a:r>
-            <a:r>
-              <a:rPr lang="ja-JP" altLang="en-US" dirty="0" smtClean="0"/>
-              <a:t>・</a:t>
-            </a:r>
-            <a:r>
-              <a:rPr lang="en-US" altLang="ja-JP" dirty="0" err="1" smtClean="0"/>
-              <a:t>LightGBM</a:t>
-            </a:r>
-            <a:r>
-              <a:rPr lang="ja-JP" altLang="en-US" dirty="0" smtClean="0"/>
-              <a:t>をメインとして</a:t>
-            </a:r>
-            <a:r>
-              <a:rPr lang="en-US" altLang="ja-JP" dirty="0" smtClean="0"/>
-              <a:t>NN</a:t>
-            </a:r>
-            <a:r>
-              <a:rPr lang="ja-JP" altLang="en-US" dirty="0" err="1" smtClean="0"/>
-              <a:t>、</a:t>
-            </a:r>
-            <a:r>
-              <a:rPr lang="en-US" altLang="ja-JP" dirty="0" smtClean="0"/>
-              <a:t>RF(</a:t>
-            </a:r>
-            <a:r>
-              <a:rPr lang="en-US" altLang="ja-JP" dirty="0" err="1" smtClean="0"/>
-              <a:t>lightGBM</a:t>
-            </a:r>
-            <a:r>
-              <a:rPr lang="en-US" altLang="ja-JP" dirty="0" smtClean="0"/>
-              <a:t> </a:t>
-            </a:r>
-            <a:r>
-              <a:rPr lang="en-US" altLang="ja-JP" dirty="0" err="1" smtClean="0"/>
-              <a:t>rf</a:t>
-            </a:r>
-            <a:r>
-              <a:rPr lang="en-US" altLang="ja-JP" dirty="0" smtClean="0"/>
-              <a:t> mode) </a:t>
-            </a:r>
-            <a:r>
-              <a:rPr lang="ja-JP" altLang="en-US" dirty="0" smtClean="0"/>
-              <a:t>の</a:t>
-            </a:r>
-            <a:r>
-              <a:rPr lang="en-US" altLang="ja-JP" dirty="0" smtClean="0"/>
-              <a:t>Linear Regression</a:t>
-            </a:r>
-            <a:r>
-              <a:rPr lang="ja-JP" altLang="en-US" dirty="0" smtClean="0"/>
-              <a:t>に</a:t>
-            </a:r>
-            <a:endParaRPr lang="en-US" altLang="ja-JP" dirty="0" smtClean="0"/>
-          </a:p>
-          <a:p>
-            <a:r>
-              <a:rPr lang="ja-JP" altLang="en-US" dirty="0"/>
-              <a:t>　</a:t>
-            </a:r>
-            <a:r>
-              <a:rPr lang="ja-JP" altLang="en-US" dirty="0" smtClean="0"/>
-              <a:t>　よる</a:t>
-            </a:r>
-            <a:r>
-              <a:rPr lang="en-US" altLang="ja-JP" dirty="0" smtClean="0"/>
-              <a:t>Stacking</a:t>
-            </a:r>
-            <a:r>
-              <a:rPr lang="ja-JP" altLang="en-US" dirty="0" smtClean="0"/>
-              <a:t>を行う。</a:t>
-            </a:r>
-            <a:endParaRPr lang="en-US" altLang="ja-JP" dirty="0" smtClean="0"/>
-          </a:p>
-          <a:p>
-            <a:r>
-              <a:rPr lang="ja-JP" altLang="en-US" dirty="0"/>
-              <a:t>　</a:t>
-            </a:r>
-            <a:r>
-              <a:rPr lang="ja-JP" altLang="en-US" dirty="0" smtClean="0"/>
-              <a:t>・シングルモデルでは、</a:t>
-            </a:r>
-            <a:r>
-              <a:rPr lang="en-US" altLang="ja-JP" dirty="0" err="1" smtClean="0"/>
-              <a:t>LightGBM</a:t>
-            </a:r>
-            <a:r>
-              <a:rPr lang="ja-JP" altLang="en-US" dirty="0" err="1" smtClean="0"/>
-              <a:t>、</a:t>
-            </a:r>
-            <a:r>
-              <a:rPr lang="en-US" altLang="ja-JP" dirty="0" err="1" smtClean="0"/>
-              <a:t>XGBoost</a:t>
-            </a:r>
-            <a:r>
-              <a:rPr lang="ja-JP" altLang="en-US" dirty="0" err="1" smtClean="0"/>
-              <a:t>、</a:t>
-            </a:r>
-            <a:r>
-              <a:rPr lang="en-US" altLang="ja-JP" dirty="0" err="1" smtClean="0"/>
-              <a:t>CatBoost</a:t>
-            </a:r>
-            <a:r>
-              <a:rPr lang="ja-JP" altLang="en-US" dirty="0" smtClean="0"/>
-              <a:t>を試す</a:t>
-            </a:r>
-            <a:endParaRPr lang="en-US" altLang="ja-JP" dirty="0" smtClean="0"/>
-          </a:p>
-          <a:p>
-            <a:r>
-              <a:rPr lang="ja-JP" altLang="en-US" dirty="0"/>
-              <a:t>　</a:t>
-            </a:r>
-            <a:r>
-              <a:rPr lang="ja-JP" altLang="en-US" dirty="0" smtClean="0"/>
-              <a:t>・各々のモデルのパラメータ調整</a:t>
-            </a:r>
-            <a:endParaRPr lang="en-US" altLang="ja-JP" dirty="0" smtClean="0"/>
-          </a:p>
-        </p:txBody>
-      </p:sp>
-    </p:spTree>
-    <p:extLst>
-      <p:ext uri="{BB962C8B-B14F-4D97-AF65-F5344CB8AC3E}">
-        <p14:creationId xmlns:p14="http://schemas.microsoft.com/office/powerpoint/2010/main" val="3850791543"/>
-      </p:ext>
-    </p:extLst>
-  </p:cSld>
-  <p:clrMapOvr>
-    <a:masterClrMapping/>
-  </p:clrMapOvr>
-</p:sld>
-</file>
-
-<file path=ppt/slides/slide9.xml><?xml version="1.0" encoding="utf-8"?>
-<p:sld xmlns:a="http://schemas.openxmlformats.org/drawingml/2006/main" xmlns:r="http://schemas.openxmlformats.org/officeDocument/2006/relationships" xmlns:p="http://schemas.openxmlformats.org/presentationml/2006/main">
-  <p:cSld>
-    <p:spTree>
-      <p:nvGrpSpPr>
-        <p:cNvPr id="1" name=""/>
-        <p:cNvGrpSpPr/>
-        <p:nvPr/>
-      </p:nvGrpSpPr>
-      <p:grpSpPr>
-        <a:xfrm>
-          <a:off x="0" y="0"/>
-          <a:ext cx="0" cy="0"/>
-          <a:chOff x="0" y="0"/>
-          <a:chExt cx="0" cy="0"/>
-        </a:xfrm>
-      </p:grpSpPr>
-      <p:sp>
-        <p:nvSpPr>
-          <p:cNvPr id="2" name="テキスト ボックス 1"/>
-          <p:cNvSpPr txBox="1"/>
-          <p:nvPr/>
-        </p:nvSpPr>
-        <p:spPr>
-          <a:xfrm>
-            <a:off x="4580792" y="923220"/>
-            <a:ext cx="5081954" cy="523220"/>
-          </a:xfrm>
-          <a:prstGeom prst="rect">
-            <a:avLst/>
-          </a:prstGeom>
-          <a:noFill/>
-        </p:spPr>
-        <p:txBody>
-          <a:bodyPr wrap="square" rtlCol="0">
-            <a:spAutoFit/>
-          </a:bodyPr>
-          <a:lstStyle/>
-          <a:p>
+              <a:rPr lang="ja-JP" altLang="en-US" sz="2800" dirty="0"/>
+              <a:t>進捗状況</a:t>
+            </a:r>
             <a:r>
               <a:rPr lang="ja-JP" altLang="en-US" sz="2800" dirty="0" smtClean="0"/>
-              <a:t>今後の進め方について</a:t>
-            </a:r>
-            <a:endParaRPr kumimoji="1" lang="ja-JP" altLang="en-US" sz="2800" dirty="0"/>
-          </a:p>
-        </p:txBody>
-      </p:sp>
-      <p:sp>
-        <p:nvSpPr>
-          <p:cNvPr id="3" name="正方形/長方形 2">
-            <a:extLst>
-              <a:ext uri="{FF2B5EF4-FFF2-40B4-BE49-F238E27FC236}">
-                <a16:creationId xmlns:a16="http://schemas.microsoft.com/office/drawing/2014/main" id="{9E1FD1D3-C49F-F146-B181-76C5A130F93C}"/>
-              </a:ext>
-            </a:extLst>
-          </p:cNvPr>
-          <p:cNvSpPr/>
-          <p:nvPr/>
-        </p:nvSpPr>
-        <p:spPr>
-          <a:xfrm>
-            <a:off x="8087853" y="214350"/>
-            <a:ext cx="3680816" cy="369332"/>
-          </a:xfrm>
-          <a:prstGeom prst="rect">
-            <a:avLst/>
-          </a:prstGeom>
-        </p:spPr>
-        <p:txBody>
-          <a:bodyPr wrap="none">
-            <a:spAutoFit/>
-          </a:bodyPr>
-          <a:lstStyle/>
-          <a:p>
-            <a:r>
-              <a:rPr lang="en-US" altLang="ja-JP" dirty="0"/>
-              <a:t>YouTube</a:t>
-            </a:r>
-            <a:r>
-              <a:rPr lang="ja-JP" altLang="en-US" dirty="0"/>
-              <a:t>動画の再生数を予測する</a:t>
-            </a:r>
-          </a:p>
-        </p:txBody>
-      </p:sp>
-      <p:sp>
-        <p:nvSpPr>
-          <p:cNvPr id="4" name="テキスト ボックス 3"/>
-          <p:cNvSpPr txBox="1"/>
-          <p:nvPr/>
-        </p:nvSpPr>
-        <p:spPr>
-          <a:xfrm>
-            <a:off x="2233246" y="2725617"/>
-            <a:ext cx="8440616" cy="923330"/>
-          </a:xfrm>
-          <a:prstGeom prst="rect">
-            <a:avLst/>
-          </a:prstGeom>
-          <a:noFill/>
-        </p:spPr>
-        <p:txBody>
-          <a:bodyPr wrap="square" rtlCol="0">
-            <a:spAutoFit/>
-          </a:bodyPr>
-          <a:lstStyle/>
-          <a:p>
-            <a:r>
-              <a:rPr lang="ja-JP" altLang="en-US" dirty="0" smtClean="0"/>
-              <a:t>・テキストデータを</a:t>
-            </a:r>
-            <a:r>
-              <a:rPr lang="en-US" altLang="ja-JP" dirty="0" smtClean="0"/>
-              <a:t>doc2vec</a:t>
-            </a:r>
-            <a:r>
-              <a:rPr lang="ja-JP" altLang="en-US" dirty="0" smtClean="0"/>
-              <a:t>でベクトル化</a:t>
-            </a:r>
-            <a:endParaRPr lang="en-US" altLang="ja-JP" dirty="0" smtClean="0"/>
-          </a:p>
-          <a:p>
-            <a:r>
-              <a:rPr lang="ja-JP" altLang="en-US" dirty="0" smtClean="0"/>
-              <a:t>・</a:t>
-            </a:r>
-            <a:r>
-              <a:rPr lang="en-US" altLang="ja-JP" dirty="0" smtClean="0"/>
-              <a:t>BERT</a:t>
-            </a:r>
-            <a:r>
-              <a:rPr lang="ja-JP" altLang="en-US" dirty="0" smtClean="0"/>
-              <a:t>を使ってテキストデータ</a:t>
-            </a:r>
-            <a:r>
-              <a:rPr lang="en-US" altLang="ja-JP" dirty="0" smtClean="0"/>
-              <a:t>(title, description, </a:t>
-            </a:r>
-            <a:r>
-              <a:rPr lang="en-US" altLang="ja-JP" dirty="0" err="1" smtClean="0"/>
-              <a:t>chanmelTitle</a:t>
-            </a:r>
-            <a:r>
-              <a:rPr lang="en-US" altLang="ja-JP" dirty="0" smtClean="0"/>
-              <a:t>, tags)</a:t>
-            </a:r>
-            <a:r>
-              <a:rPr lang="ja-JP" altLang="en-US" dirty="0" smtClean="0"/>
-              <a:t>の特徴出</a:t>
-            </a:r>
-            <a:endParaRPr lang="en-US" altLang="ja-JP" dirty="0" smtClean="0"/>
-          </a:p>
-          <a:p>
-            <a:r>
-              <a:rPr lang="ja-JP" altLang="en-US" dirty="0" smtClean="0"/>
-              <a:t>・</a:t>
-            </a:r>
-            <a:r>
-              <a:rPr lang="ja-JP" altLang="en-US" dirty="0"/>
-              <a:t>進捗状況</a:t>
-            </a:r>
-            <a:r>
-              <a:rPr lang="ja-JP" altLang="en-US" dirty="0" smtClean="0"/>
               <a:t>でできていなかったモデリングを行う</a:t>
             </a:r>
-            <a:endParaRPr lang="en-US" altLang="ja-JP" dirty="0" smtClean="0"/>
+            <a:endParaRPr lang="en-US" altLang="ja-JP" sz="2800" dirty="0" smtClean="0"/>
           </a:p>
         </p:txBody>
       </p:sp>

--- a/docs/PD3_interim_report.pptx
+++ b/docs/PD3_interim_report.pptx
@@ -5,7 +5,7 @@
     <p:sldMasterId id="2147483648" r:id="rId1"/>
   </p:sldMasterIdLst>
   <p:notesMasterIdLst>
-    <p:notesMasterId r:id="rId10"/>
+    <p:notesMasterId r:id="rId13"/>
   </p:notesMasterIdLst>
   <p:sldIdLst>
     <p:sldId id="256" r:id="rId2"/>
@@ -14,8 +14,11 @@
     <p:sldId id="260" r:id="rId5"/>
     <p:sldId id="262" r:id="rId6"/>
     <p:sldId id="263" r:id="rId7"/>
-    <p:sldId id="261" r:id="rId8"/>
-    <p:sldId id="264" r:id="rId9"/>
+    <p:sldId id="265" r:id="rId8"/>
+    <p:sldId id="266" r:id="rId9"/>
+    <p:sldId id="267" r:id="rId10"/>
+    <p:sldId id="261" r:id="rId11"/>
+    <p:sldId id="264" r:id="rId12"/>
   </p:sldIdLst>
   <p:sldSz cx="12192000" cy="6858000"/>
   <p:notesSz cx="6858000" cy="9144000"/>
@@ -204,7 +207,7 @@
           <a:p>
             <a:fld id="{A9875936-CAD0-1C40-8DBE-97E7FC885E68}" type="datetimeFigureOut">
               <a:rPr kumimoji="1" lang="ja-JP" altLang="en-US" smtClean="0"/>
-              <a:t>2020/9/15</a:t>
+              <a:t>2020/9/16</a:t>
             </a:fld>
             <a:endParaRPr kumimoji="1" lang="ja-JP" altLang="en-US"/>
           </a:p>
@@ -734,7 +737,7 @@
           <a:p>
             <a:fld id="{748E6AB6-1A34-DC48-935D-01482CBC09AE}" type="datetimeFigureOut">
               <a:rPr kumimoji="1" lang="ja-JP" altLang="en-US" smtClean="0"/>
-              <a:t>2020/9/15</a:t>
+              <a:t>2020/9/16</a:t>
             </a:fld>
             <a:endParaRPr kumimoji="1" lang="ja-JP" altLang="en-US"/>
           </a:p>
@@ -964,7 +967,7 @@
           <a:p>
             <a:fld id="{748E6AB6-1A34-DC48-935D-01482CBC09AE}" type="datetimeFigureOut">
               <a:rPr kumimoji="1" lang="ja-JP" altLang="en-US" smtClean="0"/>
-              <a:t>2020/9/15</a:t>
+              <a:t>2020/9/16</a:t>
             </a:fld>
             <a:endParaRPr kumimoji="1" lang="ja-JP" altLang="en-US"/>
           </a:p>
@@ -1204,7 +1207,7 @@
           <a:p>
             <a:fld id="{748E6AB6-1A34-DC48-935D-01482CBC09AE}" type="datetimeFigureOut">
               <a:rPr kumimoji="1" lang="ja-JP" altLang="en-US" smtClean="0"/>
-              <a:t>2020/9/15</a:t>
+              <a:t>2020/9/16</a:t>
             </a:fld>
             <a:endParaRPr kumimoji="1" lang="ja-JP" altLang="en-US"/>
           </a:p>
@@ -1434,7 +1437,7 @@
           <a:p>
             <a:fld id="{748E6AB6-1A34-DC48-935D-01482CBC09AE}" type="datetimeFigureOut">
               <a:rPr kumimoji="1" lang="ja-JP" altLang="en-US" smtClean="0"/>
-              <a:t>2020/9/15</a:t>
+              <a:t>2020/9/16</a:t>
             </a:fld>
             <a:endParaRPr kumimoji="1" lang="ja-JP" altLang="en-US"/>
           </a:p>
@@ -1709,7 +1712,7 @@
           <a:p>
             <a:fld id="{748E6AB6-1A34-DC48-935D-01482CBC09AE}" type="datetimeFigureOut">
               <a:rPr kumimoji="1" lang="ja-JP" altLang="en-US" smtClean="0"/>
-              <a:t>2020/9/15</a:t>
+              <a:t>2020/9/16</a:t>
             </a:fld>
             <a:endParaRPr kumimoji="1" lang="ja-JP" altLang="en-US"/>
           </a:p>
@@ -2038,7 +2041,7 @@
           <a:p>
             <a:fld id="{748E6AB6-1A34-DC48-935D-01482CBC09AE}" type="datetimeFigureOut">
               <a:rPr kumimoji="1" lang="ja-JP" altLang="en-US" smtClean="0"/>
-              <a:t>2020/9/15</a:t>
+              <a:t>2020/9/16</a:t>
             </a:fld>
             <a:endParaRPr kumimoji="1" lang="ja-JP" altLang="en-US"/>
           </a:p>
@@ -2514,7 +2517,7 @@
           <a:p>
             <a:fld id="{748E6AB6-1A34-DC48-935D-01482CBC09AE}" type="datetimeFigureOut">
               <a:rPr kumimoji="1" lang="ja-JP" altLang="en-US" smtClean="0"/>
-              <a:t>2020/9/15</a:t>
+              <a:t>2020/9/16</a:t>
             </a:fld>
             <a:endParaRPr kumimoji="1" lang="ja-JP" altLang="en-US"/>
           </a:p>
@@ -2655,7 +2658,7 @@
           <a:p>
             <a:fld id="{748E6AB6-1A34-DC48-935D-01482CBC09AE}" type="datetimeFigureOut">
               <a:rPr kumimoji="1" lang="ja-JP" altLang="en-US" smtClean="0"/>
-              <a:t>2020/9/15</a:t>
+              <a:t>2020/9/16</a:t>
             </a:fld>
             <a:endParaRPr kumimoji="1" lang="ja-JP" altLang="en-US"/>
           </a:p>
@@ -2768,7 +2771,7 @@
           <a:p>
             <a:fld id="{748E6AB6-1A34-DC48-935D-01482CBC09AE}" type="datetimeFigureOut">
               <a:rPr kumimoji="1" lang="ja-JP" altLang="en-US" smtClean="0"/>
-              <a:t>2020/9/15</a:t>
+              <a:t>2020/9/16</a:t>
             </a:fld>
             <a:endParaRPr kumimoji="1" lang="ja-JP" altLang="en-US"/>
           </a:p>
@@ -3111,7 +3114,7 @@
           <a:p>
             <a:fld id="{748E6AB6-1A34-DC48-935D-01482CBC09AE}" type="datetimeFigureOut">
               <a:rPr kumimoji="1" lang="ja-JP" altLang="en-US" smtClean="0"/>
-              <a:t>2020/9/15</a:t>
+              <a:t>2020/9/16</a:t>
             </a:fld>
             <a:endParaRPr kumimoji="1" lang="ja-JP" altLang="en-US"/>
           </a:p>
@@ -3399,7 +3402,7 @@
           <a:p>
             <a:fld id="{748E6AB6-1A34-DC48-935D-01482CBC09AE}" type="datetimeFigureOut">
               <a:rPr kumimoji="1" lang="ja-JP" altLang="en-US" smtClean="0"/>
-              <a:t>2020/9/15</a:t>
+              <a:t>2020/9/16</a:t>
             </a:fld>
             <a:endParaRPr kumimoji="1" lang="ja-JP" altLang="en-US"/>
           </a:p>
@@ -3672,7 +3675,7 @@
           <a:p>
             <a:fld id="{748E6AB6-1A34-DC48-935D-01482CBC09AE}" type="datetimeFigureOut">
               <a:rPr kumimoji="1" lang="ja-JP" altLang="en-US" smtClean="0"/>
-              <a:t>2020/9/15</a:t>
+              <a:t>2020/9/16</a:t>
             </a:fld>
             <a:endParaRPr kumimoji="1" lang="ja-JP" altLang="en-US"/>
           </a:p>
@@ -4105,7 +4108,12 @@
             <p:ph type="ctrTitle"/>
           </p:nvPr>
         </p:nvSpPr>
-        <p:spPr/>
+        <p:spPr>
+          <a:xfrm>
+            <a:off x="1524000" y="356111"/>
+            <a:ext cx="9144000" cy="2387600"/>
+          </a:xfrm>
+        </p:spPr>
         <p:txBody>
           <a:bodyPr/>
           <a:lstStyle/>
@@ -4137,7 +4145,12 @@
             <p:ph type="subTitle" idx="1"/>
           </p:nvPr>
         </p:nvSpPr>
-        <p:spPr/>
+        <p:spPr>
+          <a:xfrm>
+            <a:off x="1524000" y="2723318"/>
+            <a:ext cx="9144000" cy="1655762"/>
+          </a:xfrm>
+        </p:spPr>
         <p:txBody>
           <a:bodyPr/>
           <a:lstStyle/>
@@ -4175,7 +4188,7 @@
         </p:nvSpPr>
         <p:spPr>
           <a:xfrm>
-            <a:off x="5150085" y="4296673"/>
+            <a:off x="5150085" y="3980175"/>
             <a:ext cx="3226085" cy="523220"/>
           </a:xfrm>
           <a:prstGeom prst="rect">
@@ -4211,7 +4224,7 @@
         </p:nvSpPr>
         <p:spPr>
           <a:xfrm>
-            <a:off x="3133538" y="5184366"/>
+            <a:off x="3133538" y="4526143"/>
             <a:ext cx="8558372" cy="584775"/>
           </a:xfrm>
           <a:prstGeom prst="rect">
@@ -4240,6 +4253,642 @@
     <p:extLst>
       <p:ext uri="{BB962C8B-B14F-4D97-AF65-F5344CB8AC3E}">
         <p14:creationId xmlns:p14="http://schemas.microsoft.com/office/powerpoint/2010/main" val="1424958474"/>
+      </p:ext>
+    </p:extLst>
+  </p:cSld>
+  <p:clrMapOvr>
+    <a:masterClrMapping/>
+  </p:clrMapOvr>
+</p:sld>
+</file>
+
+<file path=ppt/slides/slide10.xml><?xml version="1.0" encoding="utf-8"?>
+<p:sld xmlns:a="http://schemas.openxmlformats.org/drawingml/2006/main" xmlns:r="http://schemas.openxmlformats.org/officeDocument/2006/relationships" xmlns:p="http://schemas.openxmlformats.org/presentationml/2006/main">
+  <p:cSld>
+    <p:spTree>
+      <p:nvGrpSpPr>
+        <p:cNvPr id="1" name=""/>
+        <p:cNvGrpSpPr/>
+        <p:nvPr/>
+      </p:nvGrpSpPr>
+      <p:grpSpPr>
+        <a:xfrm>
+          <a:off x="0" y="0"/>
+          <a:ext cx="0" cy="0"/>
+          <a:chOff x="0" y="0"/>
+          <a:chExt cx="0" cy="0"/>
+        </a:xfrm>
+      </p:grpSpPr>
+      <p:sp>
+        <p:nvSpPr>
+          <p:cNvPr id="2" name="テキスト ボックス 1">
+            <a:extLst>
+              <a:ext uri="{FF2B5EF4-FFF2-40B4-BE49-F238E27FC236}">
+                <a16:creationId xmlns:a16="http://schemas.microsoft.com/office/drawing/2014/main" id="{E228DF88-6D15-5843-BA10-9257189A60A9}"/>
+              </a:ext>
+            </a:extLst>
+          </p:cNvPr>
+          <p:cNvSpPr txBox="1"/>
+          <p:nvPr/>
+        </p:nvSpPr>
+        <p:spPr>
+          <a:xfrm>
+            <a:off x="5205674" y="633068"/>
+            <a:ext cx="4534328" cy="584775"/>
+          </a:xfrm>
+          <a:prstGeom prst="rect">
+            <a:avLst/>
+          </a:prstGeom>
+          <a:noFill/>
+        </p:spPr>
+        <p:txBody>
+          <a:bodyPr wrap="square" rtlCol="0">
+            <a:spAutoFit/>
+          </a:bodyPr>
+          <a:lstStyle/>
+          <a:p>
+            <a:r>
+              <a:rPr kumimoji="1" lang="ja-JP" altLang="en-US" sz="3200"/>
+              <a:t>進捗状況</a:t>
+            </a:r>
+          </a:p>
+        </p:txBody>
+      </p:sp>
+      <p:sp>
+        <p:nvSpPr>
+          <p:cNvPr id="3" name="正方形/長方形 2">
+            <a:extLst>
+              <a:ext uri="{FF2B5EF4-FFF2-40B4-BE49-F238E27FC236}">
+                <a16:creationId xmlns:a16="http://schemas.microsoft.com/office/drawing/2014/main" id="{9E1FD1D3-C49F-F146-B181-76C5A130F93C}"/>
+              </a:ext>
+            </a:extLst>
+          </p:cNvPr>
+          <p:cNvSpPr/>
+          <p:nvPr/>
+        </p:nvSpPr>
+        <p:spPr>
+          <a:xfrm>
+            <a:off x="8087853" y="214350"/>
+            <a:ext cx="3680816" cy="369332"/>
+          </a:xfrm>
+          <a:prstGeom prst="rect">
+            <a:avLst/>
+          </a:prstGeom>
+        </p:spPr>
+        <p:txBody>
+          <a:bodyPr wrap="none">
+            <a:spAutoFit/>
+          </a:bodyPr>
+          <a:lstStyle/>
+          <a:p>
+            <a:r>
+              <a:rPr lang="en-US" altLang="ja-JP" dirty="0"/>
+              <a:t>YouTube</a:t>
+            </a:r>
+            <a:r>
+              <a:rPr lang="ja-JP" altLang="en-US" dirty="0"/>
+              <a:t>動画の再生数を予測する</a:t>
+            </a:r>
+          </a:p>
+        </p:txBody>
+      </p:sp>
+      <p:sp>
+        <p:nvSpPr>
+          <p:cNvPr id="5" name="テキスト ボックス 4"/>
+          <p:cNvSpPr txBox="1"/>
+          <p:nvPr/>
+        </p:nvSpPr>
+        <p:spPr>
+          <a:xfrm>
+            <a:off x="1679330" y="1125415"/>
+            <a:ext cx="9873761" cy="5262979"/>
+          </a:xfrm>
+          <a:prstGeom prst="rect">
+            <a:avLst/>
+          </a:prstGeom>
+          <a:noFill/>
+        </p:spPr>
+        <p:txBody>
+          <a:bodyPr wrap="square" rtlCol="0">
+            <a:spAutoFit/>
+          </a:bodyPr>
+          <a:lstStyle/>
+          <a:p>
+            <a:r>
+              <a:rPr lang="ja-JP" altLang="en-US" sz="2400" dirty="0" smtClean="0"/>
+              <a:t>特徴量について</a:t>
+            </a:r>
+            <a:endParaRPr kumimoji="1" lang="en-US" altLang="ja-JP" sz="2400" dirty="0" smtClean="0"/>
+          </a:p>
+          <a:p>
+            <a:r>
+              <a:rPr kumimoji="1" lang="ja-JP" altLang="en-US" sz="2400" dirty="0" smtClean="0"/>
+              <a:t>〇・データ収集。</a:t>
+            </a:r>
+            <a:r>
+              <a:rPr kumimoji="1" lang="en-US" altLang="ja-JP" sz="2400" dirty="0" err="1" smtClean="0"/>
+              <a:t>Probspace</a:t>
+            </a:r>
+            <a:r>
+              <a:rPr lang="ja-JP" altLang="en-US" sz="2400" dirty="0" smtClean="0"/>
+              <a:t> </a:t>
+            </a:r>
+            <a:r>
+              <a:rPr lang="en-US" altLang="ja-JP" sz="2400" dirty="0" smtClean="0"/>
+              <a:t>YouTube</a:t>
+            </a:r>
+            <a:r>
+              <a:rPr lang="ja-JP" altLang="en-US" sz="2400" dirty="0" smtClean="0"/>
+              <a:t>動画視聴回数予測コンペ</a:t>
+            </a:r>
+            <a:endParaRPr lang="en-US" altLang="ja-JP" sz="2400" dirty="0" smtClean="0"/>
+          </a:p>
+          <a:p>
+            <a:r>
+              <a:rPr kumimoji="1" lang="ja-JP" altLang="en-US" sz="2400" dirty="0" smtClean="0"/>
+              <a:t>〇・収集したデータを</a:t>
+            </a:r>
+            <a:r>
+              <a:rPr lang="en-US" altLang="ja-JP" sz="2400" dirty="0" smtClean="0"/>
+              <a:t>EDA(</a:t>
+            </a:r>
+            <a:r>
+              <a:rPr lang="ja-JP" altLang="en-US" sz="2400" dirty="0" smtClean="0"/>
+              <a:t>探索型データ解析</a:t>
+            </a:r>
+            <a:r>
+              <a:rPr lang="en-US" altLang="ja-JP" sz="2400" dirty="0" smtClean="0"/>
+              <a:t>)</a:t>
+            </a:r>
+            <a:r>
+              <a:rPr lang="ja-JP" altLang="en-US" sz="2400" dirty="0" smtClean="0"/>
+              <a:t>を行う</a:t>
+            </a:r>
+            <a:endParaRPr lang="en-US" altLang="ja-JP" sz="2400" dirty="0" smtClean="0"/>
+          </a:p>
+          <a:p>
+            <a:r>
+              <a:rPr lang="ja-JP" altLang="en-US" sz="2400" dirty="0" smtClean="0"/>
+              <a:t>〇・特徴量エンジニアリング</a:t>
+            </a:r>
+            <a:endParaRPr lang="en-US" altLang="ja-JP" sz="2400" dirty="0" smtClean="0"/>
+          </a:p>
+          <a:p>
+            <a:r>
+              <a:rPr kumimoji="1" lang="ja-JP" altLang="en-US" sz="2400" dirty="0"/>
+              <a:t>　</a:t>
+            </a:r>
+            <a:r>
+              <a:rPr kumimoji="1" lang="ja-JP" altLang="en-US" sz="2400" dirty="0" smtClean="0"/>
+              <a:t>・</a:t>
+            </a:r>
+            <a:r>
+              <a:rPr kumimoji="1" lang="en-US" altLang="ja-JP" sz="2400" dirty="0" smtClean="0"/>
+              <a:t>numerical data(dislikes, likes, </a:t>
+            </a:r>
+            <a:r>
+              <a:rPr kumimoji="1" lang="en-US" altLang="ja-JP" sz="2400" dirty="0" err="1" smtClean="0"/>
+              <a:t>comment_count</a:t>
+            </a:r>
+            <a:r>
+              <a:rPr kumimoji="1" lang="en-US" altLang="ja-JP" sz="2400" dirty="0" smtClean="0"/>
+              <a:t>)</a:t>
+            </a:r>
+            <a:r>
+              <a:rPr kumimoji="1" lang="ja-JP" altLang="en-US" sz="2400" dirty="0" smtClean="0"/>
+              <a:t>の</a:t>
+            </a:r>
+            <a:r>
+              <a:rPr kumimoji="1" lang="en-US" altLang="ja-JP" sz="2400" dirty="0" smtClean="0"/>
+              <a:t>aggregation</a:t>
+            </a:r>
+            <a:r>
+              <a:rPr kumimoji="1" lang="ja-JP" altLang="en-US" sz="2400" dirty="0" smtClean="0"/>
+              <a:t>特</a:t>
+            </a:r>
+            <a:endParaRPr kumimoji="1" lang="en-US" altLang="ja-JP" sz="2400" dirty="0" smtClean="0"/>
+          </a:p>
+          <a:p>
+            <a:r>
+              <a:rPr lang="ja-JP" altLang="en-US" sz="2400" dirty="0"/>
+              <a:t>　</a:t>
+            </a:r>
+            <a:r>
+              <a:rPr lang="ja-JP" altLang="en-US" sz="2400" dirty="0" smtClean="0"/>
+              <a:t>　</a:t>
+            </a:r>
+            <a:r>
+              <a:rPr kumimoji="1" lang="ja-JP" altLang="en-US" sz="2400" dirty="0" smtClean="0"/>
+              <a:t>徴量を作成</a:t>
+            </a:r>
+            <a:endParaRPr lang="en-US" altLang="ja-JP" sz="2400" dirty="0" smtClean="0"/>
+          </a:p>
+          <a:p>
+            <a:r>
+              <a:rPr lang="ja-JP" altLang="en-US" sz="2400" dirty="0"/>
+              <a:t>　</a:t>
+            </a:r>
+            <a:r>
+              <a:rPr lang="ja-JP" altLang="en-US" sz="2400" dirty="0" smtClean="0"/>
+              <a:t>・</a:t>
+            </a:r>
+            <a:r>
+              <a:rPr lang="en-US" altLang="ja-JP" sz="2400" dirty="0" smtClean="0"/>
+              <a:t>text data</a:t>
+            </a:r>
+            <a:r>
+              <a:rPr lang="ja-JP" altLang="en-US" sz="2400" dirty="0" smtClean="0"/>
+              <a:t>は</a:t>
+            </a:r>
+            <a:r>
+              <a:rPr lang="en-US" altLang="ja-JP" sz="2400" dirty="0" err="1" smtClean="0"/>
+              <a:t>tf-idf</a:t>
+            </a:r>
+            <a:r>
+              <a:rPr lang="ja-JP" altLang="en-US" sz="2400" dirty="0" smtClean="0"/>
+              <a:t>特徴量を</a:t>
+            </a:r>
+            <a:r>
+              <a:rPr lang="en-US" altLang="ja-JP" sz="2400" dirty="0" err="1" smtClean="0"/>
+              <a:t>svd</a:t>
+            </a:r>
+            <a:r>
+              <a:rPr lang="ja-JP" altLang="en-US" sz="2400" dirty="0" smtClean="0"/>
+              <a:t>特徴量に変換、そして</a:t>
+            </a:r>
+            <a:r>
+              <a:rPr lang="en-US" altLang="ja-JP" sz="2400" dirty="0" smtClean="0"/>
+              <a:t>aggregation</a:t>
+            </a:r>
+            <a:r>
+              <a:rPr lang="ja-JP" altLang="en-US" sz="2400" dirty="0" smtClean="0"/>
+              <a:t>特</a:t>
+            </a:r>
+            <a:endParaRPr lang="en-US" altLang="ja-JP" sz="2400" dirty="0" smtClean="0"/>
+          </a:p>
+          <a:p>
+            <a:r>
+              <a:rPr lang="ja-JP" altLang="en-US" sz="2400" dirty="0"/>
+              <a:t>　</a:t>
+            </a:r>
+            <a:r>
+              <a:rPr lang="ja-JP" altLang="en-US" sz="2400" dirty="0" smtClean="0"/>
+              <a:t>　徴量を作成</a:t>
+            </a:r>
+            <a:endParaRPr lang="en-US" altLang="ja-JP" sz="2400" dirty="0" smtClean="0"/>
+          </a:p>
+          <a:p>
+            <a:r>
+              <a:rPr kumimoji="1" lang="ja-JP" altLang="en-US" sz="2400" dirty="0"/>
+              <a:t>　</a:t>
+            </a:r>
+            <a:r>
+              <a:rPr kumimoji="1" lang="ja-JP" altLang="en-US" sz="2400" dirty="0" smtClean="0"/>
+              <a:t>・</a:t>
+            </a:r>
+            <a:r>
+              <a:rPr lang="en-US" altLang="ja-JP" sz="2400" dirty="0" smtClean="0"/>
+              <a:t>Target Encoding</a:t>
+            </a:r>
+            <a:endParaRPr kumimoji="1" lang="en-US" altLang="ja-JP" sz="2400" dirty="0" smtClean="0"/>
+          </a:p>
+          <a:p>
+            <a:r>
+              <a:rPr lang="ja-JP" altLang="en-US" sz="2400" dirty="0" smtClean="0"/>
+              <a:t>モデルについて</a:t>
+            </a:r>
+            <a:endParaRPr lang="en-US" altLang="ja-JP" sz="2400" dirty="0" smtClean="0"/>
+          </a:p>
+          <a:p>
+            <a:r>
+              <a:rPr lang="ja-JP" altLang="en-US" sz="2400" dirty="0"/>
+              <a:t>　</a:t>
+            </a:r>
+            <a:r>
+              <a:rPr lang="en-US" altLang="ja-JP" sz="2400" dirty="0" smtClean="0"/>
+              <a:t>×</a:t>
+            </a:r>
+            <a:r>
+              <a:rPr lang="ja-JP" altLang="en-US" sz="2400" dirty="0" smtClean="0"/>
+              <a:t>・</a:t>
+            </a:r>
+            <a:r>
+              <a:rPr lang="en-US" altLang="ja-JP" sz="2400" dirty="0" err="1" smtClean="0"/>
+              <a:t>LightGBM</a:t>
+            </a:r>
+            <a:r>
+              <a:rPr lang="ja-JP" altLang="en-US" sz="2400" dirty="0" smtClean="0"/>
+              <a:t>をメインとして</a:t>
+            </a:r>
+            <a:r>
+              <a:rPr lang="en-US" altLang="ja-JP" sz="2400" dirty="0" smtClean="0"/>
+              <a:t>NN</a:t>
+            </a:r>
+            <a:r>
+              <a:rPr lang="ja-JP" altLang="en-US" sz="2400" dirty="0" err="1" smtClean="0"/>
+              <a:t>、</a:t>
+            </a:r>
+            <a:r>
+              <a:rPr lang="en-US" altLang="ja-JP" sz="2400" dirty="0" smtClean="0"/>
+              <a:t>RF(</a:t>
+            </a:r>
+            <a:r>
+              <a:rPr lang="en-US" altLang="ja-JP" sz="2400" dirty="0" err="1" smtClean="0"/>
+              <a:t>lightGBM</a:t>
+            </a:r>
+            <a:r>
+              <a:rPr lang="en-US" altLang="ja-JP" sz="2400" dirty="0" smtClean="0"/>
+              <a:t> </a:t>
+            </a:r>
+            <a:r>
+              <a:rPr lang="en-US" altLang="ja-JP" sz="2400" dirty="0" err="1" smtClean="0"/>
+              <a:t>rf</a:t>
+            </a:r>
+            <a:r>
+              <a:rPr lang="en-US" altLang="ja-JP" sz="2400" dirty="0" smtClean="0"/>
+              <a:t> mode) </a:t>
+            </a:r>
+            <a:r>
+              <a:rPr lang="ja-JP" altLang="en-US" sz="2400" dirty="0" smtClean="0"/>
+              <a:t>の</a:t>
+            </a:r>
+            <a:endParaRPr lang="en-US" altLang="ja-JP" sz="2400" dirty="0" smtClean="0"/>
+          </a:p>
+          <a:p>
+            <a:r>
+              <a:rPr lang="ja-JP" altLang="en-US" sz="2400" dirty="0"/>
+              <a:t>　</a:t>
+            </a:r>
+            <a:r>
+              <a:rPr lang="ja-JP" altLang="en-US" sz="2400" dirty="0" smtClean="0"/>
+              <a:t>　　</a:t>
+            </a:r>
+            <a:r>
+              <a:rPr lang="en-US" altLang="ja-JP" sz="2400" dirty="0" smtClean="0"/>
+              <a:t>Linear Regression</a:t>
+            </a:r>
+            <a:r>
+              <a:rPr lang="ja-JP" altLang="en-US" sz="2400" dirty="0" smtClean="0"/>
+              <a:t>による</a:t>
+            </a:r>
+            <a:r>
+              <a:rPr lang="en-US" altLang="ja-JP" sz="2400" dirty="0" smtClean="0"/>
+              <a:t>Stacking</a:t>
+            </a:r>
+            <a:r>
+              <a:rPr lang="ja-JP" altLang="en-US" sz="2400" dirty="0" smtClean="0"/>
+              <a:t>を行う。</a:t>
+            </a:r>
+            <a:endParaRPr lang="en-US" altLang="ja-JP" sz="2400" dirty="0" smtClean="0"/>
+          </a:p>
+          <a:p>
+            <a:r>
+              <a:rPr lang="ja-JP" altLang="en-US" sz="2400" dirty="0"/>
+              <a:t>　</a:t>
+            </a:r>
+            <a:r>
+              <a:rPr lang="en-US" altLang="ja-JP" sz="2400" dirty="0" smtClean="0"/>
+              <a:t>×</a:t>
+            </a:r>
+            <a:r>
+              <a:rPr lang="ja-JP" altLang="en-US" sz="2400" dirty="0" smtClean="0"/>
+              <a:t>・シングルモデルでは、</a:t>
+            </a:r>
+            <a:r>
+              <a:rPr lang="en-US" altLang="ja-JP" sz="2400" dirty="0" err="1" smtClean="0"/>
+              <a:t>LightGBM</a:t>
+            </a:r>
+            <a:r>
+              <a:rPr lang="ja-JP" altLang="en-US" sz="2400" dirty="0" err="1" smtClean="0"/>
+              <a:t>、</a:t>
+            </a:r>
+            <a:r>
+              <a:rPr lang="en-US" altLang="ja-JP" sz="2400" dirty="0" err="1" smtClean="0"/>
+              <a:t>XGBoost</a:t>
+            </a:r>
+            <a:r>
+              <a:rPr lang="ja-JP" altLang="en-US" sz="2400" dirty="0" err="1" smtClean="0"/>
+              <a:t>、</a:t>
+            </a:r>
+            <a:r>
+              <a:rPr lang="en-US" altLang="ja-JP" sz="2400" dirty="0" err="1" smtClean="0"/>
+              <a:t>CatBoost</a:t>
+            </a:r>
+            <a:r>
+              <a:rPr lang="ja-JP" altLang="en-US" sz="2400" dirty="0" smtClean="0"/>
+              <a:t>を試す</a:t>
+            </a:r>
+            <a:endParaRPr lang="en-US" altLang="ja-JP" sz="2400" dirty="0" smtClean="0"/>
+          </a:p>
+          <a:p>
+            <a:r>
+              <a:rPr lang="ja-JP" altLang="en-US" sz="2400" dirty="0"/>
+              <a:t>　</a:t>
+            </a:r>
+            <a:r>
+              <a:rPr lang="en-US" altLang="ja-JP" sz="2400" dirty="0" smtClean="0"/>
+              <a:t>×</a:t>
+            </a:r>
+            <a:r>
+              <a:rPr lang="ja-JP" altLang="en-US" sz="2400" dirty="0" smtClean="0"/>
+              <a:t>・各々のモデルのパラメータ調整</a:t>
+            </a:r>
+            <a:endParaRPr lang="en-US" altLang="ja-JP" sz="2400" dirty="0" smtClean="0"/>
+          </a:p>
+        </p:txBody>
+      </p:sp>
+    </p:spTree>
+    <p:extLst>
+      <p:ext uri="{BB962C8B-B14F-4D97-AF65-F5344CB8AC3E}">
+        <p14:creationId xmlns:p14="http://schemas.microsoft.com/office/powerpoint/2010/main" val="3850791543"/>
+      </p:ext>
+    </p:extLst>
+  </p:cSld>
+  <p:clrMapOvr>
+    <a:masterClrMapping/>
+  </p:clrMapOvr>
+</p:sld>
+</file>
+
+<file path=ppt/slides/slide11.xml><?xml version="1.0" encoding="utf-8"?>
+<p:sld xmlns:a="http://schemas.openxmlformats.org/drawingml/2006/main" xmlns:r="http://schemas.openxmlformats.org/officeDocument/2006/relationships" xmlns:p="http://schemas.openxmlformats.org/presentationml/2006/main">
+  <p:cSld>
+    <p:spTree>
+      <p:nvGrpSpPr>
+        <p:cNvPr id="1" name=""/>
+        <p:cNvGrpSpPr/>
+        <p:nvPr/>
+      </p:nvGrpSpPr>
+      <p:grpSpPr>
+        <a:xfrm>
+          <a:off x="0" y="0"/>
+          <a:ext cx="0" cy="0"/>
+          <a:chOff x="0" y="0"/>
+          <a:chExt cx="0" cy="0"/>
+        </a:xfrm>
+      </p:grpSpPr>
+      <p:sp>
+        <p:nvSpPr>
+          <p:cNvPr id="2" name="テキスト ボックス 1"/>
+          <p:cNvSpPr txBox="1"/>
+          <p:nvPr/>
+        </p:nvSpPr>
+        <p:spPr>
+          <a:xfrm>
+            <a:off x="4141177" y="1248535"/>
+            <a:ext cx="5081954" cy="523220"/>
+          </a:xfrm>
+          <a:prstGeom prst="rect">
+            <a:avLst/>
+          </a:prstGeom>
+          <a:noFill/>
+        </p:spPr>
+        <p:txBody>
+          <a:bodyPr wrap="square" rtlCol="0">
+            <a:spAutoFit/>
+          </a:bodyPr>
+          <a:lstStyle/>
+          <a:p>
+            <a:r>
+              <a:rPr lang="ja-JP" altLang="en-US" sz="2800" dirty="0" smtClean="0"/>
+              <a:t>今後の進め方について</a:t>
+            </a:r>
+            <a:endParaRPr kumimoji="1" lang="ja-JP" altLang="en-US" sz="2800" dirty="0"/>
+          </a:p>
+        </p:txBody>
+      </p:sp>
+      <p:sp>
+        <p:nvSpPr>
+          <p:cNvPr id="3" name="正方形/長方形 2">
+            <a:extLst>
+              <a:ext uri="{FF2B5EF4-FFF2-40B4-BE49-F238E27FC236}">
+                <a16:creationId xmlns:a16="http://schemas.microsoft.com/office/drawing/2014/main" id="{9E1FD1D3-C49F-F146-B181-76C5A130F93C}"/>
+              </a:ext>
+            </a:extLst>
+          </p:cNvPr>
+          <p:cNvSpPr/>
+          <p:nvPr/>
+        </p:nvSpPr>
+        <p:spPr>
+          <a:xfrm>
+            <a:off x="8087853" y="214350"/>
+            <a:ext cx="3680816" cy="369332"/>
+          </a:xfrm>
+          <a:prstGeom prst="rect">
+            <a:avLst/>
+          </a:prstGeom>
+        </p:spPr>
+        <p:txBody>
+          <a:bodyPr wrap="none">
+            <a:spAutoFit/>
+          </a:bodyPr>
+          <a:lstStyle/>
+          <a:p>
+            <a:r>
+              <a:rPr lang="en-US" altLang="ja-JP" dirty="0"/>
+              <a:t>YouTube</a:t>
+            </a:r>
+            <a:r>
+              <a:rPr lang="ja-JP" altLang="en-US" dirty="0"/>
+              <a:t>動画の再生数を予測する</a:t>
+            </a:r>
+          </a:p>
+        </p:txBody>
+      </p:sp>
+      <p:sp>
+        <p:nvSpPr>
+          <p:cNvPr id="4" name="テキスト ボックス 3"/>
+          <p:cNvSpPr txBox="1"/>
+          <p:nvPr/>
+        </p:nvSpPr>
+        <p:spPr>
+          <a:xfrm>
+            <a:off x="1916723" y="2769578"/>
+            <a:ext cx="10084777" cy="1815882"/>
+          </a:xfrm>
+          <a:prstGeom prst="rect">
+            <a:avLst/>
+          </a:prstGeom>
+          <a:noFill/>
+        </p:spPr>
+        <p:txBody>
+          <a:bodyPr wrap="square" rtlCol="0">
+            <a:spAutoFit/>
+          </a:bodyPr>
+          <a:lstStyle/>
+          <a:p>
+            <a:r>
+              <a:rPr lang="ja-JP" altLang="en-US" sz="2800" dirty="0" smtClean="0"/>
+              <a:t>・テキストデータを</a:t>
+            </a:r>
+            <a:r>
+              <a:rPr lang="en-US" altLang="ja-JP" sz="2800" dirty="0" smtClean="0"/>
+              <a:t>doc2vec</a:t>
+            </a:r>
+            <a:r>
+              <a:rPr lang="ja-JP" altLang="en-US" sz="2800" dirty="0" smtClean="0"/>
+              <a:t>でベクトル化</a:t>
+            </a:r>
+            <a:endParaRPr lang="en-US" altLang="ja-JP" sz="2800" dirty="0" smtClean="0"/>
+          </a:p>
+          <a:p>
+            <a:r>
+              <a:rPr lang="ja-JP" altLang="en-US" sz="2800" dirty="0" smtClean="0"/>
+              <a:t>・</a:t>
+            </a:r>
+            <a:r>
+              <a:rPr lang="en-US" altLang="ja-JP" sz="2800" dirty="0" smtClean="0"/>
+              <a:t>BERT</a:t>
+            </a:r>
+            <a:r>
+              <a:rPr lang="ja-JP" altLang="en-US" sz="2800" dirty="0" smtClean="0"/>
+              <a:t>を使ってテキストデータ</a:t>
+            </a:r>
+            <a:r>
+              <a:rPr lang="en-US" altLang="ja-JP" sz="2800" dirty="0" smtClean="0"/>
+              <a:t>(title, description, </a:t>
+            </a:r>
+          </a:p>
+          <a:p>
+            <a:r>
+              <a:rPr lang="ja-JP" altLang="en-US" sz="2800" dirty="0"/>
+              <a:t>　</a:t>
+            </a:r>
+            <a:r>
+              <a:rPr lang="en-US" altLang="ja-JP" sz="2800" dirty="0" err="1" smtClean="0"/>
+              <a:t>chanmelTitle</a:t>
+            </a:r>
+            <a:r>
+              <a:rPr lang="en-US" altLang="ja-JP" sz="2800" dirty="0" smtClean="0"/>
+              <a:t>, tags)</a:t>
+            </a:r>
+            <a:r>
+              <a:rPr lang="ja-JP" altLang="en-US" sz="2800" dirty="0" smtClean="0"/>
+              <a:t>の特徴出</a:t>
+            </a:r>
+            <a:endParaRPr lang="en-US" altLang="ja-JP" sz="2800" dirty="0" smtClean="0"/>
+          </a:p>
+          <a:p>
+            <a:r>
+              <a:rPr lang="ja-JP" altLang="en-US" sz="2800" dirty="0" smtClean="0"/>
+              <a:t>・</a:t>
+            </a:r>
+            <a:r>
+              <a:rPr lang="ja-JP" altLang="en-US" sz="2800" u="sng" dirty="0"/>
+              <a:t>進捗状況</a:t>
+            </a:r>
+            <a:r>
+              <a:rPr lang="ja-JP" altLang="en-US" sz="2800" u="sng" dirty="0" smtClean="0"/>
+              <a:t>でできていなかったモデリングを行う</a:t>
+            </a:r>
+            <a:endParaRPr lang="en-US" altLang="ja-JP" sz="2800" u="sng" dirty="0" smtClean="0"/>
+          </a:p>
+        </p:txBody>
+      </p:sp>
+    </p:spTree>
+    <p:extLst>
+      <p:ext uri="{BB962C8B-B14F-4D97-AF65-F5344CB8AC3E}">
+        <p14:creationId xmlns:p14="http://schemas.microsoft.com/office/powerpoint/2010/main" val="384129941"/>
       </p:ext>
     </p:extLst>
   </p:cSld>
@@ -4583,7 +5232,7 @@
         <p:spPr>
           <a:xfrm>
             <a:off x="2919095" y="1700982"/>
-            <a:ext cx="7214424" cy="707886"/>
+            <a:ext cx="7214424" cy="830997"/>
           </a:xfrm>
           <a:prstGeom prst="rect">
             <a:avLst/>
@@ -4597,7 +5246,7 @@
           <a:lstStyle/>
           <a:p>
             <a:r>
-              <a:rPr kumimoji="1" lang="ja-JP" altLang="en-US" sz="2000"/>
+              <a:rPr kumimoji="1" lang="ja-JP" altLang="en-US" sz="2400" dirty="0"/>
               <a:t>再生数を増やすための施策が、日々多くのメディアでノウハウが紹介されている</a:t>
             </a:r>
           </a:p>
@@ -4797,7 +5446,15 @@
             </a:r>
             <a:r>
               <a:rPr kumimoji="1" lang="ja-JP" altLang="en-US" sz="2800" dirty="0"/>
-              <a:t>にとって生命線とされる再生数を伸ばすために、どのような指標を心がける必要があるか、その情報を可視化する</a:t>
+              <a:t>にとって生命線とされる再生数を伸ばすために、</a:t>
+            </a:r>
+            <a:r>
+              <a:rPr kumimoji="1" lang="ja-JP" altLang="en-US" sz="2800" u="sng" dirty="0"/>
+              <a:t>どのような指標を心がける必要があるか</a:t>
+            </a:r>
+            <a:r>
+              <a:rPr kumimoji="1" lang="ja-JP" altLang="en-US" sz="2800" dirty="0"/>
+              <a:t>、その情報を可視化する</a:t>
             </a:r>
           </a:p>
         </p:txBody>
@@ -4884,7 +5541,7 @@
         </p:nvSpPr>
         <p:spPr>
           <a:xfrm>
-            <a:off x="889167" y="142104"/>
+            <a:off x="7655859" y="222786"/>
             <a:ext cx="4534328" cy="584775"/>
           </a:xfrm>
           <a:prstGeom prst="rect">
@@ -4899,7 +5556,7 @@
           <a:lstStyle/>
           <a:p>
             <a:r>
-              <a:rPr kumimoji="1" lang="ja-JP" altLang="en-US" sz="3200"/>
+              <a:rPr kumimoji="1" lang="ja-JP" altLang="en-US" sz="3200" dirty="0"/>
               <a:t>アプローチ・方法</a:t>
             </a:r>
           </a:p>
@@ -4919,8 +5576,8 @@
         </p:nvSpPr>
         <p:spPr>
           <a:xfrm>
-            <a:off x="340659" y="981635"/>
-            <a:ext cx="4177553" cy="1200329"/>
+            <a:off x="7655859" y="981635"/>
+            <a:ext cx="4177553" cy="1938992"/>
           </a:xfrm>
           <a:prstGeom prst="rect">
             <a:avLst/>
@@ -4934,35 +5591,35 @@
           <a:lstStyle/>
           <a:p>
             <a:r>
-              <a:rPr kumimoji="1" lang="ja-JP" altLang="en-US"/>
+              <a:rPr kumimoji="1" lang="ja-JP" altLang="en-US" sz="2400" dirty="0"/>
               <a:t>使用するデータ：</a:t>
             </a:r>
-            <a:endParaRPr kumimoji="1" lang="en-US" altLang="ja-JP" dirty="0"/>
-          </a:p>
-          <a:p>
-            <a:r>
-              <a:rPr kumimoji="1" lang="en-US" altLang="ja-JP" dirty="0" err="1"/>
+            <a:endParaRPr kumimoji="1" lang="en-US" altLang="ja-JP" sz="2400" dirty="0"/>
+          </a:p>
+          <a:p>
+            <a:r>
+              <a:rPr kumimoji="1" lang="en-US" altLang="ja-JP" sz="2400" dirty="0" err="1"/>
               <a:t>Probspace</a:t>
             </a:r>
             <a:r>
-              <a:rPr kumimoji="1" lang="en-US" altLang="ja-JP" dirty="0"/>
+              <a:rPr kumimoji="1" lang="en-US" altLang="ja-JP" sz="2400" dirty="0"/>
               <a:t> YouTube</a:t>
             </a:r>
             <a:r>
-              <a:rPr kumimoji="1" lang="ja-JP" altLang="en-US"/>
+              <a:rPr kumimoji="1" lang="ja-JP" altLang="en-US" sz="2400" dirty="0"/>
               <a:t>動画視聴回数予測</a:t>
             </a:r>
-            <a:endParaRPr kumimoji="1" lang="en-US" altLang="ja-JP" dirty="0"/>
-          </a:p>
-          <a:p>
-            <a:r>
-              <a:rPr kumimoji="1" lang="ja-JP" altLang="en-US"/>
+            <a:endParaRPr kumimoji="1" lang="en-US" altLang="ja-JP" sz="2400" dirty="0"/>
+          </a:p>
+          <a:p>
+            <a:r>
+              <a:rPr kumimoji="1" lang="ja-JP" altLang="en-US" sz="2400" dirty="0"/>
               <a:t>コンペティションのデータ</a:t>
             </a:r>
-            <a:endParaRPr kumimoji="1" lang="en-US" altLang="ja-JP" dirty="0"/>
-          </a:p>
-          <a:p>
-            <a:endParaRPr kumimoji="1" lang="ja-JP" altLang="en-US"/>
+            <a:endParaRPr kumimoji="1" lang="en-US" altLang="ja-JP" sz="2400" dirty="0"/>
+          </a:p>
+          <a:p>
+            <a:endParaRPr kumimoji="1" lang="ja-JP" altLang="en-US" sz="2400" dirty="0"/>
           </a:p>
         </p:txBody>
       </p:sp>
@@ -4981,13 +5638,13 @@
           <p:nvPr>
             <p:extLst>
               <p:ext uri="{D42A27DB-BD31-4B8C-83A1-F6EECF244321}">
-                <p14:modId xmlns:p14="http://schemas.microsoft.com/office/powerpoint/2010/main" val="3500451614"/>
+                <p14:modId xmlns:p14="http://schemas.microsoft.com/office/powerpoint/2010/main" val="2408200468"/>
               </p:ext>
             </p:extLst>
           </p:nvPr>
         </p:nvGraphicFramePr>
         <p:xfrm>
-          <a:off x="4821365" y="320040"/>
+          <a:off x="132824" y="515173"/>
           <a:ext cx="7029976" cy="6217920"/>
         </p:xfrm>
         <a:graphic>
@@ -5012,7 +5669,7 @@
                   </a:extLst>
                 </a:gridCol>
               </a:tblGrid>
-              <a:tr h="260650">
+              <a:tr h="330591">
                 <a:tc>
                   <a:txBody>
                     <a:bodyPr/>
@@ -5032,7 +5689,7 @@
                     <a:lstStyle/>
                     <a:p>
                       <a:r>
-                        <a:rPr kumimoji="1" lang="ja-JP" altLang="en-US"/>
+                        <a:rPr kumimoji="1" lang="ja-JP" altLang="en-US" dirty="0"/>
                         <a:t>説明</a:t>
                       </a:r>
                     </a:p>
@@ -5066,14 +5723,14 @@
                     <a:lstStyle/>
                     <a:p>
                       <a:r>
-                        <a:rPr kumimoji="1" lang="ja-JP" altLang="en-US"/>
+                        <a:rPr kumimoji="1" lang="ja-JP" altLang="en-US" dirty="0"/>
                         <a:t>動画ごとの一意の</a:t>
                       </a:r>
                       <a:r>
                         <a:rPr kumimoji="1" lang="en-US" altLang="ja-JP" dirty="0"/>
                         <a:t>ID</a:t>
                       </a:r>
-                      <a:endParaRPr kumimoji="1" lang="ja-JP" altLang="en-US"/>
+                      <a:endParaRPr kumimoji="1" lang="ja-JP" altLang="en-US" dirty="0"/>
                     </a:p>
                   </a:txBody>
                   <a:tcPr/>
@@ -5201,7 +5858,7 @@
                         <a:rPr kumimoji="1" lang="en-US" altLang="ja-JP" dirty="0" err="1"/>
                         <a:t>channelTitle</a:t>
                       </a:r>
-                      <a:endParaRPr kumimoji="1" lang="ja-JP" altLang="en-US"/>
+                      <a:endParaRPr kumimoji="1" lang="ja-JP" altLang="en-US" dirty="0"/>
                     </a:p>
                   </a:txBody>
                   <a:tcPr/>
@@ -5235,7 +5892,7 @@
                         <a:rPr kumimoji="1" lang="en-US" altLang="ja-JP" dirty="0" err="1"/>
                         <a:t>categoryId</a:t>
                       </a:r>
-                      <a:endParaRPr kumimoji="1" lang="ja-JP" altLang="en-US"/>
+                      <a:endParaRPr kumimoji="1" lang="ja-JP" altLang="en-US" dirty="0"/>
                     </a:p>
                   </a:txBody>
                   <a:tcPr/>
@@ -5319,7 +5976,7 @@
                     <a:lstStyle/>
                     <a:p>
                       <a:r>
-                        <a:rPr kumimoji="1" lang="ja-JP" altLang="en-US"/>
+                        <a:rPr kumimoji="1" lang="ja-JP" altLang="en-US" dirty="0"/>
                         <a:t>動画に割り当てられたタグ</a:t>
                       </a:r>
                     </a:p>
@@ -5627,7 +6284,7 @@
         </p:nvSpPr>
         <p:spPr>
           <a:xfrm>
-            <a:off x="340659" y="6353294"/>
+            <a:off x="8421537" y="6269019"/>
             <a:ext cx="3680816" cy="369332"/>
           </a:xfrm>
           <a:prstGeom prst="rect">
@@ -5659,8 +6316,8 @@
         </p:nvSpPr>
         <p:spPr>
           <a:xfrm>
-            <a:off x="340659" y="2039815"/>
-            <a:ext cx="2901461" cy="646331"/>
+            <a:off x="7655859" y="2863869"/>
+            <a:ext cx="2901461" cy="830997"/>
           </a:xfrm>
           <a:prstGeom prst="rect">
             <a:avLst/>
@@ -5674,24 +6331,24 @@
           <a:lstStyle/>
           <a:p>
             <a:r>
-              <a:rPr kumimoji="1" lang="ja-JP" altLang="en-US" dirty="0" smtClean="0"/>
+              <a:rPr kumimoji="1" lang="ja-JP" altLang="en-US" sz="2400" dirty="0" smtClean="0"/>
               <a:t>レコード数：</a:t>
             </a:r>
             <a:r>
-              <a:rPr kumimoji="1" lang="en-US" altLang="ja-JP" dirty="0" smtClean="0"/>
+              <a:rPr kumimoji="1" lang="en-US" altLang="ja-JP" sz="2400" dirty="0" smtClean="0"/>
               <a:t>19720</a:t>
             </a:r>
           </a:p>
           <a:p>
             <a:r>
-              <a:rPr lang="ja-JP" altLang="en-US" dirty="0" smtClean="0"/>
+              <a:rPr lang="ja-JP" altLang="en-US" sz="2400" dirty="0" smtClean="0"/>
               <a:t>列数：</a:t>
             </a:r>
             <a:r>
-              <a:rPr lang="en-US" altLang="ja-JP" dirty="0" smtClean="0"/>
+              <a:rPr lang="en-US" altLang="ja-JP" sz="2400" dirty="0" smtClean="0"/>
               <a:t>17</a:t>
             </a:r>
-            <a:endParaRPr kumimoji="1" lang="ja-JP" altLang="en-US" dirty="0"/>
+            <a:endParaRPr kumimoji="1" lang="ja-JP" altLang="en-US" sz="2400" dirty="0"/>
           </a:p>
         </p:txBody>
       </p:sp>
@@ -5754,7 +6411,7 @@
           <a:lstStyle/>
           <a:p>
             <a:r>
-              <a:rPr kumimoji="1" lang="ja-JP" altLang="en-US" sz="3200"/>
+              <a:rPr kumimoji="1" lang="ja-JP" altLang="en-US" sz="3200" dirty="0"/>
               <a:t>アプローチ・方法</a:t>
             </a:r>
           </a:p>
@@ -5832,11 +6489,7 @@
             </a:r>
             <a:r>
               <a:rPr lang="ja-JP" altLang="en-US" sz="2400" dirty="0" smtClean="0"/>
-              <a:t>を</a:t>
-            </a:r>
-            <a:r>
-              <a:rPr lang="ja-JP" altLang="en-US" sz="2400" dirty="0" smtClean="0"/>
-              <a:t>用意</a:t>
+              <a:t>を用意</a:t>
             </a:r>
             <a:endParaRPr kumimoji="1" lang="en-US" altLang="ja-JP" sz="2400" dirty="0"/>
           </a:p>
@@ -5906,11 +6559,31 @@
             </a:r>
             <a:r>
               <a:rPr lang="ja-JP" altLang="en-US" sz="2400" dirty="0"/>
-              <a:t>演算等の</a:t>
+              <a:t>演算</a:t>
+            </a:r>
+            <a:r>
+              <a:rPr lang="ja-JP" altLang="en-US" sz="2400" dirty="0" smtClean="0"/>
+              <a:t>等</a:t>
             </a:r>
             <a:r>
               <a:rPr lang="en-US" altLang="ja-JP" sz="2400" dirty="0" smtClean="0"/>
-              <a:t>aggregation(</a:t>
+              <a:t>,log,</a:t>
+            </a:r>
+            <a:r>
+              <a:rPr lang="ja-JP" altLang="en-US" sz="2400" dirty="0" smtClean="0"/>
+              <a:t>二乗など</a:t>
+            </a:r>
+            <a:r>
+              <a:rPr lang="ja-JP" altLang="en-US" sz="2400" dirty="0" smtClean="0"/>
+              <a:t>の</a:t>
+            </a:r>
+            <a:r>
+              <a:rPr lang="en-US" altLang="ja-JP" sz="2400" dirty="0" smtClean="0"/>
+              <a:t>aggregation</a:t>
+            </a:r>
+            <a:r>
+              <a:rPr lang="en-US" altLang="ja-JP" sz="2400" dirty="0" smtClean="0"/>
+              <a:t>(</a:t>
             </a:r>
             <a:r>
               <a:rPr lang="ja-JP" altLang="en-US" sz="2400" dirty="0" smtClean="0"/>
@@ -5932,35 +6605,59 @@
               <a:t>・</a:t>
             </a:r>
             <a:r>
-              <a:rPr lang="en-US" altLang="ja-JP" sz="2400" dirty="0"/>
+              <a:rPr lang="en-US" altLang="ja-JP" sz="2400" u="sng" dirty="0"/>
               <a:t>dislikes</a:t>
             </a:r>
             <a:r>
-              <a:rPr lang="ja-JP" altLang="en-US" sz="2400" dirty="0" err="1"/>
+              <a:rPr lang="ja-JP" altLang="en-US" sz="2400" u="sng" dirty="0" err="1"/>
               <a:t>、</a:t>
             </a:r>
             <a:r>
-              <a:rPr lang="en-US" altLang="ja-JP" sz="2400" dirty="0"/>
+              <a:rPr lang="en-US" altLang="ja-JP" sz="2400" u="sng" dirty="0"/>
               <a:t>likes</a:t>
             </a:r>
             <a:r>
-              <a:rPr lang="ja-JP" altLang="en-US" sz="2400" dirty="0" err="1"/>
+              <a:rPr lang="ja-JP" altLang="en-US" sz="2400" u="sng" dirty="0" err="1"/>
               <a:t>、</a:t>
             </a:r>
             <a:r>
-              <a:rPr lang="en-US" altLang="ja-JP" sz="2400" dirty="0" err="1"/>
+              <a:rPr lang="en-US" altLang="ja-JP" sz="2400" u="sng" dirty="0" err="1"/>
               <a:t>comment_count</a:t>
             </a:r>
             <a:r>
+              <a:rPr lang="ja-JP" altLang="en-US" sz="2400" u="sng" dirty="0"/>
+              <a:t>の予測数</a:t>
+            </a:r>
+            <a:endParaRPr lang="en-US" altLang="ja-JP" sz="2400" u="sng" dirty="0"/>
+          </a:p>
+          <a:p>
+            <a:r>
               <a:rPr lang="ja-JP" altLang="en-US" sz="2400" dirty="0"/>
-              <a:t>の予測数</a:t>
-            </a:r>
-            <a:endParaRPr lang="en-US" altLang="ja-JP" sz="2400" dirty="0"/>
-          </a:p>
-          <a:p>
-            <a:r>
-              <a:rPr lang="ja-JP" altLang="en-US" sz="2400" dirty="0"/>
-              <a:t>・テキストの</a:t>
+              <a:t>・</a:t>
+            </a:r>
+            <a:r>
+              <a:rPr lang="ja-JP" altLang="en-US" sz="2400" dirty="0" smtClean="0"/>
+              <a:t>テキスト</a:t>
+            </a:r>
+            <a:r>
+              <a:rPr lang="en-US" altLang="ja-JP" sz="2400" dirty="0" smtClean="0"/>
+              <a:t>(</a:t>
+            </a:r>
+            <a:r>
+              <a:rPr lang="en-US" altLang="ja-JP" sz="2400" dirty="0" err="1" smtClean="0"/>
+              <a:t>channelTitle,CategoryId</a:t>
+            </a:r>
+            <a:r>
+              <a:rPr lang="ja-JP" altLang="en-US" sz="2400" dirty="0" smtClean="0"/>
+              <a:t>など</a:t>
+            </a:r>
+            <a:r>
+              <a:rPr lang="en-US" altLang="ja-JP" sz="2400" dirty="0" smtClean="0"/>
+              <a:t>)</a:t>
+            </a:r>
+            <a:r>
+              <a:rPr lang="ja-JP" altLang="en-US" sz="2400" dirty="0" smtClean="0"/>
+              <a:t>の</a:t>
             </a:r>
             <a:r>
               <a:rPr lang="en-US" altLang="ja-JP" sz="2400" dirty="0"/>
@@ -6129,7 +6826,7 @@
           <p:cNvPr id="2" name="テキスト ボックス 1">
             <a:extLst>
               <a:ext uri="{FF2B5EF4-FFF2-40B4-BE49-F238E27FC236}">
-                <a16:creationId xmlns:a16="http://schemas.microsoft.com/office/drawing/2014/main" id="{E228DF88-6D15-5843-BA10-9257189A60A9}"/>
+                <a16:creationId xmlns:a16="http://schemas.microsoft.com/office/drawing/2014/main" id="{E7168466-B6A2-4447-84A6-4F4CFFEEF700}"/>
               </a:ext>
             </a:extLst>
           </p:cNvPr>
@@ -6138,7 +6835,7 @@
         </p:nvSpPr>
         <p:spPr>
           <a:xfrm>
-            <a:off x="5205674" y="633068"/>
+            <a:off x="3968544" y="612751"/>
             <a:ext cx="4534328" cy="584775"/>
           </a:xfrm>
           <a:prstGeom prst="rect">
@@ -6153,60 +6850,58 @@
           <a:lstStyle/>
           <a:p>
             <a:r>
-              <a:rPr kumimoji="1" lang="ja-JP" altLang="en-US" sz="3200"/>
-              <a:t>進捗状況</a:t>
-            </a:r>
-          </a:p>
-        </p:txBody>
-      </p:sp>
-      <p:sp>
-        <p:nvSpPr>
-          <p:cNvPr id="3" name="正方形/長方形 2">
-            <a:extLst>
-              <a:ext uri="{FF2B5EF4-FFF2-40B4-BE49-F238E27FC236}">
-                <a16:creationId xmlns:a16="http://schemas.microsoft.com/office/drawing/2014/main" id="{9E1FD1D3-C49F-F146-B181-76C5A130F93C}"/>
-              </a:ext>
-            </a:extLst>
-          </p:cNvPr>
-          <p:cNvSpPr/>
+              <a:rPr kumimoji="1" lang="ja-JP" altLang="en-US" sz="3200" dirty="0"/>
+              <a:t>アプローチ・方法</a:t>
+            </a:r>
+          </a:p>
+        </p:txBody>
+      </p:sp>
+      <p:pic>
+        <p:nvPicPr>
+          <p:cNvPr id="3" name="図 2"/>
+          <p:cNvPicPr>
+            <a:picLocks noChangeAspect="1"/>
+          </p:cNvPicPr>
           <p:nvPr/>
-        </p:nvSpPr>
+        </p:nvPicPr>
+        <p:blipFill>
+          <a:blip r:embed="rId2">
+            <a:extLst>
+              <a:ext uri="{28A0092B-C50C-407E-A947-70E740481C1C}">
+                <a14:useLocalDpi xmlns:a14="http://schemas.microsoft.com/office/drawing/2010/main" val="0"/>
+              </a:ext>
+            </a:extLst>
+          </a:blip>
+          <a:stretch>
+            <a:fillRect/>
+          </a:stretch>
+        </p:blipFill>
         <p:spPr>
           <a:xfrm>
-            <a:off x="8087853" y="214350"/>
-            <a:ext cx="3680816" cy="369332"/>
+            <a:off x="1008254" y="2197430"/>
+            <a:ext cx="10131019" cy="4273707"/>
           </a:xfrm>
           <a:prstGeom prst="rect">
             <a:avLst/>
           </a:prstGeom>
         </p:spPr>
-        <p:txBody>
-          <a:bodyPr wrap="none">
-            <a:spAutoFit/>
-          </a:bodyPr>
-          <a:lstStyle/>
-          <a:p>
-            <a:r>
-              <a:rPr lang="en-US" altLang="ja-JP" dirty="0"/>
-              <a:t>YouTube</a:t>
-            </a:r>
-            <a:r>
-              <a:rPr lang="ja-JP" altLang="en-US" dirty="0"/>
-              <a:t>動画の再生数を予測する</a:t>
-            </a:r>
-          </a:p>
-        </p:txBody>
-      </p:sp>
-      <p:sp>
-        <p:nvSpPr>
-          <p:cNvPr id="5" name="テキスト ボックス 4"/>
+      </p:pic>
+      <p:sp>
+        <p:nvSpPr>
+          <p:cNvPr id="4" name="テキスト ボックス 3">
+            <a:extLst>
+              <a:ext uri="{FF2B5EF4-FFF2-40B4-BE49-F238E27FC236}">
+                <a16:creationId xmlns:a16="http://schemas.microsoft.com/office/drawing/2014/main" id="{E7168466-B6A2-4447-84A6-4F4CFFEEF700}"/>
+              </a:ext>
+            </a:extLst>
+          </p:cNvPr>
           <p:cNvSpPr txBox="1"/>
           <p:nvPr/>
         </p:nvSpPr>
         <p:spPr>
           <a:xfrm>
-            <a:off x="1679330" y="1125415"/>
-            <a:ext cx="9873761" cy="5262979"/>
+            <a:off x="2564598" y="1251733"/>
+            <a:ext cx="7018329" cy="830997"/>
           </a:xfrm>
           <a:prstGeom prst="rect">
             <a:avLst/>
@@ -6220,372 +6915,17 @@
           <a:lstStyle/>
           <a:p>
             <a:r>
-              <a:rPr lang="ja-JP" altLang="en-US" sz="2400" dirty="0" smtClean="0"/>
-              <a:t>特徴量について</a:t>
-            </a:r>
-            <a:endParaRPr kumimoji="1" lang="en-US" altLang="ja-JP" sz="2400" dirty="0" smtClean="0"/>
-          </a:p>
-          <a:p>
-            <a:r>
               <a:rPr kumimoji="1" lang="ja-JP" altLang="en-US" sz="2400" dirty="0" smtClean="0"/>
-              <a:t>〇</a:t>
-            </a:r>
-            <a:r>
-              <a:rPr kumimoji="1" lang="ja-JP" altLang="en-US" sz="2400" dirty="0" smtClean="0"/>
-              <a:t>・データ収集。</a:t>
-            </a:r>
-            <a:r>
-              <a:rPr kumimoji="1" lang="en-US" altLang="ja-JP" sz="2400" dirty="0" err="1" smtClean="0"/>
-              <a:t>Probspace</a:t>
-            </a:r>
-            <a:r>
-              <a:rPr lang="ja-JP" altLang="en-US" sz="2400" dirty="0" smtClean="0"/>
-              <a:t> </a:t>
-            </a:r>
-            <a:r>
-              <a:rPr lang="en-US" altLang="ja-JP" sz="2400" dirty="0" smtClean="0"/>
-              <a:t>YouTube</a:t>
-            </a:r>
-            <a:r>
-              <a:rPr lang="ja-JP" altLang="en-US" sz="2400" dirty="0" smtClean="0"/>
-              <a:t>動画視聴回数予測コンペ</a:t>
-            </a:r>
-            <a:endParaRPr lang="en-US" altLang="ja-JP" sz="2400" dirty="0" smtClean="0"/>
-          </a:p>
-          <a:p>
-            <a:r>
-              <a:rPr kumimoji="1" lang="ja-JP" altLang="en-US" sz="2400" dirty="0" smtClean="0"/>
-              <a:t>〇・収集したデータを</a:t>
-            </a:r>
-            <a:r>
-              <a:rPr lang="en-US" altLang="ja-JP" sz="2400" dirty="0" smtClean="0"/>
-              <a:t>EDA(</a:t>
-            </a:r>
-            <a:r>
-              <a:rPr lang="ja-JP" altLang="en-US" sz="2400" dirty="0" smtClean="0"/>
-              <a:t>探索型データ解析</a:t>
-            </a:r>
-            <a:r>
-              <a:rPr lang="en-US" altLang="ja-JP" sz="2400" dirty="0" smtClean="0"/>
-              <a:t>)</a:t>
-            </a:r>
-            <a:r>
-              <a:rPr lang="ja-JP" altLang="en-US" sz="2400" dirty="0" smtClean="0"/>
-              <a:t>を行う</a:t>
-            </a:r>
-            <a:endParaRPr lang="en-US" altLang="ja-JP" sz="2400" dirty="0" smtClean="0"/>
-          </a:p>
-          <a:p>
-            <a:r>
-              <a:rPr lang="ja-JP" altLang="en-US" sz="2400" dirty="0" smtClean="0"/>
-              <a:t>〇・特徴量エンジニアリング</a:t>
-            </a:r>
-            <a:endParaRPr lang="en-US" altLang="ja-JP" sz="2400" dirty="0" smtClean="0"/>
-          </a:p>
-          <a:p>
-            <a:r>
-              <a:rPr kumimoji="1" lang="ja-JP" altLang="en-US" sz="2400" dirty="0"/>
-              <a:t>　</a:t>
-            </a:r>
-            <a:r>
-              <a:rPr kumimoji="1" lang="ja-JP" altLang="en-US" sz="2400" dirty="0" smtClean="0"/>
-              <a:t>・</a:t>
-            </a:r>
-            <a:r>
-              <a:rPr kumimoji="1" lang="en-US" altLang="ja-JP" sz="2400" dirty="0" smtClean="0"/>
-              <a:t>numerical data(dislikes, likes, </a:t>
-            </a:r>
-            <a:r>
-              <a:rPr kumimoji="1" lang="en-US" altLang="ja-JP" sz="2400" dirty="0" err="1" smtClean="0"/>
-              <a:t>comment_count</a:t>
-            </a:r>
-            <a:r>
-              <a:rPr kumimoji="1" lang="en-US" altLang="ja-JP" sz="2400" dirty="0" smtClean="0"/>
-              <a:t>)</a:t>
-            </a:r>
-            <a:r>
-              <a:rPr kumimoji="1" lang="ja-JP" altLang="en-US" sz="2400" dirty="0" smtClean="0"/>
-              <a:t>の</a:t>
-            </a:r>
-            <a:r>
-              <a:rPr kumimoji="1" lang="en-US" altLang="ja-JP" sz="2400" dirty="0" smtClean="0"/>
-              <a:t>aggregation</a:t>
-            </a:r>
-            <a:r>
-              <a:rPr kumimoji="1" lang="ja-JP" altLang="en-US" sz="2400" dirty="0" smtClean="0"/>
-              <a:t>特</a:t>
-            </a:r>
-            <a:endParaRPr kumimoji="1" lang="en-US" altLang="ja-JP" sz="2400" dirty="0" smtClean="0"/>
-          </a:p>
-          <a:p>
-            <a:r>
-              <a:rPr lang="ja-JP" altLang="en-US" sz="2400" dirty="0"/>
-              <a:t>　</a:t>
-            </a:r>
-            <a:r>
-              <a:rPr lang="ja-JP" altLang="en-US" sz="2400" dirty="0" smtClean="0"/>
-              <a:t>　</a:t>
-            </a:r>
-            <a:r>
-              <a:rPr kumimoji="1" lang="ja-JP" altLang="en-US" sz="2400" dirty="0" smtClean="0"/>
-              <a:t>徴量</a:t>
-            </a:r>
-            <a:r>
-              <a:rPr kumimoji="1" lang="ja-JP" altLang="en-US" sz="2400" dirty="0" smtClean="0"/>
-              <a:t>を作成</a:t>
-            </a:r>
-            <a:endParaRPr lang="en-US" altLang="ja-JP" sz="2400" dirty="0" smtClean="0"/>
-          </a:p>
-          <a:p>
-            <a:r>
-              <a:rPr lang="ja-JP" altLang="en-US" sz="2400" dirty="0"/>
-              <a:t>　</a:t>
-            </a:r>
-            <a:r>
-              <a:rPr lang="ja-JP" altLang="en-US" sz="2400" dirty="0" smtClean="0"/>
-              <a:t>・</a:t>
-            </a:r>
-            <a:r>
-              <a:rPr lang="en-US" altLang="ja-JP" sz="2400" dirty="0" smtClean="0"/>
-              <a:t>text data</a:t>
-            </a:r>
-            <a:r>
-              <a:rPr lang="ja-JP" altLang="en-US" sz="2400" dirty="0" smtClean="0"/>
-              <a:t>は</a:t>
-            </a:r>
-            <a:r>
-              <a:rPr lang="en-US" altLang="ja-JP" sz="2400" dirty="0" err="1" smtClean="0"/>
-              <a:t>tf-idf</a:t>
-            </a:r>
-            <a:r>
-              <a:rPr lang="ja-JP" altLang="en-US" sz="2400" dirty="0" smtClean="0"/>
-              <a:t>特徴量を</a:t>
-            </a:r>
-            <a:r>
-              <a:rPr lang="en-US" altLang="ja-JP" sz="2400" dirty="0" err="1" smtClean="0"/>
-              <a:t>svd</a:t>
-            </a:r>
-            <a:r>
-              <a:rPr lang="ja-JP" altLang="en-US" sz="2400" dirty="0" smtClean="0"/>
-              <a:t>特徴量に変換、</a:t>
-            </a:r>
-            <a:r>
-              <a:rPr lang="ja-JP" altLang="en-US" sz="2400" dirty="0" smtClean="0"/>
-              <a:t>そして</a:t>
-            </a:r>
-            <a:r>
-              <a:rPr lang="en-US" altLang="ja-JP" sz="2400" dirty="0" smtClean="0"/>
-              <a:t>aggregation</a:t>
-            </a:r>
-            <a:r>
-              <a:rPr lang="ja-JP" altLang="en-US" sz="2400" dirty="0" smtClean="0"/>
-              <a:t>特</a:t>
-            </a:r>
-            <a:endParaRPr lang="en-US" altLang="ja-JP" sz="2400" dirty="0" smtClean="0"/>
-          </a:p>
-          <a:p>
-            <a:r>
-              <a:rPr lang="ja-JP" altLang="en-US" sz="2400" dirty="0"/>
-              <a:t>　</a:t>
-            </a:r>
-            <a:r>
-              <a:rPr lang="ja-JP" altLang="en-US" sz="2400" dirty="0" smtClean="0"/>
-              <a:t>　</a:t>
-            </a:r>
-            <a:r>
-              <a:rPr lang="ja-JP" altLang="en-US" sz="2400" dirty="0" smtClean="0"/>
-              <a:t>徴量</a:t>
-            </a:r>
-            <a:r>
-              <a:rPr lang="ja-JP" altLang="en-US" sz="2400" dirty="0" smtClean="0"/>
-              <a:t>を作成</a:t>
-            </a:r>
-            <a:endParaRPr lang="en-US" altLang="ja-JP" sz="2400" dirty="0" smtClean="0"/>
-          </a:p>
-          <a:p>
-            <a:r>
-              <a:rPr kumimoji="1" lang="ja-JP" altLang="en-US" sz="2400" dirty="0"/>
-              <a:t>　</a:t>
-            </a:r>
-            <a:r>
-              <a:rPr kumimoji="1" lang="ja-JP" altLang="en-US" sz="2400" dirty="0" smtClean="0"/>
-              <a:t>・</a:t>
-            </a:r>
-            <a:r>
-              <a:rPr lang="en-US" altLang="ja-JP" sz="2400" dirty="0" smtClean="0"/>
-              <a:t>Target </a:t>
-            </a:r>
-            <a:r>
-              <a:rPr lang="en-US" altLang="ja-JP" sz="2400" dirty="0" smtClean="0"/>
-              <a:t>Encoding</a:t>
-            </a:r>
-            <a:endParaRPr kumimoji="1" lang="en-US" altLang="ja-JP" sz="2400" dirty="0" smtClean="0"/>
-          </a:p>
-          <a:p>
-            <a:r>
-              <a:rPr lang="ja-JP" altLang="en-US" sz="2400" dirty="0" smtClean="0"/>
-              <a:t>モデル</a:t>
-            </a:r>
-            <a:r>
-              <a:rPr lang="ja-JP" altLang="en-US" sz="2400" dirty="0" smtClean="0"/>
-              <a:t>について</a:t>
-            </a:r>
-            <a:endParaRPr lang="en-US" altLang="ja-JP" sz="2400" dirty="0" smtClean="0"/>
-          </a:p>
-          <a:p>
-            <a:r>
-              <a:rPr lang="ja-JP" altLang="en-US" sz="2400" dirty="0"/>
-              <a:t>　</a:t>
-            </a:r>
-            <a:r>
-              <a:rPr lang="en-US" altLang="ja-JP" sz="2400" dirty="0" smtClean="0"/>
-              <a:t>×</a:t>
-            </a:r>
-            <a:r>
-              <a:rPr lang="ja-JP" altLang="en-US" sz="2400" dirty="0" smtClean="0"/>
-              <a:t>・</a:t>
-            </a:r>
-            <a:r>
-              <a:rPr lang="en-US" altLang="ja-JP" sz="2400" dirty="0" err="1" smtClean="0"/>
-              <a:t>LightGBM</a:t>
-            </a:r>
-            <a:r>
-              <a:rPr lang="ja-JP" altLang="en-US" sz="2400" dirty="0" smtClean="0"/>
-              <a:t>をメインとして</a:t>
-            </a:r>
-            <a:r>
-              <a:rPr lang="en-US" altLang="ja-JP" sz="2400" dirty="0" smtClean="0"/>
-              <a:t>NN</a:t>
-            </a:r>
-            <a:r>
-              <a:rPr lang="ja-JP" altLang="en-US" sz="2400" dirty="0" err="1" smtClean="0"/>
-              <a:t>、</a:t>
-            </a:r>
-            <a:r>
-              <a:rPr lang="en-US" altLang="ja-JP" sz="2400" dirty="0" smtClean="0"/>
-              <a:t>RF(</a:t>
-            </a:r>
-            <a:r>
-              <a:rPr lang="en-US" altLang="ja-JP" sz="2400" dirty="0" err="1" smtClean="0"/>
-              <a:t>lightGBM</a:t>
-            </a:r>
-            <a:r>
-              <a:rPr lang="en-US" altLang="ja-JP" sz="2400" dirty="0" smtClean="0"/>
-              <a:t> </a:t>
-            </a:r>
-            <a:r>
-              <a:rPr lang="en-US" altLang="ja-JP" sz="2400" dirty="0" err="1" smtClean="0"/>
-              <a:t>rf</a:t>
-            </a:r>
-            <a:r>
-              <a:rPr lang="en-US" altLang="ja-JP" sz="2400" dirty="0" smtClean="0"/>
-              <a:t> mode) </a:t>
-            </a:r>
-            <a:r>
-              <a:rPr lang="ja-JP" altLang="en-US" sz="2400" dirty="0" smtClean="0"/>
-              <a:t>の</a:t>
-            </a:r>
-            <a:endParaRPr lang="en-US" altLang="ja-JP" sz="2400" dirty="0" smtClean="0"/>
-          </a:p>
-          <a:p>
-            <a:r>
-              <a:rPr lang="ja-JP" altLang="en-US" sz="2400" dirty="0"/>
-              <a:t>　</a:t>
-            </a:r>
-            <a:r>
-              <a:rPr lang="ja-JP" altLang="en-US" sz="2400" dirty="0" smtClean="0"/>
-              <a:t>　　</a:t>
-            </a:r>
-            <a:r>
-              <a:rPr lang="en-US" altLang="ja-JP" sz="2400" dirty="0" smtClean="0"/>
-              <a:t>Linear </a:t>
-            </a:r>
-            <a:r>
-              <a:rPr lang="en-US" altLang="ja-JP" sz="2400" dirty="0" smtClean="0"/>
-              <a:t>Regression</a:t>
-            </a:r>
-            <a:r>
-              <a:rPr lang="ja-JP" altLang="en-US" sz="2400" dirty="0" smtClean="0"/>
-              <a:t>による</a:t>
-            </a:r>
-            <a:r>
-              <a:rPr lang="en-US" altLang="ja-JP" sz="2400" dirty="0" smtClean="0"/>
-              <a:t>Stacking</a:t>
-            </a:r>
-            <a:r>
-              <a:rPr lang="ja-JP" altLang="en-US" sz="2400" dirty="0" smtClean="0"/>
-              <a:t>を行う。</a:t>
-            </a:r>
-            <a:endParaRPr lang="en-US" altLang="ja-JP" sz="2400" dirty="0" smtClean="0"/>
-          </a:p>
-          <a:p>
-            <a:r>
-              <a:rPr lang="ja-JP" altLang="en-US" sz="2400" dirty="0"/>
-              <a:t>　</a:t>
-            </a:r>
-            <a:r>
-              <a:rPr lang="en-US" altLang="ja-JP" sz="2400" dirty="0" smtClean="0"/>
-              <a:t>×</a:t>
-            </a:r>
-            <a:r>
-              <a:rPr lang="ja-JP" altLang="en-US" sz="2400" dirty="0" smtClean="0"/>
-              <a:t>・</a:t>
-            </a:r>
-            <a:r>
-              <a:rPr lang="ja-JP" altLang="en-US" sz="2400" dirty="0" smtClean="0"/>
-              <a:t>シングルモデルでは、</a:t>
-            </a:r>
-            <a:r>
-              <a:rPr lang="en-US" altLang="ja-JP" sz="2400" dirty="0" err="1" smtClean="0"/>
-              <a:t>LightGBM</a:t>
-            </a:r>
-            <a:r>
-              <a:rPr lang="ja-JP" altLang="en-US" sz="2400" dirty="0" err="1" smtClean="0"/>
-              <a:t>、</a:t>
-            </a:r>
-            <a:r>
-              <a:rPr lang="en-US" altLang="ja-JP" sz="2400" dirty="0" err="1" smtClean="0"/>
-              <a:t>XGBoost</a:t>
-            </a:r>
-            <a:r>
-              <a:rPr lang="ja-JP" altLang="en-US" sz="2400" dirty="0" err="1" smtClean="0"/>
-              <a:t>、</a:t>
-            </a:r>
-            <a:r>
-              <a:rPr lang="en-US" altLang="ja-JP" sz="2400" dirty="0" err="1" smtClean="0"/>
-              <a:t>CatBoost</a:t>
-            </a:r>
-            <a:r>
-              <a:rPr lang="ja-JP" altLang="en-US" sz="2400" dirty="0" smtClean="0"/>
-              <a:t>を試す</a:t>
-            </a:r>
-            <a:endParaRPr lang="en-US" altLang="ja-JP" sz="2400" dirty="0" smtClean="0"/>
-          </a:p>
-          <a:p>
-            <a:r>
-              <a:rPr lang="ja-JP" altLang="en-US" sz="2400" dirty="0"/>
-              <a:t>　</a:t>
-            </a:r>
-            <a:r>
-              <a:rPr lang="en-US" altLang="ja-JP" sz="2400" dirty="0" smtClean="0"/>
-              <a:t>×</a:t>
-            </a:r>
-            <a:r>
-              <a:rPr lang="ja-JP" altLang="en-US" sz="2400" dirty="0" smtClean="0"/>
-              <a:t>・</a:t>
-            </a:r>
-            <a:r>
-              <a:rPr lang="ja-JP" altLang="en-US" sz="2400" dirty="0" smtClean="0"/>
-              <a:t>各々のモデルのパラメータ調整</a:t>
-            </a:r>
-            <a:endParaRPr lang="en-US" altLang="ja-JP" sz="2400" dirty="0" smtClean="0"/>
+              <a:t>評価やコメントをすることが許可されていないものに関しては値が０。</a:t>
+            </a:r>
+            <a:endParaRPr kumimoji="1" lang="ja-JP" altLang="en-US" sz="2400" dirty="0"/>
           </a:p>
         </p:txBody>
       </p:sp>
     </p:spTree>
     <p:extLst>
       <p:ext uri="{BB962C8B-B14F-4D97-AF65-F5344CB8AC3E}">
-        <p14:creationId xmlns:p14="http://schemas.microsoft.com/office/powerpoint/2010/main" val="3850791543"/>
+        <p14:creationId xmlns:p14="http://schemas.microsoft.com/office/powerpoint/2010/main" val="3669948467"/>
       </p:ext>
     </p:extLst>
   </p:cSld>
@@ -6614,14 +6954,160 @@
       </p:grpSpPr>
       <p:sp>
         <p:nvSpPr>
-          <p:cNvPr id="2" name="テキスト ボックス 1"/>
+          <p:cNvPr id="2" name="正方形/長方形 1"/>
+          <p:cNvSpPr/>
+          <p:nvPr/>
+        </p:nvSpPr>
+        <p:spPr>
+          <a:xfrm>
+            <a:off x="1966546" y="2070438"/>
+            <a:ext cx="9111761" cy="2677656"/>
+          </a:xfrm>
+          <a:prstGeom prst="rect">
+            <a:avLst/>
+          </a:prstGeom>
+        </p:spPr>
+        <p:txBody>
+          <a:bodyPr wrap="square">
+            <a:spAutoFit/>
+          </a:bodyPr>
+          <a:lstStyle/>
+          <a:p>
+            <a:r>
+              <a:rPr lang="ja-JP" altLang="en-US" sz="2800" dirty="0" smtClean="0"/>
+              <a:t>モデリング</a:t>
+            </a:r>
+            <a:endParaRPr lang="en-US" altLang="ja-JP" sz="2800" dirty="0" smtClean="0"/>
+          </a:p>
+          <a:p>
+            <a:r>
+              <a:rPr lang="ja-JP" altLang="en-US" sz="2800" dirty="0" smtClean="0"/>
+              <a:t>・</a:t>
+            </a:r>
+            <a:r>
+              <a:rPr lang="en-US" altLang="ja-JP" sz="2800" u="sng" dirty="0" err="1" smtClean="0"/>
+              <a:t>LightGBM</a:t>
+            </a:r>
+            <a:r>
+              <a:rPr lang="ja-JP" altLang="en-US" sz="2800" u="sng" dirty="0" smtClean="0"/>
+              <a:t>をメイン</a:t>
+            </a:r>
+            <a:r>
+              <a:rPr lang="ja-JP" altLang="en-US" sz="2800" dirty="0" smtClean="0"/>
+              <a:t>として、</a:t>
+            </a:r>
+            <a:r>
+              <a:rPr lang="en-US" altLang="ja-JP" sz="2800" dirty="0" smtClean="0"/>
+              <a:t>NN,RF(</a:t>
+            </a:r>
+            <a:r>
+              <a:rPr lang="en-US" altLang="ja-JP" sz="2800" dirty="0" err="1" smtClean="0"/>
+              <a:t>LightGBM</a:t>
+            </a:r>
+            <a:r>
+              <a:rPr lang="en-US" altLang="ja-JP" sz="2800" dirty="0" smtClean="0"/>
+              <a:t> </a:t>
+            </a:r>
+            <a:r>
+              <a:rPr lang="en-US" altLang="ja-JP" sz="2800" dirty="0" err="1" smtClean="0"/>
+              <a:t>rf</a:t>
+            </a:r>
+            <a:endParaRPr lang="en-US" altLang="ja-JP" sz="2800" dirty="0" smtClean="0"/>
+          </a:p>
+          <a:p>
+            <a:r>
+              <a:rPr lang="ja-JP" altLang="en-US" sz="2800" dirty="0"/>
+              <a:t>　</a:t>
+            </a:r>
+            <a:r>
+              <a:rPr lang="en-US" altLang="ja-JP" sz="2800" dirty="0" smtClean="0"/>
+              <a:t> mode)</a:t>
+            </a:r>
+            <a:r>
+              <a:rPr lang="ja-JP" altLang="en-US" sz="2800" dirty="0" smtClean="0"/>
+              <a:t>の</a:t>
+            </a:r>
+            <a:r>
+              <a:rPr lang="en-US" altLang="ja-JP" sz="2800" dirty="0" smtClean="0"/>
+              <a:t>Linear Regression</a:t>
+            </a:r>
+            <a:r>
+              <a:rPr lang="ja-JP" altLang="en-US" sz="2800" dirty="0" smtClean="0"/>
+              <a:t>による</a:t>
+            </a:r>
+            <a:r>
+              <a:rPr lang="en-US" altLang="ja-JP" sz="2800" dirty="0" smtClean="0"/>
+              <a:t>Stacking</a:t>
+            </a:r>
+            <a:r>
+              <a:rPr lang="ja-JP" altLang="en-US" sz="2800" dirty="0" smtClean="0"/>
+              <a:t>を行う</a:t>
+            </a:r>
+            <a:endParaRPr lang="en-US" altLang="ja-JP" sz="2800" dirty="0" smtClean="0"/>
+          </a:p>
+          <a:p>
+            <a:r>
+              <a:rPr lang="ja-JP" altLang="en-US" sz="2800" dirty="0" smtClean="0"/>
+              <a:t>・</a:t>
+            </a:r>
+            <a:r>
+              <a:rPr lang="ja-JP" altLang="en-US" sz="2800" dirty="0"/>
+              <a:t>シングルモデルでは、</a:t>
+            </a:r>
+            <a:r>
+              <a:rPr lang="en-US" altLang="ja-JP" sz="2800" dirty="0" err="1"/>
+              <a:t>LightGBM</a:t>
+            </a:r>
+            <a:r>
+              <a:rPr lang="ja-JP" altLang="en-US" sz="2800" dirty="0" err="1"/>
+              <a:t>、</a:t>
+            </a:r>
+            <a:r>
+              <a:rPr lang="en-US" altLang="ja-JP" sz="2800" dirty="0" err="1"/>
+              <a:t>XGBoost</a:t>
+            </a:r>
+            <a:r>
+              <a:rPr lang="ja-JP" altLang="en-US" sz="2800" dirty="0" err="1" smtClean="0"/>
+              <a:t>、</a:t>
+            </a:r>
+            <a:endParaRPr lang="en-US" altLang="ja-JP" sz="2800" dirty="0" smtClean="0"/>
+          </a:p>
+          <a:p>
+            <a:r>
+              <a:rPr lang="ja-JP" altLang="en-US" sz="2800" dirty="0"/>
+              <a:t>　</a:t>
+            </a:r>
+            <a:r>
+              <a:rPr lang="en-US" altLang="ja-JP" sz="2800" dirty="0" err="1" smtClean="0"/>
+              <a:t>CatBoost</a:t>
+            </a:r>
+            <a:r>
+              <a:rPr lang="ja-JP" altLang="en-US" sz="2800" dirty="0"/>
+              <a:t>を試す</a:t>
+            </a:r>
+            <a:endParaRPr lang="en-US" altLang="ja-JP" sz="2800" dirty="0"/>
+          </a:p>
+          <a:p>
+            <a:endParaRPr lang="en-US" altLang="ja-JP" sz="2800" dirty="0" smtClean="0"/>
+          </a:p>
+        </p:txBody>
+      </p:sp>
+      <p:sp>
+        <p:nvSpPr>
+          <p:cNvPr id="3" name="テキスト ボックス 2">
+            <a:extLst>
+              <a:ext uri="{FF2B5EF4-FFF2-40B4-BE49-F238E27FC236}">
+                <a16:creationId xmlns:a16="http://schemas.microsoft.com/office/drawing/2014/main" id="{E7168466-B6A2-4447-84A6-4F4CFFEEF700}"/>
+              </a:ext>
+            </a:extLst>
+          </p:cNvPr>
           <p:cNvSpPr txBox="1"/>
           <p:nvPr/>
         </p:nvSpPr>
         <p:spPr>
           <a:xfrm>
-            <a:off x="4141177" y="1248535"/>
-            <a:ext cx="5081954" cy="523220"/>
+            <a:off x="3968544" y="612751"/>
+            <a:ext cx="4534328" cy="584775"/>
           </a:xfrm>
           <a:prstGeom prst="rect">
             <a:avLst/>
@@ -6635,61 +7121,58 @@
           <a:lstStyle/>
           <a:p>
             <a:r>
-              <a:rPr lang="ja-JP" altLang="en-US" sz="2800" dirty="0" smtClean="0"/>
-              <a:t>今後の進め方について</a:t>
-            </a:r>
-            <a:endParaRPr kumimoji="1" lang="ja-JP" altLang="en-US" sz="2800" dirty="0"/>
-          </a:p>
-        </p:txBody>
-      </p:sp>
-      <p:sp>
-        <p:nvSpPr>
-          <p:cNvPr id="3" name="正方形/長方形 2">
-            <a:extLst>
-              <a:ext uri="{FF2B5EF4-FFF2-40B4-BE49-F238E27FC236}">
-                <a16:creationId xmlns:a16="http://schemas.microsoft.com/office/drawing/2014/main" id="{9E1FD1D3-C49F-F146-B181-76C5A130F93C}"/>
-              </a:ext>
-            </a:extLst>
-          </p:cNvPr>
-          <p:cNvSpPr/>
+              <a:rPr kumimoji="1" lang="ja-JP" altLang="en-US" sz="3200" dirty="0"/>
+              <a:t>アプローチ・方法</a:t>
+            </a:r>
+          </a:p>
+        </p:txBody>
+      </p:sp>
+    </p:spTree>
+    <p:extLst>
+      <p:ext uri="{BB962C8B-B14F-4D97-AF65-F5344CB8AC3E}">
+        <p14:creationId xmlns:p14="http://schemas.microsoft.com/office/powerpoint/2010/main" val="956519074"/>
+      </p:ext>
+    </p:extLst>
+  </p:cSld>
+  <p:clrMapOvr>
+    <a:masterClrMapping/>
+  </p:clrMapOvr>
+</p:sld>
+</file>
+
+<file path=ppt/slides/slide9.xml><?xml version="1.0" encoding="utf-8"?>
+<p:sld xmlns:a="http://schemas.openxmlformats.org/drawingml/2006/main" xmlns:r="http://schemas.openxmlformats.org/officeDocument/2006/relationships" xmlns:p="http://schemas.openxmlformats.org/presentationml/2006/main">
+  <p:cSld>
+    <p:spTree>
+      <p:nvGrpSpPr>
+        <p:cNvPr id="1" name=""/>
+        <p:cNvGrpSpPr/>
+        <p:nvPr/>
+      </p:nvGrpSpPr>
+      <p:grpSpPr>
+        <a:xfrm>
+          <a:off x="0" y="0"/>
+          <a:ext cx="0" cy="0"/>
+          <a:chOff x="0" y="0"/>
+          <a:chExt cx="0" cy="0"/>
+        </a:xfrm>
+      </p:grpSpPr>
+      <p:sp>
+        <p:nvSpPr>
+          <p:cNvPr id="2" name="テキスト ボックス 1">
+            <a:extLst>
+              <a:ext uri="{FF2B5EF4-FFF2-40B4-BE49-F238E27FC236}">
+                <a16:creationId xmlns:a16="http://schemas.microsoft.com/office/drawing/2014/main" id="{E7168466-B6A2-4447-84A6-4F4CFFEEF700}"/>
+              </a:ext>
+            </a:extLst>
+          </p:cNvPr>
+          <p:cNvSpPr txBox="1"/>
           <p:nvPr/>
         </p:nvSpPr>
         <p:spPr>
           <a:xfrm>
-            <a:off x="8087853" y="214350"/>
-            <a:ext cx="3680816" cy="369332"/>
-          </a:xfrm>
-          <a:prstGeom prst="rect">
-            <a:avLst/>
-          </a:prstGeom>
-        </p:spPr>
-        <p:txBody>
-          <a:bodyPr wrap="none">
-            <a:spAutoFit/>
-          </a:bodyPr>
-          <a:lstStyle/>
-          <a:p>
-            <a:r>
-              <a:rPr lang="en-US" altLang="ja-JP" dirty="0"/>
-              <a:t>YouTube</a:t>
-            </a:r>
-            <a:r>
-              <a:rPr lang="ja-JP" altLang="en-US" dirty="0"/>
-              <a:t>動画の再生数を予測する</a:t>
-            </a:r>
-          </a:p>
-        </p:txBody>
-      </p:sp>
-      <p:sp>
-        <p:nvSpPr>
-          <p:cNvPr id="4" name="テキスト ボックス 3"/>
-          <p:cNvSpPr txBox="1"/>
-          <p:nvPr/>
-        </p:nvSpPr>
-        <p:spPr>
-          <a:xfrm>
-            <a:off x="1916723" y="2769578"/>
-            <a:ext cx="10084777" cy="1815882"/>
+            <a:off x="3968544" y="612751"/>
+            <a:ext cx="4534328" cy="584775"/>
           </a:xfrm>
           <a:prstGeom prst="rect">
             <a:avLst/>
@@ -6703,16 +7186,117 @@
           <a:lstStyle/>
           <a:p>
             <a:r>
+              <a:rPr kumimoji="1" lang="ja-JP" altLang="en-US" sz="3200" dirty="0"/>
+              <a:t>アプローチ・方法</a:t>
+            </a:r>
+          </a:p>
+        </p:txBody>
+      </p:sp>
+      <p:sp>
+        <p:nvSpPr>
+          <p:cNvPr id="3" name="テキスト ボックス 2"/>
+          <p:cNvSpPr txBox="1"/>
+          <p:nvPr/>
+        </p:nvSpPr>
+        <p:spPr>
+          <a:xfrm>
+            <a:off x="888023" y="1943100"/>
+            <a:ext cx="10234246" cy="3108543"/>
+          </a:xfrm>
+          <a:prstGeom prst="rect">
+            <a:avLst/>
+          </a:prstGeom>
+          <a:noFill/>
+        </p:spPr>
+        <p:txBody>
+          <a:bodyPr wrap="square" rtlCol="0">
+            <a:spAutoFit/>
+          </a:bodyPr>
+          <a:lstStyle/>
+          <a:p>
+            <a:r>
+              <a:rPr kumimoji="1" lang="ja-JP" altLang="en-US" sz="2800" dirty="0" smtClean="0"/>
+              <a:t>なぜ</a:t>
+            </a:r>
+            <a:r>
+              <a:rPr kumimoji="1" lang="en-US" altLang="ja-JP" sz="2800" dirty="0" err="1" smtClean="0"/>
+              <a:t>LightGBM</a:t>
+            </a:r>
+            <a:r>
+              <a:rPr kumimoji="1" lang="ja-JP" altLang="en-US" sz="2800" dirty="0" smtClean="0"/>
+              <a:t>を使うのか？</a:t>
+            </a:r>
+            <a:endParaRPr kumimoji="1" lang="en-US" altLang="ja-JP" sz="2800" dirty="0" smtClean="0"/>
+          </a:p>
+          <a:p>
+            <a:r>
+              <a:rPr lang="ja-JP" altLang="en-US" sz="2800" dirty="0"/>
+              <a:t>・カテゴリ変数に対して特別な処理を自動的に実行して</a:t>
+            </a:r>
+            <a:r>
               <a:rPr lang="ja-JP" altLang="en-US" sz="2800" dirty="0" smtClean="0"/>
-              <a:t>・テキストデータを</a:t>
-            </a:r>
-            <a:r>
-              <a:rPr lang="en-US" altLang="ja-JP" sz="2800" dirty="0" smtClean="0"/>
-              <a:t>doc2vec</a:t>
+              <a:t>くれる</a:t>
+            </a:r>
+            <a:endParaRPr lang="en-US" altLang="ja-JP" sz="2800" dirty="0" smtClean="0"/>
+          </a:p>
+          <a:p>
+            <a:r>
+              <a:rPr lang="ja-JP" altLang="en-US" sz="2800" dirty="0"/>
+              <a:t>　</a:t>
             </a:r>
             <a:r>
               <a:rPr lang="ja-JP" altLang="en-US" sz="2800" dirty="0" smtClean="0"/>
-              <a:t>でベクトル化</a:t>
+              <a:t>の</a:t>
+            </a:r>
+            <a:r>
+              <a:rPr lang="ja-JP" altLang="en-US" sz="2800" dirty="0"/>
+              <a:t>で、</a:t>
+            </a:r>
+            <a:r>
+              <a:rPr lang="en-US" altLang="ja-JP" sz="2800" dirty="0"/>
+              <a:t>One-Hot</a:t>
+            </a:r>
+            <a:r>
+              <a:rPr lang="ja-JP" altLang="en-US" sz="2800" dirty="0"/>
+              <a:t>エンコーディングの手間</a:t>
+            </a:r>
+            <a:r>
+              <a:rPr lang="ja-JP" altLang="en-US" sz="2800" dirty="0" smtClean="0"/>
+              <a:t>を</a:t>
+            </a:r>
+            <a:r>
+              <a:rPr lang="ja-JP" altLang="en-US" sz="2800" dirty="0"/>
+              <a:t>無くせる</a:t>
+            </a:r>
+            <a:endParaRPr lang="en-US" altLang="ja-JP" sz="2800" dirty="0" smtClean="0"/>
+          </a:p>
+          <a:p>
+            <a:r>
+              <a:rPr lang="ja-JP" altLang="en-US" sz="2800" dirty="0"/>
+              <a:t>・既存のデータセットを極力加工せずに利用するという観点で</a:t>
+            </a:r>
+            <a:r>
+              <a:rPr lang="ja-JP" altLang="en-US" sz="2800" dirty="0" smtClean="0"/>
+              <a:t>、</a:t>
+            </a:r>
+            <a:endParaRPr lang="en-US" altLang="ja-JP" sz="2800" dirty="0" smtClean="0"/>
+          </a:p>
+          <a:p>
+            <a:r>
+              <a:rPr lang="ja-JP" altLang="en-US" sz="2800" dirty="0"/>
+              <a:t>　</a:t>
+            </a:r>
+            <a:r>
+              <a:rPr lang="ja-JP" altLang="en-US" sz="2800" dirty="0" smtClean="0"/>
+              <a:t>特徴量</a:t>
+            </a:r>
+            <a:r>
+              <a:rPr lang="ja-JP" altLang="en-US" sz="2800" dirty="0"/>
+              <a:t>エンジニアリングの負担を軽減して</a:t>
+            </a:r>
+            <a:r>
+              <a:rPr lang="ja-JP" altLang="en-US" sz="2800" dirty="0" smtClean="0"/>
+              <a:t>くれる</a:t>
             </a:r>
             <a:endParaRPr lang="en-US" altLang="ja-JP" sz="2800" dirty="0" smtClean="0"/>
           </a:p>
@@ -6721,37 +7305,6 @@
               <a:rPr lang="ja-JP" altLang="en-US" sz="2800" dirty="0" smtClean="0"/>
               <a:t>・</a:t>
             </a:r>
-            <a:r>
-              <a:rPr lang="en-US" altLang="ja-JP" sz="2800" dirty="0" smtClean="0"/>
-              <a:t>BERT</a:t>
-            </a:r>
-            <a:r>
-              <a:rPr lang="ja-JP" altLang="en-US" sz="2800" dirty="0" smtClean="0"/>
-              <a:t>を使ってテキストデータ</a:t>
-            </a:r>
-            <a:r>
-              <a:rPr lang="en-US" altLang="ja-JP" sz="2800" dirty="0" smtClean="0"/>
-              <a:t>(title, description, </a:t>
-            </a:r>
-            <a:endParaRPr lang="en-US" altLang="ja-JP" sz="2800" dirty="0" smtClean="0"/>
-          </a:p>
-          <a:p>
-            <a:r>
-              <a:rPr lang="ja-JP" altLang="en-US" sz="2800" dirty="0"/>
-              <a:t>　</a:t>
-            </a:r>
-            <a:r>
-              <a:rPr lang="en-US" altLang="ja-JP" sz="2800" dirty="0" err="1" smtClean="0"/>
-              <a:t>chanmelTitle</a:t>
-            </a:r>
-            <a:r>
-              <a:rPr lang="en-US" altLang="ja-JP" sz="2800" dirty="0" smtClean="0"/>
-              <a:t>, tags)</a:t>
-            </a:r>
-            <a:r>
-              <a:rPr lang="ja-JP" altLang="en-US" sz="2800" dirty="0" smtClean="0"/>
-              <a:t>の特徴出</a:t>
-            </a:r>
             <a:endParaRPr lang="en-US" altLang="ja-JP" sz="2800" dirty="0" smtClean="0"/>
           </a:p>
           <a:p>
@@ -6759,22 +7312,14 @@
               <a:rPr lang="ja-JP" altLang="en-US" sz="2800" dirty="0" smtClean="0"/>
               <a:t>・</a:t>
             </a:r>
-            <a:r>
-              <a:rPr lang="ja-JP" altLang="en-US" sz="2800" dirty="0"/>
-              <a:t>進捗状況</a:t>
-            </a:r>
-            <a:r>
-              <a:rPr lang="ja-JP" altLang="en-US" sz="2800" dirty="0" smtClean="0"/>
-              <a:t>でできていなかったモデリングを行う</a:t>
-            </a:r>
-            <a:endParaRPr lang="en-US" altLang="ja-JP" sz="2800" dirty="0" smtClean="0"/>
+            <a:endParaRPr lang="en-US" altLang="ja-JP" sz="2800" dirty="0"/>
           </a:p>
         </p:txBody>
       </p:sp>
     </p:spTree>
     <p:extLst>
       <p:ext uri="{BB962C8B-B14F-4D97-AF65-F5344CB8AC3E}">
-        <p14:creationId xmlns:p14="http://schemas.microsoft.com/office/powerpoint/2010/main" val="384129941"/>
+        <p14:creationId xmlns:p14="http://schemas.microsoft.com/office/powerpoint/2010/main" val="2576709370"/>
       </p:ext>
     </p:extLst>
   </p:cSld>

--- a/docs/PD3_interim_report.pptx
+++ b/docs/PD3_interim_report.pptx
@@ -207,7 +207,7 @@
           <a:p>
             <a:fld id="{A9875936-CAD0-1C40-8DBE-97E7FC885E68}" type="datetimeFigureOut">
               <a:rPr kumimoji="1" lang="ja-JP" altLang="en-US" smtClean="0"/>
-              <a:t>2020/9/16</a:t>
+              <a:t>2020/9/17</a:t>
             </a:fld>
             <a:endParaRPr kumimoji="1" lang="ja-JP" altLang="en-US"/>
           </a:p>
@@ -737,7 +737,7 @@
           <a:p>
             <a:fld id="{748E6AB6-1A34-DC48-935D-01482CBC09AE}" type="datetimeFigureOut">
               <a:rPr kumimoji="1" lang="ja-JP" altLang="en-US" smtClean="0"/>
-              <a:t>2020/9/16</a:t>
+              <a:t>2020/9/17</a:t>
             </a:fld>
             <a:endParaRPr kumimoji="1" lang="ja-JP" altLang="en-US"/>
           </a:p>
@@ -967,7 +967,7 @@
           <a:p>
             <a:fld id="{748E6AB6-1A34-DC48-935D-01482CBC09AE}" type="datetimeFigureOut">
               <a:rPr kumimoji="1" lang="ja-JP" altLang="en-US" smtClean="0"/>
-              <a:t>2020/9/16</a:t>
+              <a:t>2020/9/17</a:t>
             </a:fld>
             <a:endParaRPr kumimoji="1" lang="ja-JP" altLang="en-US"/>
           </a:p>
@@ -1207,7 +1207,7 @@
           <a:p>
             <a:fld id="{748E6AB6-1A34-DC48-935D-01482CBC09AE}" type="datetimeFigureOut">
               <a:rPr kumimoji="1" lang="ja-JP" altLang="en-US" smtClean="0"/>
-              <a:t>2020/9/16</a:t>
+              <a:t>2020/9/17</a:t>
             </a:fld>
             <a:endParaRPr kumimoji="1" lang="ja-JP" altLang="en-US"/>
           </a:p>
@@ -1437,7 +1437,7 @@
           <a:p>
             <a:fld id="{748E6AB6-1A34-DC48-935D-01482CBC09AE}" type="datetimeFigureOut">
               <a:rPr kumimoji="1" lang="ja-JP" altLang="en-US" smtClean="0"/>
-              <a:t>2020/9/16</a:t>
+              <a:t>2020/9/17</a:t>
             </a:fld>
             <a:endParaRPr kumimoji="1" lang="ja-JP" altLang="en-US"/>
           </a:p>
@@ -1712,7 +1712,7 @@
           <a:p>
             <a:fld id="{748E6AB6-1A34-DC48-935D-01482CBC09AE}" type="datetimeFigureOut">
               <a:rPr kumimoji="1" lang="ja-JP" altLang="en-US" smtClean="0"/>
-              <a:t>2020/9/16</a:t>
+              <a:t>2020/9/17</a:t>
             </a:fld>
             <a:endParaRPr kumimoji="1" lang="ja-JP" altLang="en-US"/>
           </a:p>
@@ -2041,7 +2041,7 @@
           <a:p>
             <a:fld id="{748E6AB6-1A34-DC48-935D-01482CBC09AE}" type="datetimeFigureOut">
               <a:rPr kumimoji="1" lang="ja-JP" altLang="en-US" smtClean="0"/>
-              <a:t>2020/9/16</a:t>
+              <a:t>2020/9/17</a:t>
             </a:fld>
             <a:endParaRPr kumimoji="1" lang="ja-JP" altLang="en-US"/>
           </a:p>
@@ -2517,7 +2517,7 @@
           <a:p>
             <a:fld id="{748E6AB6-1A34-DC48-935D-01482CBC09AE}" type="datetimeFigureOut">
               <a:rPr kumimoji="1" lang="ja-JP" altLang="en-US" smtClean="0"/>
-              <a:t>2020/9/16</a:t>
+              <a:t>2020/9/17</a:t>
             </a:fld>
             <a:endParaRPr kumimoji="1" lang="ja-JP" altLang="en-US"/>
           </a:p>
@@ -2658,7 +2658,7 @@
           <a:p>
             <a:fld id="{748E6AB6-1A34-DC48-935D-01482CBC09AE}" type="datetimeFigureOut">
               <a:rPr kumimoji="1" lang="ja-JP" altLang="en-US" smtClean="0"/>
-              <a:t>2020/9/16</a:t>
+              <a:t>2020/9/17</a:t>
             </a:fld>
             <a:endParaRPr kumimoji="1" lang="ja-JP" altLang="en-US"/>
           </a:p>
@@ -2771,7 +2771,7 @@
           <a:p>
             <a:fld id="{748E6AB6-1A34-DC48-935D-01482CBC09AE}" type="datetimeFigureOut">
               <a:rPr kumimoji="1" lang="ja-JP" altLang="en-US" smtClean="0"/>
-              <a:t>2020/9/16</a:t>
+              <a:t>2020/9/17</a:t>
             </a:fld>
             <a:endParaRPr kumimoji="1" lang="ja-JP" altLang="en-US"/>
           </a:p>
@@ -3114,7 +3114,7 @@
           <a:p>
             <a:fld id="{748E6AB6-1A34-DC48-935D-01482CBC09AE}" type="datetimeFigureOut">
               <a:rPr kumimoji="1" lang="ja-JP" altLang="en-US" smtClean="0"/>
-              <a:t>2020/9/16</a:t>
+              <a:t>2020/9/17</a:t>
             </a:fld>
             <a:endParaRPr kumimoji="1" lang="ja-JP" altLang="en-US"/>
           </a:p>
@@ -3402,7 +3402,7 @@
           <a:p>
             <a:fld id="{748E6AB6-1A34-DC48-935D-01482CBC09AE}" type="datetimeFigureOut">
               <a:rPr kumimoji="1" lang="ja-JP" altLang="en-US" smtClean="0"/>
-              <a:t>2020/9/16</a:t>
+              <a:t>2020/9/17</a:t>
             </a:fld>
             <a:endParaRPr kumimoji="1" lang="ja-JP" altLang="en-US"/>
           </a:p>
@@ -3675,7 +3675,7 @@
           <a:p>
             <a:fld id="{748E6AB6-1A34-DC48-935D-01482CBC09AE}" type="datetimeFigureOut">
               <a:rPr kumimoji="1" lang="ja-JP" altLang="en-US" smtClean="0"/>
-              <a:t>2020/9/16</a:t>
+              <a:t>2020/9/17</a:t>
             </a:fld>
             <a:endParaRPr kumimoji="1" lang="ja-JP" altLang="en-US"/>
           </a:p>
@@ -4375,98 +4375,169 @@
           <a:lstStyle/>
           <a:p>
             <a:r>
-              <a:rPr lang="ja-JP" altLang="en-US" sz="2400" dirty="0" smtClean="0"/>
+              <a:rPr lang="ja-JP" altLang="en-US" sz="2400" dirty="0"/>
               <a:t>特徴量について</a:t>
             </a:r>
-            <a:endParaRPr kumimoji="1" lang="en-US" altLang="ja-JP" sz="2400" dirty="0" smtClean="0"/>
-          </a:p>
-          <a:p>
-            <a:r>
-              <a:rPr kumimoji="1" lang="ja-JP" altLang="en-US" sz="2400" dirty="0" smtClean="0"/>
+            <a:endParaRPr kumimoji="1" lang="en-US" altLang="ja-JP" sz="2400" dirty="0"/>
+          </a:p>
+          <a:p>
+            <a:r>
+              <a:rPr kumimoji="1" lang="ja-JP" altLang="en-US" sz="2400" dirty="0"/>
               <a:t>〇・データ収集。</a:t>
             </a:r>
             <a:r>
-              <a:rPr kumimoji="1" lang="en-US" altLang="ja-JP" sz="2400" dirty="0" err="1" smtClean="0"/>
+              <a:rPr kumimoji="1" lang="en-US" altLang="ja-JP" sz="2400" dirty="0" err="1"/>
               <a:t>Probspace</a:t>
             </a:r>
             <a:r>
-              <a:rPr lang="ja-JP" altLang="en-US" sz="2400" dirty="0" smtClean="0"/>
+              <a:rPr lang="ja-JP" altLang="en-US" sz="2400" dirty="0"/>
               <a:t> </a:t>
             </a:r>
             <a:r>
-              <a:rPr lang="en-US" altLang="ja-JP" sz="2400" dirty="0" smtClean="0"/>
+              <a:rPr lang="en-US" altLang="ja-JP" sz="2400" dirty="0"/>
               <a:t>YouTube</a:t>
             </a:r>
             <a:r>
-              <a:rPr lang="ja-JP" altLang="en-US" sz="2400" dirty="0" smtClean="0"/>
+              <a:rPr lang="ja-JP" altLang="en-US" sz="2400" dirty="0"/>
               <a:t>動画視聴回数予測コンペ</a:t>
             </a:r>
-            <a:endParaRPr lang="en-US" altLang="ja-JP" sz="2400" dirty="0" smtClean="0"/>
-          </a:p>
-          <a:p>
-            <a:r>
-              <a:rPr kumimoji="1" lang="ja-JP" altLang="en-US" sz="2400" dirty="0" smtClean="0"/>
+            <a:endParaRPr lang="en-US" altLang="ja-JP" sz="2400" dirty="0"/>
+          </a:p>
+          <a:p>
+            <a:r>
+              <a:rPr kumimoji="1" lang="ja-JP" altLang="en-US" sz="2400" dirty="0"/>
               <a:t>〇・収集したデータを</a:t>
             </a:r>
             <a:r>
-              <a:rPr lang="en-US" altLang="ja-JP" sz="2400" dirty="0" smtClean="0"/>
+              <a:rPr lang="en-US" altLang="ja-JP" sz="2400" dirty="0"/>
               <a:t>EDA(</a:t>
             </a:r>
             <a:r>
-              <a:rPr lang="ja-JP" altLang="en-US" sz="2400" dirty="0" smtClean="0"/>
+              <a:rPr lang="ja-JP" altLang="en-US" sz="2400" dirty="0"/>
               <a:t>探索型データ解析</a:t>
             </a:r>
             <a:r>
-              <a:rPr lang="en-US" altLang="ja-JP" sz="2400" dirty="0" smtClean="0"/>
+              <a:rPr lang="en-US" altLang="ja-JP" sz="2400" dirty="0"/>
               <a:t>)</a:t>
             </a:r>
             <a:r>
-              <a:rPr lang="ja-JP" altLang="en-US" sz="2400" dirty="0" smtClean="0"/>
+              <a:rPr lang="ja-JP" altLang="en-US" sz="2400" dirty="0"/>
               <a:t>を行う</a:t>
             </a:r>
-            <a:endParaRPr lang="en-US" altLang="ja-JP" sz="2400" dirty="0" smtClean="0"/>
-          </a:p>
-          <a:p>
-            <a:r>
-              <a:rPr lang="ja-JP" altLang="en-US" sz="2400" dirty="0" smtClean="0"/>
+            <a:endParaRPr lang="en-US" altLang="ja-JP" sz="2400" dirty="0"/>
+          </a:p>
+          <a:p>
+            <a:r>
+              <a:rPr lang="ja-JP" altLang="en-US" sz="2400" dirty="0"/>
               <a:t>〇・特徴量エンジニアリング</a:t>
             </a:r>
-            <a:endParaRPr lang="en-US" altLang="ja-JP" sz="2400" dirty="0" smtClean="0"/>
+            <a:endParaRPr lang="en-US" altLang="ja-JP" sz="2400" dirty="0"/>
           </a:p>
           <a:p>
             <a:r>
               <a:rPr kumimoji="1" lang="ja-JP" altLang="en-US" sz="2400" dirty="0"/>
-              <a:t>　</a:t>
-            </a:r>
-            <a:r>
-              <a:rPr kumimoji="1" lang="ja-JP" altLang="en-US" sz="2400" dirty="0" smtClean="0"/>
-              <a:t>・</a:t>
-            </a:r>
-            <a:r>
-              <a:rPr kumimoji="1" lang="en-US" altLang="ja-JP" sz="2400" dirty="0" smtClean="0"/>
+              <a:t>　・</a:t>
+            </a:r>
+            <a:r>
+              <a:rPr kumimoji="1" lang="en-US" altLang="ja-JP" sz="2400" dirty="0"/>
               <a:t>numerical data(dislikes, likes, </a:t>
             </a:r>
             <a:r>
-              <a:rPr kumimoji="1" lang="en-US" altLang="ja-JP" sz="2400" dirty="0" err="1" smtClean="0"/>
+              <a:rPr kumimoji="1" lang="en-US" altLang="ja-JP" sz="2400" dirty="0" err="1"/>
               <a:t>comment_count</a:t>
             </a:r>
             <a:r>
-              <a:rPr kumimoji="1" lang="en-US" altLang="ja-JP" sz="2400" dirty="0" smtClean="0"/>
+              <a:rPr kumimoji="1" lang="en-US" altLang="ja-JP" sz="2400" dirty="0"/>
               <a:t>)</a:t>
             </a:r>
             <a:r>
-              <a:rPr kumimoji="1" lang="ja-JP" altLang="en-US" sz="2400" dirty="0" smtClean="0"/>
+              <a:rPr kumimoji="1" lang="ja-JP" altLang="en-US" sz="2400" dirty="0"/>
               <a:t>の</a:t>
             </a:r>
             <a:r>
-              <a:rPr kumimoji="1" lang="en-US" altLang="ja-JP" sz="2400" dirty="0" smtClean="0"/>
+              <a:rPr kumimoji="1" lang="en-US" altLang="ja-JP" sz="2400" dirty="0"/>
               <a:t>aggregation</a:t>
             </a:r>
             <a:r>
-              <a:rPr kumimoji="1" lang="ja-JP" altLang="en-US" sz="2400" dirty="0" smtClean="0"/>
+              <a:rPr kumimoji="1" lang="ja-JP" altLang="en-US" sz="2400" dirty="0"/>
               <a:t>特</a:t>
             </a:r>
-            <a:endParaRPr kumimoji="1" lang="en-US" altLang="ja-JP" sz="2400" dirty="0" smtClean="0"/>
+            <a:endParaRPr kumimoji="1" lang="en-US" altLang="ja-JP" sz="2400" dirty="0"/>
+          </a:p>
+          <a:p>
+            <a:r>
+              <a:rPr lang="ja-JP" altLang="en-US" sz="2400" dirty="0"/>
+              <a:t>　　</a:t>
+            </a:r>
+            <a:r>
+              <a:rPr kumimoji="1" lang="ja-JP" altLang="en-US" sz="2400" dirty="0"/>
+              <a:t>徴量を作成</a:t>
+            </a:r>
+            <a:endParaRPr lang="en-US" altLang="ja-JP" sz="2400" dirty="0"/>
+          </a:p>
+          <a:p>
+            <a:r>
+              <a:rPr lang="ja-JP" altLang="en-US" sz="2400" dirty="0"/>
+              <a:t>　・</a:t>
+            </a:r>
+            <a:r>
+              <a:rPr lang="en-US" altLang="ja-JP" sz="2400" dirty="0"/>
+              <a:t>text data</a:t>
+            </a:r>
+            <a:r>
+              <a:rPr lang="ja-JP" altLang="en-US" sz="2400" dirty="0"/>
+              <a:t>は</a:t>
+            </a:r>
+            <a:r>
+              <a:rPr lang="en-US" altLang="ja-JP" sz="2400" dirty="0" err="1"/>
+              <a:t>tf-idf</a:t>
+            </a:r>
+            <a:r>
+              <a:rPr lang="ja-JP" altLang="en-US" sz="2400" dirty="0"/>
+              <a:t>特徴量を</a:t>
+            </a:r>
+            <a:r>
+              <a:rPr lang="en-US" altLang="ja-JP" sz="2400" dirty="0" err="1"/>
+              <a:t>svd</a:t>
+            </a:r>
+            <a:r>
+              <a:rPr lang="ja-JP" altLang="en-US" sz="2400" dirty="0"/>
+              <a:t>特徴量に変換、そして</a:t>
+            </a:r>
+            <a:r>
+              <a:rPr lang="en-US" altLang="ja-JP" sz="2400" dirty="0"/>
+              <a:t>aggregation</a:t>
+            </a:r>
+            <a:r>
+              <a:rPr lang="ja-JP" altLang="en-US" sz="2400" dirty="0"/>
+              <a:t>特</a:t>
+            </a:r>
+            <a:endParaRPr lang="en-US" altLang="ja-JP" sz="2400" dirty="0"/>
+          </a:p>
+          <a:p>
+            <a:r>
+              <a:rPr lang="ja-JP" altLang="en-US" sz="2400" dirty="0"/>
+              <a:t>　　徴量を作成</a:t>
+            </a:r>
+            <a:endParaRPr lang="en-US" altLang="ja-JP" sz="2400" dirty="0"/>
+          </a:p>
+          <a:p>
+            <a:r>
+              <a:rPr kumimoji="1" lang="ja-JP" altLang="en-US" sz="2400" dirty="0"/>
+              <a:t>　・</a:t>
+            </a:r>
+            <a:r>
+              <a:rPr lang="en-US" altLang="ja-JP" sz="2400" dirty="0"/>
+              <a:t>Target Encoding</a:t>
+            </a:r>
+            <a:endParaRPr kumimoji="1" lang="en-US" altLang="ja-JP" sz="2400" dirty="0"/>
+          </a:p>
+          <a:p>
+            <a:r>
+              <a:rPr lang="ja-JP" altLang="en-US" sz="2400" dirty="0"/>
+              <a:t>モデルについて</a:t>
+            </a:r>
+            <a:endParaRPr lang="en-US" altLang="ja-JP" sz="2400" dirty="0"/>
           </a:p>
           <a:p>
             <a:r>
@@ -4474,14 +4545,77 @@
               <a:t>　</a:t>
             </a:r>
             <a:r>
-              <a:rPr lang="ja-JP" altLang="en-US" sz="2400" dirty="0" smtClean="0"/>
-              <a:t>　</a:t>
-            </a:r>
-            <a:r>
-              <a:rPr kumimoji="1" lang="ja-JP" altLang="en-US" sz="2400" dirty="0" smtClean="0"/>
-              <a:t>徴量を作成</a:t>
-            </a:r>
-            <a:endParaRPr lang="en-US" altLang="ja-JP" sz="2400" dirty="0" smtClean="0"/>
+              <a:rPr lang="en-US" altLang="ja-JP" sz="2400" dirty="0"/>
+              <a:t>×</a:t>
+            </a:r>
+            <a:r>
+              <a:rPr lang="ja-JP" altLang="en-US" sz="2400" dirty="0"/>
+              <a:t>・</a:t>
+            </a:r>
+            <a:r>
+              <a:rPr lang="en-US" altLang="ja-JP" sz="2400" dirty="0" err="1"/>
+              <a:t>LightGBM</a:t>
+            </a:r>
+            <a:r>
+              <a:rPr lang="ja-JP" altLang="en-US" sz="2400" dirty="0"/>
+              <a:t>をメインとして</a:t>
+            </a:r>
+            <a:r>
+              <a:rPr lang="en-US" altLang="ja-JP" sz="2400" dirty="0"/>
+              <a:t>NN</a:t>
+            </a:r>
+            <a:r>
+              <a:rPr lang="ja-JP" altLang="en-US" sz="2400" dirty="0" err="1"/>
+              <a:t>、</a:t>
+            </a:r>
+            <a:r>
+              <a:rPr lang="en-US" altLang="ja-JP" sz="2400" dirty="0"/>
+              <a:t>RF(</a:t>
+            </a:r>
+            <a:r>
+              <a:rPr lang="en-US" altLang="ja-JP" sz="2400" dirty="0" err="1"/>
+              <a:t>lightGBM</a:t>
+            </a:r>
+            <a:r>
+              <a:rPr lang="en-US" altLang="ja-JP" sz="2400" dirty="0"/>
+              <a:t> </a:t>
+            </a:r>
+            <a:r>
+              <a:rPr lang="en-US" altLang="ja-JP" sz="2400" dirty="0" err="1"/>
+              <a:t>rf</a:t>
+            </a:r>
+            <a:r>
+              <a:rPr lang="en-US" altLang="ja-JP" sz="2400" dirty="0"/>
+              <a:t> mode) </a:t>
+            </a:r>
+            <a:r>
+              <a:rPr lang="ja-JP" altLang="en-US" sz="2400" dirty="0"/>
+              <a:t>の</a:t>
+            </a:r>
+            <a:endParaRPr lang="en-US" altLang="ja-JP" sz="2400" dirty="0"/>
+          </a:p>
+          <a:p>
+            <a:r>
+              <a:rPr lang="ja-JP" altLang="en-US" sz="2400" dirty="0"/>
+              <a:t>　　　</a:t>
+            </a:r>
+            <a:r>
+              <a:rPr lang="en-US" altLang="ja-JP" sz="2400" dirty="0"/>
+              <a:t>Linear Regression</a:t>
+            </a:r>
+            <a:r>
+              <a:rPr lang="ja-JP" altLang="en-US" sz="2400" dirty="0"/>
+              <a:t>による</a:t>
+            </a:r>
+            <a:r>
+              <a:rPr lang="en-US" altLang="ja-JP" sz="2400" dirty="0"/>
+              <a:t>Stacking</a:t>
+            </a:r>
+            <a:r>
+              <a:rPr lang="ja-JP" altLang="en-US" sz="2400" dirty="0"/>
+              <a:t>を行う。</a:t>
+            </a:r>
+            <a:endParaRPr lang="en-US" altLang="ja-JP" sz="2400" dirty="0"/>
           </a:p>
           <a:p>
             <a:r>
@@ -4489,42 +4623,38 @@
               <a:t>　</a:t>
             </a:r>
             <a:r>
-              <a:rPr lang="ja-JP" altLang="en-US" sz="2400" dirty="0" smtClean="0"/>
-              <a:t>・</a:t>
-            </a:r>
-            <a:r>
-              <a:rPr lang="en-US" altLang="ja-JP" sz="2400" dirty="0" smtClean="0"/>
-              <a:t>text data</a:t>
-            </a:r>
-            <a:r>
-              <a:rPr lang="ja-JP" altLang="en-US" sz="2400" dirty="0" smtClean="0"/>
-              <a:t>は</a:t>
-            </a:r>
-            <a:r>
-              <a:rPr lang="en-US" altLang="ja-JP" sz="2400" dirty="0" err="1" smtClean="0"/>
-              <a:t>tf-idf</a:t>
-            </a:r>
-            <a:r>
-              <a:rPr lang="ja-JP" altLang="en-US" sz="2400" dirty="0" smtClean="0"/>
-              <a:t>特徴量を</a:t>
-            </a:r>
-            <a:r>
-              <a:rPr lang="en-US" altLang="ja-JP" sz="2400" dirty="0" err="1" smtClean="0"/>
-              <a:t>svd</a:t>
-            </a:r>
-            <a:r>
-              <a:rPr lang="ja-JP" altLang="en-US" sz="2400" dirty="0" smtClean="0"/>
-              <a:t>特徴量に変換、そして</a:t>
-            </a:r>
-            <a:r>
-              <a:rPr lang="en-US" altLang="ja-JP" sz="2400" dirty="0" smtClean="0"/>
-              <a:t>aggregation</a:t>
-            </a:r>
-            <a:r>
-              <a:rPr lang="ja-JP" altLang="en-US" sz="2400" dirty="0" smtClean="0"/>
-              <a:t>特</a:t>
-            </a:r>
-            <a:endParaRPr lang="en-US" altLang="ja-JP" sz="2400" dirty="0" smtClean="0"/>
+              <a:rPr lang="en-US" altLang="ja-JP" sz="2400" dirty="0"/>
+              <a:t>×</a:t>
+            </a:r>
+            <a:r>
+              <a:rPr lang="ja-JP" altLang="en-US" sz="2400" dirty="0"/>
+              <a:t>・シングルモデルでは、</a:t>
+            </a:r>
+            <a:r>
+              <a:rPr lang="en-US" altLang="ja-JP" sz="2400" dirty="0" err="1"/>
+              <a:t>LightGBM</a:t>
+            </a:r>
+            <a:r>
+              <a:rPr lang="ja-JP" altLang="en-US" sz="2400" dirty="0" err="1"/>
+              <a:t>、</a:t>
+            </a:r>
+            <a:r>
+              <a:rPr lang="en-US" altLang="ja-JP" sz="2400" dirty="0" err="1"/>
+              <a:t>XGBoost</a:t>
+            </a:r>
+            <a:r>
+              <a:rPr lang="ja-JP" altLang="en-US" sz="2400" dirty="0" err="1"/>
+              <a:t>、</a:t>
+            </a:r>
+            <a:r>
+              <a:rPr lang="en-US" altLang="ja-JP" sz="2400" dirty="0" err="1"/>
+              <a:t>CatBoost</a:t>
+            </a:r>
+            <a:r>
+              <a:rPr lang="ja-JP" altLang="en-US" sz="2400" dirty="0"/>
+              <a:t>を試す</a:t>
+            </a:r>
+            <a:endParaRPr lang="en-US" altLang="ja-JP" sz="2400" dirty="0"/>
           </a:p>
           <a:p>
             <a:r>
@@ -4532,168 +4662,14 @@
               <a:t>　</a:t>
             </a:r>
             <a:r>
-              <a:rPr lang="ja-JP" altLang="en-US" sz="2400" dirty="0" smtClean="0"/>
-              <a:t>　徴量を作成</a:t>
-            </a:r>
-            <a:endParaRPr lang="en-US" altLang="ja-JP" sz="2400" dirty="0" smtClean="0"/>
-          </a:p>
-          <a:p>
-            <a:r>
-              <a:rPr kumimoji="1" lang="ja-JP" altLang="en-US" sz="2400" dirty="0"/>
-              <a:t>　</a:t>
-            </a:r>
-            <a:r>
-              <a:rPr kumimoji="1" lang="ja-JP" altLang="en-US" sz="2400" dirty="0" smtClean="0"/>
-              <a:t>・</a:t>
-            </a:r>
-            <a:r>
-              <a:rPr lang="en-US" altLang="ja-JP" sz="2400" dirty="0" smtClean="0"/>
-              <a:t>Target Encoding</a:t>
-            </a:r>
-            <a:endParaRPr kumimoji="1" lang="en-US" altLang="ja-JP" sz="2400" dirty="0" smtClean="0"/>
-          </a:p>
-          <a:p>
-            <a:r>
-              <a:rPr lang="ja-JP" altLang="en-US" sz="2400" dirty="0" smtClean="0"/>
-              <a:t>モデルについて</a:t>
-            </a:r>
-            <a:endParaRPr lang="en-US" altLang="ja-JP" sz="2400" dirty="0" smtClean="0"/>
-          </a:p>
-          <a:p>
+              <a:rPr lang="en-US" altLang="ja-JP" sz="2400" dirty="0"/>
+              <a:t>×</a:t>
+            </a:r>
             <a:r>
               <a:rPr lang="ja-JP" altLang="en-US" sz="2400" dirty="0"/>
-              <a:t>　</a:t>
-            </a:r>
-            <a:r>
-              <a:rPr lang="en-US" altLang="ja-JP" sz="2400" dirty="0" smtClean="0"/>
-              <a:t>×</a:t>
-            </a:r>
-            <a:r>
-              <a:rPr lang="ja-JP" altLang="en-US" sz="2400" dirty="0" smtClean="0"/>
-              <a:t>・</a:t>
-            </a:r>
-            <a:r>
-              <a:rPr lang="en-US" altLang="ja-JP" sz="2400" dirty="0" err="1" smtClean="0"/>
-              <a:t>LightGBM</a:t>
-            </a:r>
-            <a:r>
-              <a:rPr lang="ja-JP" altLang="en-US" sz="2400" dirty="0" smtClean="0"/>
-              <a:t>をメインとして</a:t>
-            </a:r>
-            <a:r>
-              <a:rPr lang="en-US" altLang="ja-JP" sz="2400" dirty="0" smtClean="0"/>
-              <a:t>NN</a:t>
-            </a:r>
-            <a:r>
-              <a:rPr lang="ja-JP" altLang="en-US" sz="2400" dirty="0" err="1" smtClean="0"/>
-              <a:t>、</a:t>
-            </a:r>
-            <a:r>
-              <a:rPr lang="en-US" altLang="ja-JP" sz="2400" dirty="0" smtClean="0"/>
-              <a:t>RF(</a:t>
-            </a:r>
-            <a:r>
-              <a:rPr lang="en-US" altLang="ja-JP" sz="2400" dirty="0" err="1" smtClean="0"/>
-              <a:t>lightGBM</a:t>
-            </a:r>
-            <a:r>
-              <a:rPr lang="en-US" altLang="ja-JP" sz="2400" dirty="0" smtClean="0"/>
-              <a:t> </a:t>
-            </a:r>
-            <a:r>
-              <a:rPr lang="en-US" altLang="ja-JP" sz="2400" dirty="0" err="1" smtClean="0"/>
-              <a:t>rf</a:t>
-            </a:r>
-            <a:r>
-              <a:rPr lang="en-US" altLang="ja-JP" sz="2400" dirty="0" smtClean="0"/>
-              <a:t> mode) </a:t>
-            </a:r>
-            <a:r>
-              <a:rPr lang="ja-JP" altLang="en-US" sz="2400" dirty="0" smtClean="0"/>
-              <a:t>の</a:t>
-            </a:r>
-            <a:endParaRPr lang="en-US" altLang="ja-JP" sz="2400" dirty="0" smtClean="0"/>
-          </a:p>
-          <a:p>
-            <a:r>
-              <a:rPr lang="ja-JP" altLang="en-US" sz="2400" dirty="0"/>
-              <a:t>　</a:t>
-            </a:r>
-            <a:r>
-              <a:rPr lang="ja-JP" altLang="en-US" sz="2400" dirty="0" smtClean="0"/>
-              <a:t>　　</a:t>
-            </a:r>
-            <a:r>
-              <a:rPr lang="en-US" altLang="ja-JP" sz="2400" dirty="0" smtClean="0"/>
-              <a:t>Linear Regression</a:t>
-            </a:r>
-            <a:r>
-              <a:rPr lang="ja-JP" altLang="en-US" sz="2400" dirty="0" smtClean="0"/>
-              <a:t>による</a:t>
-            </a:r>
-            <a:r>
-              <a:rPr lang="en-US" altLang="ja-JP" sz="2400" dirty="0" smtClean="0"/>
-              <a:t>Stacking</a:t>
-            </a:r>
-            <a:r>
-              <a:rPr lang="ja-JP" altLang="en-US" sz="2400" dirty="0" smtClean="0"/>
-              <a:t>を行う。</a:t>
-            </a:r>
-            <a:endParaRPr lang="en-US" altLang="ja-JP" sz="2400" dirty="0" smtClean="0"/>
-          </a:p>
-          <a:p>
-            <a:r>
-              <a:rPr lang="ja-JP" altLang="en-US" sz="2400" dirty="0"/>
-              <a:t>　</a:t>
-            </a:r>
-            <a:r>
-              <a:rPr lang="en-US" altLang="ja-JP" sz="2400" dirty="0" smtClean="0"/>
-              <a:t>×</a:t>
-            </a:r>
-            <a:r>
-              <a:rPr lang="ja-JP" altLang="en-US" sz="2400" dirty="0" smtClean="0"/>
-              <a:t>・シングルモデルでは、</a:t>
-            </a:r>
-            <a:r>
-              <a:rPr lang="en-US" altLang="ja-JP" sz="2400" dirty="0" err="1" smtClean="0"/>
-              <a:t>LightGBM</a:t>
-            </a:r>
-            <a:r>
-              <a:rPr lang="ja-JP" altLang="en-US" sz="2400" dirty="0" err="1" smtClean="0"/>
-              <a:t>、</a:t>
-            </a:r>
-            <a:r>
-              <a:rPr lang="en-US" altLang="ja-JP" sz="2400" dirty="0" err="1" smtClean="0"/>
-              <a:t>XGBoost</a:t>
-            </a:r>
-            <a:r>
-              <a:rPr lang="ja-JP" altLang="en-US" sz="2400" dirty="0" err="1" smtClean="0"/>
-              <a:t>、</a:t>
-            </a:r>
-            <a:r>
-              <a:rPr lang="en-US" altLang="ja-JP" sz="2400" dirty="0" err="1" smtClean="0"/>
-              <a:t>CatBoost</a:t>
-            </a:r>
-            <a:r>
-              <a:rPr lang="ja-JP" altLang="en-US" sz="2400" dirty="0" smtClean="0"/>
-              <a:t>を試す</a:t>
-            </a:r>
-            <a:endParaRPr lang="en-US" altLang="ja-JP" sz="2400" dirty="0" smtClean="0"/>
-          </a:p>
-          <a:p>
-            <a:r>
-              <a:rPr lang="ja-JP" altLang="en-US" sz="2400" dirty="0"/>
-              <a:t>　</a:t>
-            </a:r>
-            <a:r>
-              <a:rPr lang="en-US" altLang="ja-JP" sz="2400" dirty="0" smtClean="0"/>
-              <a:t>×</a:t>
-            </a:r>
-            <a:r>
-              <a:rPr lang="ja-JP" altLang="en-US" sz="2400" dirty="0" smtClean="0"/>
               <a:t>・各々のモデルのパラメータ調整</a:t>
             </a:r>
-            <a:endParaRPr lang="en-US" altLang="ja-JP" sz="2400" dirty="0" smtClean="0"/>
+            <a:endParaRPr lang="en-US" altLang="ja-JP" sz="2400" dirty="0"/>
           </a:p>
         </p:txBody>
       </p:sp>
@@ -4750,7 +4726,7 @@
           <a:lstStyle/>
           <a:p>
             <a:r>
-              <a:rPr lang="ja-JP" altLang="en-US" sz="2800" dirty="0" smtClean="0"/>
+              <a:rPr lang="ja-JP" altLang="en-US" sz="2800" dirty="0"/>
               <a:t>今後の進め方について</a:t>
             </a:r>
             <a:endParaRPr kumimoji="1" lang="ja-JP" altLang="en-US" sz="2800" dirty="0"/>
@@ -4818,34 +4794,34 @@
           <a:lstStyle/>
           <a:p>
             <a:r>
-              <a:rPr lang="ja-JP" altLang="en-US" sz="2800" dirty="0" smtClean="0"/>
+              <a:rPr lang="ja-JP" altLang="en-US" sz="2800" dirty="0"/>
               <a:t>・テキストデータを</a:t>
             </a:r>
             <a:r>
-              <a:rPr lang="en-US" altLang="ja-JP" sz="2800" dirty="0" smtClean="0"/>
+              <a:rPr lang="en-US" altLang="ja-JP" sz="2800" dirty="0"/>
               <a:t>doc2vec</a:t>
             </a:r>
             <a:r>
-              <a:rPr lang="ja-JP" altLang="en-US" sz="2800" dirty="0" smtClean="0"/>
+              <a:rPr lang="ja-JP" altLang="en-US" sz="2800" dirty="0"/>
               <a:t>でベクトル化</a:t>
             </a:r>
-            <a:endParaRPr lang="en-US" altLang="ja-JP" sz="2800" dirty="0" smtClean="0"/>
-          </a:p>
-          <a:p>
-            <a:r>
-              <a:rPr lang="ja-JP" altLang="en-US" sz="2800" dirty="0" smtClean="0"/>
+            <a:endParaRPr lang="en-US" altLang="ja-JP" sz="2800" dirty="0"/>
+          </a:p>
+          <a:p>
+            <a:r>
+              <a:rPr lang="ja-JP" altLang="en-US" sz="2800" dirty="0"/>
               <a:t>・</a:t>
             </a:r>
             <a:r>
-              <a:rPr lang="en-US" altLang="ja-JP" sz="2800" dirty="0" smtClean="0"/>
+              <a:rPr lang="en-US" altLang="ja-JP" sz="2800" dirty="0"/>
               <a:t>BERT</a:t>
             </a:r>
             <a:r>
-              <a:rPr lang="ja-JP" altLang="en-US" sz="2800" dirty="0" smtClean="0"/>
+              <a:rPr lang="ja-JP" altLang="en-US" sz="2800" dirty="0"/>
               <a:t>を使ってテキストデータ</a:t>
             </a:r>
             <a:r>
-              <a:rPr lang="en-US" altLang="ja-JP" sz="2800" dirty="0" smtClean="0"/>
+              <a:rPr lang="en-US" altLang="ja-JP" sz="2800" dirty="0"/>
               <a:t>(title, description, </a:t>
             </a:r>
           </a:p>
@@ -4855,33 +4831,29 @@
               <a:t>　</a:t>
             </a:r>
             <a:r>
-              <a:rPr lang="en-US" altLang="ja-JP" sz="2800" dirty="0" err="1" smtClean="0"/>
+              <a:rPr lang="en-US" altLang="ja-JP" sz="2800" dirty="0" err="1"/>
               <a:t>chanmelTitle</a:t>
             </a:r>
             <a:r>
-              <a:rPr lang="en-US" altLang="ja-JP" sz="2800" dirty="0" smtClean="0"/>
+              <a:rPr lang="en-US" altLang="ja-JP" sz="2800" dirty="0"/>
               <a:t>, tags)</a:t>
             </a:r>
             <a:r>
-              <a:rPr lang="ja-JP" altLang="en-US" sz="2800" dirty="0" smtClean="0"/>
+              <a:rPr lang="ja-JP" altLang="en-US" sz="2800" dirty="0"/>
               <a:t>の特徴出</a:t>
             </a:r>
-            <a:endParaRPr lang="en-US" altLang="ja-JP" sz="2800" dirty="0" smtClean="0"/>
-          </a:p>
-          <a:p>
-            <a:r>
-              <a:rPr lang="ja-JP" altLang="en-US" sz="2800" dirty="0" smtClean="0"/>
+            <a:endParaRPr lang="en-US" altLang="ja-JP" sz="2800" dirty="0"/>
+          </a:p>
+          <a:p>
+            <a:r>
+              <a:rPr lang="ja-JP" altLang="en-US" sz="2800" dirty="0"/>
               <a:t>・</a:t>
             </a:r>
             <a:r>
               <a:rPr lang="ja-JP" altLang="en-US" sz="2800" u="sng" dirty="0"/>
-              <a:t>進捗状況</a:t>
-            </a:r>
-            <a:r>
-              <a:rPr lang="ja-JP" altLang="en-US" sz="2800" u="sng" dirty="0" smtClean="0"/>
-              <a:t>でできていなかったモデリングを行う</a:t>
-            </a:r>
-            <a:endParaRPr lang="en-US" altLang="ja-JP" sz="2800" u="sng" dirty="0" smtClean="0"/>
+              <a:t>進捗状況でできていなかったモデリングを行う</a:t>
+            </a:r>
+            <a:endParaRPr lang="en-US" altLang="ja-JP" sz="2800" u="sng" dirty="0"/>
           </a:p>
         </p:txBody>
       </p:sp>
@@ -5017,11 +4989,11 @@
           <a:lstStyle/>
           <a:p>
             <a:r>
-              <a:rPr kumimoji="1" lang="ja-JP" altLang="en-US" sz="2800" dirty="0" smtClean="0"/>
+              <a:rPr kumimoji="1" lang="ja-JP" altLang="en-US" sz="2800" dirty="0"/>
               <a:t>・</a:t>
             </a:r>
             <a:r>
-              <a:rPr kumimoji="1" lang="en-US" altLang="ja-JP" sz="2800" dirty="0" smtClean="0"/>
+              <a:rPr kumimoji="1" lang="en-US" altLang="ja-JP" sz="2800" dirty="0"/>
               <a:t>YouTube</a:t>
             </a:r>
             <a:r>
@@ -5042,26 +5014,14 @@
             </a:r>
             <a:r>
               <a:rPr lang="ja-JP" altLang="en-US" sz="2800" dirty="0"/>
-              <a:t>億ドル</a:t>
-            </a:r>
-            <a:r>
-              <a:rPr lang="ja-JP" altLang="en-US" sz="2800" dirty="0" smtClean="0"/>
-              <a:t>、　</a:t>
-            </a:r>
-            <a:endParaRPr lang="en-US" altLang="ja-JP" sz="2800" dirty="0" smtClean="0"/>
+              <a:t>億ドル、　</a:t>
+            </a:r>
+            <a:endParaRPr lang="en-US" altLang="ja-JP" sz="2800" dirty="0"/>
           </a:p>
           <a:p>
             <a:r>
               <a:rPr lang="ja-JP" altLang="en-US" sz="2800" dirty="0"/>
-              <a:t>　</a:t>
-            </a:r>
-            <a:r>
-              <a:rPr lang="ja-JP" altLang="en-US" sz="2800" dirty="0" smtClean="0"/>
-              <a:t>月間</a:t>
-            </a:r>
-            <a:r>
-              <a:rPr lang="ja-JP" altLang="en-US" sz="2800" dirty="0"/>
-              <a:t>アクセス</a:t>
+              <a:t>　月間アクセス</a:t>
             </a:r>
             <a:r>
               <a:rPr lang="en-US" altLang="ja-JP" sz="2800" dirty="0"/>
@@ -5069,26 +5029,14 @@
             </a:r>
             <a:r>
               <a:rPr lang="ja-JP" altLang="en-US" sz="2800" dirty="0"/>
-              <a:t>億人に達するほど、世界で</a:t>
-            </a:r>
-            <a:r>
-              <a:rPr lang="ja-JP" altLang="en-US" sz="2800" dirty="0" smtClean="0"/>
-              <a:t>最も</a:t>
-            </a:r>
-            <a:endParaRPr lang="en-US" altLang="ja-JP" sz="2800" dirty="0" smtClean="0"/>
+              <a:t>億人に達するほど、世界で最も</a:t>
+            </a:r>
+            <a:endParaRPr lang="en-US" altLang="ja-JP" sz="2800" dirty="0"/>
           </a:p>
           <a:p>
             <a:r>
               <a:rPr lang="ja-JP" altLang="en-US" sz="2800" dirty="0"/>
-              <a:t>　</a:t>
-            </a:r>
-            <a:r>
-              <a:rPr lang="ja-JP" altLang="en-US" sz="2800" dirty="0" smtClean="0"/>
-              <a:t>普及</a:t>
-            </a:r>
-            <a:r>
-              <a:rPr lang="ja-JP" altLang="en-US" sz="2800" dirty="0"/>
-              <a:t>した動画マーケティングツール</a:t>
+              <a:t>　普及した動画マーケティングツール</a:t>
             </a:r>
             <a:endParaRPr kumimoji="1" lang="ja-JP" altLang="en-US" sz="2800" dirty="0"/>
           </a:p>
@@ -5123,18 +5071,10 @@
           <a:lstStyle/>
           <a:p>
             <a:r>
-              <a:rPr kumimoji="1" lang="ja-JP" altLang="en-US" sz="2800" dirty="0" smtClean="0"/>
-              <a:t>・再生数</a:t>
-            </a:r>
-            <a:r>
               <a:rPr kumimoji="1" lang="ja-JP" altLang="en-US" sz="2800" dirty="0"/>
-              <a:t>を増やすための施策が、日々</a:t>
-            </a:r>
-            <a:r>
-              <a:rPr kumimoji="1" lang="ja-JP" altLang="en-US" sz="2800" dirty="0" smtClean="0"/>
-              <a:t>多く</a:t>
-            </a:r>
-            <a:endParaRPr kumimoji="1" lang="en-US" altLang="ja-JP" sz="2800" dirty="0" smtClean="0"/>
+              <a:t>・再生数を増やすための施策が、日々多く</a:t>
+            </a:r>
+            <a:endParaRPr kumimoji="1" lang="en-US" altLang="ja-JP" sz="2800" dirty="0"/>
           </a:p>
           <a:p>
             <a:r>
@@ -5142,12 +5082,8 @@
               <a:t>　</a:t>
             </a:r>
             <a:r>
-              <a:rPr kumimoji="1" lang="ja-JP" altLang="en-US" sz="2800" dirty="0" smtClean="0"/>
-              <a:t>の</a:t>
-            </a:r>
-            <a:r>
               <a:rPr kumimoji="1" lang="ja-JP" altLang="en-US" sz="2800" dirty="0"/>
-              <a:t>メディアでノウハウが紹介されている</a:t>
+              <a:t>のメディアでノウハウが紹介されている</a:t>
             </a:r>
           </a:p>
         </p:txBody>
@@ -5782,7 +5718,7 @@
                     <a:lstStyle/>
                     <a:p>
                       <a:r>
-                        <a:rPr kumimoji="1" lang="en-US" altLang="ja-JP" dirty="0" err="1" smtClean="0"/>
+                        <a:rPr kumimoji="1" lang="en-US" altLang="ja-JP" dirty="0" err="1"/>
                         <a:t>publishedAt</a:t>
                       </a:r>
                       <a:endParaRPr kumimoji="1" lang="ja-JP" altLang="en-US" dirty="0"/>
@@ -6331,21 +6267,21 @@
           <a:lstStyle/>
           <a:p>
             <a:r>
-              <a:rPr kumimoji="1" lang="ja-JP" altLang="en-US" sz="2400" dirty="0" smtClean="0"/>
+              <a:rPr kumimoji="1" lang="ja-JP" altLang="en-US" sz="2400" dirty="0"/>
               <a:t>レコード数：</a:t>
             </a:r>
             <a:r>
-              <a:rPr kumimoji="1" lang="en-US" altLang="ja-JP" sz="2400" dirty="0" smtClean="0"/>
+              <a:rPr kumimoji="1" lang="en-US" altLang="ja-JP" sz="2400" dirty="0"/>
               <a:t>19720</a:t>
             </a:r>
           </a:p>
           <a:p>
             <a:r>
-              <a:rPr lang="ja-JP" altLang="en-US" sz="2400" dirty="0" smtClean="0"/>
+              <a:rPr lang="ja-JP" altLang="en-US" sz="2400" dirty="0"/>
               <a:t>列数：</a:t>
             </a:r>
             <a:r>
-              <a:rPr lang="en-US" altLang="ja-JP" sz="2400" dirty="0" smtClean="0"/>
+              <a:rPr lang="en-US" altLang="ja-JP" sz="2400" dirty="0"/>
               <a:t>17</a:t>
             </a:r>
             <a:endParaRPr kumimoji="1" lang="ja-JP" altLang="en-US" sz="2400" dirty="0"/>
@@ -6484,11 +6420,11 @@
           <a:lstStyle/>
           <a:p>
             <a:r>
-              <a:rPr kumimoji="1" lang="ja-JP" altLang="en-US" sz="2400" dirty="0" smtClean="0"/>
+              <a:rPr kumimoji="1" lang="ja-JP" altLang="en-US" sz="2400" dirty="0"/>
               <a:t>以下の特徴量</a:t>
             </a:r>
             <a:r>
-              <a:rPr lang="ja-JP" altLang="en-US" sz="2400" dirty="0" smtClean="0"/>
+              <a:rPr lang="ja-JP" altLang="en-US" sz="2400" dirty="0"/>
               <a:t>を用意</a:t>
             </a:r>
             <a:endParaRPr kumimoji="1" lang="en-US" altLang="ja-JP" sz="2400" dirty="0"/>
@@ -6499,102 +6435,82 @@
               <a:t>・</a:t>
             </a:r>
             <a:r>
-              <a:rPr lang="en-US" altLang="ja-JP" sz="2400" dirty="0" smtClean="0"/>
+              <a:rPr lang="en-US" altLang="ja-JP" sz="2400" dirty="0"/>
               <a:t>dislikes(</a:t>
             </a:r>
             <a:r>
-              <a:rPr lang="ja-JP" altLang="en-US" sz="2400" dirty="0" smtClean="0"/>
+              <a:rPr lang="ja-JP" altLang="en-US" sz="2400" dirty="0"/>
               <a:t>低評価数</a:t>
             </a:r>
             <a:r>
-              <a:rPr lang="en-US" altLang="ja-JP" sz="2400" dirty="0" smtClean="0"/>
+              <a:rPr lang="en-US" altLang="ja-JP" sz="2400" dirty="0"/>
               <a:t>)</a:t>
             </a:r>
             <a:r>
-              <a:rPr lang="ja-JP" altLang="en-US" sz="2400" dirty="0" err="1" smtClean="0"/>
+              <a:rPr lang="ja-JP" altLang="en-US" sz="2400" dirty="0" err="1"/>
               <a:t>、</a:t>
             </a:r>
             <a:r>
-              <a:rPr lang="en-US" altLang="ja-JP" sz="2400" dirty="0" smtClean="0"/>
+              <a:rPr lang="en-US" altLang="ja-JP" sz="2400" dirty="0"/>
               <a:t>likes(</a:t>
             </a:r>
             <a:r>
-              <a:rPr lang="ja-JP" altLang="en-US" sz="2400" dirty="0" smtClean="0"/>
+              <a:rPr lang="ja-JP" altLang="en-US" sz="2400" dirty="0"/>
               <a:t>高評価数</a:t>
             </a:r>
             <a:r>
-              <a:rPr lang="en-US" altLang="ja-JP" sz="2400" dirty="0" smtClean="0"/>
+              <a:rPr lang="en-US" altLang="ja-JP" sz="2400" dirty="0"/>
               <a:t>)</a:t>
             </a:r>
             <a:r>
-              <a:rPr lang="en-US" altLang="ja-JP" sz="2400" dirty="0" err="1" smtClean="0"/>
+              <a:rPr lang="en-US" altLang="ja-JP" sz="2400" dirty="0" err="1"/>
               <a:t>comment_count</a:t>
             </a:r>
             <a:r>
-              <a:rPr lang="en-US" altLang="ja-JP" sz="2400" dirty="0" smtClean="0"/>
+              <a:rPr lang="en-US" altLang="ja-JP" sz="2400" dirty="0"/>
               <a:t>(</a:t>
             </a:r>
             <a:r>
-              <a:rPr lang="ja-JP" altLang="en-US" sz="2400" dirty="0" smtClean="0"/>
+              <a:rPr lang="ja-JP" altLang="en-US" sz="2400" dirty="0"/>
               <a:t>コメン</a:t>
             </a:r>
-            <a:endParaRPr lang="en-US" altLang="ja-JP" sz="2400" dirty="0" smtClean="0"/>
+            <a:endParaRPr lang="en-US" altLang="ja-JP" sz="2400" dirty="0"/>
           </a:p>
           <a:p>
             <a:r>
               <a:rPr lang="ja-JP" altLang="en-US" sz="2400" dirty="0"/>
-              <a:t>　</a:t>
-            </a:r>
-            <a:r>
-              <a:rPr lang="ja-JP" altLang="en-US" sz="2400" dirty="0" smtClean="0"/>
-              <a:t>ト数</a:t>
-            </a:r>
-            <a:r>
-              <a:rPr lang="en-US" altLang="ja-JP" sz="2400" dirty="0" smtClean="0"/>
+              <a:t>　ト数</a:t>
+            </a:r>
+            <a:r>
+              <a:rPr lang="en-US" altLang="ja-JP" sz="2400" dirty="0"/>
               <a:t>)</a:t>
             </a:r>
             <a:r>
-              <a:rPr lang="ja-JP" altLang="en-US" sz="2400" dirty="0" smtClean="0"/>
-              <a:t>の四則</a:t>
-            </a:r>
-            <a:r>
               <a:rPr lang="ja-JP" altLang="en-US" sz="2400" dirty="0"/>
-              <a:t>演算</a:t>
-            </a:r>
-            <a:r>
-              <a:rPr lang="ja-JP" altLang="en-US" sz="2400" dirty="0" smtClean="0"/>
-              <a:t>等</a:t>
-            </a:r>
-            <a:r>
-              <a:rPr lang="en-US" altLang="ja-JP" sz="2400" dirty="0" smtClean="0"/>
+              <a:t>の四則演算等</a:t>
+            </a:r>
+            <a:r>
+              <a:rPr lang="en-US" altLang="ja-JP" sz="2400" dirty="0"/>
               <a:t>,log,</a:t>
             </a:r>
             <a:r>
-              <a:rPr lang="ja-JP" altLang="en-US" sz="2400" dirty="0" smtClean="0"/>
-              <a:t>二乗など</a:t>
-            </a:r>
-            <a:r>
-              <a:rPr lang="ja-JP" altLang="en-US" sz="2400" dirty="0" smtClean="0"/>
-              <a:t>の</a:t>
-            </a:r>
-            <a:r>
-              <a:rPr lang="en-US" altLang="ja-JP" sz="2400" dirty="0" smtClean="0"/>
-              <a:t>aggregation</a:t>
-            </a:r>
-            <a:r>
-              <a:rPr lang="en-US" altLang="ja-JP" sz="2400" dirty="0" smtClean="0"/>
-              <a:t>(</a:t>
-            </a:r>
-            <a:r>
-              <a:rPr lang="ja-JP" altLang="en-US" sz="2400" dirty="0" smtClean="0"/>
+              <a:rPr lang="ja-JP" altLang="en-US" sz="2400" dirty="0"/>
+              <a:t>二乗などの</a:t>
+            </a:r>
+            <a:r>
+              <a:rPr lang="en-US" altLang="ja-JP" sz="2400" dirty="0"/>
+              <a:t>aggregation(</a:t>
+            </a:r>
+            <a:r>
+              <a:rPr lang="ja-JP" altLang="en-US" sz="2400" dirty="0"/>
               <a:t>集計</a:t>
             </a:r>
             <a:r>
-              <a:rPr lang="en-US" altLang="ja-JP" sz="2400" dirty="0" smtClean="0"/>
+              <a:rPr lang="en-US" altLang="ja-JP" sz="2400" dirty="0"/>
               <a:t>)</a:t>
             </a:r>
             <a:r>
-              <a:rPr lang="ja-JP" altLang="en-US" sz="2400" dirty="0" smtClean="0"/>
+              <a:rPr lang="ja-JP" altLang="en-US" sz="2400" dirty="0"/>
               <a:t>特徴量</a:t>
             </a:r>
             <a:endParaRPr lang="en-US" altLang="ja-JP" sz="2400" dirty="0"/>
@@ -6633,30 +6549,26 @@
           <a:p>
             <a:r>
               <a:rPr lang="ja-JP" altLang="en-US" sz="2400" dirty="0"/>
-              <a:t>・</a:t>
-            </a:r>
-            <a:r>
-              <a:rPr lang="ja-JP" altLang="en-US" sz="2400" dirty="0" smtClean="0"/>
-              <a:t>テキスト</a:t>
-            </a:r>
-            <a:r>
-              <a:rPr lang="en-US" altLang="ja-JP" sz="2400" dirty="0" smtClean="0"/>
+              <a:t>・テキスト</a:t>
+            </a:r>
+            <a:r>
+              <a:rPr lang="en-US" altLang="ja-JP" sz="2400" dirty="0"/>
               <a:t>(</a:t>
             </a:r>
             <a:r>
-              <a:rPr lang="en-US" altLang="ja-JP" sz="2400" dirty="0" err="1" smtClean="0"/>
+              <a:rPr lang="en-US" altLang="ja-JP" sz="2400" dirty="0" err="1"/>
               <a:t>channelTitle,CategoryId</a:t>
             </a:r>
             <a:r>
-              <a:rPr lang="ja-JP" altLang="en-US" sz="2400" dirty="0" smtClean="0"/>
+              <a:rPr lang="ja-JP" altLang="en-US" sz="2400" dirty="0"/>
               <a:t>など</a:t>
             </a:r>
             <a:r>
-              <a:rPr lang="en-US" altLang="ja-JP" sz="2400" dirty="0" smtClean="0"/>
+              <a:rPr lang="en-US" altLang="ja-JP" sz="2400" dirty="0"/>
               <a:t>)</a:t>
             </a:r>
             <a:r>
-              <a:rPr lang="ja-JP" altLang="en-US" sz="2400" dirty="0" smtClean="0"/>
+              <a:rPr lang="ja-JP" altLang="en-US" sz="2400" dirty="0"/>
               <a:t>の</a:t>
             </a:r>
             <a:r>
@@ -6732,13 +6644,13 @@
               <a:t>binary</a:t>
             </a:r>
             <a:r>
-              <a:rPr lang="ja-JP" altLang="en-US" sz="2400" dirty="0" smtClean="0"/>
+              <a:rPr lang="ja-JP" altLang="en-US" sz="2400" dirty="0"/>
               <a:t>特徴量</a:t>
             </a:r>
-            <a:endParaRPr lang="en-US" altLang="ja-JP" sz="2400" dirty="0" smtClean="0"/>
-          </a:p>
-          <a:p>
-            <a:endParaRPr lang="en-US" altLang="ja-JP" sz="2400" dirty="0" smtClean="0"/>
+            <a:endParaRPr lang="en-US" altLang="ja-JP" sz="2400" dirty="0"/>
+          </a:p>
+          <a:p>
+            <a:endParaRPr lang="en-US" altLang="ja-JP" sz="2400" dirty="0"/>
           </a:p>
         </p:txBody>
       </p:sp>
@@ -6765,29 +6677,29 @@
           <a:lstStyle/>
           <a:p>
             <a:r>
-              <a:rPr kumimoji="1" lang="en-US" altLang="ja-JP" sz="2400" dirty="0" smtClean="0"/>
+              <a:rPr kumimoji="1" lang="en-US" altLang="ja-JP" sz="2400" dirty="0"/>
               <a:t>EDA(</a:t>
             </a:r>
             <a:r>
-              <a:rPr kumimoji="1" lang="ja-JP" altLang="en-US" sz="2400" dirty="0" smtClean="0"/>
+              <a:rPr kumimoji="1" lang="ja-JP" altLang="en-US" sz="2400" dirty="0"/>
               <a:t>探索型データ解析</a:t>
             </a:r>
             <a:r>
-              <a:rPr kumimoji="1" lang="en-US" altLang="ja-JP" sz="2400" dirty="0" smtClean="0"/>
+              <a:rPr kumimoji="1" lang="en-US" altLang="ja-JP" sz="2400" dirty="0"/>
               <a:t>)</a:t>
             </a:r>
             <a:r>
-              <a:rPr kumimoji="1" lang="ja-JP" altLang="en-US" sz="2400" dirty="0" smtClean="0"/>
+              <a:rPr kumimoji="1" lang="ja-JP" altLang="en-US" sz="2400" dirty="0"/>
               <a:t>を行い、再生数を予測するのに効果的な特徴量を見つける</a:t>
             </a:r>
             <a:r>
-              <a:rPr lang="ja-JP" altLang="en-US" sz="2400" dirty="0" smtClean="0"/>
+              <a:rPr lang="ja-JP" altLang="en-US" sz="2400" dirty="0"/>
               <a:t>。</a:t>
             </a:r>
-            <a:endParaRPr lang="en-US" altLang="ja-JP" sz="2400" dirty="0" smtClean="0"/>
-          </a:p>
-          <a:p>
-            <a:endParaRPr kumimoji="1" lang="en-US" altLang="ja-JP" dirty="0" smtClean="0"/>
+            <a:endParaRPr lang="en-US" altLang="ja-JP" sz="2400" dirty="0"/>
+          </a:p>
+          <a:p>
+            <a:endParaRPr kumimoji="1" lang="en-US" altLang="ja-JP" dirty="0"/>
           </a:p>
         </p:txBody>
       </p:sp>
@@ -6915,10 +6827,9 @@
           <a:lstStyle/>
           <a:p>
             <a:r>
-              <a:rPr kumimoji="1" lang="ja-JP" altLang="en-US" sz="2400" dirty="0" smtClean="0"/>
+              <a:rPr kumimoji="1" lang="ja-JP" altLang="en-US" sz="2400" dirty="0"/>
               <a:t>評価やコメントをすることが許可されていないものに関しては値が０。</a:t>
             </a:r>
-            <a:endParaRPr kumimoji="1" lang="ja-JP" altLang="en-US" sz="2400" dirty="0"/>
           </a:p>
         </p:txBody>
       </p:sp>
@@ -6974,45 +6885,45 @@
           <a:lstStyle/>
           <a:p>
             <a:r>
-              <a:rPr lang="ja-JP" altLang="en-US" sz="2800" dirty="0" smtClean="0"/>
+              <a:rPr lang="ja-JP" altLang="en-US" sz="2800" dirty="0"/>
               <a:t>モデリング</a:t>
             </a:r>
-            <a:endParaRPr lang="en-US" altLang="ja-JP" sz="2800" dirty="0" smtClean="0"/>
-          </a:p>
-          <a:p>
-            <a:r>
-              <a:rPr lang="ja-JP" altLang="en-US" sz="2800" dirty="0" smtClean="0"/>
+            <a:endParaRPr lang="en-US" altLang="ja-JP" sz="2800" dirty="0"/>
+          </a:p>
+          <a:p>
+            <a:r>
+              <a:rPr lang="ja-JP" altLang="en-US" sz="2800" dirty="0"/>
               <a:t>・</a:t>
             </a:r>
             <a:r>
-              <a:rPr lang="en-US" altLang="ja-JP" sz="2800" u="sng" dirty="0" err="1" smtClean="0"/>
+              <a:rPr lang="en-US" altLang="ja-JP" sz="2800" u="sng" dirty="0" err="1"/>
               <a:t>LightGBM</a:t>
             </a:r>
             <a:r>
-              <a:rPr lang="ja-JP" altLang="en-US" sz="2800" u="sng" dirty="0" smtClean="0"/>
+              <a:rPr lang="ja-JP" altLang="en-US" sz="2800" u="sng" dirty="0"/>
               <a:t>をメイン</a:t>
             </a:r>
             <a:r>
-              <a:rPr lang="ja-JP" altLang="en-US" sz="2800" dirty="0" smtClean="0"/>
+              <a:rPr lang="ja-JP" altLang="en-US" sz="2800" dirty="0"/>
               <a:t>として、</a:t>
             </a:r>
             <a:r>
-              <a:rPr lang="en-US" altLang="ja-JP" sz="2800" dirty="0" smtClean="0"/>
+              <a:rPr lang="en-US" altLang="ja-JP" sz="2800" dirty="0"/>
               <a:t>NN,RF(</a:t>
             </a:r>
             <a:r>
-              <a:rPr lang="en-US" altLang="ja-JP" sz="2800" dirty="0" err="1" smtClean="0"/>
+              <a:rPr lang="en-US" altLang="ja-JP" sz="2800" dirty="0" err="1"/>
               <a:t>LightGBM</a:t>
             </a:r>
             <a:r>
-              <a:rPr lang="en-US" altLang="ja-JP" sz="2800" dirty="0" smtClean="0"/>
+              <a:rPr lang="en-US" altLang="ja-JP" sz="2800" dirty="0"/>
               <a:t> </a:t>
             </a:r>
             <a:r>
-              <a:rPr lang="en-US" altLang="ja-JP" sz="2800" dirty="0" err="1" smtClean="0"/>
+              <a:rPr lang="en-US" altLang="ja-JP" sz="2800" dirty="0" err="1"/>
               <a:t>rf</a:t>
             </a:r>
-            <a:endParaRPr lang="en-US" altLang="ja-JP" sz="2800" dirty="0" smtClean="0"/>
+            <a:endParaRPr lang="en-US" altLang="ja-JP" sz="2800" dirty="0"/>
           </a:p>
           <a:p>
             <a:r>
@@ -7020,39 +6931,35 @@
               <a:t>　</a:t>
             </a:r>
             <a:r>
-              <a:rPr lang="en-US" altLang="ja-JP" sz="2800" dirty="0" smtClean="0"/>
+              <a:rPr lang="en-US" altLang="ja-JP" sz="2800" dirty="0"/>
               <a:t> mode)</a:t>
             </a:r>
             <a:r>
-              <a:rPr lang="ja-JP" altLang="en-US" sz="2800" dirty="0" smtClean="0"/>
+              <a:rPr lang="ja-JP" altLang="en-US" sz="2800" dirty="0"/>
               <a:t>の</a:t>
             </a:r>
             <a:r>
-              <a:rPr lang="en-US" altLang="ja-JP" sz="2800" dirty="0" smtClean="0"/>
+              <a:rPr lang="en-US" altLang="ja-JP" sz="2800" dirty="0"/>
               <a:t>Linear Regression</a:t>
             </a:r>
             <a:r>
-              <a:rPr lang="ja-JP" altLang="en-US" sz="2800" dirty="0" smtClean="0"/>
+              <a:rPr lang="ja-JP" altLang="en-US" sz="2800" dirty="0"/>
               <a:t>による</a:t>
             </a:r>
             <a:r>
-              <a:rPr lang="en-US" altLang="ja-JP" sz="2800" dirty="0" smtClean="0"/>
+              <a:rPr lang="en-US" altLang="ja-JP" sz="2800" dirty="0"/>
               <a:t>Stacking</a:t>
             </a:r>
             <a:r>
-              <a:rPr lang="ja-JP" altLang="en-US" sz="2800" dirty="0" smtClean="0"/>
+              <a:rPr lang="ja-JP" altLang="en-US" sz="2800" dirty="0"/>
               <a:t>を行う</a:t>
             </a:r>
-            <a:endParaRPr lang="en-US" altLang="ja-JP" sz="2800" dirty="0" smtClean="0"/>
-          </a:p>
-          <a:p>
-            <a:r>
-              <a:rPr lang="ja-JP" altLang="en-US" sz="2800" dirty="0" smtClean="0"/>
-              <a:t>・</a:t>
-            </a:r>
+            <a:endParaRPr lang="en-US" altLang="ja-JP" sz="2800" dirty="0"/>
+          </a:p>
+          <a:p>
             <a:r>
               <a:rPr lang="ja-JP" altLang="en-US" sz="2800" dirty="0"/>
-              <a:t>シングルモデルでは、</a:t>
+              <a:t>・シングルモデルでは、</a:t>
             </a:r>
             <a:r>
               <a:rPr lang="en-US" altLang="ja-JP" sz="2800" dirty="0" err="1"/>
@@ -7067,10 +6974,10 @@
               <a:t>XGBoost</a:t>
             </a:r>
             <a:r>
-              <a:rPr lang="ja-JP" altLang="en-US" sz="2800" dirty="0" err="1" smtClean="0"/>
+              <a:rPr lang="ja-JP" altLang="en-US" sz="2800" dirty="0" err="1"/>
               <a:t>、</a:t>
             </a:r>
-            <a:endParaRPr lang="en-US" altLang="ja-JP" sz="2800" dirty="0" smtClean="0"/>
+            <a:endParaRPr lang="en-US" altLang="ja-JP" sz="2800" dirty="0"/>
           </a:p>
           <a:p>
             <a:r>
@@ -7078,7 +6985,7 @@
               <a:t>　</a:t>
             </a:r>
             <a:r>
-              <a:rPr lang="en-US" altLang="ja-JP" sz="2800" dirty="0" err="1" smtClean="0"/>
+              <a:rPr lang="en-US" altLang="ja-JP" sz="2800" dirty="0" err="1"/>
               <a:t>CatBoost</a:t>
             </a:r>
             <a:r>
@@ -7088,7 +6995,7 @@
             <a:endParaRPr lang="en-US" altLang="ja-JP" sz="2800" dirty="0"/>
           </a:p>
           <a:p>
-            <a:endParaRPr lang="en-US" altLang="ja-JP" sz="2800" dirty="0" smtClean="0"/>
+            <a:endParaRPr lang="en-US" altLang="ja-JP" sz="2800" dirty="0"/>
           </a:p>
         </p:txBody>
       </p:sp>
@@ -7200,8 +7107,8 @@
         </p:nvSpPr>
         <p:spPr>
           <a:xfrm>
-            <a:off x="888023" y="1943100"/>
-            <a:ext cx="10234246" cy="3108543"/>
+            <a:off x="978877" y="2090172"/>
+            <a:ext cx="10234246" cy="2677656"/>
           </a:xfrm>
           <a:prstGeom prst="rect">
             <a:avLst/>
@@ -7215,42 +7122,30 @@
           <a:lstStyle/>
           <a:p>
             <a:r>
-              <a:rPr kumimoji="1" lang="ja-JP" altLang="en-US" sz="2800" dirty="0" smtClean="0"/>
+              <a:rPr kumimoji="1" lang="ja-JP" altLang="en-US" sz="2800" dirty="0"/>
               <a:t>なぜ</a:t>
             </a:r>
             <a:r>
-              <a:rPr kumimoji="1" lang="en-US" altLang="ja-JP" sz="2800" dirty="0" err="1" smtClean="0"/>
+              <a:rPr kumimoji="1" lang="en-US" altLang="ja-JP" sz="2800" dirty="0" err="1"/>
               <a:t>LightGBM</a:t>
             </a:r>
             <a:r>
-              <a:rPr kumimoji="1" lang="ja-JP" altLang="en-US" sz="2800" dirty="0" smtClean="0"/>
+              <a:rPr kumimoji="1" lang="ja-JP" altLang="en-US" sz="2800" dirty="0"/>
               <a:t>を使うのか？</a:t>
             </a:r>
-            <a:endParaRPr kumimoji="1" lang="en-US" altLang="ja-JP" sz="2800" dirty="0" smtClean="0"/>
+            <a:endParaRPr kumimoji="1" lang="en-US" altLang="ja-JP" sz="2800" dirty="0"/>
           </a:p>
           <a:p>
             <a:r>
               <a:rPr lang="ja-JP" altLang="en-US" sz="2800" dirty="0"/>
-              <a:t>・カテゴリ変数に対して特別な処理を自動的に実行して</a:t>
-            </a:r>
-            <a:r>
-              <a:rPr lang="ja-JP" altLang="en-US" sz="2800" dirty="0" smtClean="0"/>
-              <a:t>くれる</a:t>
-            </a:r>
-            <a:endParaRPr lang="en-US" altLang="ja-JP" sz="2800" dirty="0" smtClean="0"/>
+              <a:t>・カテゴリ変数に対して特別な処理を自動的に実行してくれる</a:t>
+            </a:r>
+            <a:endParaRPr lang="en-US" altLang="ja-JP" sz="2800" dirty="0"/>
           </a:p>
           <a:p>
             <a:r>
               <a:rPr lang="ja-JP" altLang="en-US" sz="2800" dirty="0"/>
-              <a:t>　</a:t>
-            </a:r>
-            <a:r>
-              <a:rPr lang="ja-JP" altLang="en-US" sz="2800" dirty="0" smtClean="0"/>
-              <a:t>の</a:t>
-            </a:r>
-            <a:r>
-              <a:rPr lang="ja-JP" altLang="en-US" sz="2800" dirty="0"/>
-              <a:t>で、</a:t>
+              <a:t>　ので、</a:t>
             </a:r>
             <a:r>
               <a:rPr lang="en-US" altLang="ja-JP" sz="2800" dirty="0"/>
@@ -7258,61 +7153,33 @@
             </a:r>
             <a:r>
               <a:rPr lang="ja-JP" altLang="en-US" sz="2800" dirty="0"/>
-              <a:t>エンコーディングの手間</a:t>
-            </a:r>
-            <a:r>
-              <a:rPr lang="ja-JP" altLang="en-US" sz="2800" dirty="0" smtClean="0"/>
-              <a:t>を</a:t>
-            </a:r>
+              <a:t>エンコーディングの手間を無くせる</a:t>
+            </a:r>
+            <a:endParaRPr lang="en-US" altLang="ja-JP" sz="2800" dirty="0"/>
+          </a:p>
+          <a:p>
             <a:r>
               <a:rPr lang="ja-JP" altLang="en-US" sz="2800" dirty="0"/>
-              <a:t>無くせる</a:t>
-            </a:r>
-            <a:endParaRPr lang="en-US" altLang="ja-JP" sz="2800" dirty="0" smtClean="0"/>
+              <a:t>・既存のデータセットを極力加工せずに利用するという観点で、</a:t>
+            </a:r>
+            <a:endParaRPr lang="en-US" altLang="ja-JP" sz="2800" dirty="0"/>
           </a:p>
           <a:p>
             <a:r>
               <a:rPr lang="ja-JP" altLang="en-US" sz="2800" dirty="0"/>
-              <a:t>・既存のデータセットを極力加工せずに利用するという観点で</a:t>
-            </a:r>
-            <a:r>
-              <a:rPr lang="ja-JP" altLang="en-US" sz="2800" dirty="0" smtClean="0"/>
-              <a:t>、</a:t>
-            </a:r>
-            <a:endParaRPr lang="en-US" altLang="ja-JP" sz="2800" dirty="0" smtClean="0"/>
-          </a:p>
-          <a:p>
-            <a:r>
-              <a:rPr lang="ja-JP" altLang="en-US" sz="2800" dirty="0"/>
-              <a:t>　</a:t>
-            </a:r>
-            <a:r>
-              <a:rPr lang="ja-JP" altLang="en-US" sz="2800" dirty="0" smtClean="0"/>
-              <a:t>特徴量</a:t>
-            </a:r>
-            <a:r>
-              <a:rPr lang="ja-JP" altLang="en-US" sz="2800" dirty="0"/>
-              <a:t>エンジニアリングの負担を軽減して</a:t>
-            </a:r>
-            <a:r>
-              <a:rPr lang="ja-JP" altLang="en-US" sz="2800" dirty="0" smtClean="0"/>
-              <a:t>くれる</a:t>
-            </a:r>
-            <a:endParaRPr lang="en-US" altLang="ja-JP" sz="2800" dirty="0" smtClean="0"/>
-          </a:p>
-          <a:p>
-            <a:r>
-              <a:rPr lang="ja-JP" altLang="en-US" sz="2800" dirty="0" smtClean="0"/>
-              <a:t>・</a:t>
-            </a:r>
-            <a:endParaRPr lang="en-US" altLang="ja-JP" sz="2800" dirty="0" smtClean="0"/>
-          </a:p>
-          <a:p>
-            <a:r>
-              <a:rPr lang="ja-JP" altLang="en-US" sz="2800" dirty="0" smtClean="0"/>
-              <a:t>・</a:t>
+              <a:t>　特徴量エンジニアリングの負担を軽減してくれる</a:t>
             </a:r>
             <a:endParaRPr lang="en-US" altLang="ja-JP" sz="2800" dirty="0"/>
+          </a:p>
+          <a:p>
+            <a:r>
+              <a:rPr lang="en-US" altLang="ja-JP" sz="2800" dirty="0"/>
+              <a:t>   </a:t>
+            </a:r>
+            <a:r>
+              <a:rPr lang="ja-JP" altLang="en-US" sz="2800"/>
+              <a:t>・特徴量の重要度を計算できる</a:t>
+            </a:r>
           </a:p>
         </p:txBody>
       </p:sp>

--- a/docs/PD3_interim_report.pptx
+++ b/docs/PD3_interim_report.pptx
@@ -2,11 +2,14 @@
 <file path=ppt/presentation.xml><?xml version="1.0" encoding="utf-8"?>
 <p:presentation xmlns:a="http://schemas.openxmlformats.org/drawingml/2006/main" xmlns:r="http://schemas.openxmlformats.org/officeDocument/2006/relationships" xmlns:p="http://schemas.openxmlformats.org/presentationml/2006/main" saveSubsetFonts="1" autoCompressPictures="0">
   <p:sldMasterIdLst>
-    <p:sldMasterId id="2147483648" r:id="rId1"/>
+    <p:sldMasterId id="2147483672" r:id="rId1"/>
   </p:sldMasterIdLst>
   <p:notesMasterIdLst>
     <p:notesMasterId r:id="rId13"/>
   </p:notesMasterIdLst>
+  <p:handoutMasterIdLst>
+    <p:handoutMasterId r:id="rId14"/>
+  </p:handoutMasterIdLst>
   <p:sldIdLst>
     <p:sldId id="256" r:id="rId2"/>
     <p:sldId id="258" r:id="rId3"/>
@@ -24,10 +27,10 @@
   <p:notesSz cx="6858000" cy="9144000"/>
   <p:defaultTextStyle>
     <a:defPPr>
-      <a:defRPr lang="ja-JP"/>
+      <a:defRPr lang="en-US"/>
     </a:defPPr>
-    <a:lvl1pPr marL="0" algn="l" defTabSz="914400" rtl="0" eaLnBrk="1" latinLnBrk="0" hangingPunct="1">
-      <a:defRPr kumimoji="1" sz="1800" kern="1200">
+    <a:lvl1pPr marL="0" algn="l" defTabSz="457200" rtl="0" eaLnBrk="1" latinLnBrk="0" hangingPunct="1">
+      <a:defRPr sz="1800" kern="1200">
         <a:solidFill>
           <a:schemeClr val="tx1"/>
         </a:solidFill>
@@ -36,8 +39,8 @@
         <a:cs typeface="+mn-cs"/>
       </a:defRPr>
     </a:lvl1pPr>
-    <a:lvl2pPr marL="457200" algn="l" defTabSz="914400" rtl="0" eaLnBrk="1" latinLnBrk="0" hangingPunct="1">
-      <a:defRPr kumimoji="1" sz="1800" kern="1200">
+    <a:lvl2pPr marL="457200" algn="l" defTabSz="457200" rtl="0" eaLnBrk="1" latinLnBrk="0" hangingPunct="1">
+      <a:defRPr sz="1800" kern="1200">
         <a:solidFill>
           <a:schemeClr val="tx1"/>
         </a:solidFill>
@@ -46,8 +49,8 @@
         <a:cs typeface="+mn-cs"/>
       </a:defRPr>
     </a:lvl2pPr>
-    <a:lvl3pPr marL="914400" algn="l" defTabSz="914400" rtl="0" eaLnBrk="1" latinLnBrk="0" hangingPunct="1">
-      <a:defRPr kumimoji="1" sz="1800" kern="1200">
+    <a:lvl3pPr marL="914400" algn="l" defTabSz="457200" rtl="0" eaLnBrk="1" latinLnBrk="0" hangingPunct="1">
+      <a:defRPr sz="1800" kern="1200">
         <a:solidFill>
           <a:schemeClr val="tx1"/>
         </a:solidFill>
@@ -56,8 +59,8 @@
         <a:cs typeface="+mn-cs"/>
       </a:defRPr>
     </a:lvl3pPr>
-    <a:lvl4pPr marL="1371600" algn="l" defTabSz="914400" rtl="0" eaLnBrk="1" latinLnBrk="0" hangingPunct="1">
-      <a:defRPr kumimoji="1" sz="1800" kern="1200">
+    <a:lvl4pPr marL="1371600" algn="l" defTabSz="457200" rtl="0" eaLnBrk="1" latinLnBrk="0" hangingPunct="1">
+      <a:defRPr sz="1800" kern="1200">
         <a:solidFill>
           <a:schemeClr val="tx1"/>
         </a:solidFill>
@@ -66,8 +69,8 @@
         <a:cs typeface="+mn-cs"/>
       </a:defRPr>
     </a:lvl4pPr>
-    <a:lvl5pPr marL="1828800" algn="l" defTabSz="914400" rtl="0" eaLnBrk="1" latinLnBrk="0" hangingPunct="1">
-      <a:defRPr kumimoji="1" sz="1800" kern="1200">
+    <a:lvl5pPr marL="1828800" algn="l" defTabSz="457200" rtl="0" eaLnBrk="1" latinLnBrk="0" hangingPunct="1">
+      <a:defRPr sz="1800" kern="1200">
         <a:solidFill>
           <a:schemeClr val="tx1"/>
         </a:solidFill>
@@ -76,8 +79,8 @@
         <a:cs typeface="+mn-cs"/>
       </a:defRPr>
     </a:lvl5pPr>
-    <a:lvl6pPr marL="2286000" algn="l" defTabSz="914400" rtl="0" eaLnBrk="1" latinLnBrk="0" hangingPunct="1">
-      <a:defRPr kumimoji="1" sz="1800" kern="1200">
+    <a:lvl6pPr marL="2286000" algn="l" defTabSz="457200" rtl="0" eaLnBrk="1" latinLnBrk="0" hangingPunct="1">
+      <a:defRPr sz="1800" kern="1200">
         <a:solidFill>
           <a:schemeClr val="tx1"/>
         </a:solidFill>
@@ -86,8 +89,8 @@
         <a:cs typeface="+mn-cs"/>
       </a:defRPr>
     </a:lvl6pPr>
-    <a:lvl7pPr marL="2743200" algn="l" defTabSz="914400" rtl="0" eaLnBrk="1" latinLnBrk="0" hangingPunct="1">
-      <a:defRPr kumimoji="1" sz="1800" kern="1200">
+    <a:lvl7pPr marL="2743200" algn="l" defTabSz="457200" rtl="0" eaLnBrk="1" latinLnBrk="0" hangingPunct="1">
+      <a:defRPr sz="1800" kern="1200">
         <a:solidFill>
           <a:schemeClr val="tx1"/>
         </a:solidFill>
@@ -96,8 +99,8 @@
         <a:cs typeface="+mn-cs"/>
       </a:defRPr>
     </a:lvl7pPr>
-    <a:lvl8pPr marL="3200400" algn="l" defTabSz="914400" rtl="0" eaLnBrk="1" latinLnBrk="0" hangingPunct="1">
-      <a:defRPr kumimoji="1" sz="1800" kern="1200">
+    <a:lvl8pPr marL="3200400" algn="l" defTabSz="457200" rtl="0" eaLnBrk="1" latinLnBrk="0" hangingPunct="1">
+      <a:defRPr sz="1800" kern="1200">
         <a:solidFill>
           <a:schemeClr val="tx1"/>
         </a:solidFill>
@@ -106,8 +109,8 @@
         <a:cs typeface="+mn-cs"/>
       </a:defRPr>
     </a:lvl8pPr>
-    <a:lvl9pPr marL="3657600" algn="l" defTabSz="914400" rtl="0" eaLnBrk="1" latinLnBrk="0" hangingPunct="1">
-      <a:defRPr kumimoji="1" sz="1800" kern="1200">
+    <a:lvl9pPr marL="3657600" algn="l" defTabSz="457200" rtl="0" eaLnBrk="1" latinLnBrk="0" hangingPunct="1">
+      <a:defRPr sz="1800" kern="1200">
         <a:solidFill>
           <a:schemeClr val="tx1"/>
         </a:solidFill>
@@ -123,6 +126,40 @@
     </p:ext>
   </p:extLst>
 </p:presentation>
+</file>
+
+<file path=ppt/handoutMasters/handoutMaster1.xml><?xml version="1.0" encoding="utf-8"?>
+<p:handoutMaster xmlns:a="http://schemas.openxmlformats.org/drawingml/2006/main" xmlns:r="http://schemas.openxmlformats.org/officeDocument/2006/relationships" xmlns:p="http://schemas.openxmlformats.org/presentationml/2006/main">
+  <p:cSld>
+    <p:bg>
+      <p:bgRef idx="1001">
+        <a:schemeClr val="bg1"/>
+      </p:bgRef>
+    </p:bg>
+    <p:spTree>
+      <p:nvGrpSpPr>
+        <p:cNvPr id="1" name=""/>
+        <p:cNvGrpSpPr/>
+        <p:nvPr/>
+      </p:nvGrpSpPr>
+      <p:grpSpPr>
+        <a:xfrm>
+          <a:off x="0" y="0"/>
+          <a:ext cx="0" cy="0"/>
+          <a:chOff x="0" y="0"/>
+          <a:chExt cx="0" cy="0"/>
+        </a:xfrm>
+      </p:grpSpPr>
+    </p:spTree>
+    <p:extLst>
+      <p:ext uri="{BB962C8B-B14F-4D97-AF65-F5344CB8AC3E}">
+        <p14:creationId xmlns:p14="http://schemas.microsoft.com/office/powerpoint/2010/main" val="2473152617"/>
+      </p:ext>
+    </p:extLst>
+  </p:cSld>
+  <p:clrMap bg1="lt1" tx1="dk1" bg2="lt2" tx2="dk2" accent1="accent1" accent2="accent2" accent3="accent3" accent4="accent4" accent5="accent5" accent6="accent6" hlink="hlink" folHlink="folHlink"/>
+  <p:hf hdr="0" ftr="0" dt="0"/>
+</p:handoutMaster>
 </file>
 
 <file path=ppt/notesMasters/notesMaster1.xml><?xml version="1.0" encoding="utf-8"?>
@@ -411,6 +448,7 @@
     </p:extLst>
   </p:cSld>
   <p:clrMap bg1="lt1" tx1="dk1" bg2="lt2" tx2="dk2" accent1="accent1" accent2="accent2" accent3="accent3" accent4="accent4" accent5="accent5" accent6="accent6" hlink="hlink" folHlink="folHlink"/>
+  <p:hf hdr="0" ftr="0" dt="0"/>
   <p:notesStyle>
     <a:lvl1pPr marL="0" algn="l" defTabSz="914400" rtl="0" eaLnBrk="1" latinLnBrk="0" hangingPunct="1">
       <a:defRPr kumimoji="1" sz="1200" kern="1200">
@@ -533,7 +571,12 @@
             <p:ph type="sldImg"/>
           </p:nvPr>
         </p:nvSpPr>
-        <p:spPr/>
+        <p:spPr>
+          <a:xfrm>
+            <a:off x="685800" y="1143000"/>
+            <a:ext cx="5486400" cy="3086100"/>
+          </a:xfrm>
+        </p:spPr>
       </p:sp>
       <p:sp>
         <p:nvSpPr>
@@ -581,6 +624,90 @@
     <p:extLst>
       <p:ext uri="{BB962C8B-B14F-4D97-AF65-F5344CB8AC3E}">
         <p14:creationId xmlns:p14="http://schemas.microsoft.com/office/powerpoint/2010/main" val="3709575228"/>
+      </p:ext>
+    </p:extLst>
+  </p:cSld>
+  <p:clrMapOvr>
+    <a:masterClrMapping/>
+  </p:clrMapOvr>
+</p:notes>
+</file>
+
+<file path=ppt/notesSlides/notesSlide2.xml><?xml version="1.0" encoding="utf-8"?>
+<p:notes xmlns:a="http://schemas.openxmlformats.org/drawingml/2006/main" xmlns:r="http://schemas.openxmlformats.org/officeDocument/2006/relationships" xmlns:p="http://schemas.openxmlformats.org/presentationml/2006/main">
+  <p:cSld>
+    <p:spTree>
+      <p:nvGrpSpPr>
+        <p:cNvPr id="1" name=""/>
+        <p:cNvGrpSpPr/>
+        <p:nvPr/>
+      </p:nvGrpSpPr>
+      <p:grpSpPr>
+        <a:xfrm>
+          <a:off x="0" y="0"/>
+          <a:ext cx="0" cy="0"/>
+          <a:chOff x="0" y="0"/>
+          <a:chExt cx="0" cy="0"/>
+        </a:xfrm>
+      </p:grpSpPr>
+      <p:sp>
+        <p:nvSpPr>
+          <p:cNvPr id="2" name="スライド イメージ プレースホルダー 1"/>
+          <p:cNvSpPr>
+            <a:spLocks noGrp="1" noRot="1" noChangeAspect="1"/>
+          </p:cNvSpPr>
+          <p:nvPr>
+            <p:ph type="sldImg"/>
+          </p:nvPr>
+        </p:nvSpPr>
+        <p:spPr/>
+      </p:sp>
+      <p:sp>
+        <p:nvSpPr>
+          <p:cNvPr id="3" name="ノート プレースホルダー 2"/>
+          <p:cNvSpPr>
+            <a:spLocks noGrp="1"/>
+          </p:cNvSpPr>
+          <p:nvPr>
+            <p:ph type="body" idx="1"/>
+          </p:nvPr>
+        </p:nvSpPr>
+        <p:spPr/>
+        <p:txBody>
+          <a:bodyPr/>
+          <a:lstStyle/>
+          <a:p>
+            <a:endParaRPr kumimoji="1" lang="ja-JP" altLang="en-US"/>
+          </a:p>
+        </p:txBody>
+      </p:sp>
+      <p:sp>
+        <p:nvSpPr>
+          <p:cNvPr id="4" name="スライド番号プレースホルダー 3"/>
+          <p:cNvSpPr>
+            <a:spLocks noGrp="1"/>
+          </p:cNvSpPr>
+          <p:nvPr>
+            <p:ph type="sldNum" sz="quarter" idx="5"/>
+          </p:nvPr>
+        </p:nvSpPr>
+        <p:spPr/>
+        <p:txBody>
+          <a:bodyPr/>
+          <a:lstStyle/>
+          <a:p>
+            <a:fld id="{7ED71D3B-A0FC-7045-AF17-774B633FB3A8}" type="slidenum">
+              <a:rPr kumimoji="1" lang="ja-JP" altLang="en-US" smtClean="0"/>
+              <a:t>3</a:t>
+            </a:fld>
+            <a:endParaRPr kumimoji="1" lang="ja-JP" altLang="en-US"/>
+          </a:p>
+        </p:txBody>
+      </p:sp>
+    </p:spTree>
+    <p:extLst>
+      <p:ext uri="{BB962C8B-B14F-4D97-AF65-F5344CB8AC3E}">
+        <p14:creationId xmlns:p14="http://schemas.microsoft.com/office/powerpoint/2010/main" val="2022709778"/>
       </p:ext>
     </p:extLst>
   </p:cSld>
@@ -609,13 +736,7 @@
       </p:grpSpPr>
       <p:sp>
         <p:nvSpPr>
-          <p:cNvPr id="2" name="タイトル 1">
-            <a:extLst>
-              <a:ext uri="{FF2B5EF4-FFF2-40B4-BE49-F238E27FC236}">
-                <a16:creationId xmlns:a16="http://schemas.microsoft.com/office/drawing/2014/main" id="{4BEDBFDA-4EF5-3646-807E-A2483DF6C108}"/>
-              </a:ext>
-            </a:extLst>
-          </p:cNvPr>
+          <p:cNvPr id="2" name="Title 1"/>
           <p:cNvSpPr>
             <a:spLocks noGrp="1"/>
           </p:cNvSpPr>
@@ -638,21 +759,16 @@
           </a:lstStyle>
           <a:p>
             <a:r>
-              <a:rPr kumimoji="1" lang="ja-JP" altLang="en-US"/>
+              <a:rPr lang="ja-JP" altLang="en-US"/>
               <a:t>マスター タイトルの書式設定</a:t>
             </a:r>
-          </a:p>
-        </p:txBody>
-      </p:sp>
-      <p:sp>
-        <p:nvSpPr>
-          <p:cNvPr id="3" name="字幕 2">
-            <a:extLst>
-              <a:ext uri="{FF2B5EF4-FFF2-40B4-BE49-F238E27FC236}">
-                <a16:creationId xmlns:a16="http://schemas.microsoft.com/office/drawing/2014/main" id="{E2FE1667-5C01-7049-BDD1-6899064B3FC1}"/>
-              </a:ext>
-            </a:extLst>
-          </p:cNvPr>
+            <a:endParaRPr lang="en-US" dirty="0"/>
+          </a:p>
+        </p:txBody>
+      </p:sp>
+      <p:sp>
+        <p:nvSpPr>
+          <p:cNvPr id="3" name="Subtitle 2"/>
           <p:cNvSpPr>
             <a:spLocks noGrp="1"/>
           </p:cNvSpPr>
@@ -708,21 +824,16 @@
           </a:lstStyle>
           <a:p>
             <a:r>
-              <a:rPr kumimoji="1" lang="ja-JP" altLang="en-US"/>
+              <a:rPr lang="ja-JP" altLang="en-US"/>
               <a:t>マスター サブタイトルの書式設定</a:t>
             </a:r>
-          </a:p>
-        </p:txBody>
-      </p:sp>
-      <p:sp>
-        <p:nvSpPr>
-          <p:cNvPr id="4" name="日付プレースホルダー 3">
-            <a:extLst>
-              <a:ext uri="{FF2B5EF4-FFF2-40B4-BE49-F238E27FC236}">
-                <a16:creationId xmlns:a16="http://schemas.microsoft.com/office/drawing/2014/main" id="{F611CCDF-BC86-6F48-AF63-53E4CB15A9A0}"/>
-              </a:ext>
-            </a:extLst>
-          </p:cNvPr>
+            <a:endParaRPr lang="en-US" dirty="0"/>
+          </a:p>
+        </p:txBody>
+      </p:sp>
+      <p:sp>
+        <p:nvSpPr>
+          <p:cNvPr id="4" name="Date Placeholder 3"/>
           <p:cNvSpPr>
             <a:spLocks noGrp="1"/>
           </p:cNvSpPr>
@@ -745,13 +856,7 @@
       </p:sp>
       <p:sp>
         <p:nvSpPr>
-          <p:cNvPr id="5" name="フッター プレースホルダー 4">
-            <a:extLst>
-              <a:ext uri="{FF2B5EF4-FFF2-40B4-BE49-F238E27FC236}">
-                <a16:creationId xmlns:a16="http://schemas.microsoft.com/office/drawing/2014/main" id="{725C7302-6F58-6A4A-8F9D-1EAB070E4EE6}"/>
-              </a:ext>
-            </a:extLst>
-          </p:cNvPr>
+          <p:cNvPr id="5" name="Footer Placeholder 4"/>
           <p:cNvSpPr>
             <a:spLocks noGrp="1"/>
           </p:cNvSpPr>
@@ -770,13 +875,7 @@
       </p:sp>
       <p:sp>
         <p:nvSpPr>
-          <p:cNvPr id="6" name="スライド番号プレースホルダー 5">
-            <a:extLst>
-              <a:ext uri="{FF2B5EF4-FFF2-40B4-BE49-F238E27FC236}">
-                <a16:creationId xmlns:a16="http://schemas.microsoft.com/office/drawing/2014/main" id="{D3981121-DB2C-564D-BFD4-0F5A4B00AFD1}"/>
-              </a:ext>
-            </a:extLst>
-          </p:cNvPr>
+          <p:cNvPr id="6" name="Slide Number Placeholder 5"/>
           <p:cNvSpPr>
             <a:spLocks noGrp="1"/>
           </p:cNvSpPr>
@@ -800,7 +899,7 @@
     </p:spTree>
     <p:extLst>
       <p:ext uri="{BB962C8B-B14F-4D97-AF65-F5344CB8AC3E}">
-        <p14:creationId xmlns:p14="http://schemas.microsoft.com/office/powerpoint/2010/main" val="2080160981"/>
+        <p14:creationId xmlns:p14="http://schemas.microsoft.com/office/powerpoint/2010/main" val="2929430411"/>
       </p:ext>
     </p:extLst>
   </p:cSld>
@@ -829,13 +928,7 @@
       </p:grpSpPr>
       <p:sp>
         <p:nvSpPr>
-          <p:cNvPr id="2" name="タイトル 1">
-            <a:extLst>
-              <a:ext uri="{FF2B5EF4-FFF2-40B4-BE49-F238E27FC236}">
-                <a16:creationId xmlns:a16="http://schemas.microsoft.com/office/drawing/2014/main" id="{05AE7C5C-EFAC-7741-99C2-ED107F1EA472}"/>
-              </a:ext>
-            </a:extLst>
-          </p:cNvPr>
+          <p:cNvPr id="2" name="Title 1"/>
           <p:cNvSpPr>
             <a:spLocks noGrp="1"/>
           </p:cNvSpPr>
@@ -849,21 +942,16 @@
           <a:lstStyle/>
           <a:p>
             <a:r>
-              <a:rPr kumimoji="1" lang="ja-JP" altLang="en-US"/>
+              <a:rPr lang="ja-JP" altLang="en-US"/>
               <a:t>マスター タイトルの書式設定</a:t>
             </a:r>
-          </a:p>
-        </p:txBody>
-      </p:sp>
-      <p:sp>
-        <p:nvSpPr>
-          <p:cNvPr id="3" name="縦書きテキスト プレースホルダー 2">
-            <a:extLst>
-              <a:ext uri="{FF2B5EF4-FFF2-40B4-BE49-F238E27FC236}">
-                <a16:creationId xmlns:a16="http://schemas.microsoft.com/office/drawing/2014/main" id="{E6CE1B22-980E-294B-9264-2E8C81D060D8}"/>
-              </a:ext>
-            </a:extLst>
-          </p:cNvPr>
+            <a:endParaRPr lang="en-US" dirty="0"/>
+          </a:p>
+        </p:txBody>
+      </p:sp>
+      <p:sp>
+        <p:nvSpPr>
+          <p:cNvPr id="3" name="Vertical Text Placeholder 2"/>
           <p:cNvSpPr>
             <a:spLocks noGrp="1"/>
           </p:cNvSpPr>
@@ -878,81 +966,76 @@
           <a:p>
             <a:pPr lvl="0"/>
             <a:r>
-              <a:rPr kumimoji="1" lang="ja-JP" altLang="en-US"/>
+              <a:rPr lang="ja-JP" altLang="en-US"/>
               <a:t>マスター テキストの書式設定</a:t>
             </a:r>
           </a:p>
           <a:p>
             <a:pPr lvl="1"/>
             <a:r>
-              <a:rPr kumimoji="1" lang="ja-JP" altLang="en-US"/>
+              <a:rPr lang="ja-JP" altLang="en-US"/>
               <a:t>第 </a:t>
             </a:r>
             <a:r>
-              <a:rPr kumimoji="1" lang="en-US" altLang="ja-JP"/>
+              <a:rPr lang="en-US" altLang="ja-JP"/>
               <a:t>2 </a:t>
             </a:r>
             <a:r>
-              <a:rPr kumimoji="1" lang="ja-JP" altLang="en-US"/>
+              <a:rPr lang="ja-JP" altLang="en-US"/>
               <a:t>レベル</a:t>
             </a:r>
           </a:p>
           <a:p>
             <a:pPr lvl="2"/>
             <a:r>
-              <a:rPr kumimoji="1" lang="ja-JP" altLang="en-US"/>
+              <a:rPr lang="ja-JP" altLang="en-US"/>
               <a:t>第 </a:t>
             </a:r>
             <a:r>
-              <a:rPr kumimoji="1" lang="en-US" altLang="ja-JP"/>
+              <a:rPr lang="en-US" altLang="ja-JP"/>
               <a:t>3 </a:t>
             </a:r>
             <a:r>
-              <a:rPr kumimoji="1" lang="ja-JP" altLang="en-US"/>
+              <a:rPr lang="ja-JP" altLang="en-US"/>
               <a:t>レベル</a:t>
             </a:r>
           </a:p>
           <a:p>
             <a:pPr lvl="3"/>
             <a:r>
-              <a:rPr kumimoji="1" lang="ja-JP" altLang="en-US"/>
+              <a:rPr lang="ja-JP" altLang="en-US"/>
               <a:t>第 </a:t>
             </a:r>
             <a:r>
-              <a:rPr kumimoji="1" lang="en-US" altLang="ja-JP"/>
+              <a:rPr lang="en-US" altLang="ja-JP"/>
               <a:t>4 </a:t>
             </a:r>
             <a:r>
-              <a:rPr kumimoji="1" lang="ja-JP" altLang="en-US"/>
+              <a:rPr lang="ja-JP" altLang="en-US"/>
               <a:t>レベル</a:t>
             </a:r>
           </a:p>
           <a:p>
             <a:pPr lvl="4"/>
             <a:r>
-              <a:rPr kumimoji="1" lang="ja-JP" altLang="en-US"/>
+              <a:rPr lang="ja-JP" altLang="en-US"/>
               <a:t>第 </a:t>
             </a:r>
             <a:r>
-              <a:rPr kumimoji="1" lang="en-US" altLang="ja-JP"/>
+              <a:rPr lang="en-US" altLang="ja-JP"/>
               <a:t>5 </a:t>
             </a:r>
             <a:r>
-              <a:rPr kumimoji="1" lang="ja-JP" altLang="en-US"/>
+              <a:rPr lang="ja-JP" altLang="en-US"/>
               <a:t>レベル</a:t>
             </a:r>
-          </a:p>
-        </p:txBody>
-      </p:sp>
-      <p:sp>
-        <p:nvSpPr>
-          <p:cNvPr id="4" name="日付プレースホルダー 3">
-            <a:extLst>
-              <a:ext uri="{FF2B5EF4-FFF2-40B4-BE49-F238E27FC236}">
-                <a16:creationId xmlns:a16="http://schemas.microsoft.com/office/drawing/2014/main" id="{C9E392F9-C246-184C-B407-68B12E5550BC}"/>
-              </a:ext>
-            </a:extLst>
-          </p:cNvPr>
+            <a:endParaRPr lang="en-US" dirty="0"/>
+          </a:p>
+        </p:txBody>
+      </p:sp>
+      <p:sp>
+        <p:nvSpPr>
+          <p:cNvPr id="4" name="Date Placeholder 3"/>
           <p:cNvSpPr>
             <a:spLocks noGrp="1"/>
           </p:cNvSpPr>
@@ -975,13 +1058,7 @@
       </p:sp>
       <p:sp>
         <p:nvSpPr>
-          <p:cNvPr id="5" name="フッター プレースホルダー 4">
-            <a:extLst>
-              <a:ext uri="{FF2B5EF4-FFF2-40B4-BE49-F238E27FC236}">
-                <a16:creationId xmlns:a16="http://schemas.microsoft.com/office/drawing/2014/main" id="{39C2DA62-C9FB-2B42-895A-787D7777AD07}"/>
-              </a:ext>
-            </a:extLst>
-          </p:cNvPr>
+          <p:cNvPr id="5" name="Footer Placeholder 4"/>
           <p:cNvSpPr>
             <a:spLocks noGrp="1"/>
           </p:cNvSpPr>
@@ -1000,13 +1077,7 @@
       </p:sp>
       <p:sp>
         <p:nvSpPr>
-          <p:cNvPr id="6" name="スライド番号プレースホルダー 5">
-            <a:extLst>
-              <a:ext uri="{FF2B5EF4-FFF2-40B4-BE49-F238E27FC236}">
-                <a16:creationId xmlns:a16="http://schemas.microsoft.com/office/drawing/2014/main" id="{3912780E-2DD3-B64E-8AEC-24FFFA0E0B96}"/>
-              </a:ext>
-            </a:extLst>
-          </p:cNvPr>
+          <p:cNvPr id="6" name="Slide Number Placeholder 5"/>
           <p:cNvSpPr>
             <a:spLocks noGrp="1"/>
           </p:cNvSpPr>
@@ -1030,7 +1101,7 @@
     </p:spTree>
     <p:extLst>
       <p:ext uri="{BB962C8B-B14F-4D97-AF65-F5344CB8AC3E}">
-        <p14:creationId xmlns:p14="http://schemas.microsoft.com/office/powerpoint/2010/main" val="2992210967"/>
+        <p14:creationId xmlns:p14="http://schemas.microsoft.com/office/powerpoint/2010/main" val="529066562"/>
       </p:ext>
     </p:extLst>
   </p:cSld>
@@ -1059,13 +1130,7 @@
       </p:grpSpPr>
       <p:sp>
         <p:nvSpPr>
-          <p:cNvPr id="2" name="縦書きタイトル 1">
-            <a:extLst>
-              <a:ext uri="{FF2B5EF4-FFF2-40B4-BE49-F238E27FC236}">
-                <a16:creationId xmlns:a16="http://schemas.microsoft.com/office/drawing/2014/main" id="{59C3AEE7-60FA-1644-B41D-1450896BBCEA}"/>
-              </a:ext>
-            </a:extLst>
-          </p:cNvPr>
+          <p:cNvPr id="2" name="Vertical Title 1"/>
           <p:cNvSpPr>
             <a:spLocks noGrp="1"/>
           </p:cNvSpPr>
@@ -1084,21 +1149,16 @@
           <a:lstStyle/>
           <a:p>
             <a:r>
-              <a:rPr kumimoji="1" lang="ja-JP" altLang="en-US"/>
+              <a:rPr lang="ja-JP" altLang="en-US"/>
               <a:t>マスター タイトルの書式設定</a:t>
             </a:r>
-          </a:p>
-        </p:txBody>
-      </p:sp>
-      <p:sp>
-        <p:nvSpPr>
-          <p:cNvPr id="3" name="縦書きテキスト プレースホルダー 2">
-            <a:extLst>
-              <a:ext uri="{FF2B5EF4-FFF2-40B4-BE49-F238E27FC236}">
-                <a16:creationId xmlns:a16="http://schemas.microsoft.com/office/drawing/2014/main" id="{868DA033-4E68-B94B-8176-D96416B1E296}"/>
-              </a:ext>
-            </a:extLst>
-          </p:cNvPr>
+            <a:endParaRPr lang="en-US" dirty="0"/>
+          </a:p>
+        </p:txBody>
+      </p:sp>
+      <p:sp>
+        <p:nvSpPr>
+          <p:cNvPr id="3" name="Vertical Text Placeholder 2"/>
           <p:cNvSpPr>
             <a:spLocks noGrp="1"/>
           </p:cNvSpPr>
@@ -1118,81 +1178,76 @@
           <a:p>
             <a:pPr lvl="0"/>
             <a:r>
-              <a:rPr kumimoji="1" lang="ja-JP" altLang="en-US"/>
+              <a:rPr lang="ja-JP" altLang="en-US"/>
               <a:t>マスター テキストの書式設定</a:t>
             </a:r>
           </a:p>
           <a:p>
             <a:pPr lvl="1"/>
             <a:r>
-              <a:rPr kumimoji="1" lang="ja-JP" altLang="en-US"/>
+              <a:rPr lang="ja-JP" altLang="en-US"/>
               <a:t>第 </a:t>
             </a:r>
             <a:r>
-              <a:rPr kumimoji="1" lang="en-US" altLang="ja-JP"/>
+              <a:rPr lang="en-US" altLang="ja-JP"/>
               <a:t>2 </a:t>
             </a:r>
             <a:r>
-              <a:rPr kumimoji="1" lang="ja-JP" altLang="en-US"/>
+              <a:rPr lang="ja-JP" altLang="en-US"/>
               <a:t>レベル</a:t>
             </a:r>
           </a:p>
           <a:p>
             <a:pPr lvl="2"/>
             <a:r>
-              <a:rPr kumimoji="1" lang="ja-JP" altLang="en-US"/>
+              <a:rPr lang="ja-JP" altLang="en-US"/>
               <a:t>第 </a:t>
             </a:r>
             <a:r>
-              <a:rPr kumimoji="1" lang="en-US" altLang="ja-JP"/>
+              <a:rPr lang="en-US" altLang="ja-JP"/>
               <a:t>3 </a:t>
             </a:r>
             <a:r>
-              <a:rPr kumimoji="1" lang="ja-JP" altLang="en-US"/>
+              <a:rPr lang="ja-JP" altLang="en-US"/>
               <a:t>レベル</a:t>
             </a:r>
           </a:p>
           <a:p>
             <a:pPr lvl="3"/>
             <a:r>
-              <a:rPr kumimoji="1" lang="ja-JP" altLang="en-US"/>
+              <a:rPr lang="ja-JP" altLang="en-US"/>
               <a:t>第 </a:t>
             </a:r>
             <a:r>
-              <a:rPr kumimoji="1" lang="en-US" altLang="ja-JP"/>
+              <a:rPr lang="en-US" altLang="ja-JP"/>
               <a:t>4 </a:t>
             </a:r>
             <a:r>
-              <a:rPr kumimoji="1" lang="ja-JP" altLang="en-US"/>
+              <a:rPr lang="ja-JP" altLang="en-US"/>
               <a:t>レベル</a:t>
             </a:r>
           </a:p>
           <a:p>
             <a:pPr lvl="4"/>
             <a:r>
-              <a:rPr kumimoji="1" lang="ja-JP" altLang="en-US"/>
+              <a:rPr lang="ja-JP" altLang="en-US"/>
               <a:t>第 </a:t>
             </a:r>
             <a:r>
-              <a:rPr kumimoji="1" lang="en-US" altLang="ja-JP"/>
+              <a:rPr lang="en-US" altLang="ja-JP"/>
               <a:t>5 </a:t>
             </a:r>
             <a:r>
-              <a:rPr kumimoji="1" lang="ja-JP" altLang="en-US"/>
+              <a:rPr lang="ja-JP" altLang="en-US"/>
               <a:t>レベル</a:t>
             </a:r>
-          </a:p>
-        </p:txBody>
-      </p:sp>
-      <p:sp>
-        <p:nvSpPr>
-          <p:cNvPr id="4" name="日付プレースホルダー 3">
-            <a:extLst>
-              <a:ext uri="{FF2B5EF4-FFF2-40B4-BE49-F238E27FC236}">
-                <a16:creationId xmlns:a16="http://schemas.microsoft.com/office/drawing/2014/main" id="{88BDEDEB-8727-9641-BAE1-B2C31EF4E4B4}"/>
-              </a:ext>
-            </a:extLst>
-          </p:cNvPr>
+            <a:endParaRPr lang="en-US" dirty="0"/>
+          </a:p>
+        </p:txBody>
+      </p:sp>
+      <p:sp>
+        <p:nvSpPr>
+          <p:cNvPr id="4" name="Date Placeholder 3"/>
           <p:cNvSpPr>
             <a:spLocks noGrp="1"/>
           </p:cNvSpPr>
@@ -1215,13 +1270,7 @@
       </p:sp>
       <p:sp>
         <p:nvSpPr>
-          <p:cNvPr id="5" name="フッター プレースホルダー 4">
-            <a:extLst>
-              <a:ext uri="{FF2B5EF4-FFF2-40B4-BE49-F238E27FC236}">
-                <a16:creationId xmlns:a16="http://schemas.microsoft.com/office/drawing/2014/main" id="{DA3455D4-BAA5-1240-AAA6-67F0B6CD78B9}"/>
-              </a:ext>
-            </a:extLst>
-          </p:cNvPr>
+          <p:cNvPr id="5" name="Footer Placeholder 4"/>
           <p:cNvSpPr>
             <a:spLocks noGrp="1"/>
           </p:cNvSpPr>
@@ -1240,13 +1289,7 @@
       </p:sp>
       <p:sp>
         <p:nvSpPr>
-          <p:cNvPr id="6" name="スライド番号プレースホルダー 5">
-            <a:extLst>
-              <a:ext uri="{FF2B5EF4-FFF2-40B4-BE49-F238E27FC236}">
-                <a16:creationId xmlns:a16="http://schemas.microsoft.com/office/drawing/2014/main" id="{F38F4A3A-D56F-2C4D-BB0C-E1E0409D6FF8}"/>
-              </a:ext>
-            </a:extLst>
-          </p:cNvPr>
+          <p:cNvPr id="6" name="Slide Number Placeholder 5"/>
           <p:cNvSpPr>
             <a:spLocks noGrp="1"/>
           </p:cNvSpPr>
@@ -1270,7 +1313,7 @@
     </p:spTree>
     <p:extLst>
       <p:ext uri="{BB962C8B-B14F-4D97-AF65-F5344CB8AC3E}">
-        <p14:creationId xmlns:p14="http://schemas.microsoft.com/office/powerpoint/2010/main" val="4258614074"/>
+        <p14:creationId xmlns:p14="http://schemas.microsoft.com/office/powerpoint/2010/main" val="3985358129"/>
       </p:ext>
     </p:extLst>
   </p:cSld>
@@ -1299,13 +1342,7 @@
       </p:grpSpPr>
       <p:sp>
         <p:nvSpPr>
-          <p:cNvPr id="2" name="タイトル 1">
-            <a:extLst>
-              <a:ext uri="{FF2B5EF4-FFF2-40B4-BE49-F238E27FC236}">
-                <a16:creationId xmlns:a16="http://schemas.microsoft.com/office/drawing/2014/main" id="{E21C077E-C568-BA43-8384-E37CE0A5FF7D}"/>
-              </a:ext>
-            </a:extLst>
-          </p:cNvPr>
+          <p:cNvPr id="2" name="Title 1"/>
           <p:cNvSpPr>
             <a:spLocks noGrp="1"/>
           </p:cNvSpPr>
@@ -1319,21 +1356,16 @@
           <a:lstStyle/>
           <a:p>
             <a:r>
-              <a:rPr kumimoji="1" lang="ja-JP" altLang="en-US"/>
+              <a:rPr lang="ja-JP" altLang="en-US"/>
               <a:t>マスター タイトルの書式設定</a:t>
             </a:r>
-          </a:p>
-        </p:txBody>
-      </p:sp>
-      <p:sp>
-        <p:nvSpPr>
-          <p:cNvPr id="3" name="コンテンツ プレースホルダー 2">
-            <a:extLst>
-              <a:ext uri="{FF2B5EF4-FFF2-40B4-BE49-F238E27FC236}">
-                <a16:creationId xmlns:a16="http://schemas.microsoft.com/office/drawing/2014/main" id="{DBEDE39A-8649-FD41-B011-B3A8568B9E46}"/>
-              </a:ext>
-            </a:extLst>
-          </p:cNvPr>
+            <a:endParaRPr lang="en-US" dirty="0"/>
+          </a:p>
+        </p:txBody>
+      </p:sp>
+      <p:sp>
+        <p:nvSpPr>
+          <p:cNvPr id="3" name="Content Placeholder 2"/>
           <p:cNvSpPr>
             <a:spLocks noGrp="1"/>
           </p:cNvSpPr>
@@ -1348,81 +1380,76 @@
           <a:p>
             <a:pPr lvl="0"/>
             <a:r>
-              <a:rPr kumimoji="1" lang="ja-JP" altLang="en-US"/>
+              <a:rPr lang="ja-JP" altLang="en-US"/>
               <a:t>マスター テキストの書式設定</a:t>
             </a:r>
           </a:p>
           <a:p>
             <a:pPr lvl="1"/>
             <a:r>
-              <a:rPr kumimoji="1" lang="ja-JP" altLang="en-US"/>
+              <a:rPr lang="ja-JP" altLang="en-US"/>
               <a:t>第 </a:t>
             </a:r>
             <a:r>
-              <a:rPr kumimoji="1" lang="en-US" altLang="ja-JP"/>
+              <a:rPr lang="en-US" altLang="ja-JP"/>
               <a:t>2 </a:t>
             </a:r>
             <a:r>
-              <a:rPr kumimoji="1" lang="ja-JP" altLang="en-US"/>
+              <a:rPr lang="ja-JP" altLang="en-US"/>
               <a:t>レベル</a:t>
             </a:r>
           </a:p>
           <a:p>
             <a:pPr lvl="2"/>
             <a:r>
-              <a:rPr kumimoji="1" lang="ja-JP" altLang="en-US"/>
+              <a:rPr lang="ja-JP" altLang="en-US"/>
               <a:t>第 </a:t>
             </a:r>
             <a:r>
-              <a:rPr kumimoji="1" lang="en-US" altLang="ja-JP"/>
+              <a:rPr lang="en-US" altLang="ja-JP"/>
               <a:t>3 </a:t>
             </a:r>
             <a:r>
-              <a:rPr kumimoji="1" lang="ja-JP" altLang="en-US"/>
+              <a:rPr lang="ja-JP" altLang="en-US"/>
               <a:t>レベル</a:t>
             </a:r>
           </a:p>
           <a:p>
             <a:pPr lvl="3"/>
             <a:r>
-              <a:rPr kumimoji="1" lang="ja-JP" altLang="en-US"/>
+              <a:rPr lang="ja-JP" altLang="en-US"/>
               <a:t>第 </a:t>
             </a:r>
             <a:r>
-              <a:rPr kumimoji="1" lang="en-US" altLang="ja-JP"/>
+              <a:rPr lang="en-US" altLang="ja-JP"/>
               <a:t>4 </a:t>
             </a:r>
             <a:r>
-              <a:rPr kumimoji="1" lang="ja-JP" altLang="en-US"/>
+              <a:rPr lang="ja-JP" altLang="en-US"/>
               <a:t>レベル</a:t>
             </a:r>
           </a:p>
           <a:p>
             <a:pPr lvl="4"/>
             <a:r>
-              <a:rPr kumimoji="1" lang="ja-JP" altLang="en-US"/>
+              <a:rPr lang="ja-JP" altLang="en-US"/>
               <a:t>第 </a:t>
             </a:r>
             <a:r>
-              <a:rPr kumimoji="1" lang="en-US" altLang="ja-JP"/>
+              <a:rPr lang="en-US" altLang="ja-JP"/>
               <a:t>5 </a:t>
             </a:r>
             <a:r>
-              <a:rPr kumimoji="1" lang="ja-JP" altLang="en-US"/>
+              <a:rPr lang="ja-JP" altLang="en-US"/>
               <a:t>レベル</a:t>
             </a:r>
-          </a:p>
-        </p:txBody>
-      </p:sp>
-      <p:sp>
-        <p:nvSpPr>
-          <p:cNvPr id="4" name="日付プレースホルダー 3">
-            <a:extLst>
-              <a:ext uri="{FF2B5EF4-FFF2-40B4-BE49-F238E27FC236}">
-                <a16:creationId xmlns:a16="http://schemas.microsoft.com/office/drawing/2014/main" id="{AF806FE5-2563-8242-AF60-B0FB389250D8}"/>
-              </a:ext>
-            </a:extLst>
-          </p:cNvPr>
+            <a:endParaRPr lang="en-US" dirty="0"/>
+          </a:p>
+        </p:txBody>
+      </p:sp>
+      <p:sp>
+        <p:nvSpPr>
+          <p:cNvPr id="4" name="Date Placeholder 3"/>
           <p:cNvSpPr>
             <a:spLocks noGrp="1"/>
           </p:cNvSpPr>
@@ -1445,13 +1472,7 @@
       </p:sp>
       <p:sp>
         <p:nvSpPr>
-          <p:cNvPr id="5" name="フッター プレースホルダー 4">
-            <a:extLst>
-              <a:ext uri="{FF2B5EF4-FFF2-40B4-BE49-F238E27FC236}">
-                <a16:creationId xmlns:a16="http://schemas.microsoft.com/office/drawing/2014/main" id="{71296C03-C137-5640-9250-2785BEE87430}"/>
-              </a:ext>
-            </a:extLst>
-          </p:cNvPr>
+          <p:cNvPr id="5" name="Footer Placeholder 4"/>
           <p:cNvSpPr>
             <a:spLocks noGrp="1"/>
           </p:cNvSpPr>
@@ -1470,13 +1491,7 @@
       </p:sp>
       <p:sp>
         <p:nvSpPr>
-          <p:cNvPr id="6" name="スライド番号プレースホルダー 5">
-            <a:extLst>
-              <a:ext uri="{FF2B5EF4-FFF2-40B4-BE49-F238E27FC236}">
-                <a16:creationId xmlns:a16="http://schemas.microsoft.com/office/drawing/2014/main" id="{DB426A55-F2DB-514A-974C-B4576356F7C8}"/>
-              </a:ext>
-            </a:extLst>
-          </p:cNvPr>
+          <p:cNvPr id="6" name="Slide Number Placeholder 5"/>
           <p:cNvSpPr>
             <a:spLocks noGrp="1"/>
           </p:cNvSpPr>
@@ -1500,7 +1515,7 @@
     </p:spTree>
     <p:extLst>
       <p:ext uri="{BB962C8B-B14F-4D97-AF65-F5344CB8AC3E}">
-        <p14:creationId xmlns:p14="http://schemas.microsoft.com/office/powerpoint/2010/main" val="192054076"/>
+        <p14:creationId xmlns:p14="http://schemas.microsoft.com/office/powerpoint/2010/main" val="2008559574"/>
       </p:ext>
     </p:extLst>
   </p:cSld>
@@ -1529,13 +1544,7 @@
       </p:grpSpPr>
       <p:sp>
         <p:nvSpPr>
-          <p:cNvPr id="2" name="タイトル 1">
-            <a:extLst>
-              <a:ext uri="{FF2B5EF4-FFF2-40B4-BE49-F238E27FC236}">
-                <a16:creationId xmlns:a16="http://schemas.microsoft.com/office/drawing/2014/main" id="{B4873A69-AFE0-2942-B3D9-3F814D5698D4}"/>
-              </a:ext>
-            </a:extLst>
-          </p:cNvPr>
+          <p:cNvPr id="2" name="Title 1"/>
           <p:cNvSpPr>
             <a:spLocks noGrp="1"/>
           </p:cNvSpPr>
@@ -1558,21 +1567,16 @@
           </a:lstStyle>
           <a:p>
             <a:r>
-              <a:rPr kumimoji="1" lang="ja-JP" altLang="en-US"/>
+              <a:rPr lang="ja-JP" altLang="en-US"/>
               <a:t>マスター タイトルの書式設定</a:t>
             </a:r>
-          </a:p>
-        </p:txBody>
-      </p:sp>
-      <p:sp>
-        <p:nvSpPr>
-          <p:cNvPr id="3" name="テキスト プレースホルダー 2">
-            <a:extLst>
-              <a:ext uri="{FF2B5EF4-FFF2-40B4-BE49-F238E27FC236}">
-                <a16:creationId xmlns:a16="http://schemas.microsoft.com/office/drawing/2014/main" id="{7097C960-B861-0642-99B6-580A83F50E16}"/>
-              </a:ext>
-            </a:extLst>
-          </p:cNvPr>
+            <a:endParaRPr lang="en-US" dirty="0"/>
+          </a:p>
+        </p:txBody>
+      </p:sp>
+      <p:sp>
+        <p:nvSpPr>
+          <p:cNvPr id="3" name="Text Placeholder 2"/>
           <p:cNvSpPr>
             <a:spLocks noGrp="1"/>
           </p:cNvSpPr>
@@ -1683,7 +1687,7 @@
           <a:p>
             <a:pPr lvl="0"/>
             <a:r>
-              <a:rPr kumimoji="1" lang="ja-JP" altLang="en-US"/>
+              <a:rPr lang="ja-JP" altLang="en-US"/>
               <a:t>マスター テキストの書式設定</a:t>
             </a:r>
           </a:p>
@@ -1691,13 +1695,7 @@
       </p:sp>
       <p:sp>
         <p:nvSpPr>
-          <p:cNvPr id="4" name="日付プレースホルダー 3">
-            <a:extLst>
-              <a:ext uri="{FF2B5EF4-FFF2-40B4-BE49-F238E27FC236}">
-                <a16:creationId xmlns:a16="http://schemas.microsoft.com/office/drawing/2014/main" id="{DDF9C75E-FF5B-DE47-9F78-74EF703714FD}"/>
-              </a:ext>
-            </a:extLst>
-          </p:cNvPr>
+          <p:cNvPr id="4" name="Date Placeholder 3"/>
           <p:cNvSpPr>
             <a:spLocks noGrp="1"/>
           </p:cNvSpPr>
@@ -1720,13 +1718,7 @@
       </p:sp>
       <p:sp>
         <p:nvSpPr>
-          <p:cNvPr id="5" name="フッター プレースホルダー 4">
-            <a:extLst>
-              <a:ext uri="{FF2B5EF4-FFF2-40B4-BE49-F238E27FC236}">
-                <a16:creationId xmlns:a16="http://schemas.microsoft.com/office/drawing/2014/main" id="{346B83B9-7E71-CD49-97BF-EC13BE0AE37B}"/>
-              </a:ext>
-            </a:extLst>
-          </p:cNvPr>
+          <p:cNvPr id="5" name="Footer Placeholder 4"/>
           <p:cNvSpPr>
             <a:spLocks noGrp="1"/>
           </p:cNvSpPr>
@@ -1745,13 +1737,7 @@
       </p:sp>
       <p:sp>
         <p:nvSpPr>
-          <p:cNvPr id="6" name="スライド番号プレースホルダー 5">
-            <a:extLst>
-              <a:ext uri="{FF2B5EF4-FFF2-40B4-BE49-F238E27FC236}">
-                <a16:creationId xmlns:a16="http://schemas.microsoft.com/office/drawing/2014/main" id="{BC30454E-5BAD-F943-A06E-DC1BC3C5F2AF}"/>
-              </a:ext>
-            </a:extLst>
-          </p:cNvPr>
+          <p:cNvPr id="6" name="Slide Number Placeholder 5"/>
           <p:cNvSpPr>
             <a:spLocks noGrp="1"/>
           </p:cNvSpPr>
@@ -1775,7 +1761,7 @@
     </p:spTree>
     <p:extLst>
       <p:ext uri="{BB962C8B-B14F-4D97-AF65-F5344CB8AC3E}">
-        <p14:creationId xmlns:p14="http://schemas.microsoft.com/office/powerpoint/2010/main" val="2235986112"/>
+        <p14:creationId xmlns:p14="http://schemas.microsoft.com/office/powerpoint/2010/main" val="660033371"/>
       </p:ext>
     </p:extLst>
   </p:cSld>
@@ -1804,13 +1790,7 @@
       </p:grpSpPr>
       <p:sp>
         <p:nvSpPr>
-          <p:cNvPr id="2" name="タイトル 1">
-            <a:extLst>
-              <a:ext uri="{FF2B5EF4-FFF2-40B4-BE49-F238E27FC236}">
-                <a16:creationId xmlns:a16="http://schemas.microsoft.com/office/drawing/2014/main" id="{EF75F086-3E40-2E4C-81AB-8C5CB2A9138A}"/>
-              </a:ext>
-            </a:extLst>
-          </p:cNvPr>
+          <p:cNvPr id="2" name="Title 1"/>
           <p:cNvSpPr>
             <a:spLocks noGrp="1"/>
           </p:cNvSpPr>
@@ -1824,21 +1804,16 @@
           <a:lstStyle/>
           <a:p>
             <a:r>
-              <a:rPr kumimoji="1" lang="ja-JP" altLang="en-US"/>
+              <a:rPr lang="ja-JP" altLang="en-US"/>
               <a:t>マスター タイトルの書式設定</a:t>
             </a:r>
-          </a:p>
-        </p:txBody>
-      </p:sp>
-      <p:sp>
-        <p:nvSpPr>
-          <p:cNvPr id="3" name="コンテンツ プレースホルダー 2">
-            <a:extLst>
-              <a:ext uri="{FF2B5EF4-FFF2-40B4-BE49-F238E27FC236}">
-                <a16:creationId xmlns:a16="http://schemas.microsoft.com/office/drawing/2014/main" id="{3078FA09-A5FE-4946-83C0-0CCB49EED50C}"/>
-              </a:ext>
-            </a:extLst>
-          </p:cNvPr>
+            <a:endParaRPr lang="en-US" dirty="0"/>
+          </a:p>
+        </p:txBody>
+      </p:sp>
+      <p:sp>
+        <p:nvSpPr>
+          <p:cNvPr id="3" name="Content Placeholder 2"/>
           <p:cNvSpPr>
             <a:spLocks noGrp="1"/>
           </p:cNvSpPr>
@@ -1858,81 +1833,76 @@
           <a:p>
             <a:pPr lvl="0"/>
             <a:r>
-              <a:rPr kumimoji="1" lang="ja-JP" altLang="en-US"/>
+              <a:rPr lang="ja-JP" altLang="en-US"/>
               <a:t>マスター テキストの書式設定</a:t>
             </a:r>
           </a:p>
           <a:p>
             <a:pPr lvl="1"/>
             <a:r>
-              <a:rPr kumimoji="1" lang="ja-JP" altLang="en-US"/>
+              <a:rPr lang="ja-JP" altLang="en-US"/>
               <a:t>第 </a:t>
             </a:r>
             <a:r>
-              <a:rPr kumimoji="1" lang="en-US" altLang="ja-JP"/>
+              <a:rPr lang="en-US" altLang="ja-JP"/>
               <a:t>2 </a:t>
             </a:r>
             <a:r>
-              <a:rPr kumimoji="1" lang="ja-JP" altLang="en-US"/>
+              <a:rPr lang="ja-JP" altLang="en-US"/>
               <a:t>レベル</a:t>
             </a:r>
           </a:p>
           <a:p>
             <a:pPr lvl="2"/>
             <a:r>
-              <a:rPr kumimoji="1" lang="ja-JP" altLang="en-US"/>
+              <a:rPr lang="ja-JP" altLang="en-US"/>
               <a:t>第 </a:t>
             </a:r>
             <a:r>
-              <a:rPr kumimoji="1" lang="en-US" altLang="ja-JP"/>
+              <a:rPr lang="en-US" altLang="ja-JP"/>
               <a:t>3 </a:t>
             </a:r>
             <a:r>
-              <a:rPr kumimoji="1" lang="ja-JP" altLang="en-US"/>
+              <a:rPr lang="ja-JP" altLang="en-US"/>
               <a:t>レベル</a:t>
             </a:r>
           </a:p>
           <a:p>
             <a:pPr lvl="3"/>
             <a:r>
-              <a:rPr kumimoji="1" lang="ja-JP" altLang="en-US"/>
+              <a:rPr lang="ja-JP" altLang="en-US"/>
               <a:t>第 </a:t>
             </a:r>
             <a:r>
-              <a:rPr kumimoji="1" lang="en-US" altLang="ja-JP"/>
+              <a:rPr lang="en-US" altLang="ja-JP"/>
               <a:t>4 </a:t>
             </a:r>
             <a:r>
-              <a:rPr kumimoji="1" lang="ja-JP" altLang="en-US"/>
+              <a:rPr lang="ja-JP" altLang="en-US"/>
               <a:t>レベル</a:t>
             </a:r>
           </a:p>
           <a:p>
             <a:pPr lvl="4"/>
             <a:r>
-              <a:rPr kumimoji="1" lang="ja-JP" altLang="en-US"/>
+              <a:rPr lang="ja-JP" altLang="en-US"/>
               <a:t>第 </a:t>
             </a:r>
             <a:r>
-              <a:rPr kumimoji="1" lang="en-US" altLang="ja-JP"/>
+              <a:rPr lang="en-US" altLang="ja-JP"/>
               <a:t>5 </a:t>
             </a:r>
             <a:r>
-              <a:rPr kumimoji="1" lang="ja-JP" altLang="en-US"/>
+              <a:rPr lang="ja-JP" altLang="en-US"/>
               <a:t>レベル</a:t>
             </a:r>
-          </a:p>
-        </p:txBody>
-      </p:sp>
-      <p:sp>
-        <p:nvSpPr>
-          <p:cNvPr id="4" name="コンテンツ プレースホルダー 3">
-            <a:extLst>
-              <a:ext uri="{FF2B5EF4-FFF2-40B4-BE49-F238E27FC236}">
-                <a16:creationId xmlns:a16="http://schemas.microsoft.com/office/drawing/2014/main" id="{5D12B8BB-31AD-6845-B78E-1416055AD05E}"/>
-              </a:ext>
-            </a:extLst>
-          </p:cNvPr>
+            <a:endParaRPr lang="en-US" dirty="0"/>
+          </a:p>
+        </p:txBody>
+      </p:sp>
+      <p:sp>
+        <p:nvSpPr>
+          <p:cNvPr id="4" name="Content Placeholder 3"/>
           <p:cNvSpPr>
             <a:spLocks noGrp="1"/>
           </p:cNvSpPr>
@@ -1952,81 +1922,76 @@
           <a:p>
             <a:pPr lvl="0"/>
             <a:r>
-              <a:rPr kumimoji="1" lang="ja-JP" altLang="en-US"/>
+              <a:rPr lang="ja-JP" altLang="en-US"/>
               <a:t>マスター テキストの書式設定</a:t>
             </a:r>
           </a:p>
           <a:p>
             <a:pPr lvl="1"/>
             <a:r>
-              <a:rPr kumimoji="1" lang="ja-JP" altLang="en-US"/>
+              <a:rPr lang="ja-JP" altLang="en-US"/>
               <a:t>第 </a:t>
             </a:r>
             <a:r>
-              <a:rPr kumimoji="1" lang="en-US" altLang="ja-JP"/>
+              <a:rPr lang="en-US" altLang="ja-JP"/>
               <a:t>2 </a:t>
             </a:r>
             <a:r>
-              <a:rPr kumimoji="1" lang="ja-JP" altLang="en-US"/>
+              <a:rPr lang="ja-JP" altLang="en-US"/>
               <a:t>レベル</a:t>
             </a:r>
           </a:p>
           <a:p>
             <a:pPr lvl="2"/>
             <a:r>
-              <a:rPr kumimoji="1" lang="ja-JP" altLang="en-US"/>
+              <a:rPr lang="ja-JP" altLang="en-US"/>
               <a:t>第 </a:t>
             </a:r>
             <a:r>
-              <a:rPr kumimoji="1" lang="en-US" altLang="ja-JP"/>
+              <a:rPr lang="en-US" altLang="ja-JP"/>
               <a:t>3 </a:t>
             </a:r>
             <a:r>
-              <a:rPr kumimoji="1" lang="ja-JP" altLang="en-US"/>
+              <a:rPr lang="ja-JP" altLang="en-US"/>
               <a:t>レベル</a:t>
             </a:r>
           </a:p>
           <a:p>
             <a:pPr lvl="3"/>
             <a:r>
-              <a:rPr kumimoji="1" lang="ja-JP" altLang="en-US"/>
+              <a:rPr lang="ja-JP" altLang="en-US"/>
               <a:t>第 </a:t>
             </a:r>
             <a:r>
-              <a:rPr kumimoji="1" lang="en-US" altLang="ja-JP"/>
+              <a:rPr lang="en-US" altLang="ja-JP"/>
               <a:t>4 </a:t>
             </a:r>
             <a:r>
-              <a:rPr kumimoji="1" lang="ja-JP" altLang="en-US"/>
+              <a:rPr lang="ja-JP" altLang="en-US"/>
               <a:t>レベル</a:t>
             </a:r>
           </a:p>
           <a:p>
             <a:pPr lvl="4"/>
             <a:r>
-              <a:rPr kumimoji="1" lang="ja-JP" altLang="en-US"/>
+              <a:rPr lang="ja-JP" altLang="en-US"/>
               <a:t>第 </a:t>
             </a:r>
             <a:r>
-              <a:rPr kumimoji="1" lang="en-US" altLang="ja-JP"/>
+              <a:rPr lang="en-US" altLang="ja-JP"/>
               <a:t>5 </a:t>
             </a:r>
             <a:r>
-              <a:rPr kumimoji="1" lang="ja-JP" altLang="en-US"/>
+              <a:rPr lang="ja-JP" altLang="en-US"/>
               <a:t>レベル</a:t>
             </a:r>
-          </a:p>
-        </p:txBody>
-      </p:sp>
-      <p:sp>
-        <p:nvSpPr>
-          <p:cNvPr id="5" name="日付プレースホルダー 4">
-            <a:extLst>
-              <a:ext uri="{FF2B5EF4-FFF2-40B4-BE49-F238E27FC236}">
-                <a16:creationId xmlns:a16="http://schemas.microsoft.com/office/drawing/2014/main" id="{7452A736-C6A1-FD4B-811B-19FC814FF3CE}"/>
-              </a:ext>
-            </a:extLst>
-          </p:cNvPr>
+            <a:endParaRPr lang="en-US" dirty="0"/>
+          </a:p>
+        </p:txBody>
+      </p:sp>
+      <p:sp>
+        <p:nvSpPr>
+          <p:cNvPr id="5" name="Date Placeholder 4"/>
           <p:cNvSpPr>
             <a:spLocks noGrp="1"/>
           </p:cNvSpPr>
@@ -2049,13 +2014,7 @@
       </p:sp>
       <p:sp>
         <p:nvSpPr>
-          <p:cNvPr id="6" name="フッター プレースホルダー 5">
-            <a:extLst>
-              <a:ext uri="{FF2B5EF4-FFF2-40B4-BE49-F238E27FC236}">
-                <a16:creationId xmlns:a16="http://schemas.microsoft.com/office/drawing/2014/main" id="{44ECF44E-DEF0-034C-9049-4EDB9CECFF74}"/>
-              </a:ext>
-            </a:extLst>
-          </p:cNvPr>
+          <p:cNvPr id="6" name="Footer Placeholder 5"/>
           <p:cNvSpPr>
             <a:spLocks noGrp="1"/>
           </p:cNvSpPr>
@@ -2074,13 +2033,7 @@
       </p:sp>
       <p:sp>
         <p:nvSpPr>
-          <p:cNvPr id="7" name="スライド番号プレースホルダー 6">
-            <a:extLst>
-              <a:ext uri="{FF2B5EF4-FFF2-40B4-BE49-F238E27FC236}">
-                <a16:creationId xmlns:a16="http://schemas.microsoft.com/office/drawing/2014/main" id="{70430744-2418-274D-A79D-5124C2231C34}"/>
-              </a:ext>
-            </a:extLst>
-          </p:cNvPr>
+          <p:cNvPr id="7" name="Slide Number Placeholder 6"/>
           <p:cNvSpPr>
             <a:spLocks noGrp="1"/>
           </p:cNvSpPr>
@@ -2104,7 +2057,7 @@
     </p:spTree>
     <p:extLst>
       <p:ext uri="{BB962C8B-B14F-4D97-AF65-F5344CB8AC3E}">
-        <p14:creationId xmlns:p14="http://schemas.microsoft.com/office/powerpoint/2010/main" val="3394917995"/>
+        <p14:creationId xmlns:p14="http://schemas.microsoft.com/office/powerpoint/2010/main" val="586647028"/>
       </p:ext>
     </p:extLst>
   </p:cSld>
@@ -2133,13 +2086,7 @@
       </p:grpSpPr>
       <p:sp>
         <p:nvSpPr>
-          <p:cNvPr id="2" name="タイトル 1">
-            <a:extLst>
-              <a:ext uri="{FF2B5EF4-FFF2-40B4-BE49-F238E27FC236}">
-                <a16:creationId xmlns:a16="http://schemas.microsoft.com/office/drawing/2014/main" id="{BC0BA74B-E15D-6049-9728-4FCCAD6B6A07}"/>
-              </a:ext>
-            </a:extLst>
-          </p:cNvPr>
+          <p:cNvPr id="2" name="Title 1"/>
           <p:cNvSpPr>
             <a:spLocks noGrp="1"/>
           </p:cNvSpPr>
@@ -2158,21 +2105,16 @@
           <a:lstStyle/>
           <a:p>
             <a:r>
-              <a:rPr kumimoji="1" lang="ja-JP" altLang="en-US"/>
+              <a:rPr lang="ja-JP" altLang="en-US"/>
               <a:t>マスター タイトルの書式設定</a:t>
             </a:r>
-          </a:p>
-        </p:txBody>
-      </p:sp>
-      <p:sp>
-        <p:nvSpPr>
-          <p:cNvPr id="3" name="テキスト プレースホルダー 2">
-            <a:extLst>
-              <a:ext uri="{FF2B5EF4-FFF2-40B4-BE49-F238E27FC236}">
-                <a16:creationId xmlns:a16="http://schemas.microsoft.com/office/drawing/2014/main" id="{7E429B36-F8D7-714F-99A5-5266381C0CCE}"/>
-              </a:ext>
-            </a:extLst>
-          </p:cNvPr>
+            <a:endParaRPr lang="en-US" dirty="0"/>
+          </a:p>
+        </p:txBody>
+      </p:sp>
+      <p:sp>
+        <p:nvSpPr>
+          <p:cNvPr id="3" name="Text Placeholder 2"/>
           <p:cNvSpPr>
             <a:spLocks noGrp="1"/>
           </p:cNvSpPr>
@@ -2229,7 +2171,7 @@
           <a:p>
             <a:pPr lvl="0"/>
             <a:r>
-              <a:rPr kumimoji="1" lang="ja-JP" altLang="en-US"/>
+              <a:rPr lang="ja-JP" altLang="en-US"/>
               <a:t>マスター テキストの書式設定</a:t>
             </a:r>
           </a:p>
@@ -2237,13 +2179,7 @@
       </p:sp>
       <p:sp>
         <p:nvSpPr>
-          <p:cNvPr id="4" name="コンテンツ プレースホルダー 3">
-            <a:extLst>
-              <a:ext uri="{FF2B5EF4-FFF2-40B4-BE49-F238E27FC236}">
-                <a16:creationId xmlns:a16="http://schemas.microsoft.com/office/drawing/2014/main" id="{A5E7F58D-8CB0-3542-BA98-01175138BE88}"/>
-              </a:ext>
-            </a:extLst>
-          </p:cNvPr>
+          <p:cNvPr id="4" name="Content Placeholder 3"/>
           <p:cNvSpPr>
             <a:spLocks noGrp="1"/>
           </p:cNvSpPr>
@@ -2263,81 +2199,76 @@
           <a:p>
             <a:pPr lvl="0"/>
             <a:r>
-              <a:rPr kumimoji="1" lang="ja-JP" altLang="en-US"/>
+              <a:rPr lang="ja-JP" altLang="en-US"/>
               <a:t>マスター テキストの書式設定</a:t>
             </a:r>
           </a:p>
           <a:p>
             <a:pPr lvl="1"/>
             <a:r>
-              <a:rPr kumimoji="1" lang="ja-JP" altLang="en-US"/>
+              <a:rPr lang="ja-JP" altLang="en-US"/>
               <a:t>第 </a:t>
             </a:r>
             <a:r>
-              <a:rPr kumimoji="1" lang="en-US" altLang="ja-JP"/>
+              <a:rPr lang="en-US" altLang="ja-JP"/>
               <a:t>2 </a:t>
             </a:r>
             <a:r>
-              <a:rPr kumimoji="1" lang="ja-JP" altLang="en-US"/>
+              <a:rPr lang="ja-JP" altLang="en-US"/>
               <a:t>レベル</a:t>
             </a:r>
           </a:p>
           <a:p>
             <a:pPr lvl="2"/>
             <a:r>
-              <a:rPr kumimoji="1" lang="ja-JP" altLang="en-US"/>
+              <a:rPr lang="ja-JP" altLang="en-US"/>
               <a:t>第 </a:t>
             </a:r>
             <a:r>
-              <a:rPr kumimoji="1" lang="en-US" altLang="ja-JP"/>
+              <a:rPr lang="en-US" altLang="ja-JP"/>
               <a:t>3 </a:t>
             </a:r>
             <a:r>
-              <a:rPr kumimoji="1" lang="ja-JP" altLang="en-US"/>
+              <a:rPr lang="ja-JP" altLang="en-US"/>
               <a:t>レベル</a:t>
             </a:r>
           </a:p>
           <a:p>
             <a:pPr lvl="3"/>
             <a:r>
-              <a:rPr kumimoji="1" lang="ja-JP" altLang="en-US"/>
+              <a:rPr lang="ja-JP" altLang="en-US"/>
               <a:t>第 </a:t>
             </a:r>
             <a:r>
-              <a:rPr kumimoji="1" lang="en-US" altLang="ja-JP"/>
+              <a:rPr lang="en-US" altLang="ja-JP"/>
               <a:t>4 </a:t>
             </a:r>
             <a:r>
-              <a:rPr kumimoji="1" lang="ja-JP" altLang="en-US"/>
+              <a:rPr lang="ja-JP" altLang="en-US"/>
               <a:t>レベル</a:t>
             </a:r>
           </a:p>
           <a:p>
             <a:pPr lvl="4"/>
             <a:r>
-              <a:rPr kumimoji="1" lang="ja-JP" altLang="en-US"/>
+              <a:rPr lang="ja-JP" altLang="en-US"/>
               <a:t>第 </a:t>
             </a:r>
             <a:r>
-              <a:rPr kumimoji="1" lang="en-US" altLang="ja-JP"/>
+              <a:rPr lang="en-US" altLang="ja-JP"/>
               <a:t>5 </a:t>
             </a:r>
             <a:r>
-              <a:rPr kumimoji="1" lang="ja-JP" altLang="en-US"/>
+              <a:rPr lang="ja-JP" altLang="en-US"/>
               <a:t>レベル</a:t>
             </a:r>
-          </a:p>
-        </p:txBody>
-      </p:sp>
-      <p:sp>
-        <p:nvSpPr>
-          <p:cNvPr id="5" name="テキスト プレースホルダー 4">
-            <a:extLst>
-              <a:ext uri="{FF2B5EF4-FFF2-40B4-BE49-F238E27FC236}">
-                <a16:creationId xmlns:a16="http://schemas.microsoft.com/office/drawing/2014/main" id="{25F3F659-434C-294A-B71C-9771C73133BF}"/>
-              </a:ext>
-            </a:extLst>
-          </p:cNvPr>
+            <a:endParaRPr lang="en-US" dirty="0"/>
+          </a:p>
+        </p:txBody>
+      </p:sp>
+      <p:sp>
+        <p:nvSpPr>
+          <p:cNvPr id="5" name="Text Placeholder 4"/>
           <p:cNvSpPr>
             <a:spLocks noGrp="1"/>
           </p:cNvSpPr>
@@ -2394,7 +2325,7 @@
           <a:p>
             <a:pPr lvl="0"/>
             <a:r>
-              <a:rPr kumimoji="1" lang="ja-JP" altLang="en-US"/>
+              <a:rPr lang="ja-JP" altLang="en-US"/>
               <a:t>マスター テキストの書式設定</a:t>
             </a:r>
           </a:p>
@@ -2402,13 +2333,7 @@
       </p:sp>
       <p:sp>
         <p:nvSpPr>
-          <p:cNvPr id="6" name="コンテンツ プレースホルダー 5">
-            <a:extLst>
-              <a:ext uri="{FF2B5EF4-FFF2-40B4-BE49-F238E27FC236}">
-                <a16:creationId xmlns:a16="http://schemas.microsoft.com/office/drawing/2014/main" id="{EF0D9DF1-B37A-A646-9D34-69268EA6C280}"/>
-              </a:ext>
-            </a:extLst>
-          </p:cNvPr>
+          <p:cNvPr id="6" name="Content Placeholder 5"/>
           <p:cNvSpPr>
             <a:spLocks noGrp="1"/>
           </p:cNvSpPr>
@@ -2428,81 +2353,76 @@
           <a:p>
             <a:pPr lvl="0"/>
             <a:r>
-              <a:rPr kumimoji="1" lang="ja-JP" altLang="en-US"/>
+              <a:rPr lang="ja-JP" altLang="en-US"/>
               <a:t>マスター テキストの書式設定</a:t>
             </a:r>
           </a:p>
           <a:p>
             <a:pPr lvl="1"/>
             <a:r>
-              <a:rPr kumimoji="1" lang="ja-JP" altLang="en-US"/>
+              <a:rPr lang="ja-JP" altLang="en-US"/>
               <a:t>第 </a:t>
             </a:r>
             <a:r>
-              <a:rPr kumimoji="1" lang="en-US" altLang="ja-JP"/>
+              <a:rPr lang="en-US" altLang="ja-JP"/>
               <a:t>2 </a:t>
             </a:r>
             <a:r>
-              <a:rPr kumimoji="1" lang="ja-JP" altLang="en-US"/>
+              <a:rPr lang="ja-JP" altLang="en-US"/>
               <a:t>レベル</a:t>
             </a:r>
           </a:p>
           <a:p>
             <a:pPr lvl="2"/>
             <a:r>
-              <a:rPr kumimoji="1" lang="ja-JP" altLang="en-US"/>
+              <a:rPr lang="ja-JP" altLang="en-US"/>
               <a:t>第 </a:t>
             </a:r>
             <a:r>
-              <a:rPr kumimoji="1" lang="en-US" altLang="ja-JP"/>
+              <a:rPr lang="en-US" altLang="ja-JP"/>
               <a:t>3 </a:t>
             </a:r>
             <a:r>
-              <a:rPr kumimoji="1" lang="ja-JP" altLang="en-US"/>
+              <a:rPr lang="ja-JP" altLang="en-US"/>
               <a:t>レベル</a:t>
             </a:r>
           </a:p>
           <a:p>
             <a:pPr lvl="3"/>
             <a:r>
-              <a:rPr kumimoji="1" lang="ja-JP" altLang="en-US"/>
+              <a:rPr lang="ja-JP" altLang="en-US"/>
               <a:t>第 </a:t>
             </a:r>
             <a:r>
-              <a:rPr kumimoji="1" lang="en-US" altLang="ja-JP"/>
+              <a:rPr lang="en-US" altLang="ja-JP"/>
               <a:t>4 </a:t>
             </a:r>
             <a:r>
-              <a:rPr kumimoji="1" lang="ja-JP" altLang="en-US"/>
+              <a:rPr lang="ja-JP" altLang="en-US"/>
               <a:t>レベル</a:t>
             </a:r>
           </a:p>
           <a:p>
             <a:pPr lvl="4"/>
             <a:r>
-              <a:rPr kumimoji="1" lang="ja-JP" altLang="en-US"/>
+              <a:rPr lang="ja-JP" altLang="en-US"/>
               <a:t>第 </a:t>
             </a:r>
             <a:r>
-              <a:rPr kumimoji="1" lang="en-US" altLang="ja-JP"/>
+              <a:rPr lang="en-US" altLang="ja-JP"/>
               <a:t>5 </a:t>
             </a:r>
             <a:r>
-              <a:rPr kumimoji="1" lang="ja-JP" altLang="en-US"/>
+              <a:rPr lang="ja-JP" altLang="en-US"/>
               <a:t>レベル</a:t>
             </a:r>
-          </a:p>
-        </p:txBody>
-      </p:sp>
-      <p:sp>
-        <p:nvSpPr>
-          <p:cNvPr id="7" name="日付プレースホルダー 6">
-            <a:extLst>
-              <a:ext uri="{FF2B5EF4-FFF2-40B4-BE49-F238E27FC236}">
-                <a16:creationId xmlns:a16="http://schemas.microsoft.com/office/drawing/2014/main" id="{7B68FD0D-58AD-F64C-BAB4-86A6FDB59D89}"/>
-              </a:ext>
-            </a:extLst>
-          </p:cNvPr>
+            <a:endParaRPr lang="en-US" dirty="0"/>
+          </a:p>
+        </p:txBody>
+      </p:sp>
+      <p:sp>
+        <p:nvSpPr>
+          <p:cNvPr id="7" name="Date Placeholder 6"/>
           <p:cNvSpPr>
             <a:spLocks noGrp="1"/>
           </p:cNvSpPr>
@@ -2525,13 +2445,7 @@
       </p:sp>
       <p:sp>
         <p:nvSpPr>
-          <p:cNvPr id="8" name="フッター プレースホルダー 7">
-            <a:extLst>
-              <a:ext uri="{FF2B5EF4-FFF2-40B4-BE49-F238E27FC236}">
-                <a16:creationId xmlns:a16="http://schemas.microsoft.com/office/drawing/2014/main" id="{83A43C24-43AB-D741-91B6-68588FAC286B}"/>
-              </a:ext>
-            </a:extLst>
-          </p:cNvPr>
+          <p:cNvPr id="8" name="Footer Placeholder 7"/>
           <p:cNvSpPr>
             <a:spLocks noGrp="1"/>
           </p:cNvSpPr>
@@ -2550,13 +2464,7 @@
       </p:sp>
       <p:sp>
         <p:nvSpPr>
-          <p:cNvPr id="9" name="スライド番号プレースホルダー 8">
-            <a:extLst>
-              <a:ext uri="{FF2B5EF4-FFF2-40B4-BE49-F238E27FC236}">
-                <a16:creationId xmlns:a16="http://schemas.microsoft.com/office/drawing/2014/main" id="{FDF3A281-42DF-8A44-9F71-6F82E6A2D657}"/>
-              </a:ext>
-            </a:extLst>
-          </p:cNvPr>
+          <p:cNvPr id="9" name="Slide Number Placeholder 8"/>
           <p:cNvSpPr>
             <a:spLocks noGrp="1"/>
           </p:cNvSpPr>
@@ -2580,7 +2488,7 @@
     </p:spTree>
     <p:extLst>
       <p:ext uri="{BB962C8B-B14F-4D97-AF65-F5344CB8AC3E}">
-        <p14:creationId xmlns:p14="http://schemas.microsoft.com/office/powerpoint/2010/main" val="746347989"/>
+        <p14:creationId xmlns:p14="http://schemas.microsoft.com/office/powerpoint/2010/main" val="180775550"/>
       </p:ext>
     </p:extLst>
   </p:cSld>
@@ -2609,13 +2517,7 @@
       </p:grpSpPr>
       <p:sp>
         <p:nvSpPr>
-          <p:cNvPr id="2" name="タイトル 1">
-            <a:extLst>
-              <a:ext uri="{FF2B5EF4-FFF2-40B4-BE49-F238E27FC236}">
-                <a16:creationId xmlns:a16="http://schemas.microsoft.com/office/drawing/2014/main" id="{7391ACBB-A213-D64C-AB2F-839F75294B82}"/>
-              </a:ext>
-            </a:extLst>
-          </p:cNvPr>
+          <p:cNvPr id="2" name="Title 1"/>
           <p:cNvSpPr>
             <a:spLocks noGrp="1"/>
           </p:cNvSpPr>
@@ -2629,21 +2531,16 @@
           <a:lstStyle/>
           <a:p>
             <a:r>
-              <a:rPr kumimoji="1" lang="ja-JP" altLang="en-US"/>
+              <a:rPr lang="ja-JP" altLang="en-US"/>
               <a:t>マスター タイトルの書式設定</a:t>
             </a:r>
-          </a:p>
-        </p:txBody>
-      </p:sp>
-      <p:sp>
-        <p:nvSpPr>
-          <p:cNvPr id="3" name="日付プレースホルダー 2">
-            <a:extLst>
-              <a:ext uri="{FF2B5EF4-FFF2-40B4-BE49-F238E27FC236}">
-                <a16:creationId xmlns:a16="http://schemas.microsoft.com/office/drawing/2014/main" id="{5CF72016-8844-0F40-B162-7AC65B81B551}"/>
-              </a:ext>
-            </a:extLst>
-          </p:cNvPr>
+            <a:endParaRPr lang="en-US" dirty="0"/>
+          </a:p>
+        </p:txBody>
+      </p:sp>
+      <p:sp>
+        <p:nvSpPr>
+          <p:cNvPr id="3" name="Date Placeholder 2"/>
           <p:cNvSpPr>
             <a:spLocks noGrp="1"/>
           </p:cNvSpPr>
@@ -2666,13 +2563,7 @@
       </p:sp>
       <p:sp>
         <p:nvSpPr>
-          <p:cNvPr id="4" name="フッター プレースホルダー 3">
-            <a:extLst>
-              <a:ext uri="{FF2B5EF4-FFF2-40B4-BE49-F238E27FC236}">
-                <a16:creationId xmlns:a16="http://schemas.microsoft.com/office/drawing/2014/main" id="{C356EC68-D4F9-B549-B14D-0D6EB3A6E466}"/>
-              </a:ext>
-            </a:extLst>
-          </p:cNvPr>
+          <p:cNvPr id="4" name="Footer Placeholder 3"/>
           <p:cNvSpPr>
             <a:spLocks noGrp="1"/>
           </p:cNvSpPr>
@@ -2691,13 +2582,7 @@
       </p:sp>
       <p:sp>
         <p:nvSpPr>
-          <p:cNvPr id="5" name="スライド番号プレースホルダー 4">
-            <a:extLst>
-              <a:ext uri="{FF2B5EF4-FFF2-40B4-BE49-F238E27FC236}">
-                <a16:creationId xmlns:a16="http://schemas.microsoft.com/office/drawing/2014/main" id="{7D0413CF-EA1A-BC48-8F25-7E86D6DC2496}"/>
-              </a:ext>
-            </a:extLst>
-          </p:cNvPr>
+          <p:cNvPr id="5" name="Slide Number Placeholder 4"/>
           <p:cNvSpPr>
             <a:spLocks noGrp="1"/>
           </p:cNvSpPr>
@@ -2721,7 +2606,7 @@
     </p:spTree>
     <p:extLst>
       <p:ext uri="{BB962C8B-B14F-4D97-AF65-F5344CB8AC3E}">
-        <p14:creationId xmlns:p14="http://schemas.microsoft.com/office/powerpoint/2010/main" val="4258549756"/>
+        <p14:creationId xmlns:p14="http://schemas.microsoft.com/office/powerpoint/2010/main" val="900750213"/>
       </p:ext>
     </p:extLst>
   </p:cSld>
@@ -2750,13 +2635,7 @@
       </p:grpSpPr>
       <p:sp>
         <p:nvSpPr>
-          <p:cNvPr id="2" name="日付プレースホルダー 1">
-            <a:extLst>
-              <a:ext uri="{FF2B5EF4-FFF2-40B4-BE49-F238E27FC236}">
-                <a16:creationId xmlns:a16="http://schemas.microsoft.com/office/drawing/2014/main" id="{B5E909CB-7E0F-8E41-ABD6-32B98BB66598}"/>
-              </a:ext>
-            </a:extLst>
-          </p:cNvPr>
+          <p:cNvPr id="2" name="Date Placeholder 1"/>
           <p:cNvSpPr>
             <a:spLocks noGrp="1"/>
           </p:cNvSpPr>
@@ -2779,13 +2658,7 @@
       </p:sp>
       <p:sp>
         <p:nvSpPr>
-          <p:cNvPr id="3" name="フッター プレースホルダー 2">
-            <a:extLst>
-              <a:ext uri="{FF2B5EF4-FFF2-40B4-BE49-F238E27FC236}">
-                <a16:creationId xmlns:a16="http://schemas.microsoft.com/office/drawing/2014/main" id="{F191DA7A-5D63-2F47-9A12-12A75FF061F0}"/>
-              </a:ext>
-            </a:extLst>
-          </p:cNvPr>
+          <p:cNvPr id="3" name="Footer Placeholder 2"/>
           <p:cNvSpPr>
             <a:spLocks noGrp="1"/>
           </p:cNvSpPr>
@@ -2804,13 +2677,7 @@
       </p:sp>
       <p:sp>
         <p:nvSpPr>
-          <p:cNvPr id="4" name="スライド番号プレースホルダー 3">
-            <a:extLst>
-              <a:ext uri="{FF2B5EF4-FFF2-40B4-BE49-F238E27FC236}">
-                <a16:creationId xmlns:a16="http://schemas.microsoft.com/office/drawing/2014/main" id="{E99B58F8-A65F-2B41-9E93-20823C1596CD}"/>
-              </a:ext>
-            </a:extLst>
-          </p:cNvPr>
+          <p:cNvPr id="4" name="Slide Number Placeholder 3"/>
           <p:cNvSpPr>
             <a:spLocks noGrp="1"/>
           </p:cNvSpPr>
@@ -2834,7 +2701,7 @@
     </p:spTree>
     <p:extLst>
       <p:ext uri="{BB962C8B-B14F-4D97-AF65-F5344CB8AC3E}">
-        <p14:creationId xmlns:p14="http://schemas.microsoft.com/office/powerpoint/2010/main" val="2178864558"/>
+        <p14:creationId xmlns:p14="http://schemas.microsoft.com/office/powerpoint/2010/main" val="1133074532"/>
       </p:ext>
     </p:extLst>
   </p:cSld>
@@ -2863,13 +2730,7 @@
       </p:grpSpPr>
       <p:sp>
         <p:nvSpPr>
-          <p:cNvPr id="2" name="タイトル 1">
-            <a:extLst>
-              <a:ext uri="{FF2B5EF4-FFF2-40B4-BE49-F238E27FC236}">
-                <a16:creationId xmlns:a16="http://schemas.microsoft.com/office/drawing/2014/main" id="{050A901E-C072-CB41-903A-57ACC60C5687}"/>
-              </a:ext>
-            </a:extLst>
-          </p:cNvPr>
+          <p:cNvPr id="2" name="Title 1"/>
           <p:cNvSpPr>
             <a:spLocks noGrp="1"/>
           </p:cNvSpPr>
@@ -2892,21 +2753,16 @@
           </a:lstStyle>
           <a:p>
             <a:r>
-              <a:rPr kumimoji="1" lang="ja-JP" altLang="en-US"/>
+              <a:rPr lang="ja-JP" altLang="en-US"/>
               <a:t>マスター タイトルの書式設定</a:t>
             </a:r>
-          </a:p>
-        </p:txBody>
-      </p:sp>
-      <p:sp>
-        <p:nvSpPr>
-          <p:cNvPr id="3" name="コンテンツ プレースホルダー 2">
-            <a:extLst>
-              <a:ext uri="{FF2B5EF4-FFF2-40B4-BE49-F238E27FC236}">
-                <a16:creationId xmlns:a16="http://schemas.microsoft.com/office/drawing/2014/main" id="{9B32107D-D06D-014B-9923-477DD10F5110}"/>
-              </a:ext>
-            </a:extLst>
-          </p:cNvPr>
+            <a:endParaRPr lang="en-US" dirty="0"/>
+          </a:p>
+        </p:txBody>
+      </p:sp>
+      <p:sp>
+        <p:nvSpPr>
+          <p:cNvPr id="3" name="Content Placeholder 2"/>
           <p:cNvSpPr>
             <a:spLocks noGrp="1"/>
           </p:cNvSpPr>
@@ -2954,81 +2810,76 @@
           <a:p>
             <a:pPr lvl="0"/>
             <a:r>
-              <a:rPr kumimoji="1" lang="ja-JP" altLang="en-US"/>
+              <a:rPr lang="ja-JP" altLang="en-US"/>
               <a:t>マスター テキストの書式設定</a:t>
             </a:r>
           </a:p>
           <a:p>
             <a:pPr lvl="1"/>
             <a:r>
-              <a:rPr kumimoji="1" lang="ja-JP" altLang="en-US"/>
+              <a:rPr lang="ja-JP" altLang="en-US"/>
               <a:t>第 </a:t>
             </a:r>
             <a:r>
-              <a:rPr kumimoji="1" lang="en-US" altLang="ja-JP"/>
+              <a:rPr lang="en-US" altLang="ja-JP"/>
               <a:t>2 </a:t>
             </a:r>
             <a:r>
-              <a:rPr kumimoji="1" lang="ja-JP" altLang="en-US"/>
+              <a:rPr lang="ja-JP" altLang="en-US"/>
               <a:t>レベル</a:t>
             </a:r>
           </a:p>
           <a:p>
             <a:pPr lvl="2"/>
             <a:r>
-              <a:rPr kumimoji="1" lang="ja-JP" altLang="en-US"/>
+              <a:rPr lang="ja-JP" altLang="en-US"/>
               <a:t>第 </a:t>
             </a:r>
             <a:r>
-              <a:rPr kumimoji="1" lang="en-US" altLang="ja-JP"/>
+              <a:rPr lang="en-US" altLang="ja-JP"/>
               <a:t>3 </a:t>
             </a:r>
             <a:r>
-              <a:rPr kumimoji="1" lang="ja-JP" altLang="en-US"/>
+              <a:rPr lang="ja-JP" altLang="en-US"/>
               <a:t>レベル</a:t>
             </a:r>
           </a:p>
           <a:p>
             <a:pPr lvl="3"/>
             <a:r>
-              <a:rPr kumimoji="1" lang="ja-JP" altLang="en-US"/>
+              <a:rPr lang="ja-JP" altLang="en-US"/>
               <a:t>第 </a:t>
             </a:r>
             <a:r>
-              <a:rPr kumimoji="1" lang="en-US" altLang="ja-JP"/>
+              <a:rPr lang="en-US" altLang="ja-JP"/>
               <a:t>4 </a:t>
             </a:r>
             <a:r>
-              <a:rPr kumimoji="1" lang="ja-JP" altLang="en-US"/>
+              <a:rPr lang="ja-JP" altLang="en-US"/>
               <a:t>レベル</a:t>
             </a:r>
           </a:p>
           <a:p>
             <a:pPr lvl="4"/>
             <a:r>
-              <a:rPr kumimoji="1" lang="ja-JP" altLang="en-US"/>
+              <a:rPr lang="ja-JP" altLang="en-US"/>
               <a:t>第 </a:t>
             </a:r>
             <a:r>
-              <a:rPr kumimoji="1" lang="en-US" altLang="ja-JP"/>
+              <a:rPr lang="en-US" altLang="ja-JP"/>
               <a:t>5 </a:t>
             </a:r>
             <a:r>
-              <a:rPr kumimoji="1" lang="ja-JP" altLang="en-US"/>
+              <a:rPr lang="ja-JP" altLang="en-US"/>
               <a:t>レベル</a:t>
             </a:r>
-          </a:p>
-        </p:txBody>
-      </p:sp>
-      <p:sp>
-        <p:nvSpPr>
-          <p:cNvPr id="4" name="テキスト プレースホルダー 3">
-            <a:extLst>
-              <a:ext uri="{FF2B5EF4-FFF2-40B4-BE49-F238E27FC236}">
-                <a16:creationId xmlns:a16="http://schemas.microsoft.com/office/drawing/2014/main" id="{8E0DD08D-4395-F144-A8D8-2251DFEC9871}"/>
-              </a:ext>
-            </a:extLst>
-          </p:cNvPr>
+            <a:endParaRPr lang="en-US" dirty="0"/>
+          </a:p>
+        </p:txBody>
+      </p:sp>
+      <p:sp>
+        <p:nvSpPr>
+          <p:cNvPr id="4" name="Text Placeholder 3"/>
           <p:cNvSpPr>
             <a:spLocks noGrp="1"/>
           </p:cNvSpPr>
@@ -3085,7 +2936,7 @@
           <a:p>
             <a:pPr lvl="0"/>
             <a:r>
-              <a:rPr kumimoji="1" lang="ja-JP" altLang="en-US"/>
+              <a:rPr lang="ja-JP" altLang="en-US"/>
               <a:t>マスター テキストの書式設定</a:t>
             </a:r>
           </a:p>
@@ -3093,13 +2944,7 @@
       </p:sp>
       <p:sp>
         <p:nvSpPr>
-          <p:cNvPr id="5" name="日付プレースホルダー 4">
-            <a:extLst>
-              <a:ext uri="{FF2B5EF4-FFF2-40B4-BE49-F238E27FC236}">
-                <a16:creationId xmlns:a16="http://schemas.microsoft.com/office/drawing/2014/main" id="{2909F8AA-337A-6845-A75F-910DE7E2F779}"/>
-              </a:ext>
-            </a:extLst>
-          </p:cNvPr>
+          <p:cNvPr id="5" name="Date Placeholder 4"/>
           <p:cNvSpPr>
             <a:spLocks noGrp="1"/>
           </p:cNvSpPr>
@@ -3122,13 +2967,7 @@
       </p:sp>
       <p:sp>
         <p:nvSpPr>
-          <p:cNvPr id="6" name="フッター プレースホルダー 5">
-            <a:extLst>
-              <a:ext uri="{FF2B5EF4-FFF2-40B4-BE49-F238E27FC236}">
-                <a16:creationId xmlns:a16="http://schemas.microsoft.com/office/drawing/2014/main" id="{2BF302EA-EB8B-2F4E-B8D8-27E1F9A3D956}"/>
-              </a:ext>
-            </a:extLst>
-          </p:cNvPr>
+          <p:cNvPr id="6" name="Footer Placeholder 5"/>
           <p:cNvSpPr>
             <a:spLocks noGrp="1"/>
           </p:cNvSpPr>
@@ -3147,13 +2986,7 @@
       </p:sp>
       <p:sp>
         <p:nvSpPr>
-          <p:cNvPr id="7" name="スライド番号プレースホルダー 6">
-            <a:extLst>
-              <a:ext uri="{FF2B5EF4-FFF2-40B4-BE49-F238E27FC236}">
-                <a16:creationId xmlns:a16="http://schemas.microsoft.com/office/drawing/2014/main" id="{F17E8C88-8F34-8847-8370-6E4A5C212D93}"/>
-              </a:ext>
-            </a:extLst>
-          </p:cNvPr>
+          <p:cNvPr id="7" name="Slide Number Placeholder 6"/>
           <p:cNvSpPr>
             <a:spLocks noGrp="1"/>
           </p:cNvSpPr>
@@ -3177,7 +3010,7 @@
     </p:spTree>
     <p:extLst>
       <p:ext uri="{BB962C8B-B14F-4D97-AF65-F5344CB8AC3E}">
-        <p14:creationId xmlns:p14="http://schemas.microsoft.com/office/powerpoint/2010/main" val="1891933708"/>
+        <p14:creationId xmlns:p14="http://schemas.microsoft.com/office/powerpoint/2010/main" val="3338379044"/>
       </p:ext>
     </p:extLst>
   </p:cSld>
@@ -3206,13 +3039,7 @@
       </p:grpSpPr>
       <p:sp>
         <p:nvSpPr>
-          <p:cNvPr id="2" name="タイトル 1">
-            <a:extLst>
-              <a:ext uri="{FF2B5EF4-FFF2-40B4-BE49-F238E27FC236}">
-                <a16:creationId xmlns:a16="http://schemas.microsoft.com/office/drawing/2014/main" id="{677EB77E-9D7E-3147-A626-2F9D46A998B6}"/>
-              </a:ext>
-            </a:extLst>
-          </p:cNvPr>
+          <p:cNvPr id="2" name="Title 1"/>
           <p:cNvSpPr>
             <a:spLocks noGrp="1"/>
           </p:cNvSpPr>
@@ -3235,23 +3062,18 @@
           </a:lstStyle>
           <a:p>
             <a:r>
-              <a:rPr kumimoji="1" lang="ja-JP" altLang="en-US"/>
+              <a:rPr lang="ja-JP" altLang="en-US"/>
               <a:t>マスター タイトルの書式設定</a:t>
             </a:r>
-          </a:p>
-        </p:txBody>
-      </p:sp>
-      <p:sp>
-        <p:nvSpPr>
-          <p:cNvPr id="3" name="図プレースホルダー 2">
-            <a:extLst>
-              <a:ext uri="{FF2B5EF4-FFF2-40B4-BE49-F238E27FC236}">
-                <a16:creationId xmlns:a16="http://schemas.microsoft.com/office/drawing/2014/main" id="{CE269470-E384-C248-8B8A-5091FF42F0CD}"/>
-              </a:ext>
-            </a:extLst>
-          </p:cNvPr>
+            <a:endParaRPr lang="en-US" dirty="0"/>
+          </a:p>
+        </p:txBody>
+      </p:sp>
+      <p:sp>
+        <p:nvSpPr>
+          <p:cNvPr id="3" name="Picture Placeholder 2"/>
           <p:cNvSpPr>
-            <a:spLocks noGrp="1"/>
+            <a:spLocks noGrp="1" noChangeAspect="1"/>
           </p:cNvSpPr>
           <p:nvPr>
             <p:ph type="pic" idx="1"/>
@@ -3264,7 +3086,7 @@
           </a:xfrm>
         </p:spPr>
         <p:txBody>
-          <a:bodyPr/>
+          <a:bodyPr anchor="t"/>
           <a:lstStyle>
             <a:lvl1pPr marL="0" indent="0">
               <a:buNone/>
@@ -3304,19 +3126,17 @@
             </a:lvl9pPr>
           </a:lstStyle>
           <a:p>
-            <a:endParaRPr kumimoji="1" lang="ja-JP" altLang="en-US"/>
-          </a:p>
-        </p:txBody>
-      </p:sp>
-      <p:sp>
-        <p:nvSpPr>
-          <p:cNvPr id="4" name="テキスト プレースホルダー 3">
-            <a:extLst>
-              <a:ext uri="{FF2B5EF4-FFF2-40B4-BE49-F238E27FC236}">
-                <a16:creationId xmlns:a16="http://schemas.microsoft.com/office/drawing/2014/main" id="{27586063-32F5-2B4B-9FBD-36C9A1B8BDD9}"/>
-              </a:ext>
-            </a:extLst>
-          </p:cNvPr>
+            <a:r>
+              <a:rPr lang="ja-JP" altLang="en-US"/>
+              <a:t>アイコンをクリックして図を追加</a:t>
+            </a:r>
+            <a:endParaRPr lang="en-US" dirty="0"/>
+          </a:p>
+        </p:txBody>
+      </p:sp>
+      <p:sp>
+        <p:nvSpPr>
+          <p:cNvPr id="4" name="Text Placeholder 3"/>
           <p:cNvSpPr>
             <a:spLocks noGrp="1"/>
           </p:cNvSpPr>
@@ -3373,7 +3193,7 @@
           <a:p>
             <a:pPr lvl="0"/>
             <a:r>
-              <a:rPr kumimoji="1" lang="ja-JP" altLang="en-US"/>
+              <a:rPr lang="ja-JP" altLang="en-US"/>
               <a:t>マスター テキストの書式設定</a:t>
             </a:r>
           </a:p>
@@ -3381,13 +3201,7 @@
       </p:sp>
       <p:sp>
         <p:nvSpPr>
-          <p:cNvPr id="5" name="日付プレースホルダー 4">
-            <a:extLst>
-              <a:ext uri="{FF2B5EF4-FFF2-40B4-BE49-F238E27FC236}">
-                <a16:creationId xmlns:a16="http://schemas.microsoft.com/office/drawing/2014/main" id="{F5652096-5A84-8943-9598-8EDC49151E7F}"/>
-              </a:ext>
-            </a:extLst>
-          </p:cNvPr>
+          <p:cNvPr id="5" name="Date Placeholder 4"/>
           <p:cNvSpPr>
             <a:spLocks noGrp="1"/>
           </p:cNvSpPr>
@@ -3410,13 +3224,7 @@
       </p:sp>
       <p:sp>
         <p:nvSpPr>
-          <p:cNvPr id="6" name="フッター プレースホルダー 5">
-            <a:extLst>
-              <a:ext uri="{FF2B5EF4-FFF2-40B4-BE49-F238E27FC236}">
-                <a16:creationId xmlns:a16="http://schemas.microsoft.com/office/drawing/2014/main" id="{3E554F4A-E169-5149-8C62-794525080FC9}"/>
-              </a:ext>
-            </a:extLst>
-          </p:cNvPr>
+          <p:cNvPr id="6" name="Footer Placeholder 5"/>
           <p:cNvSpPr>
             <a:spLocks noGrp="1"/>
           </p:cNvSpPr>
@@ -3435,13 +3243,7 @@
       </p:sp>
       <p:sp>
         <p:nvSpPr>
-          <p:cNvPr id="7" name="スライド番号プレースホルダー 6">
-            <a:extLst>
-              <a:ext uri="{FF2B5EF4-FFF2-40B4-BE49-F238E27FC236}">
-                <a16:creationId xmlns:a16="http://schemas.microsoft.com/office/drawing/2014/main" id="{A8C20AC6-29BC-264F-A7A3-A81BBA55B951}"/>
-              </a:ext>
-            </a:extLst>
-          </p:cNvPr>
+          <p:cNvPr id="7" name="Slide Number Placeholder 6"/>
           <p:cNvSpPr>
             <a:spLocks noGrp="1"/>
           </p:cNvSpPr>
@@ -3465,7 +3267,7 @@
     </p:spTree>
     <p:extLst>
       <p:ext uri="{BB962C8B-B14F-4D97-AF65-F5344CB8AC3E}">
-        <p14:creationId xmlns:p14="http://schemas.microsoft.com/office/powerpoint/2010/main" val="2418439883"/>
+        <p14:creationId xmlns:p14="http://schemas.microsoft.com/office/powerpoint/2010/main" val="2079916521"/>
       </p:ext>
     </p:extLst>
   </p:cSld>
@@ -3499,13 +3301,7 @@
       </p:grpSpPr>
       <p:sp>
         <p:nvSpPr>
-          <p:cNvPr id="2" name="タイトル プレースホルダー 1">
-            <a:extLst>
-              <a:ext uri="{FF2B5EF4-FFF2-40B4-BE49-F238E27FC236}">
-                <a16:creationId xmlns:a16="http://schemas.microsoft.com/office/drawing/2014/main" id="{D1DDD91E-C486-CB4C-8AF7-0C526A1ACE45}"/>
-              </a:ext>
-            </a:extLst>
-          </p:cNvPr>
+          <p:cNvPr id="2" name="Title Placeholder 1"/>
           <p:cNvSpPr>
             <a:spLocks noGrp="1"/>
           </p:cNvSpPr>
@@ -3529,21 +3325,16 @@
           <a:lstStyle/>
           <a:p>
             <a:r>
-              <a:rPr kumimoji="1" lang="ja-JP" altLang="en-US"/>
+              <a:rPr lang="ja-JP" altLang="en-US"/>
               <a:t>マスター タイトルの書式設定</a:t>
             </a:r>
-          </a:p>
-        </p:txBody>
-      </p:sp>
-      <p:sp>
-        <p:nvSpPr>
-          <p:cNvPr id="3" name="テキスト プレースホルダー 2">
-            <a:extLst>
-              <a:ext uri="{FF2B5EF4-FFF2-40B4-BE49-F238E27FC236}">
-                <a16:creationId xmlns:a16="http://schemas.microsoft.com/office/drawing/2014/main" id="{FA5A1EA7-8D26-4148-8710-D71EB8DF4964}"/>
-              </a:ext>
-            </a:extLst>
-          </p:cNvPr>
+            <a:endParaRPr lang="en-US" dirty="0"/>
+          </a:p>
+        </p:txBody>
+      </p:sp>
+      <p:sp>
+        <p:nvSpPr>
+          <p:cNvPr id="3" name="Text Placeholder 2"/>
           <p:cNvSpPr>
             <a:spLocks noGrp="1"/>
           </p:cNvSpPr>
@@ -3568,81 +3359,76 @@
           <a:p>
             <a:pPr lvl="0"/>
             <a:r>
-              <a:rPr kumimoji="1" lang="ja-JP" altLang="en-US"/>
+              <a:rPr lang="ja-JP" altLang="en-US"/>
               <a:t>マスター テキストの書式設定</a:t>
             </a:r>
           </a:p>
           <a:p>
             <a:pPr lvl="1"/>
             <a:r>
-              <a:rPr kumimoji="1" lang="ja-JP" altLang="en-US"/>
+              <a:rPr lang="ja-JP" altLang="en-US"/>
               <a:t>第 </a:t>
             </a:r>
             <a:r>
-              <a:rPr kumimoji="1" lang="en-US" altLang="ja-JP"/>
+              <a:rPr lang="en-US" altLang="ja-JP"/>
               <a:t>2 </a:t>
             </a:r>
             <a:r>
-              <a:rPr kumimoji="1" lang="ja-JP" altLang="en-US"/>
+              <a:rPr lang="ja-JP" altLang="en-US"/>
               <a:t>レベル</a:t>
             </a:r>
           </a:p>
           <a:p>
             <a:pPr lvl="2"/>
             <a:r>
-              <a:rPr kumimoji="1" lang="ja-JP" altLang="en-US"/>
+              <a:rPr lang="ja-JP" altLang="en-US"/>
               <a:t>第 </a:t>
             </a:r>
             <a:r>
-              <a:rPr kumimoji="1" lang="en-US" altLang="ja-JP"/>
+              <a:rPr lang="en-US" altLang="ja-JP"/>
               <a:t>3 </a:t>
             </a:r>
             <a:r>
-              <a:rPr kumimoji="1" lang="ja-JP" altLang="en-US"/>
+              <a:rPr lang="ja-JP" altLang="en-US"/>
               <a:t>レベル</a:t>
             </a:r>
           </a:p>
           <a:p>
             <a:pPr lvl="3"/>
             <a:r>
-              <a:rPr kumimoji="1" lang="ja-JP" altLang="en-US"/>
+              <a:rPr lang="ja-JP" altLang="en-US"/>
               <a:t>第 </a:t>
             </a:r>
             <a:r>
-              <a:rPr kumimoji="1" lang="en-US" altLang="ja-JP"/>
+              <a:rPr lang="en-US" altLang="ja-JP"/>
               <a:t>4 </a:t>
             </a:r>
             <a:r>
-              <a:rPr kumimoji="1" lang="ja-JP" altLang="en-US"/>
+              <a:rPr lang="ja-JP" altLang="en-US"/>
               <a:t>レベル</a:t>
             </a:r>
           </a:p>
           <a:p>
             <a:pPr lvl="4"/>
             <a:r>
-              <a:rPr kumimoji="1" lang="ja-JP" altLang="en-US"/>
+              <a:rPr lang="ja-JP" altLang="en-US"/>
               <a:t>第 </a:t>
             </a:r>
             <a:r>
-              <a:rPr kumimoji="1" lang="en-US" altLang="ja-JP"/>
+              <a:rPr lang="en-US" altLang="ja-JP"/>
               <a:t>5 </a:t>
             </a:r>
             <a:r>
-              <a:rPr kumimoji="1" lang="ja-JP" altLang="en-US"/>
+              <a:rPr lang="ja-JP" altLang="en-US"/>
               <a:t>レベル</a:t>
             </a:r>
-          </a:p>
-        </p:txBody>
-      </p:sp>
-      <p:sp>
-        <p:nvSpPr>
-          <p:cNvPr id="4" name="日付プレースホルダー 3">
-            <a:extLst>
-              <a:ext uri="{FF2B5EF4-FFF2-40B4-BE49-F238E27FC236}">
-                <a16:creationId xmlns:a16="http://schemas.microsoft.com/office/drawing/2014/main" id="{3FE2F369-A379-9F43-9941-4C2843CD82E0}"/>
-              </a:ext>
-            </a:extLst>
-          </p:cNvPr>
+            <a:endParaRPr lang="en-US" dirty="0"/>
+          </a:p>
+        </p:txBody>
+      </p:sp>
+      <p:sp>
+        <p:nvSpPr>
+          <p:cNvPr id="4" name="Date Placeholder 3"/>
           <p:cNvSpPr>
             <a:spLocks noGrp="1"/>
           </p:cNvSpPr>
@@ -3683,13 +3469,7 @@
       </p:sp>
       <p:sp>
         <p:nvSpPr>
-          <p:cNvPr id="5" name="フッター プレースホルダー 4">
-            <a:extLst>
-              <a:ext uri="{FF2B5EF4-FFF2-40B4-BE49-F238E27FC236}">
-                <a16:creationId xmlns:a16="http://schemas.microsoft.com/office/drawing/2014/main" id="{A7861497-3CB3-D14E-8C0C-FD40555C5FE5}"/>
-              </a:ext>
-            </a:extLst>
-          </p:cNvPr>
+          <p:cNvPr id="5" name="Footer Placeholder 4"/>
           <p:cNvSpPr>
             <a:spLocks noGrp="1"/>
           </p:cNvSpPr>
@@ -3726,13 +3506,7 @@
       </p:sp>
       <p:sp>
         <p:nvSpPr>
-          <p:cNvPr id="6" name="スライド番号プレースホルダー 5">
-            <a:extLst>
-              <a:ext uri="{FF2B5EF4-FFF2-40B4-BE49-F238E27FC236}">
-                <a16:creationId xmlns:a16="http://schemas.microsoft.com/office/drawing/2014/main" id="{5E251D13-54AE-8B4D-BE60-0FE085650E96}"/>
-              </a:ext>
-            </a:extLst>
-          </p:cNvPr>
+          <p:cNvPr id="6" name="Slide Number Placeholder 5"/>
           <p:cNvSpPr>
             <a:spLocks noGrp="1"/>
           </p:cNvSpPr>
@@ -3774,23 +3548,23 @@
     </p:spTree>
     <p:extLst>
       <p:ext uri="{BB962C8B-B14F-4D97-AF65-F5344CB8AC3E}">
-        <p14:creationId xmlns:p14="http://schemas.microsoft.com/office/powerpoint/2010/main" val="2537704934"/>
+        <p14:creationId xmlns:p14="http://schemas.microsoft.com/office/powerpoint/2010/main" val="4000035382"/>
       </p:ext>
     </p:extLst>
   </p:cSld>
   <p:clrMap bg1="lt1" tx1="dk1" bg2="lt2" tx2="dk2" accent1="accent1" accent2="accent2" accent3="accent3" accent4="accent4" accent5="accent5" accent6="accent6" hlink="hlink" folHlink="folHlink"/>
   <p:sldLayoutIdLst>
-    <p:sldLayoutId id="2147483649" r:id="rId1"/>
-    <p:sldLayoutId id="2147483650" r:id="rId2"/>
-    <p:sldLayoutId id="2147483651" r:id="rId3"/>
-    <p:sldLayoutId id="2147483652" r:id="rId4"/>
-    <p:sldLayoutId id="2147483653" r:id="rId5"/>
-    <p:sldLayoutId id="2147483654" r:id="rId6"/>
-    <p:sldLayoutId id="2147483655" r:id="rId7"/>
-    <p:sldLayoutId id="2147483656" r:id="rId8"/>
-    <p:sldLayoutId id="2147483657" r:id="rId9"/>
-    <p:sldLayoutId id="2147483658" r:id="rId10"/>
-    <p:sldLayoutId id="2147483659" r:id="rId11"/>
+    <p:sldLayoutId id="2147483673" r:id="rId1"/>
+    <p:sldLayoutId id="2147483674" r:id="rId2"/>
+    <p:sldLayoutId id="2147483675" r:id="rId3"/>
+    <p:sldLayoutId id="2147483676" r:id="rId4"/>
+    <p:sldLayoutId id="2147483677" r:id="rId5"/>
+    <p:sldLayoutId id="2147483678" r:id="rId6"/>
+    <p:sldLayoutId id="2147483679" r:id="rId7"/>
+    <p:sldLayoutId id="2147483680" r:id="rId8"/>
+    <p:sldLayoutId id="2147483681" r:id="rId9"/>
+    <p:sldLayoutId id="2147483682" r:id="rId10"/>
+    <p:sldLayoutId id="2147483683" r:id="rId11"/>
   </p:sldLayoutIdLst>
   <p:txStyles>
     <p:titleStyle>
@@ -3978,7 +3752,7 @@
     </p:bodyStyle>
     <p:otherStyle>
       <a:defPPr>
-        <a:defRPr lang="ja-JP"/>
+        <a:defRPr lang="en-US"/>
       </a:defPPr>
       <a:lvl1pPr marL="0" algn="l" defTabSz="914400" rtl="0" eaLnBrk="1" latinLnBrk="0" hangingPunct="1">
         <a:defRPr kumimoji="1" sz="1800" kern="1200">
@@ -4110,7 +3884,7 @@
         </p:nvSpPr>
         <p:spPr>
           <a:xfrm>
-            <a:off x="1524000" y="356111"/>
+            <a:off x="1524000" y="356112"/>
             <a:ext cx="9144000" cy="2387600"/>
           </a:xfrm>
         </p:spPr>
@@ -4188,7 +3962,7 @@
         </p:nvSpPr>
         <p:spPr>
           <a:xfrm>
-            <a:off x="5150085" y="3980175"/>
+            <a:off x="5150086" y="3980175"/>
             <a:ext cx="3226085" cy="523220"/>
           </a:xfrm>
           <a:prstGeom prst="rect">
@@ -4206,7 +3980,6 @@
               <a:rPr lang="ja-JP" altLang="en-US" sz="2800" dirty="0"/>
               <a:t>研究テーマ</a:t>
             </a:r>
-            <a:endParaRPr kumimoji="1" lang="ja-JP" altLang="en-US" sz="2800" dirty="0"/>
           </a:p>
         </p:txBody>
       </p:sp>
@@ -4224,7 +3997,7 @@
         </p:nvSpPr>
         <p:spPr>
           <a:xfrm>
-            <a:off x="3133538" y="4526143"/>
+            <a:off x="3133539" y="4526144"/>
             <a:ext cx="8558372" cy="584775"/>
           </a:xfrm>
           <a:prstGeom prst="rect">
@@ -4239,11 +4012,11 @@
           <a:lstStyle/>
           <a:p>
             <a:r>
-              <a:rPr kumimoji="1" lang="en-US" altLang="ja-JP" sz="3200" u="sng" dirty="0"/>
+              <a:rPr lang="en-US" altLang="ja-JP" sz="3200" u="sng" dirty="0"/>
               <a:t>YouTube</a:t>
             </a:r>
             <a:r>
-              <a:rPr kumimoji="1" lang="ja-JP" altLang="en-US" sz="3200" u="sng" dirty="0"/>
+              <a:rPr lang="ja-JP" altLang="en-US" sz="3200" u="sng" dirty="0"/>
               <a:t>動画の再生数を予測する</a:t>
             </a:r>
           </a:p>
@@ -4293,8 +4066,8 @@
         </p:nvSpPr>
         <p:spPr>
           <a:xfrm>
-            <a:off x="5205674" y="633068"/>
-            <a:ext cx="4534328" cy="584775"/>
+            <a:off x="5205674" y="633070"/>
+            <a:ext cx="4534329" cy="584775"/>
           </a:xfrm>
           <a:prstGeom prst="rect">
             <a:avLst/>
@@ -4308,7 +4081,7 @@
           <a:lstStyle/>
           <a:p>
             <a:r>
-              <a:rPr kumimoji="1" lang="ja-JP" altLang="en-US" sz="3200"/>
+              <a:rPr lang="ja-JP" altLang="en-US" sz="3200"/>
               <a:t>進捗状況</a:t>
             </a:r>
           </a:p>
@@ -4328,8 +4101,8 @@
         </p:nvSpPr>
         <p:spPr>
           <a:xfrm>
-            <a:off x="8087853" y="214350"/>
-            <a:ext cx="3680816" cy="369332"/>
+            <a:off x="8087854" y="214351"/>
+            <a:ext cx="3519425" cy="369460"/>
           </a:xfrm>
           <a:prstGeom prst="rect">
             <a:avLst/>
@@ -4342,11 +4115,11 @@
           <a:lstStyle/>
           <a:p>
             <a:r>
-              <a:rPr lang="en-US" altLang="ja-JP" dirty="0"/>
+              <a:rPr lang="en-US" altLang="ja-JP" sz="1801" dirty="0"/>
               <a:t>YouTube</a:t>
             </a:r>
             <a:r>
-              <a:rPr lang="ja-JP" altLang="en-US" dirty="0"/>
+              <a:rPr lang="ja-JP" altLang="en-US" sz="1801" dirty="0"/>
               <a:t>動画の再生数を予測する</a:t>
             </a:r>
           </a:p>
@@ -4360,7 +4133,7 @@
         </p:nvSpPr>
         <p:spPr>
           <a:xfrm>
-            <a:off x="1679330" y="1125415"/>
+            <a:off x="1679331" y="1125417"/>
             <a:ext cx="9873761" cy="5262979"/>
           </a:xfrm>
           <a:prstGeom prst="rect">
@@ -4378,15 +4151,15 @@
               <a:rPr lang="ja-JP" altLang="en-US" sz="2400" dirty="0"/>
               <a:t>特徴量について</a:t>
             </a:r>
-            <a:endParaRPr kumimoji="1" lang="en-US" altLang="ja-JP" sz="2400" dirty="0"/>
-          </a:p>
-          <a:p>
-            <a:r>
-              <a:rPr kumimoji="1" lang="ja-JP" altLang="en-US" sz="2400" dirty="0"/>
+            <a:endParaRPr lang="en-US" altLang="ja-JP" sz="2400" dirty="0"/>
+          </a:p>
+          <a:p>
+            <a:r>
+              <a:rPr lang="ja-JP" altLang="en-US" sz="2400" dirty="0"/>
               <a:t>〇・データ収集。</a:t>
             </a:r>
             <a:r>
-              <a:rPr kumimoji="1" lang="en-US" altLang="ja-JP" sz="2400" dirty="0" err="1"/>
+              <a:rPr lang="en-US" altLang="ja-JP" sz="2400" dirty="0" err="1"/>
               <a:t>Probspace</a:t>
             </a:r>
             <a:r>
@@ -4405,7 +4178,7 @@
           </a:p>
           <a:p>
             <a:r>
-              <a:rPr kumimoji="1" lang="ja-JP" altLang="en-US" sz="2400" dirty="0"/>
+              <a:rPr lang="ja-JP" altLang="en-US" sz="2400" dirty="0"/>
               <a:t>〇・収集したデータを</a:t>
             </a:r>
             <a:r>
@@ -4435,53 +4208,49 @@
           </a:p>
           <a:p>
             <a:r>
-              <a:rPr kumimoji="1" lang="ja-JP" altLang="en-US" sz="2400" dirty="0"/>
-              <a:t>　・</a:t>
-            </a:r>
-            <a:r>
-              <a:rPr kumimoji="1" lang="en-US" altLang="ja-JP" sz="2400" dirty="0"/>
-              <a:t>numerical data(dislikes, likes, </a:t>
-            </a:r>
-            <a:r>
-              <a:rPr kumimoji="1" lang="en-US" altLang="ja-JP" sz="2400" dirty="0" err="1"/>
-              <a:t>comment_count</a:t>
-            </a:r>
-            <a:r>
-              <a:rPr kumimoji="1" lang="en-US" altLang="ja-JP" sz="2400" dirty="0"/>
-              <a:t>)</a:t>
-            </a:r>
-            <a:r>
-              <a:rPr kumimoji="1" lang="ja-JP" altLang="en-US" sz="2400" dirty="0"/>
-              <a:t>の</a:t>
-            </a:r>
-            <a:r>
-              <a:rPr kumimoji="1" lang="en-US" altLang="ja-JP" sz="2400" dirty="0"/>
-              <a:t>aggregation</a:t>
-            </a:r>
-            <a:r>
-              <a:rPr kumimoji="1" lang="ja-JP" altLang="en-US" sz="2400" dirty="0"/>
-              <a:t>特</a:t>
-            </a:r>
-            <a:endParaRPr kumimoji="1" lang="en-US" altLang="ja-JP" sz="2400" dirty="0"/>
-          </a:p>
-          <a:p>
-            <a:r>
-              <a:rPr lang="ja-JP" altLang="en-US" sz="2400" dirty="0"/>
-              <a:t>　　</a:t>
-            </a:r>
-            <a:r>
-              <a:rPr kumimoji="1" lang="ja-JP" altLang="en-US" sz="2400" dirty="0"/>
-              <a:t>徴量を作成</a:t>
-            </a:r>
-            <a:endParaRPr lang="en-US" altLang="ja-JP" sz="2400" dirty="0"/>
-          </a:p>
-          <a:p>
-            <a:r>
               <a:rPr lang="ja-JP" altLang="en-US" sz="2400" dirty="0"/>
               <a:t>　・</a:t>
             </a:r>
             <a:r>
               <a:rPr lang="en-US" altLang="ja-JP" sz="2400" dirty="0"/>
+              <a:t>numerical data(dislikes, likes, </a:t>
+            </a:r>
+            <a:r>
+              <a:rPr lang="en-US" altLang="ja-JP" sz="2400" dirty="0" err="1"/>
+              <a:t>comment_count</a:t>
+            </a:r>
+            <a:r>
+              <a:rPr lang="en-US" altLang="ja-JP" sz="2400" dirty="0"/>
+              <a:t>)</a:t>
+            </a:r>
+            <a:r>
+              <a:rPr lang="ja-JP" altLang="en-US" sz="2400" dirty="0"/>
+              <a:t>の</a:t>
+            </a:r>
+            <a:r>
+              <a:rPr lang="en-US" altLang="ja-JP" sz="2400" dirty="0"/>
+              <a:t>aggregation</a:t>
+            </a:r>
+            <a:r>
+              <a:rPr lang="ja-JP" altLang="en-US" sz="2400" dirty="0"/>
+              <a:t>特</a:t>
+            </a:r>
+            <a:endParaRPr lang="en-US" altLang="ja-JP" sz="2400" dirty="0"/>
+          </a:p>
+          <a:p>
+            <a:r>
+              <a:rPr lang="ja-JP" altLang="en-US" sz="2400" dirty="0"/>
+              <a:t>　　徴量を作成</a:t>
+            </a:r>
+            <a:endParaRPr lang="en-US" altLang="ja-JP" sz="2400" dirty="0"/>
+          </a:p>
+          <a:p>
+            <a:r>
+              <a:rPr lang="ja-JP" altLang="en-US" sz="2400" dirty="0"/>
+              <a:t>　・</a:t>
+            </a:r>
+            <a:r>
+              <a:rPr lang="en-US" altLang="ja-JP" sz="2400" dirty="0"/>
               <a:t>text data</a:t>
             </a:r>
             <a:r>
@@ -4523,14 +4292,13 @@
           </a:p>
           <a:p>
             <a:r>
-              <a:rPr kumimoji="1" lang="ja-JP" altLang="en-US" sz="2400" dirty="0"/>
+              <a:rPr lang="ja-JP" altLang="en-US" sz="2400" dirty="0"/>
               <a:t>　・</a:t>
             </a:r>
             <a:r>
               <a:rPr lang="en-US" altLang="ja-JP" sz="2400" dirty="0"/>
               <a:t>Target Encoding</a:t>
             </a:r>
-            <a:endParaRPr kumimoji="1" lang="en-US" altLang="ja-JP" sz="2400" dirty="0"/>
           </a:p>
           <a:p>
             <a:r>
@@ -4729,7 +4497,6 @@
               <a:rPr lang="ja-JP" altLang="en-US" sz="2800" dirty="0"/>
               <a:t>今後の進め方について</a:t>
             </a:r>
-            <a:endParaRPr kumimoji="1" lang="ja-JP" altLang="en-US" sz="2800" dirty="0"/>
           </a:p>
         </p:txBody>
       </p:sp>
@@ -4747,8 +4514,8 @@
         </p:nvSpPr>
         <p:spPr>
           <a:xfrm>
-            <a:off x="8087853" y="214350"/>
-            <a:ext cx="3680816" cy="369332"/>
+            <a:off x="8087854" y="214351"/>
+            <a:ext cx="3519425" cy="369460"/>
           </a:xfrm>
           <a:prstGeom prst="rect">
             <a:avLst/>
@@ -4761,11 +4528,11 @@
           <a:lstStyle/>
           <a:p>
             <a:r>
-              <a:rPr lang="en-US" altLang="ja-JP" dirty="0"/>
+              <a:rPr lang="en-US" altLang="ja-JP" sz="1801" dirty="0"/>
               <a:t>YouTube</a:t>
             </a:r>
             <a:r>
-              <a:rPr lang="ja-JP" altLang="en-US" dirty="0"/>
+              <a:rPr lang="ja-JP" altLang="en-US" sz="1801" dirty="0"/>
               <a:t>動画の再生数を予測する</a:t>
             </a:r>
           </a:p>
@@ -4779,7 +4546,7 @@
         </p:nvSpPr>
         <p:spPr>
           <a:xfrm>
-            <a:off x="1916723" y="2769578"/>
+            <a:off x="1916724" y="2769578"/>
             <a:ext cx="10084777" cy="1815882"/>
           </a:xfrm>
           <a:prstGeom prst="rect">
@@ -4901,8 +4668,8 @@
         </p:nvSpPr>
         <p:spPr>
           <a:xfrm>
-            <a:off x="5393933" y="606174"/>
-            <a:ext cx="4534328" cy="584775"/>
+            <a:off x="5393932" y="606175"/>
+            <a:ext cx="4534329" cy="584775"/>
           </a:xfrm>
           <a:prstGeom prst="rect">
             <a:avLst/>
@@ -4916,7 +4683,7 @@
           <a:lstStyle/>
           <a:p>
             <a:r>
-              <a:rPr kumimoji="1" lang="ja-JP" altLang="en-US" sz="3200"/>
+              <a:rPr lang="ja-JP" altLang="en-US" sz="3200"/>
               <a:t>背景</a:t>
             </a:r>
           </a:p>
@@ -4936,8 +4703,8 @@
         </p:nvSpPr>
         <p:spPr>
           <a:xfrm>
-            <a:off x="8087853" y="214350"/>
-            <a:ext cx="3680816" cy="369332"/>
+            <a:off x="8087854" y="214351"/>
+            <a:ext cx="3519425" cy="369460"/>
           </a:xfrm>
           <a:prstGeom prst="rect">
             <a:avLst/>
@@ -4950,11 +4717,11 @@
           <a:lstStyle/>
           <a:p>
             <a:r>
-              <a:rPr lang="en-US" altLang="ja-JP" dirty="0"/>
+              <a:rPr lang="en-US" altLang="ja-JP" sz="1801" dirty="0"/>
               <a:t>YouTube</a:t>
             </a:r>
             <a:r>
-              <a:rPr lang="ja-JP" altLang="en-US"/>
+              <a:rPr lang="ja-JP" altLang="en-US" sz="1801"/>
               <a:t>動画の再生数を予測する</a:t>
             </a:r>
           </a:p>
@@ -4974,7 +4741,7 @@
         </p:nvSpPr>
         <p:spPr>
           <a:xfrm>
-            <a:off x="2435000" y="1768744"/>
+            <a:off x="2435000" y="1768745"/>
             <a:ext cx="8379538" cy="1384995"/>
           </a:xfrm>
           <a:prstGeom prst="rect">
@@ -4989,27 +4756,27 @@
           <a:lstStyle/>
           <a:p>
             <a:r>
-              <a:rPr kumimoji="1" lang="ja-JP" altLang="en-US" sz="2800" dirty="0"/>
+              <a:rPr lang="ja-JP" altLang="en-US" sz="2800" dirty="0"/>
               <a:t>・</a:t>
             </a:r>
             <a:r>
-              <a:rPr kumimoji="1" lang="en-US" altLang="ja-JP" sz="2800" dirty="0"/>
+              <a:rPr lang="en-US" altLang="ja-JP" sz="2800" dirty="0"/>
               <a:t>YouTube</a:t>
             </a:r>
             <a:r>
-              <a:rPr kumimoji="1" lang="ja-JP" altLang="en-US" sz="2800" dirty="0"/>
+              <a:rPr lang="ja-JP" altLang="en-US" sz="2800" dirty="0"/>
               <a:t>は、</a:t>
             </a:r>
             <a:r>
-              <a:rPr kumimoji="1" lang="en-US" altLang="ja-JP" sz="2800" dirty="0"/>
+              <a:rPr lang="en-US" altLang="ja-JP" sz="2800" dirty="0"/>
               <a:t>2019</a:t>
             </a:r>
             <a:r>
-              <a:rPr kumimoji="1" lang="ja-JP" altLang="en-US" sz="2800" dirty="0"/>
+              <a:rPr lang="ja-JP" altLang="en-US" sz="2800" dirty="0"/>
               <a:t>年広告売上高</a:t>
             </a:r>
             <a:r>
-              <a:rPr kumimoji="1" lang="en-US" altLang="ja-JP" sz="2800" dirty="0"/>
+              <a:rPr lang="en-US" altLang="ja-JP" sz="2800" dirty="0"/>
               <a:t>150</a:t>
             </a:r>
             <a:r>
@@ -5038,7 +4805,6 @@
               <a:rPr lang="ja-JP" altLang="en-US" sz="2800" dirty="0"/>
               <a:t>　普及した動画マーケティングツール</a:t>
             </a:r>
-            <a:endParaRPr kumimoji="1" lang="ja-JP" altLang="en-US" sz="2800" dirty="0"/>
           </a:p>
         </p:txBody>
       </p:sp>
@@ -5056,8 +4822,8 @@
         </p:nvSpPr>
         <p:spPr>
           <a:xfrm>
-            <a:off x="2373454" y="3384694"/>
-            <a:ext cx="7214424" cy="954107"/>
+            <a:off x="2373453" y="3384695"/>
+            <a:ext cx="7214425" cy="954107"/>
           </a:xfrm>
           <a:prstGeom prst="rect">
             <a:avLst/>
@@ -5071,20 +4837,60 @@
           <a:lstStyle/>
           <a:p>
             <a:r>
-              <a:rPr kumimoji="1" lang="ja-JP" altLang="en-US" sz="2800" dirty="0"/>
+              <a:rPr lang="ja-JP" altLang="en-US" sz="2800" dirty="0"/>
               <a:t>・再生数を増やすための施策が、日々多く</a:t>
             </a:r>
-            <a:endParaRPr kumimoji="1" lang="en-US" altLang="ja-JP" sz="2800" dirty="0"/>
+            <a:endParaRPr lang="en-US" altLang="ja-JP" sz="2800" dirty="0"/>
           </a:p>
           <a:p>
             <a:r>
               <a:rPr lang="ja-JP" altLang="en-US" sz="2800" dirty="0"/>
-              <a:t>　</a:t>
-            </a:r>
-            <a:r>
-              <a:rPr kumimoji="1" lang="ja-JP" altLang="en-US" sz="2800" dirty="0"/>
-              <a:t>のメディアでノウハウが紹介されている</a:t>
-            </a:r>
+              <a:t>　のメディアでノウハウが紹介されている</a:t>
+            </a:r>
+          </a:p>
+        </p:txBody>
+      </p:sp>
+      <p:sp>
+        <p:nvSpPr>
+          <p:cNvPr id="7" name="テキスト ボックス 6">
+            <a:extLst>
+              <a:ext uri="{FF2B5EF4-FFF2-40B4-BE49-F238E27FC236}">
+                <a16:creationId xmlns:a16="http://schemas.microsoft.com/office/drawing/2014/main" id="{DBBB7864-BCCF-F543-8732-EC8BEEC044D1}"/>
+              </a:ext>
+            </a:extLst>
+          </p:cNvPr>
+          <p:cNvSpPr txBox="1"/>
+          <p:nvPr/>
+        </p:nvSpPr>
+        <p:spPr>
+          <a:xfrm>
+            <a:off x="4053883" y="4338924"/>
+            <a:ext cx="7214425" cy="461665"/>
+          </a:xfrm>
+          <a:prstGeom prst="rect">
+            <a:avLst/>
+          </a:prstGeom>
+          <a:noFill/>
+        </p:spPr>
+        <p:txBody>
+          <a:bodyPr wrap="square" rtlCol="0">
+            <a:spAutoFit/>
+          </a:bodyPr>
+          <a:lstStyle/>
+          <a:p>
+            <a:r>
+              <a:rPr lang="en-US" altLang="ja-JP" sz="2400" dirty="0"/>
+              <a:t>(</a:t>
+            </a:r>
+            <a:r>
+              <a:rPr lang="ja-JP" altLang="en-US" sz="2400"/>
+              <a:t>動画広告、セミナー、記事</a:t>
+            </a:r>
+            <a:r>
+              <a:rPr lang="en-US" altLang="ja-JP" sz="2400" dirty="0"/>
+              <a:t>)</a:t>
+            </a:r>
+            <a:endParaRPr lang="ja-JP" altLang="en-US" sz="2400" dirty="0"/>
           </a:p>
         </p:txBody>
       </p:sp>
@@ -5132,8 +4938,8 @@
         </p:nvSpPr>
         <p:spPr>
           <a:xfrm>
-            <a:off x="5205674" y="633068"/>
-            <a:ext cx="4534328" cy="584775"/>
+            <a:off x="5205674" y="633070"/>
+            <a:ext cx="4534329" cy="584775"/>
           </a:xfrm>
           <a:prstGeom prst="rect">
             <a:avLst/>
@@ -5147,7 +4953,7 @@
           <a:lstStyle/>
           <a:p>
             <a:r>
-              <a:rPr kumimoji="1" lang="ja-JP" altLang="en-US" sz="3200"/>
+              <a:rPr lang="ja-JP" altLang="en-US" sz="3200"/>
               <a:t>背景と課題</a:t>
             </a:r>
           </a:p>
@@ -5167,8 +4973,8 @@
         </p:nvSpPr>
         <p:spPr>
           <a:xfrm>
-            <a:off x="2919095" y="1700982"/>
-            <a:ext cx="7214424" cy="830997"/>
+            <a:off x="2488788" y="1651210"/>
+            <a:ext cx="7214425" cy="830997"/>
           </a:xfrm>
           <a:prstGeom prst="rect">
             <a:avLst/>
@@ -5182,7 +4988,7 @@
           <a:lstStyle/>
           <a:p>
             <a:r>
-              <a:rPr kumimoji="1" lang="ja-JP" altLang="en-US" sz="2400" dirty="0"/>
+              <a:rPr lang="ja-JP" altLang="en-US" sz="2400" dirty="0"/>
               <a:t>再生数を増やすための施策が、日々多くのメディアでノウハウが紹介されている</a:t>
             </a:r>
           </a:p>
@@ -5202,8 +5008,8 @@
         </p:nvSpPr>
         <p:spPr>
           <a:xfrm>
-            <a:off x="2703941" y="3341136"/>
-            <a:ext cx="7214424" cy="1815882"/>
+            <a:off x="2525578" y="3116368"/>
+            <a:ext cx="7214425" cy="1815882"/>
           </a:xfrm>
           <a:prstGeom prst="rect">
             <a:avLst/>
@@ -5228,7 +5034,6 @@
               <a:rPr lang="ja-JP" altLang="en-US" sz="2800"/>
               <a:t>、何が効果的か分かっていない</a:t>
             </a:r>
-            <a:endParaRPr kumimoji="1" lang="ja-JP" altLang="en-US" sz="2800"/>
           </a:p>
         </p:txBody>
       </p:sp>
@@ -5246,8 +5051,8 @@
         </p:nvSpPr>
         <p:spPr>
           <a:xfrm>
-            <a:off x="8087853" y="214350"/>
-            <a:ext cx="3680816" cy="369332"/>
+            <a:off x="8087854" y="214351"/>
+            <a:ext cx="3519425" cy="369460"/>
           </a:xfrm>
           <a:prstGeom prst="rect">
             <a:avLst/>
@@ -5260,11 +5065,11 @@
           <a:lstStyle/>
           <a:p>
             <a:r>
-              <a:rPr lang="en-US" altLang="ja-JP" dirty="0"/>
+              <a:rPr lang="en-US" altLang="ja-JP" sz="1801" dirty="0"/>
               <a:t>YouTube</a:t>
             </a:r>
             <a:r>
-              <a:rPr lang="ja-JP" altLang="en-US"/>
+              <a:rPr lang="ja-JP" altLang="en-US" sz="1801"/>
               <a:t>動画の再生数を予測する</a:t>
             </a:r>
           </a:p>
@@ -5314,8 +5119,8 @@
         </p:nvSpPr>
         <p:spPr>
           <a:xfrm>
-            <a:off x="5205674" y="633068"/>
-            <a:ext cx="4534328" cy="584775"/>
+            <a:off x="5205674" y="633070"/>
+            <a:ext cx="4534329" cy="584775"/>
           </a:xfrm>
           <a:prstGeom prst="rect">
             <a:avLst/>
@@ -5332,7 +5137,6 @@
               <a:rPr lang="ja-JP" altLang="en-US" sz="3200"/>
               <a:t>ゴール</a:t>
             </a:r>
-            <a:endParaRPr kumimoji="1" lang="ja-JP" altLang="en-US" sz="3200"/>
           </a:p>
         </p:txBody>
       </p:sp>
@@ -5350,8 +5154,8 @@
         </p:nvSpPr>
         <p:spPr>
           <a:xfrm>
-            <a:off x="1936376" y="2252210"/>
-            <a:ext cx="8619565" cy="1384995"/>
+            <a:off x="1936377" y="2252210"/>
+            <a:ext cx="8619566" cy="1384995"/>
           </a:xfrm>
           <a:prstGeom prst="rect">
             <a:avLst/>
@@ -5365,12 +5169,8 @@
           <a:lstStyle/>
           <a:p>
             <a:r>
-              <a:rPr kumimoji="1" lang="en-US" altLang="ja-JP" sz="2800" dirty="0"/>
-              <a:t>YouTuber</a:t>
-            </a:r>
-            <a:r>
               <a:rPr lang="en-US" altLang="ja-JP" sz="2800" dirty="0"/>
-              <a:t>(</a:t>
+              <a:t>YouTuber(</a:t>
             </a:r>
             <a:r>
               <a:rPr lang="ja-JP" altLang="en-US" sz="2800" dirty="0"/>
@@ -5381,15 +5181,15 @@
               <a:t>)</a:t>
             </a:r>
             <a:r>
-              <a:rPr kumimoji="1" lang="ja-JP" altLang="en-US" sz="2800" dirty="0"/>
+              <a:rPr lang="ja-JP" altLang="en-US" sz="2800" dirty="0"/>
               <a:t>にとって生命線とされる再生数を伸ばすために、</a:t>
             </a:r>
             <a:r>
-              <a:rPr kumimoji="1" lang="ja-JP" altLang="en-US" sz="2800" u="sng" dirty="0"/>
+              <a:rPr lang="ja-JP" altLang="en-US" sz="2800" u="sng" dirty="0"/>
               <a:t>どのような指標を心がける必要があるか</a:t>
             </a:r>
             <a:r>
-              <a:rPr kumimoji="1" lang="ja-JP" altLang="en-US" sz="2800" dirty="0"/>
+              <a:rPr lang="ja-JP" altLang="en-US" sz="2800" dirty="0"/>
               <a:t>、その情報を可視化する</a:t>
             </a:r>
           </a:p>
@@ -5409,8 +5209,8 @@
         </p:nvSpPr>
         <p:spPr>
           <a:xfrm>
-            <a:off x="8087853" y="214350"/>
-            <a:ext cx="3680816" cy="369332"/>
+            <a:off x="8087854" y="214351"/>
+            <a:ext cx="3519425" cy="369460"/>
           </a:xfrm>
           <a:prstGeom prst="rect">
             <a:avLst/>
@@ -5423,11 +5223,11 @@
           <a:lstStyle/>
           <a:p>
             <a:r>
-              <a:rPr lang="en-US" altLang="ja-JP" dirty="0"/>
+              <a:rPr lang="en-US" altLang="ja-JP" sz="1801" dirty="0"/>
               <a:t>YouTube</a:t>
             </a:r>
             <a:r>
-              <a:rPr lang="ja-JP" altLang="en-US"/>
+              <a:rPr lang="ja-JP" altLang="en-US" sz="1801"/>
               <a:t>動画の再生数を予測する</a:t>
             </a:r>
           </a:p>
@@ -5477,8 +5277,8 @@
         </p:nvSpPr>
         <p:spPr>
           <a:xfrm>
-            <a:off x="7655859" y="222786"/>
-            <a:ext cx="4534328" cy="584775"/>
+            <a:off x="7655858" y="222788"/>
+            <a:ext cx="4534329" cy="584775"/>
           </a:xfrm>
           <a:prstGeom prst="rect">
             <a:avLst/>
@@ -5492,7 +5292,7 @@
           <a:lstStyle/>
           <a:p>
             <a:r>
-              <a:rPr kumimoji="1" lang="ja-JP" altLang="en-US" sz="3200" dirty="0"/>
+              <a:rPr lang="ja-JP" altLang="en-US" sz="3200" dirty="0"/>
               <a:t>アプローチ・方法</a:t>
             </a:r>
           </a:p>
@@ -5512,7 +5312,7 @@
         </p:nvSpPr>
         <p:spPr>
           <a:xfrm>
-            <a:off x="7655859" y="981635"/>
+            <a:off x="7655860" y="981635"/>
             <a:ext cx="4177553" cy="1938992"/>
           </a:xfrm>
           <a:prstGeom prst="rect">
@@ -5527,35 +5327,35 @@
           <a:lstStyle/>
           <a:p>
             <a:r>
-              <a:rPr kumimoji="1" lang="ja-JP" altLang="en-US" sz="2400" dirty="0"/>
+              <a:rPr lang="ja-JP" altLang="en-US" sz="2400" dirty="0"/>
               <a:t>使用するデータ：</a:t>
             </a:r>
-            <a:endParaRPr kumimoji="1" lang="en-US" altLang="ja-JP" sz="2400" dirty="0"/>
-          </a:p>
-          <a:p>
-            <a:r>
-              <a:rPr kumimoji="1" lang="en-US" altLang="ja-JP" sz="2400" dirty="0" err="1"/>
+            <a:endParaRPr lang="en-US" altLang="ja-JP" sz="2400" dirty="0"/>
+          </a:p>
+          <a:p>
+            <a:r>
+              <a:rPr lang="en-US" altLang="ja-JP" sz="2400" dirty="0" err="1"/>
               <a:t>Probspace</a:t>
             </a:r>
             <a:r>
-              <a:rPr kumimoji="1" lang="en-US" altLang="ja-JP" sz="2400" dirty="0"/>
+              <a:rPr lang="en-US" altLang="ja-JP" sz="2400" dirty="0"/>
               <a:t> YouTube</a:t>
             </a:r>
             <a:r>
-              <a:rPr kumimoji="1" lang="ja-JP" altLang="en-US" sz="2400" dirty="0"/>
+              <a:rPr lang="ja-JP" altLang="en-US" sz="2400" dirty="0"/>
               <a:t>動画視聴回数予測</a:t>
             </a:r>
-            <a:endParaRPr kumimoji="1" lang="en-US" altLang="ja-JP" sz="2400" dirty="0"/>
-          </a:p>
-          <a:p>
-            <a:r>
-              <a:rPr kumimoji="1" lang="ja-JP" altLang="en-US" sz="2400" dirty="0"/>
+            <a:endParaRPr lang="en-US" altLang="ja-JP" sz="2400" dirty="0"/>
+          </a:p>
+          <a:p>
+            <a:r>
+              <a:rPr lang="ja-JP" altLang="en-US" sz="2400" dirty="0"/>
               <a:t>コンペティションのデータ</a:t>
             </a:r>
-            <a:endParaRPr kumimoji="1" lang="en-US" altLang="ja-JP" sz="2400" dirty="0"/>
-          </a:p>
-          <a:p>
-            <a:endParaRPr kumimoji="1" lang="ja-JP" altLang="en-US" sz="2400" dirty="0"/>
+            <a:endParaRPr lang="en-US" altLang="ja-JP" sz="2400" dirty="0"/>
+          </a:p>
+          <a:p>
+            <a:endParaRPr lang="ja-JP" altLang="en-US" sz="2400" dirty="0"/>
           </a:p>
         </p:txBody>
       </p:sp>
@@ -5580,8 +5380,8 @@
           </p:nvPr>
         </p:nvGraphicFramePr>
         <p:xfrm>
-          <a:off x="132824" y="515173"/>
-          <a:ext cx="7029976" cy="6217920"/>
+          <a:off x="132823" y="515174"/>
+          <a:ext cx="7029976" cy="5453292"/>
         </p:xfrm>
         <a:graphic>
           <a:graphicData uri="http://schemas.openxmlformats.org/drawingml/2006/table">
@@ -5612,12 +5412,12 @@
                     <a:lstStyle/>
                     <a:p>
                       <a:r>
-                        <a:rPr kumimoji="1" lang="ja-JP" altLang="en-US"/>
+                        <a:rPr kumimoji="1" lang="ja-JP" altLang="en-US" sz="1500"/>
                         <a:t>カラム名</a:t>
                       </a:r>
                     </a:p>
                   </a:txBody>
-                  <a:tcPr/>
+                  <a:tcPr marT="45721" marB="45721"/>
                 </a:tc>
                 <a:tc>
                   <a:txBody>
@@ -5625,12 +5425,12 @@
                     <a:lstStyle/>
                     <a:p>
                       <a:r>
-                        <a:rPr kumimoji="1" lang="ja-JP" altLang="en-US" dirty="0"/>
+                        <a:rPr kumimoji="1" lang="ja-JP" altLang="en-US" sz="1500" dirty="0"/>
                         <a:t>説明</a:t>
                       </a:r>
                     </a:p>
                   </a:txBody>
-                  <a:tcPr/>
+                  <a:tcPr marT="45721" marB="45721"/>
                 </a:tc>
                 <a:extLst>
                   <a:ext uri="{0D108BD9-81ED-4DB2-BD59-A6C34878D82A}">
@@ -5638,20 +5438,20 @@
                   </a:ext>
                 </a:extLst>
               </a:tr>
-              <a:tr h="273662">
+              <a:tr h="316524">
                 <a:tc>
                   <a:txBody>
                     <a:bodyPr/>
                     <a:lstStyle/>
                     <a:p>
                       <a:r>
-                        <a:rPr kumimoji="1" lang="en-US" altLang="ja-JP" dirty="0" err="1"/>
+                        <a:rPr kumimoji="1" lang="en-US" altLang="ja-JP" sz="1500" dirty="0" err="1"/>
                         <a:t>Video_id</a:t>
                       </a:r>
-                      <a:endParaRPr kumimoji="1" lang="ja-JP" altLang="en-US"/>
+                      <a:endParaRPr kumimoji="1" lang="ja-JP" altLang="en-US" sz="1500"/>
                     </a:p>
                   </a:txBody>
-                  <a:tcPr/>
+                  <a:tcPr marT="45721" marB="45721"/>
                 </a:tc>
                 <a:tc>
                   <a:txBody>
@@ -5659,17 +5459,17 @@
                     <a:lstStyle/>
                     <a:p>
                       <a:r>
-                        <a:rPr kumimoji="1" lang="ja-JP" altLang="en-US" dirty="0"/>
+                        <a:rPr kumimoji="1" lang="ja-JP" altLang="en-US" sz="1500" dirty="0"/>
                         <a:t>動画ごとの一意の</a:t>
                       </a:r>
                       <a:r>
-                        <a:rPr kumimoji="1" lang="en-US" altLang="ja-JP" dirty="0"/>
+                        <a:rPr kumimoji="1" lang="en-US" altLang="ja-JP" sz="1500" dirty="0"/>
                         <a:t>ID</a:t>
                       </a:r>
-                      <a:endParaRPr kumimoji="1" lang="ja-JP" altLang="en-US" dirty="0"/>
+                      <a:endParaRPr kumimoji="1" lang="ja-JP" altLang="en-US" sz="1500" dirty="0"/>
                     </a:p>
                   </a:txBody>
-                  <a:tcPr/>
+                  <a:tcPr marT="45721" marB="45721"/>
                 </a:tc>
                 <a:extLst>
                   <a:ext uri="{0D108BD9-81ED-4DB2-BD59-A6C34878D82A}">
@@ -5677,20 +5477,20 @@
                   </a:ext>
                 </a:extLst>
               </a:tr>
-              <a:tr h="273662">
+              <a:tr h="316524">
                 <a:tc>
                   <a:txBody>
                     <a:bodyPr/>
                     <a:lstStyle/>
                     <a:p>
                       <a:r>
-                        <a:rPr kumimoji="1" lang="en-US" altLang="ja-JP" dirty="0"/>
+                        <a:rPr kumimoji="1" lang="en-US" altLang="ja-JP" sz="1500" dirty="0"/>
                         <a:t>title</a:t>
                       </a:r>
-                      <a:endParaRPr kumimoji="1" lang="ja-JP" altLang="en-US"/>
+                      <a:endParaRPr kumimoji="1" lang="ja-JP" altLang="en-US" sz="1500"/>
                     </a:p>
                   </a:txBody>
-                  <a:tcPr/>
+                  <a:tcPr marT="45721" marB="45721"/>
                 </a:tc>
                 <a:tc>
                   <a:txBody>
@@ -5698,12 +5498,12 @@
                     <a:lstStyle/>
                     <a:p>
                       <a:r>
-                        <a:rPr kumimoji="1" lang="ja-JP" altLang="en-US"/>
+                        <a:rPr kumimoji="1" lang="ja-JP" altLang="en-US" sz="1500"/>
                         <a:t>動画のタイトル</a:t>
                       </a:r>
                     </a:p>
                   </a:txBody>
-                  <a:tcPr/>
+                  <a:tcPr marT="45721" marB="45721"/>
                 </a:tc>
                 <a:extLst>
                   <a:ext uri="{0D108BD9-81ED-4DB2-BD59-A6C34878D82A}">
@@ -5711,20 +5511,20 @@
                   </a:ext>
                 </a:extLst>
               </a:tr>
-              <a:tr h="273662">
+              <a:tr h="316524">
                 <a:tc>
                   <a:txBody>
                     <a:bodyPr/>
                     <a:lstStyle/>
                     <a:p>
                       <a:r>
-                        <a:rPr kumimoji="1" lang="en-US" altLang="ja-JP" dirty="0" err="1"/>
+                        <a:rPr kumimoji="1" lang="en-US" altLang="ja-JP" sz="1500" dirty="0" err="1"/>
                         <a:t>publishedAt</a:t>
                       </a:r>
-                      <a:endParaRPr kumimoji="1" lang="ja-JP" altLang="en-US" dirty="0"/>
+                      <a:endParaRPr kumimoji="1" lang="ja-JP" altLang="en-US" sz="1500" dirty="0"/>
                     </a:p>
                   </a:txBody>
-                  <a:tcPr/>
+                  <a:tcPr marT="45721" marB="45721"/>
                 </a:tc>
                 <a:tc>
                   <a:txBody>
@@ -5732,12 +5532,12 @@
                     <a:lstStyle/>
                     <a:p>
                       <a:r>
-                        <a:rPr kumimoji="1" lang="ja-JP" altLang="en-US"/>
+                        <a:rPr kumimoji="1" lang="ja-JP" altLang="en-US" sz="1500"/>
                         <a:t>動画の投稿時間</a:t>
                       </a:r>
                     </a:p>
                   </a:txBody>
-                  <a:tcPr/>
+                  <a:tcPr marT="45721" marB="45721"/>
                 </a:tc>
                 <a:extLst>
                   <a:ext uri="{0D108BD9-81ED-4DB2-BD59-A6C34878D82A}">
@@ -5745,20 +5545,20 @@
                   </a:ext>
                 </a:extLst>
               </a:tr>
-              <a:tr h="273662">
+              <a:tr h="316524">
                 <a:tc>
                   <a:txBody>
                     <a:bodyPr/>
                     <a:lstStyle/>
                     <a:p>
                       <a:r>
-                        <a:rPr kumimoji="1" lang="en-US" altLang="ja-JP" dirty="0" err="1"/>
+                        <a:rPr kumimoji="1" lang="en-US" altLang="ja-JP" sz="1500" dirty="0" err="1"/>
                         <a:t>channelId</a:t>
                       </a:r>
-                      <a:endParaRPr kumimoji="1" lang="ja-JP" altLang="en-US"/>
+                      <a:endParaRPr kumimoji="1" lang="ja-JP" altLang="en-US" sz="1500"/>
                     </a:p>
                   </a:txBody>
-                  <a:tcPr/>
+                  <a:tcPr marT="45721" marB="45721"/>
                 </a:tc>
                 <a:tc>
                   <a:txBody>
@@ -5766,17 +5566,17 @@
                     <a:lstStyle/>
                     <a:p>
                       <a:r>
-                        <a:rPr kumimoji="1" lang="ja-JP" altLang="en-US"/>
+                        <a:rPr kumimoji="1" lang="ja-JP" altLang="en-US" sz="1500"/>
                         <a:t>チャンネルの</a:t>
                       </a:r>
                       <a:r>
-                        <a:rPr kumimoji="1" lang="en-US" altLang="ja-JP" dirty="0"/>
+                        <a:rPr kumimoji="1" lang="en-US" altLang="ja-JP" sz="1500" dirty="0"/>
                         <a:t>ID</a:t>
                       </a:r>
-                      <a:endParaRPr kumimoji="1" lang="ja-JP" altLang="en-US"/>
+                      <a:endParaRPr kumimoji="1" lang="ja-JP" altLang="en-US" sz="1500"/>
                     </a:p>
                   </a:txBody>
-                  <a:tcPr/>
+                  <a:tcPr marT="45721" marB="45721"/>
                 </a:tc>
                 <a:extLst>
                   <a:ext uri="{0D108BD9-81ED-4DB2-BD59-A6C34878D82A}">
@@ -5784,20 +5584,20 @@
                   </a:ext>
                 </a:extLst>
               </a:tr>
-              <a:tr h="273662">
+              <a:tr h="316524">
                 <a:tc>
                   <a:txBody>
                     <a:bodyPr/>
                     <a:lstStyle/>
                     <a:p>
                       <a:r>
-                        <a:rPr kumimoji="1" lang="en-US" altLang="ja-JP" dirty="0" err="1"/>
+                        <a:rPr kumimoji="1" lang="en-US" altLang="ja-JP" sz="1500" dirty="0" err="1"/>
                         <a:t>channelTitle</a:t>
                       </a:r>
-                      <a:endParaRPr kumimoji="1" lang="ja-JP" altLang="en-US" dirty="0"/>
+                      <a:endParaRPr kumimoji="1" lang="ja-JP" altLang="en-US" sz="1500" dirty="0"/>
                     </a:p>
                   </a:txBody>
-                  <a:tcPr/>
+                  <a:tcPr marT="45721" marB="45721"/>
                 </a:tc>
                 <a:tc>
                   <a:txBody>
@@ -5805,12 +5605,12 @@
                     <a:lstStyle/>
                     <a:p>
                       <a:r>
-                        <a:rPr kumimoji="1" lang="ja-JP" altLang="en-US"/>
+                        <a:rPr kumimoji="1" lang="ja-JP" altLang="en-US" sz="1500"/>
                         <a:t>チャンネルの名前</a:t>
                       </a:r>
                     </a:p>
                   </a:txBody>
-                  <a:tcPr/>
+                  <a:tcPr marT="45721" marB="45721"/>
                 </a:tc>
                 <a:extLst>
                   <a:ext uri="{0D108BD9-81ED-4DB2-BD59-A6C34878D82A}">
@@ -5818,20 +5618,20 @@
                   </a:ext>
                 </a:extLst>
               </a:tr>
-              <a:tr h="273662">
+              <a:tr h="316524">
                 <a:tc>
                   <a:txBody>
                     <a:bodyPr/>
                     <a:lstStyle/>
                     <a:p>
                       <a:r>
-                        <a:rPr kumimoji="1" lang="en-US" altLang="ja-JP" dirty="0" err="1"/>
+                        <a:rPr kumimoji="1" lang="en-US" altLang="ja-JP" sz="1500" dirty="0" err="1"/>
                         <a:t>categoryId</a:t>
                       </a:r>
-                      <a:endParaRPr kumimoji="1" lang="ja-JP" altLang="en-US" dirty="0"/>
+                      <a:endParaRPr kumimoji="1" lang="ja-JP" altLang="en-US" sz="1500" dirty="0"/>
                     </a:p>
                   </a:txBody>
-                  <a:tcPr/>
+                  <a:tcPr marT="45721" marB="45721"/>
                 </a:tc>
                 <a:tc>
                   <a:txBody>
@@ -5839,17 +5639,17 @@
                     <a:lstStyle/>
                     <a:p>
                       <a:r>
-                        <a:rPr kumimoji="1" lang="ja-JP" altLang="en-US"/>
+                        <a:rPr kumimoji="1" lang="ja-JP" altLang="en-US" sz="1500"/>
                         <a:t>動画カテゴリの</a:t>
                       </a:r>
                       <a:r>
-                        <a:rPr kumimoji="1" lang="en-US" altLang="ja-JP" dirty="0"/>
+                        <a:rPr kumimoji="1" lang="en-US" altLang="ja-JP" sz="1500" dirty="0"/>
                         <a:t>ID</a:t>
                       </a:r>
-                      <a:endParaRPr kumimoji="1" lang="ja-JP" altLang="en-US"/>
+                      <a:endParaRPr kumimoji="1" lang="ja-JP" altLang="en-US" sz="1500"/>
                     </a:p>
                   </a:txBody>
-                  <a:tcPr/>
+                  <a:tcPr marT="45721" marB="45721"/>
                 </a:tc>
                 <a:extLst>
                   <a:ext uri="{0D108BD9-81ED-4DB2-BD59-A6C34878D82A}">
@@ -5864,13 +5664,13 @@
                     <a:lstStyle/>
                     <a:p>
                       <a:r>
-                        <a:rPr kumimoji="1" lang="en-US" altLang="ja-JP" dirty="0" err="1"/>
+                        <a:rPr kumimoji="1" lang="en-US" altLang="ja-JP" sz="1500" dirty="0" err="1"/>
                         <a:t>Collection_date</a:t>
                       </a:r>
-                      <a:endParaRPr kumimoji="1" lang="ja-JP" altLang="en-US"/>
+                      <a:endParaRPr kumimoji="1" lang="ja-JP" altLang="en-US" sz="1500"/>
                     </a:p>
                   </a:txBody>
-                  <a:tcPr/>
+                  <a:tcPr marT="45721" marB="45721"/>
                 </a:tc>
                 <a:tc>
                   <a:txBody>
@@ -5878,12 +5678,12 @@
                     <a:lstStyle/>
                     <a:p>
                       <a:r>
-                        <a:rPr kumimoji="1" lang="ja-JP" altLang="en-US"/>
+                        <a:rPr kumimoji="1" lang="ja-JP" altLang="en-US" sz="1500"/>
                         <a:t>データレコードの収集日</a:t>
                       </a:r>
                     </a:p>
                   </a:txBody>
-                  <a:tcPr/>
+                  <a:tcPr marT="45721" marB="45721"/>
                 </a:tc>
                 <a:extLst>
                   <a:ext uri="{0D108BD9-81ED-4DB2-BD59-A6C34878D82A}">
@@ -5891,20 +5691,20 @@
                   </a:ext>
                 </a:extLst>
               </a:tr>
-              <a:tr h="273662">
+              <a:tr h="316524">
                 <a:tc>
                   <a:txBody>
                     <a:bodyPr/>
                     <a:lstStyle/>
                     <a:p>
                       <a:r>
-                        <a:rPr kumimoji="1" lang="en-US" altLang="ja-JP" dirty="0"/>
+                        <a:rPr kumimoji="1" lang="en-US" altLang="ja-JP" sz="1500" dirty="0"/>
                         <a:t>tags</a:t>
                       </a:r>
-                      <a:endParaRPr kumimoji="1" lang="ja-JP" altLang="en-US"/>
+                      <a:endParaRPr kumimoji="1" lang="ja-JP" altLang="en-US" sz="1500"/>
                     </a:p>
                   </a:txBody>
-                  <a:tcPr/>
+                  <a:tcPr marT="45721" marB="45721"/>
                 </a:tc>
                 <a:tc>
                   <a:txBody>
@@ -5912,12 +5712,12 @@
                     <a:lstStyle/>
                     <a:p>
                       <a:r>
-                        <a:rPr kumimoji="1" lang="ja-JP" altLang="en-US" dirty="0"/>
+                        <a:rPr kumimoji="1" lang="ja-JP" altLang="en-US" sz="1500" dirty="0"/>
                         <a:t>動画に割り当てられたタグ</a:t>
                       </a:r>
                     </a:p>
                   </a:txBody>
-                  <a:tcPr/>
+                  <a:tcPr marT="45721" marB="45721"/>
                 </a:tc>
                 <a:extLst>
                   <a:ext uri="{0D108BD9-81ED-4DB2-BD59-A6C34878D82A}">
@@ -5925,20 +5725,20 @@
                   </a:ext>
                 </a:extLst>
               </a:tr>
-              <a:tr h="273662">
+              <a:tr h="316524">
                 <a:tc>
                   <a:txBody>
                     <a:bodyPr/>
                     <a:lstStyle/>
                     <a:p>
                       <a:r>
-                        <a:rPr kumimoji="1" lang="en-US" altLang="ja-JP" dirty="0"/>
+                        <a:rPr kumimoji="1" lang="en-US" altLang="ja-JP" sz="1500" dirty="0"/>
                         <a:t>likes</a:t>
                       </a:r>
-                      <a:endParaRPr kumimoji="1" lang="ja-JP" altLang="en-US"/>
+                      <a:endParaRPr kumimoji="1" lang="ja-JP" altLang="en-US" sz="1500"/>
                     </a:p>
                   </a:txBody>
-                  <a:tcPr/>
+                  <a:tcPr marT="45721" marB="45721"/>
                 </a:tc>
                 <a:tc>
                   <a:txBody>
@@ -5946,12 +5746,12 @@
                     <a:lstStyle/>
                     <a:p>
                       <a:r>
-                        <a:rPr kumimoji="1" lang="ja-JP" altLang="en-US"/>
+                        <a:rPr kumimoji="1" lang="ja-JP" altLang="en-US" sz="1500"/>
                         <a:t>高評価数</a:t>
                       </a:r>
                     </a:p>
                   </a:txBody>
-                  <a:tcPr/>
+                  <a:tcPr marT="45721" marB="45721"/>
                 </a:tc>
                 <a:extLst>
                   <a:ext uri="{0D108BD9-81ED-4DB2-BD59-A6C34878D82A}">
@@ -5959,20 +5759,20 @@
                   </a:ext>
                 </a:extLst>
               </a:tr>
-              <a:tr h="273662">
+              <a:tr h="316524">
                 <a:tc>
                   <a:txBody>
                     <a:bodyPr/>
                     <a:lstStyle/>
                     <a:p>
                       <a:r>
-                        <a:rPr kumimoji="1" lang="en-US" altLang="ja-JP" dirty="0"/>
+                        <a:rPr kumimoji="1" lang="en-US" altLang="ja-JP" sz="1500" dirty="0"/>
                         <a:t>dislikes</a:t>
                       </a:r>
-                      <a:endParaRPr kumimoji="1" lang="ja-JP" altLang="en-US"/>
+                      <a:endParaRPr kumimoji="1" lang="ja-JP" altLang="en-US" sz="1500"/>
                     </a:p>
                   </a:txBody>
-                  <a:tcPr/>
+                  <a:tcPr marT="45721" marB="45721"/>
                 </a:tc>
                 <a:tc>
                   <a:txBody>
@@ -5980,12 +5780,12 @@
                     <a:lstStyle/>
                     <a:p>
                       <a:r>
-                        <a:rPr kumimoji="1" lang="ja-JP" altLang="en-US"/>
+                        <a:rPr kumimoji="1" lang="ja-JP" altLang="en-US" sz="1500"/>
                         <a:t>低評価数</a:t>
                       </a:r>
                     </a:p>
                   </a:txBody>
-                  <a:tcPr/>
+                  <a:tcPr marT="45721" marB="45721"/>
                 </a:tc>
                 <a:extLst>
                   <a:ext uri="{0D108BD9-81ED-4DB2-BD59-A6C34878D82A}">
@@ -5993,20 +5793,20 @@
                   </a:ext>
                 </a:extLst>
               </a:tr>
-              <a:tr h="273662">
+              <a:tr h="316524">
                 <a:tc>
                   <a:txBody>
                     <a:bodyPr/>
                     <a:lstStyle/>
                     <a:p>
                       <a:r>
-                        <a:rPr kumimoji="1" lang="en-US" altLang="ja-JP" dirty="0" err="1"/>
+                        <a:rPr kumimoji="1" lang="en-US" altLang="ja-JP" sz="1500" dirty="0" err="1"/>
                         <a:t>Comment_count</a:t>
                       </a:r>
-                      <a:endParaRPr kumimoji="1" lang="ja-JP" altLang="en-US"/>
+                      <a:endParaRPr kumimoji="1" lang="ja-JP" altLang="en-US" sz="1500"/>
                     </a:p>
                   </a:txBody>
-                  <a:tcPr/>
+                  <a:tcPr marT="45721" marB="45721"/>
                 </a:tc>
                 <a:tc>
                   <a:txBody>
@@ -6014,12 +5814,12 @@
                     <a:lstStyle/>
                     <a:p>
                       <a:r>
-                        <a:rPr kumimoji="1" lang="ja-JP" altLang="en-US"/>
+                        <a:rPr kumimoji="1" lang="ja-JP" altLang="en-US" sz="1500"/>
                         <a:t>コメント数</a:t>
                       </a:r>
                     </a:p>
                   </a:txBody>
-                  <a:tcPr/>
+                  <a:tcPr marT="45721" marB="45721"/>
                 </a:tc>
                 <a:extLst>
                   <a:ext uri="{0D108BD9-81ED-4DB2-BD59-A6C34878D82A}">
@@ -6027,20 +5827,20 @@
                   </a:ext>
                 </a:extLst>
               </a:tr>
-              <a:tr h="273662">
+              <a:tr h="316524">
                 <a:tc>
                   <a:txBody>
                     <a:bodyPr/>
                     <a:lstStyle/>
                     <a:p>
                       <a:r>
-                        <a:rPr kumimoji="1" lang="en-US" altLang="ja-JP" dirty="0" err="1"/>
+                        <a:rPr kumimoji="1" lang="en-US" altLang="ja-JP" sz="1500" dirty="0" err="1"/>
                         <a:t>Thumbnail_link</a:t>
                       </a:r>
-                      <a:endParaRPr kumimoji="1" lang="ja-JP" altLang="en-US"/>
+                      <a:endParaRPr kumimoji="1" lang="ja-JP" altLang="en-US" sz="1500"/>
                     </a:p>
                   </a:txBody>
-                  <a:tcPr/>
+                  <a:tcPr marT="45721" marB="45721"/>
                 </a:tc>
                 <a:tc>
                   <a:txBody>
@@ -6048,17 +5848,17 @@
                     <a:lstStyle/>
                     <a:p>
                       <a:r>
-                        <a:rPr kumimoji="1" lang="ja-JP" altLang="en-US"/>
+                        <a:rPr kumimoji="1" lang="ja-JP" altLang="en-US" sz="1500"/>
                         <a:t>サムネイルのリンク</a:t>
                       </a:r>
                       <a:r>
-                        <a:rPr kumimoji="1" lang="en-US" altLang="ja-JP" dirty="0"/>
+                        <a:rPr kumimoji="1" lang="en-US" altLang="ja-JP" sz="1500" dirty="0"/>
                         <a:t>URL</a:t>
                       </a:r>
-                      <a:endParaRPr kumimoji="1" lang="ja-JP" altLang="en-US"/>
+                      <a:endParaRPr kumimoji="1" lang="ja-JP" altLang="en-US" sz="1500"/>
                     </a:p>
                   </a:txBody>
-                  <a:tcPr/>
+                  <a:tcPr marT="45721" marB="45721"/>
                 </a:tc>
                 <a:extLst>
                   <a:ext uri="{0D108BD9-81ED-4DB2-BD59-A6C34878D82A}">
@@ -6066,20 +5866,20 @@
                   </a:ext>
                 </a:extLst>
               </a:tr>
-              <a:tr h="273662">
+              <a:tr h="316524">
                 <a:tc>
                   <a:txBody>
                     <a:bodyPr/>
                     <a:lstStyle/>
                     <a:p>
                       <a:r>
-                        <a:rPr kumimoji="1" lang="en-US" altLang="ja-JP" dirty="0" err="1"/>
+                        <a:rPr kumimoji="1" lang="en-US" altLang="ja-JP" sz="1500" dirty="0" err="1"/>
                         <a:t>Comments_disabled</a:t>
                       </a:r>
-                      <a:endParaRPr kumimoji="1" lang="ja-JP" altLang="en-US"/>
+                      <a:endParaRPr kumimoji="1" lang="ja-JP" altLang="en-US" sz="1500"/>
                     </a:p>
                   </a:txBody>
-                  <a:tcPr/>
+                  <a:tcPr marT="45721" marB="45721"/>
                 </a:tc>
                 <a:tc>
                   <a:txBody>
@@ -6087,12 +5887,12 @@
                     <a:lstStyle/>
                     <a:p>
                       <a:r>
-                        <a:rPr kumimoji="1" lang="ja-JP" altLang="en-US"/>
+                        <a:rPr kumimoji="1" lang="ja-JP" altLang="en-US" sz="1500"/>
                         <a:t>コメントが許可されていない</a:t>
                       </a:r>
                     </a:p>
                   </a:txBody>
-                  <a:tcPr/>
+                  <a:tcPr marT="45721" marB="45721"/>
                 </a:tc>
                 <a:extLst>
                   <a:ext uri="{0D108BD9-81ED-4DB2-BD59-A6C34878D82A}">
@@ -6100,20 +5900,20 @@
                   </a:ext>
                 </a:extLst>
               </a:tr>
-              <a:tr h="273662">
+              <a:tr h="316524">
                 <a:tc>
                   <a:txBody>
                     <a:bodyPr/>
                     <a:lstStyle/>
                     <a:p>
                       <a:r>
-                        <a:rPr kumimoji="1" lang="en-US" altLang="ja-JP" dirty="0" err="1"/>
+                        <a:rPr kumimoji="1" lang="en-US" altLang="ja-JP" sz="1500" dirty="0" err="1"/>
                         <a:t>Rating_disabled</a:t>
                       </a:r>
-                      <a:endParaRPr kumimoji="1" lang="ja-JP" altLang="en-US"/>
+                      <a:endParaRPr kumimoji="1" lang="ja-JP" altLang="en-US" sz="1500"/>
                     </a:p>
                   </a:txBody>
-                  <a:tcPr/>
+                  <a:tcPr marT="45721" marB="45721"/>
                 </a:tc>
                 <a:tc>
                   <a:txBody>
@@ -6121,12 +5921,12 @@
                     <a:lstStyle/>
                     <a:p>
                       <a:r>
-                        <a:rPr kumimoji="1" lang="ja-JP" altLang="en-US"/>
+                        <a:rPr kumimoji="1" lang="ja-JP" altLang="en-US" sz="1500"/>
                         <a:t>評価が許可されていない</a:t>
                       </a:r>
                     </a:p>
                   </a:txBody>
-                  <a:tcPr/>
+                  <a:tcPr marT="45721" marB="45721"/>
                 </a:tc>
                 <a:extLst>
                   <a:ext uri="{0D108BD9-81ED-4DB2-BD59-A6C34878D82A}">
@@ -6134,20 +5934,20 @@
                   </a:ext>
                 </a:extLst>
               </a:tr>
-              <a:tr h="273662">
+              <a:tr h="316524">
                 <a:tc>
                   <a:txBody>
                     <a:bodyPr/>
                     <a:lstStyle/>
                     <a:p>
                       <a:r>
-                        <a:rPr kumimoji="1" lang="en-US" altLang="ja-JP" dirty="0"/>
+                        <a:rPr kumimoji="1" lang="en-US" altLang="ja-JP" sz="1500" dirty="0"/>
                         <a:t>describe</a:t>
                       </a:r>
-                      <a:endParaRPr kumimoji="1" lang="ja-JP" altLang="en-US"/>
+                      <a:endParaRPr kumimoji="1" lang="ja-JP" altLang="en-US" sz="1500"/>
                     </a:p>
                   </a:txBody>
-                  <a:tcPr/>
+                  <a:tcPr marT="45721" marB="45721"/>
                 </a:tc>
                 <a:tc>
                   <a:txBody>
@@ -6155,12 +5955,12 @@
                     <a:lstStyle/>
                     <a:p>
                       <a:r>
-                        <a:rPr kumimoji="1" lang="ja-JP" altLang="en-US"/>
+                        <a:rPr kumimoji="1" lang="ja-JP" altLang="en-US" sz="1500"/>
                         <a:t>動画の説明文</a:t>
                       </a:r>
                     </a:p>
                   </a:txBody>
-                  <a:tcPr/>
+                  <a:tcPr marT="45721" marB="45721"/>
                 </a:tc>
                 <a:extLst>
                   <a:ext uri="{0D108BD9-81ED-4DB2-BD59-A6C34878D82A}">
@@ -6168,20 +5968,20 @@
                   </a:ext>
                 </a:extLst>
               </a:tr>
-              <a:tr h="273662">
+              <a:tr h="316524">
                 <a:tc>
                   <a:txBody>
                     <a:bodyPr/>
                     <a:lstStyle/>
                     <a:p>
                       <a:r>
-                        <a:rPr kumimoji="1" lang="en-US" altLang="ja-JP" dirty="0"/>
+                        <a:rPr kumimoji="1" lang="en-US" altLang="ja-JP" sz="1500" dirty="0"/>
                         <a:t>y</a:t>
                       </a:r>
-                      <a:endParaRPr kumimoji="1" lang="ja-JP" altLang="en-US"/>
+                      <a:endParaRPr kumimoji="1" lang="ja-JP" altLang="en-US" sz="1500"/>
                     </a:p>
                   </a:txBody>
-                  <a:tcPr/>
+                  <a:tcPr marT="45721" marB="45721"/>
                 </a:tc>
                 <a:tc>
                   <a:txBody>
@@ -6189,12 +5989,12 @@
                     <a:lstStyle/>
                     <a:p>
                       <a:r>
-                        <a:rPr kumimoji="1" lang="ja-JP" altLang="en-US" dirty="0"/>
+                        <a:rPr kumimoji="1" lang="ja-JP" altLang="en-US" sz="1500" dirty="0"/>
                         <a:t>再生数</a:t>
                       </a:r>
                     </a:p>
                   </a:txBody>
-                  <a:tcPr/>
+                  <a:tcPr marT="45721" marB="45721"/>
                 </a:tc>
                 <a:extLst>
                   <a:ext uri="{0D108BD9-81ED-4DB2-BD59-A6C34878D82A}">
@@ -6220,8 +6020,8 @@
         </p:nvSpPr>
         <p:spPr>
           <a:xfrm>
-            <a:off x="8421537" y="6269019"/>
-            <a:ext cx="3680816" cy="369332"/>
+            <a:off x="8421538" y="6269020"/>
+            <a:ext cx="3519425" cy="369460"/>
           </a:xfrm>
           <a:prstGeom prst="rect">
             <a:avLst/>
@@ -6234,11 +6034,11 @@
           <a:lstStyle/>
           <a:p>
             <a:r>
-              <a:rPr lang="en-US" altLang="ja-JP" dirty="0"/>
+              <a:rPr lang="en-US" altLang="ja-JP" sz="1801" dirty="0"/>
               <a:t>YouTube</a:t>
             </a:r>
             <a:r>
-              <a:rPr lang="ja-JP" altLang="en-US" dirty="0"/>
+              <a:rPr lang="ja-JP" altLang="en-US" sz="1801" dirty="0"/>
               <a:t>動画の再生数を予測する</a:t>
             </a:r>
           </a:p>
@@ -6252,7 +6052,7 @@
         </p:nvSpPr>
         <p:spPr>
           <a:xfrm>
-            <a:off x="7655859" y="2863869"/>
+            <a:off x="7655860" y="2863870"/>
             <a:ext cx="2901461" cy="830997"/>
           </a:xfrm>
           <a:prstGeom prst="rect">
@@ -6267,11 +6067,11 @@
           <a:lstStyle/>
           <a:p>
             <a:r>
-              <a:rPr kumimoji="1" lang="ja-JP" altLang="en-US" sz="2400" dirty="0"/>
+              <a:rPr lang="ja-JP" altLang="en-US" sz="2400" dirty="0"/>
               <a:t>レコード数：</a:t>
             </a:r>
             <a:r>
-              <a:rPr kumimoji="1" lang="en-US" altLang="ja-JP" sz="2400" dirty="0"/>
+              <a:rPr lang="en-US" altLang="ja-JP" sz="2400" dirty="0"/>
               <a:t>19720</a:t>
             </a:r>
           </a:p>
@@ -6284,7 +6084,7 @@
               <a:rPr lang="en-US" altLang="ja-JP" sz="2400" dirty="0"/>
               <a:t>17</a:t>
             </a:r>
-            <a:endParaRPr kumimoji="1" lang="ja-JP" altLang="en-US" sz="2400" dirty="0"/>
+            <a:endParaRPr lang="ja-JP" altLang="en-US" sz="2400" dirty="0"/>
           </a:p>
         </p:txBody>
       </p:sp>
@@ -6332,8 +6132,8 @@
         </p:nvSpPr>
         <p:spPr>
           <a:xfrm>
-            <a:off x="3968544" y="612751"/>
-            <a:ext cx="4534328" cy="584775"/>
+            <a:off x="3968544" y="612752"/>
+            <a:ext cx="4534329" cy="584775"/>
           </a:xfrm>
           <a:prstGeom prst="rect">
             <a:avLst/>
@@ -6347,7 +6147,7 @@
           <a:lstStyle/>
           <a:p>
             <a:r>
-              <a:rPr kumimoji="1" lang="ja-JP" altLang="en-US" sz="3200" dirty="0"/>
+              <a:rPr lang="ja-JP" altLang="en-US" sz="3200" dirty="0"/>
               <a:t>アプローチ・方法</a:t>
             </a:r>
           </a:p>
@@ -6367,8 +6167,8 @@
         </p:nvSpPr>
         <p:spPr>
           <a:xfrm>
-            <a:off x="8087853" y="214350"/>
-            <a:ext cx="3680816" cy="369332"/>
+            <a:off x="8087854" y="214351"/>
+            <a:ext cx="3519425" cy="369460"/>
           </a:xfrm>
           <a:prstGeom prst="rect">
             <a:avLst/>
@@ -6381,11 +6181,11 @@
           <a:lstStyle/>
           <a:p>
             <a:r>
-              <a:rPr lang="en-US" altLang="ja-JP" dirty="0"/>
+              <a:rPr lang="en-US" altLang="ja-JP" sz="1801" dirty="0"/>
               <a:t>YouTube</a:t>
             </a:r>
             <a:r>
-              <a:rPr lang="ja-JP" altLang="en-US"/>
+              <a:rPr lang="ja-JP" altLang="en-US" sz="1801"/>
               <a:t>動画の再生数を予測する</a:t>
             </a:r>
           </a:p>
@@ -6405,7 +6205,7 @@
         </p:nvSpPr>
         <p:spPr>
           <a:xfrm>
-            <a:off x="1810590" y="2924477"/>
+            <a:off x="1810591" y="2924478"/>
             <a:ext cx="8850235" cy="3416320"/>
           </a:xfrm>
           <a:prstGeom prst="rect">
@@ -6420,14 +6220,10 @@
           <a:lstStyle/>
           <a:p>
             <a:r>
-              <a:rPr kumimoji="1" lang="ja-JP" altLang="en-US" sz="2400" dirty="0"/>
-              <a:t>以下の特徴量</a:t>
-            </a:r>
-            <a:r>
               <a:rPr lang="ja-JP" altLang="en-US" sz="2400" dirty="0"/>
-              <a:t>を用意</a:t>
-            </a:r>
-            <a:endParaRPr kumimoji="1" lang="en-US" altLang="ja-JP" sz="2400" dirty="0"/>
+              <a:t>以下の特徴量を用意</a:t>
+            </a:r>
+            <a:endParaRPr lang="en-US" altLang="ja-JP" sz="2400" dirty="0"/>
           </a:p>
           <a:p>
             <a:r>
@@ -6663,7 +6459,7 @@
         <p:spPr>
           <a:xfrm>
             <a:off x="2003610" y="1438439"/>
-            <a:ext cx="7210727" cy="1107996"/>
+            <a:ext cx="7210727" cy="1108124"/>
           </a:xfrm>
           <a:prstGeom prst="rect">
             <a:avLst/>
@@ -6677,29 +6473,25 @@
           <a:lstStyle/>
           <a:p>
             <a:r>
-              <a:rPr kumimoji="1" lang="en-US" altLang="ja-JP" sz="2400" dirty="0"/>
+              <a:rPr lang="en-US" altLang="ja-JP" sz="2400" dirty="0"/>
               <a:t>EDA(</a:t>
             </a:r>
             <a:r>
-              <a:rPr kumimoji="1" lang="ja-JP" altLang="en-US" sz="2400" dirty="0"/>
+              <a:rPr lang="ja-JP" altLang="en-US" sz="2400" dirty="0"/>
               <a:t>探索型データ解析</a:t>
             </a:r>
             <a:r>
-              <a:rPr kumimoji="1" lang="en-US" altLang="ja-JP" sz="2400" dirty="0"/>
+              <a:rPr lang="en-US" altLang="ja-JP" sz="2400" dirty="0"/>
               <a:t>)</a:t>
             </a:r>
             <a:r>
-              <a:rPr kumimoji="1" lang="ja-JP" altLang="en-US" sz="2400" dirty="0"/>
-              <a:t>を行い、再生数を予測するのに効果的な特徴量を見つける</a:t>
-            </a:r>
-            <a:r>
               <a:rPr lang="ja-JP" altLang="en-US" sz="2400" dirty="0"/>
-              <a:t>。</a:t>
+              <a:t>を行い、再生数を予測するのに効果的な特徴量を見つける。</a:t>
             </a:r>
             <a:endParaRPr lang="en-US" altLang="ja-JP" sz="2400" dirty="0"/>
           </a:p>
           <a:p>
-            <a:endParaRPr kumimoji="1" lang="en-US" altLang="ja-JP" dirty="0"/>
+            <a:endParaRPr lang="en-US" altLang="ja-JP" sz="1801" dirty="0"/>
           </a:p>
         </p:txBody>
       </p:sp>
@@ -6747,8 +6539,8 @@
         </p:nvSpPr>
         <p:spPr>
           <a:xfrm>
-            <a:off x="3968544" y="612751"/>
-            <a:ext cx="4534328" cy="584775"/>
+            <a:off x="3968544" y="612752"/>
+            <a:ext cx="4534329" cy="584775"/>
           </a:xfrm>
           <a:prstGeom prst="rect">
             <a:avLst/>
@@ -6762,7 +6554,7 @@
           <a:lstStyle/>
           <a:p>
             <a:r>
-              <a:rPr kumimoji="1" lang="ja-JP" altLang="en-US" sz="3200" dirty="0"/>
+              <a:rPr lang="ja-JP" altLang="en-US" sz="3200" dirty="0"/>
               <a:t>アプローチ・方法</a:t>
             </a:r>
           </a:p>
@@ -6790,7 +6582,7 @@
         </p:blipFill>
         <p:spPr>
           <a:xfrm>
-            <a:off x="1008254" y="2197430"/>
+            <a:off x="1008255" y="2197431"/>
             <a:ext cx="10131019" cy="4273707"/>
           </a:xfrm>
           <a:prstGeom prst="rect">
@@ -6812,7 +6604,7 @@
         </p:nvSpPr>
         <p:spPr>
           <a:xfrm>
-            <a:off x="2564598" y="1251733"/>
+            <a:off x="2564598" y="1251734"/>
             <a:ext cx="7018329" cy="830997"/>
           </a:xfrm>
           <a:prstGeom prst="rect">
@@ -6827,7 +6619,7 @@
           <a:lstStyle/>
           <a:p>
             <a:r>
-              <a:rPr kumimoji="1" lang="ja-JP" altLang="en-US" sz="2400" dirty="0"/>
+              <a:rPr lang="ja-JP" altLang="en-US" sz="2400" dirty="0"/>
               <a:t>評価やコメントをすることが許可されていないものに関しては値が０。</a:t>
             </a:r>
           </a:p>
@@ -6871,7 +6663,7 @@
         </p:nvSpPr>
         <p:spPr>
           <a:xfrm>
-            <a:off x="1966546" y="2070438"/>
+            <a:off x="1966547" y="2070437"/>
             <a:ext cx="9111761" cy="2677656"/>
           </a:xfrm>
           <a:prstGeom prst="rect">
@@ -7013,8 +6805,8 @@
         </p:nvSpPr>
         <p:spPr>
           <a:xfrm>
-            <a:off x="3968544" y="612751"/>
-            <a:ext cx="4534328" cy="584775"/>
+            <a:off x="3968544" y="612752"/>
+            <a:ext cx="4534329" cy="584775"/>
           </a:xfrm>
           <a:prstGeom prst="rect">
             <a:avLst/>
@@ -7028,7 +6820,7 @@
           <a:lstStyle/>
           <a:p>
             <a:r>
-              <a:rPr kumimoji="1" lang="ja-JP" altLang="en-US" sz="3200" dirty="0"/>
+              <a:rPr lang="ja-JP" altLang="en-US" sz="3200" dirty="0"/>
               <a:t>アプローチ・方法</a:t>
             </a:r>
           </a:p>
@@ -7078,8 +6870,8 @@
         </p:nvSpPr>
         <p:spPr>
           <a:xfrm>
-            <a:off x="3968544" y="612751"/>
-            <a:ext cx="4534328" cy="584775"/>
+            <a:off x="3968544" y="612752"/>
+            <a:ext cx="4534329" cy="584775"/>
           </a:xfrm>
           <a:prstGeom prst="rect">
             <a:avLst/>
@@ -7093,7 +6885,7 @@
           <a:lstStyle/>
           <a:p>
             <a:r>
-              <a:rPr kumimoji="1" lang="ja-JP" altLang="en-US" sz="3200" dirty="0"/>
+              <a:rPr lang="ja-JP" altLang="en-US" sz="3200" dirty="0"/>
               <a:t>アプローチ・方法</a:t>
             </a:r>
           </a:p>
@@ -7107,7 +6899,7 @@
         </p:nvSpPr>
         <p:spPr>
           <a:xfrm>
-            <a:off x="978877" y="2090172"/>
+            <a:off x="978878" y="2090172"/>
             <a:ext cx="10234246" cy="2677656"/>
           </a:xfrm>
           <a:prstGeom prst="rect">
@@ -7122,18 +6914,18 @@
           <a:lstStyle/>
           <a:p>
             <a:r>
-              <a:rPr kumimoji="1" lang="ja-JP" altLang="en-US" sz="2800" dirty="0"/>
+              <a:rPr lang="ja-JP" altLang="en-US" sz="2800" dirty="0"/>
               <a:t>なぜ</a:t>
             </a:r>
             <a:r>
-              <a:rPr kumimoji="1" lang="en-US" altLang="ja-JP" sz="2800" dirty="0" err="1"/>
+              <a:rPr lang="en-US" altLang="ja-JP" sz="2800" dirty="0" err="1"/>
               <a:t>LightGBM</a:t>
             </a:r>
             <a:r>
-              <a:rPr kumimoji="1" lang="ja-JP" altLang="en-US" sz="2800" dirty="0"/>
+              <a:rPr lang="ja-JP" altLang="en-US" sz="2800" dirty="0"/>
               <a:t>を使うのか？</a:t>
             </a:r>
-            <a:endParaRPr kumimoji="1" lang="en-US" altLang="ja-JP" sz="2800" dirty="0"/>
+            <a:endParaRPr lang="en-US" altLang="ja-JP" sz="2800" dirty="0"/>
           </a:p>
           <a:p>
             <a:r>
@@ -7199,7 +6991,7 @@
 <file path=ppt/theme/theme1.xml><?xml version="1.0" encoding="utf-8"?>
 <a:theme xmlns:a="http://schemas.openxmlformats.org/drawingml/2006/main" name="Office テーマ">
   <a:themeElements>
-    <a:clrScheme name="Office">
+    <a:clrScheme name="Office テーマ">
       <a:dk1>
         <a:sysClr val="windowText" lastClr="000000"/>
       </a:dk1>
@@ -7237,9 +7029,9 @@
         <a:srgbClr val="954F72"/>
       </a:folHlink>
     </a:clrScheme>
-    <a:fontScheme name="Office">
+    <a:fontScheme name="Office テーマ">
       <a:majorFont>
-        <a:latin typeface="游ゴシック Light" panose="020F0302020204030204"/>
+        <a:latin typeface="Calibri Light" panose="020F0302020204030204"/>
         <a:ea typeface=""/>
         <a:cs typeface=""/>
         <a:font script="Jpan" typeface="游ゴシック Light"/>
@@ -7272,26 +7064,9 @@
         <a:font script="Viet" typeface="Times New Roman"/>
         <a:font script="Uigh" typeface="Microsoft Uighur"/>
         <a:font script="Geor" typeface="Sylfaen"/>
-        <a:font script="Armn" typeface="Arial"/>
-        <a:font script="Bugi" typeface="Leelawadee UI"/>
-        <a:font script="Bopo" typeface="Microsoft JhengHei"/>
-        <a:font script="Java" typeface="Javanese Text"/>
-        <a:font script="Lisu" typeface="Segoe UI"/>
-        <a:font script="Mymr" typeface="Myanmar Text"/>
-        <a:font script="Nkoo" typeface="Ebrima"/>
-        <a:font script="Olck" typeface="Nirmala UI"/>
-        <a:font script="Osma" typeface="Ebrima"/>
-        <a:font script="Phag" typeface="Phagspa"/>
-        <a:font script="Syrn" typeface="Estrangelo Edessa"/>
-        <a:font script="Syrj" typeface="Estrangelo Edessa"/>
-        <a:font script="Syre" typeface="Estrangelo Edessa"/>
-        <a:font script="Sora" typeface="Nirmala UI"/>
-        <a:font script="Tale" typeface="Microsoft Tai Le"/>
-        <a:font script="Talu" typeface="Microsoft New Tai Lue"/>
-        <a:font script="Tfng" typeface="Ebrima"/>
       </a:majorFont>
       <a:minorFont>
-        <a:latin typeface="游ゴシック" panose="020F0502020204030204"/>
+        <a:latin typeface="Calibri" panose="020F0502020204030204"/>
         <a:ea typeface=""/>
         <a:cs typeface=""/>
         <a:font script="Jpan" typeface="游ゴシック"/>
@@ -7324,26 +7099,9 @@
         <a:font script="Viet" typeface="Arial"/>
         <a:font script="Uigh" typeface="Microsoft Uighur"/>
         <a:font script="Geor" typeface="Sylfaen"/>
-        <a:font script="Armn" typeface="Arial"/>
-        <a:font script="Bugi" typeface="Leelawadee UI"/>
-        <a:font script="Bopo" typeface="Microsoft JhengHei"/>
-        <a:font script="Java" typeface="Javanese Text"/>
-        <a:font script="Lisu" typeface="Segoe UI"/>
-        <a:font script="Mymr" typeface="Myanmar Text"/>
-        <a:font script="Nkoo" typeface="Ebrima"/>
-        <a:font script="Olck" typeface="Nirmala UI"/>
-        <a:font script="Osma" typeface="Ebrima"/>
-        <a:font script="Phag" typeface="Phagspa"/>
-        <a:font script="Syrn" typeface="Estrangelo Edessa"/>
-        <a:font script="Syrj" typeface="Estrangelo Edessa"/>
-        <a:font script="Syre" typeface="Estrangelo Edessa"/>
-        <a:font script="Sora" typeface="Nirmala UI"/>
-        <a:font script="Tale" typeface="Microsoft Tai Le"/>
-        <a:font script="Talu" typeface="Microsoft New Tai Lue"/>
-        <a:font script="Tfng" typeface="Ebrima"/>
       </a:minorFont>
     </a:fontScheme>
-    <a:fmtScheme name="Office">
+    <a:fmtScheme name="Office テーマ">
       <a:fillStyleLst>
         <a:solidFill>
           <a:schemeClr val="phClr"/>
@@ -7784,4 +7542,299 @@
     </a:ext>
   </a:extLst>
 </a:theme>
+</file>
+
+<file path=ppt/theme/theme3.xml><?xml version="1.0" encoding="utf-8"?>
+<a:theme xmlns:a="http://schemas.openxmlformats.org/drawingml/2006/main" name="Office テーマ">
+  <a:themeElements>
+    <a:clrScheme name="Office">
+      <a:dk1>
+        <a:sysClr val="windowText" lastClr="000000"/>
+      </a:dk1>
+      <a:lt1>
+        <a:sysClr val="window" lastClr="FFFFFF"/>
+      </a:lt1>
+      <a:dk2>
+        <a:srgbClr val="44546A"/>
+      </a:dk2>
+      <a:lt2>
+        <a:srgbClr val="E7E6E6"/>
+      </a:lt2>
+      <a:accent1>
+        <a:srgbClr val="4472C4"/>
+      </a:accent1>
+      <a:accent2>
+        <a:srgbClr val="ED7D31"/>
+      </a:accent2>
+      <a:accent3>
+        <a:srgbClr val="A5A5A5"/>
+      </a:accent3>
+      <a:accent4>
+        <a:srgbClr val="FFC000"/>
+      </a:accent4>
+      <a:accent5>
+        <a:srgbClr val="5B9BD5"/>
+      </a:accent5>
+      <a:accent6>
+        <a:srgbClr val="70AD47"/>
+      </a:accent6>
+      <a:hlink>
+        <a:srgbClr val="0563C1"/>
+      </a:hlink>
+      <a:folHlink>
+        <a:srgbClr val="954F72"/>
+      </a:folHlink>
+    </a:clrScheme>
+    <a:fontScheme name="Office">
+      <a:majorFont>
+        <a:latin typeface="游ゴシック Light" panose="020F0302020204030204"/>
+        <a:ea typeface=""/>
+        <a:cs typeface=""/>
+        <a:font script="Jpan" typeface="游ゴシック Light"/>
+        <a:font script="Hang" typeface="맑은 고딕"/>
+        <a:font script="Hans" typeface="等线 Light"/>
+        <a:font script="Hant" typeface="新細明體"/>
+        <a:font script="Arab" typeface="Times New Roman"/>
+        <a:font script="Hebr" typeface="Times New Roman"/>
+        <a:font script="Thai" typeface="Angsana New"/>
+        <a:font script="Ethi" typeface="Nyala"/>
+        <a:font script="Beng" typeface="Vrinda"/>
+        <a:font script="Gujr" typeface="Shruti"/>
+        <a:font script="Khmr" typeface="MoolBoran"/>
+        <a:font script="Knda" typeface="Tunga"/>
+        <a:font script="Guru" typeface="Raavi"/>
+        <a:font script="Cans" typeface="Euphemia"/>
+        <a:font script="Cher" typeface="Plantagenet Cherokee"/>
+        <a:font script="Yiii" typeface="Microsoft Yi Baiti"/>
+        <a:font script="Tibt" typeface="Microsoft Himalaya"/>
+        <a:font script="Thaa" typeface="MV Boli"/>
+        <a:font script="Deva" typeface="Mangal"/>
+        <a:font script="Telu" typeface="Gautami"/>
+        <a:font script="Taml" typeface="Latha"/>
+        <a:font script="Syrc" typeface="Estrangelo Edessa"/>
+        <a:font script="Orya" typeface="Kalinga"/>
+        <a:font script="Mlym" typeface="Kartika"/>
+        <a:font script="Laoo" typeface="DokChampa"/>
+        <a:font script="Sinh" typeface="Iskoola Pota"/>
+        <a:font script="Mong" typeface="Mongolian Baiti"/>
+        <a:font script="Viet" typeface="Times New Roman"/>
+        <a:font script="Uigh" typeface="Microsoft Uighur"/>
+        <a:font script="Geor" typeface="Sylfaen"/>
+        <a:font script="Armn" typeface="Arial"/>
+        <a:font script="Bugi" typeface="Leelawadee UI"/>
+        <a:font script="Bopo" typeface="Microsoft JhengHei"/>
+        <a:font script="Java" typeface="Javanese Text"/>
+        <a:font script="Lisu" typeface="Segoe UI"/>
+        <a:font script="Mymr" typeface="Myanmar Text"/>
+        <a:font script="Nkoo" typeface="Ebrima"/>
+        <a:font script="Olck" typeface="Nirmala UI"/>
+        <a:font script="Osma" typeface="Ebrima"/>
+        <a:font script="Phag" typeface="Phagspa"/>
+        <a:font script="Syrn" typeface="Estrangelo Edessa"/>
+        <a:font script="Syrj" typeface="Estrangelo Edessa"/>
+        <a:font script="Syre" typeface="Estrangelo Edessa"/>
+        <a:font script="Sora" typeface="Nirmala UI"/>
+        <a:font script="Tale" typeface="Microsoft Tai Le"/>
+        <a:font script="Talu" typeface="Microsoft New Tai Lue"/>
+        <a:font script="Tfng" typeface="Ebrima"/>
+      </a:majorFont>
+      <a:minorFont>
+        <a:latin typeface="游ゴシック" panose="020F0502020204030204"/>
+        <a:ea typeface=""/>
+        <a:cs typeface=""/>
+        <a:font script="Jpan" typeface="游ゴシック"/>
+        <a:font script="Hang" typeface="맑은 고딕"/>
+        <a:font script="Hans" typeface="等线"/>
+        <a:font script="Hant" typeface="新細明體"/>
+        <a:font script="Arab" typeface="Arial"/>
+        <a:font script="Hebr" typeface="Arial"/>
+        <a:font script="Thai" typeface="Cordia New"/>
+        <a:font script="Ethi" typeface="Nyala"/>
+        <a:font script="Beng" typeface="Vrinda"/>
+        <a:font script="Gujr" typeface="Shruti"/>
+        <a:font script="Khmr" typeface="DaunPenh"/>
+        <a:font script="Knda" typeface="Tunga"/>
+        <a:font script="Guru" typeface="Raavi"/>
+        <a:font script="Cans" typeface="Euphemia"/>
+        <a:font script="Cher" typeface="Plantagenet Cherokee"/>
+        <a:font script="Yiii" typeface="Microsoft Yi Baiti"/>
+        <a:font script="Tibt" typeface="Microsoft Himalaya"/>
+        <a:font script="Thaa" typeface="MV Boli"/>
+        <a:font script="Deva" typeface="Mangal"/>
+        <a:font script="Telu" typeface="Gautami"/>
+        <a:font script="Taml" typeface="Latha"/>
+        <a:font script="Syrc" typeface="Estrangelo Edessa"/>
+        <a:font script="Orya" typeface="Kalinga"/>
+        <a:font script="Mlym" typeface="Kartika"/>
+        <a:font script="Laoo" typeface="DokChampa"/>
+        <a:font script="Sinh" typeface="Iskoola Pota"/>
+        <a:font script="Mong" typeface="Mongolian Baiti"/>
+        <a:font script="Viet" typeface="Arial"/>
+        <a:font script="Uigh" typeface="Microsoft Uighur"/>
+        <a:font script="Geor" typeface="Sylfaen"/>
+        <a:font script="Armn" typeface="Arial"/>
+        <a:font script="Bugi" typeface="Leelawadee UI"/>
+        <a:font script="Bopo" typeface="Microsoft JhengHei"/>
+        <a:font script="Java" typeface="Javanese Text"/>
+        <a:font script="Lisu" typeface="Segoe UI"/>
+        <a:font script="Mymr" typeface="Myanmar Text"/>
+        <a:font script="Nkoo" typeface="Ebrima"/>
+        <a:font script="Olck" typeface="Nirmala UI"/>
+        <a:font script="Osma" typeface="Ebrima"/>
+        <a:font script="Phag" typeface="Phagspa"/>
+        <a:font script="Syrn" typeface="Estrangelo Edessa"/>
+        <a:font script="Syrj" typeface="Estrangelo Edessa"/>
+        <a:font script="Syre" typeface="Estrangelo Edessa"/>
+        <a:font script="Sora" typeface="Nirmala UI"/>
+        <a:font script="Tale" typeface="Microsoft Tai Le"/>
+        <a:font script="Talu" typeface="Microsoft New Tai Lue"/>
+        <a:font script="Tfng" typeface="Ebrima"/>
+      </a:minorFont>
+    </a:fontScheme>
+    <a:fmtScheme name="Office">
+      <a:fillStyleLst>
+        <a:solidFill>
+          <a:schemeClr val="phClr"/>
+        </a:solidFill>
+        <a:gradFill rotWithShape="1">
+          <a:gsLst>
+            <a:gs pos="0">
+              <a:schemeClr val="phClr">
+                <a:lumMod val="110000"/>
+                <a:satMod val="105000"/>
+                <a:tint val="67000"/>
+              </a:schemeClr>
+            </a:gs>
+            <a:gs pos="50000">
+              <a:schemeClr val="phClr">
+                <a:lumMod val="105000"/>
+                <a:satMod val="103000"/>
+                <a:tint val="73000"/>
+              </a:schemeClr>
+            </a:gs>
+            <a:gs pos="100000">
+              <a:schemeClr val="phClr">
+                <a:lumMod val="105000"/>
+                <a:satMod val="109000"/>
+                <a:tint val="81000"/>
+              </a:schemeClr>
+            </a:gs>
+          </a:gsLst>
+          <a:lin ang="5400000" scaled="0"/>
+        </a:gradFill>
+        <a:gradFill rotWithShape="1">
+          <a:gsLst>
+            <a:gs pos="0">
+              <a:schemeClr val="phClr">
+                <a:satMod val="103000"/>
+                <a:lumMod val="102000"/>
+                <a:tint val="94000"/>
+              </a:schemeClr>
+            </a:gs>
+            <a:gs pos="50000">
+              <a:schemeClr val="phClr">
+                <a:satMod val="110000"/>
+                <a:lumMod val="100000"/>
+                <a:shade val="100000"/>
+              </a:schemeClr>
+            </a:gs>
+            <a:gs pos="100000">
+              <a:schemeClr val="phClr">
+                <a:lumMod val="99000"/>
+                <a:satMod val="120000"/>
+                <a:shade val="78000"/>
+              </a:schemeClr>
+            </a:gs>
+          </a:gsLst>
+          <a:lin ang="5400000" scaled="0"/>
+        </a:gradFill>
+      </a:fillStyleLst>
+      <a:lnStyleLst>
+        <a:ln w="6350" cap="flat" cmpd="sng" algn="ctr">
+          <a:solidFill>
+            <a:schemeClr val="phClr"/>
+          </a:solidFill>
+          <a:prstDash val="solid"/>
+          <a:miter lim="800000"/>
+        </a:ln>
+        <a:ln w="12700" cap="flat" cmpd="sng" algn="ctr">
+          <a:solidFill>
+            <a:schemeClr val="phClr"/>
+          </a:solidFill>
+          <a:prstDash val="solid"/>
+          <a:miter lim="800000"/>
+        </a:ln>
+        <a:ln w="19050" cap="flat" cmpd="sng" algn="ctr">
+          <a:solidFill>
+            <a:schemeClr val="phClr"/>
+          </a:solidFill>
+          <a:prstDash val="solid"/>
+          <a:miter lim="800000"/>
+        </a:ln>
+      </a:lnStyleLst>
+      <a:effectStyleLst>
+        <a:effectStyle>
+          <a:effectLst/>
+        </a:effectStyle>
+        <a:effectStyle>
+          <a:effectLst/>
+        </a:effectStyle>
+        <a:effectStyle>
+          <a:effectLst>
+            <a:outerShdw blurRad="57150" dist="19050" dir="5400000" algn="ctr" rotWithShape="0">
+              <a:srgbClr val="000000">
+                <a:alpha val="63000"/>
+              </a:srgbClr>
+            </a:outerShdw>
+          </a:effectLst>
+        </a:effectStyle>
+      </a:effectStyleLst>
+      <a:bgFillStyleLst>
+        <a:solidFill>
+          <a:schemeClr val="phClr"/>
+        </a:solidFill>
+        <a:solidFill>
+          <a:schemeClr val="phClr">
+            <a:tint val="95000"/>
+            <a:satMod val="170000"/>
+          </a:schemeClr>
+        </a:solidFill>
+        <a:gradFill rotWithShape="1">
+          <a:gsLst>
+            <a:gs pos="0">
+              <a:schemeClr val="phClr">
+                <a:tint val="93000"/>
+                <a:satMod val="150000"/>
+                <a:shade val="98000"/>
+                <a:lumMod val="102000"/>
+              </a:schemeClr>
+            </a:gs>
+            <a:gs pos="50000">
+              <a:schemeClr val="phClr">
+                <a:tint val="98000"/>
+                <a:satMod val="130000"/>
+                <a:shade val="90000"/>
+                <a:lumMod val="103000"/>
+              </a:schemeClr>
+            </a:gs>
+            <a:gs pos="100000">
+              <a:schemeClr val="phClr">
+                <a:shade val="63000"/>
+                <a:satMod val="120000"/>
+              </a:schemeClr>
+            </a:gs>
+          </a:gsLst>
+          <a:lin ang="5400000" scaled="0"/>
+        </a:gradFill>
+      </a:bgFillStyleLst>
+    </a:fmtScheme>
+  </a:themeElements>
+  <a:objectDefaults/>
+  <a:extraClrSchemeLst/>
+  <a:extLst>
+    <a:ext uri="{05A4C25C-085E-4340-85A3-A5531E510DB2}">
+      <thm15:themeFamily xmlns:thm15="http://schemas.microsoft.com/office/thememl/2012/main" name="Office Theme" id="{62F939B6-93AF-4DB8-9C6B-D6C7DFDC589F}" vid="{4A3C46E8-61CC-4603-A589-7422A47A8E4A}"/>
+    </a:ext>
+  </a:extLst>
+</a:theme>
 </file>
--- a/docs/PD3_interim_report.pptx
+++ b/docs/PD3_interim_report.pptx
@@ -5,10 +5,10 @@
     <p:sldMasterId id="2147483672" r:id="rId1"/>
   </p:sldMasterIdLst>
   <p:notesMasterIdLst>
-    <p:notesMasterId r:id="rId13"/>
+    <p:notesMasterId r:id="rId12"/>
   </p:notesMasterIdLst>
   <p:handoutMasterIdLst>
-    <p:handoutMasterId r:id="rId14"/>
+    <p:handoutMasterId r:id="rId13"/>
   </p:handoutMasterIdLst>
   <p:sldIdLst>
     <p:sldId id="256" r:id="rId2"/>
@@ -18,10 +18,9 @@
     <p:sldId id="262" r:id="rId6"/>
     <p:sldId id="263" r:id="rId7"/>
     <p:sldId id="265" r:id="rId8"/>
-    <p:sldId id="266" r:id="rId9"/>
-    <p:sldId id="267" r:id="rId10"/>
-    <p:sldId id="261" r:id="rId11"/>
-    <p:sldId id="264" r:id="rId12"/>
+    <p:sldId id="267" r:id="rId9"/>
+    <p:sldId id="261" r:id="rId10"/>
+    <p:sldId id="264" r:id="rId11"/>
   </p:sldIdLst>
   <p:sldSz cx="12192000" cy="6858000"/>
   <p:notesSz cx="6858000" cy="9144000"/>
@@ -124,6 +123,9 @@
     <p:ext uri="{EFAFB233-063F-42B5-8137-9DF3F51BA10A}">
       <p15:sldGuideLst xmlns:p15="http://schemas.microsoft.com/office/powerpoint/2012/main"/>
     </p:ext>
+    <p:ext uri="{2D200454-40CA-4A62-9FC3-DE9A4176ACB9}">
+      <p15:notesGuideLst xmlns:p15="http://schemas.microsoft.com/office/powerpoint/2012/main"/>
+    </p:ext>
   </p:extLst>
 </p:presentation>
 </file>
@@ -244,7 +246,7 @@
           <a:p>
             <a:fld id="{A9875936-CAD0-1C40-8DBE-97E7FC885E68}" type="datetimeFigureOut">
               <a:rPr kumimoji="1" lang="ja-JP" altLang="en-US" smtClean="0"/>
-              <a:t>2020/9/17</a:t>
+              <a:t>2020/9/18</a:t>
             </a:fld>
             <a:endParaRPr kumimoji="1" lang="ja-JP" altLang="en-US"/>
           </a:p>
@@ -677,6 +679,146 @@
           <a:bodyPr/>
           <a:lstStyle/>
           <a:p>
+            <a:r>
+              <a:rPr lang="ja-JP" altLang="en-US"/>
+              <a:t>まず最初にこの研究テーマを扱おうと思った背景から話していきます。まず一つ目の背景として</a:t>
+            </a:r>
+            <a:r>
+              <a:rPr lang="en" altLang="ja-JP" dirty="0" err="1"/>
+              <a:t>Youtube</a:t>
+            </a:r>
+            <a:r>
+              <a:rPr lang="ja-JP" altLang="en-US"/>
+              <a:t>は</a:t>
+            </a:r>
+            <a:r>
+              <a:rPr lang="en-US" altLang="ja-JP" dirty="0"/>
+              <a:t>〜</a:t>
+            </a:r>
+            <a:r>
+              <a:rPr lang="ja-JP" altLang="en-US"/>
+              <a:t>最近では</a:t>
+            </a:r>
+            <a:r>
+              <a:rPr lang="en" altLang="ja-JP" dirty="0"/>
+              <a:t>YouTuber</a:t>
+            </a:r>
+            <a:r>
+              <a:rPr lang="ja-JP" altLang="en-US"/>
+              <a:t>と言うような職業も存在しています、</a:t>
+            </a:r>
+            <a:r>
+              <a:rPr lang="en-US" altLang="ja-JP" dirty="0"/>
+              <a:t>2</a:t>
+            </a:r>
+            <a:r>
+              <a:rPr lang="ja-JP" altLang="en-US"/>
+              <a:t>つめは</a:t>
+            </a:r>
+            <a:r>
+              <a:rPr lang="en-US" altLang="ja-JP" dirty="0"/>
+              <a:t>〜</a:t>
+            </a:r>
+            <a:r>
+              <a:rPr lang="ja-JP" altLang="en-US"/>
+              <a:t>、主なノウハウとして</a:t>
+            </a:r>
+            <a:r>
+              <a:rPr lang="en-US" altLang="ja-JP" dirty="0"/>
+              <a:t>〜</a:t>
+            </a:r>
+            <a:r>
+              <a:rPr lang="ja-JP" altLang="en-US"/>
+              <a:t>があります。</a:t>
+            </a:r>
+            <a:endParaRPr kumimoji="1" lang="ja-JP" altLang="en-US"/>
+          </a:p>
+        </p:txBody>
+      </p:sp>
+      <p:sp>
+        <p:nvSpPr>
+          <p:cNvPr id="4" name="スライド番号プレースホルダー 3"/>
+          <p:cNvSpPr>
+            <a:spLocks noGrp="1"/>
+          </p:cNvSpPr>
+          <p:nvPr>
+            <p:ph type="sldNum" sz="quarter" idx="5"/>
+          </p:nvPr>
+        </p:nvSpPr>
+        <p:spPr/>
+        <p:txBody>
+          <a:bodyPr/>
+          <a:lstStyle/>
+          <a:p>
+            <a:fld id="{7ED71D3B-A0FC-7045-AF17-774B633FB3A8}" type="slidenum">
+              <a:rPr kumimoji="1" lang="ja-JP" altLang="en-US" smtClean="0"/>
+              <a:t>2</a:t>
+            </a:fld>
+            <a:endParaRPr kumimoji="1" lang="ja-JP" altLang="en-US"/>
+          </a:p>
+        </p:txBody>
+      </p:sp>
+    </p:spTree>
+    <p:extLst>
+      <p:ext uri="{BB962C8B-B14F-4D97-AF65-F5344CB8AC3E}">
+        <p14:creationId xmlns:p14="http://schemas.microsoft.com/office/powerpoint/2010/main" val="2317585979"/>
+      </p:ext>
+    </p:extLst>
+  </p:cSld>
+  <p:clrMapOvr>
+    <a:masterClrMapping/>
+  </p:clrMapOvr>
+</p:notes>
+</file>
+
+<file path=ppt/notesSlides/notesSlide3.xml><?xml version="1.0" encoding="utf-8"?>
+<p:notes xmlns:a="http://schemas.openxmlformats.org/drawingml/2006/main" xmlns:r="http://schemas.openxmlformats.org/officeDocument/2006/relationships" xmlns:p="http://schemas.openxmlformats.org/presentationml/2006/main">
+  <p:cSld>
+    <p:spTree>
+      <p:nvGrpSpPr>
+        <p:cNvPr id="1" name=""/>
+        <p:cNvGrpSpPr/>
+        <p:nvPr/>
+      </p:nvGrpSpPr>
+      <p:grpSpPr>
+        <a:xfrm>
+          <a:off x="0" y="0"/>
+          <a:ext cx="0" cy="0"/>
+          <a:chOff x="0" y="0"/>
+          <a:chExt cx="0" cy="0"/>
+        </a:xfrm>
+      </p:grpSpPr>
+      <p:sp>
+        <p:nvSpPr>
+          <p:cNvPr id="2" name="スライド イメージ プレースホルダー 1"/>
+          <p:cNvSpPr>
+            <a:spLocks noGrp="1" noRot="1" noChangeAspect="1"/>
+          </p:cNvSpPr>
+          <p:nvPr>
+            <p:ph type="sldImg"/>
+          </p:nvPr>
+        </p:nvSpPr>
+        <p:spPr/>
+      </p:sp>
+      <p:sp>
+        <p:nvSpPr>
+          <p:cNvPr id="3" name="ノート プレースホルダー 2"/>
+          <p:cNvSpPr>
+            <a:spLocks noGrp="1"/>
+          </p:cNvSpPr>
+          <p:nvPr>
+            <p:ph type="body" idx="1"/>
+          </p:nvPr>
+        </p:nvSpPr>
+        <p:spPr/>
+        <p:txBody>
+          <a:bodyPr/>
+          <a:lstStyle/>
+          <a:p>
+            <a:r>
+              <a:rPr lang="ja-JP" altLang="en-US"/>
+              <a:t>次に先ほどの背景から、今の課題についてお話をしたいと思います。先ほどノウハウがたくさん紹介されているとはいいましたが、実際にそれらの取り組みによってどれだけ視聴回数を増やすことができたのかなどの定量データに基づいたノウハウ紹介は少なく、何が効果的なのかは分かっていないと言う現状があります。</a:t>
+            </a:r>
             <a:endParaRPr kumimoji="1" lang="ja-JP" altLang="en-US"/>
           </a:p>
         </p:txBody>
@@ -708,6 +850,601 @@
     <p:extLst>
       <p:ext uri="{BB962C8B-B14F-4D97-AF65-F5344CB8AC3E}">
         <p14:creationId xmlns:p14="http://schemas.microsoft.com/office/powerpoint/2010/main" val="2022709778"/>
+      </p:ext>
+    </p:extLst>
+  </p:cSld>
+  <p:clrMapOvr>
+    <a:masterClrMapping/>
+  </p:clrMapOvr>
+</p:notes>
+</file>
+
+<file path=ppt/notesSlides/notesSlide4.xml><?xml version="1.0" encoding="utf-8"?>
+<p:notes xmlns:a="http://schemas.openxmlformats.org/drawingml/2006/main" xmlns:r="http://schemas.openxmlformats.org/officeDocument/2006/relationships" xmlns:p="http://schemas.openxmlformats.org/presentationml/2006/main">
+  <p:cSld>
+    <p:spTree>
+      <p:nvGrpSpPr>
+        <p:cNvPr id="1" name=""/>
+        <p:cNvGrpSpPr/>
+        <p:nvPr/>
+      </p:nvGrpSpPr>
+      <p:grpSpPr>
+        <a:xfrm>
+          <a:off x="0" y="0"/>
+          <a:ext cx="0" cy="0"/>
+          <a:chOff x="0" y="0"/>
+          <a:chExt cx="0" cy="0"/>
+        </a:xfrm>
+      </p:grpSpPr>
+      <p:sp>
+        <p:nvSpPr>
+          <p:cNvPr id="2" name="スライド イメージ プレースホルダー 1"/>
+          <p:cNvSpPr>
+            <a:spLocks noGrp="1" noRot="1" noChangeAspect="1"/>
+          </p:cNvSpPr>
+          <p:nvPr>
+            <p:ph type="sldImg"/>
+          </p:nvPr>
+        </p:nvSpPr>
+        <p:spPr/>
+      </p:sp>
+      <p:sp>
+        <p:nvSpPr>
+          <p:cNvPr id="3" name="ノート プレースホルダー 2"/>
+          <p:cNvSpPr>
+            <a:spLocks noGrp="1"/>
+          </p:cNvSpPr>
+          <p:nvPr>
+            <p:ph type="body" idx="1"/>
+          </p:nvPr>
+        </p:nvSpPr>
+        <p:spPr/>
+        <p:txBody>
+          <a:bodyPr/>
+          <a:lstStyle/>
+          <a:p>
+            <a:r>
+              <a:rPr lang="ja-JP" altLang="en-US"/>
+              <a:t>そこで本研究では、</a:t>
+            </a:r>
+            <a:r>
+              <a:rPr lang="en" altLang="ja-JP" dirty="0"/>
+              <a:t>YouTube</a:t>
+            </a:r>
+            <a:r>
+              <a:rPr lang="ja-JP" altLang="en-US"/>
+              <a:t>動画の再生数を伸ばすために、どのような指標を心がける必要があるのかを知り、動画の再生数を予測できるモデルを構築したいと考えています。</a:t>
+            </a:r>
+            <a:endParaRPr kumimoji="1" lang="ja-JP" altLang="en-US"/>
+          </a:p>
+        </p:txBody>
+      </p:sp>
+      <p:sp>
+        <p:nvSpPr>
+          <p:cNvPr id="4" name="スライド番号プレースホルダー 3"/>
+          <p:cNvSpPr>
+            <a:spLocks noGrp="1"/>
+          </p:cNvSpPr>
+          <p:nvPr>
+            <p:ph type="sldNum" sz="quarter" idx="5"/>
+          </p:nvPr>
+        </p:nvSpPr>
+        <p:spPr/>
+        <p:txBody>
+          <a:bodyPr/>
+          <a:lstStyle/>
+          <a:p>
+            <a:fld id="{7ED71D3B-A0FC-7045-AF17-774B633FB3A8}" type="slidenum">
+              <a:rPr kumimoji="1" lang="ja-JP" altLang="en-US" smtClean="0"/>
+              <a:t>4</a:t>
+            </a:fld>
+            <a:endParaRPr kumimoji="1" lang="ja-JP" altLang="en-US"/>
+          </a:p>
+        </p:txBody>
+      </p:sp>
+    </p:spTree>
+    <p:extLst>
+      <p:ext uri="{BB962C8B-B14F-4D97-AF65-F5344CB8AC3E}">
+        <p14:creationId xmlns:p14="http://schemas.microsoft.com/office/powerpoint/2010/main" val="1981352205"/>
+      </p:ext>
+    </p:extLst>
+  </p:cSld>
+  <p:clrMapOvr>
+    <a:masterClrMapping/>
+  </p:clrMapOvr>
+</p:notes>
+</file>
+
+<file path=ppt/notesSlides/notesSlide5.xml><?xml version="1.0" encoding="utf-8"?>
+<p:notes xmlns:a="http://schemas.openxmlformats.org/drawingml/2006/main" xmlns:r="http://schemas.openxmlformats.org/officeDocument/2006/relationships" xmlns:p="http://schemas.openxmlformats.org/presentationml/2006/main">
+  <p:cSld>
+    <p:spTree>
+      <p:nvGrpSpPr>
+        <p:cNvPr id="1" name=""/>
+        <p:cNvGrpSpPr/>
+        <p:nvPr/>
+      </p:nvGrpSpPr>
+      <p:grpSpPr>
+        <a:xfrm>
+          <a:off x="0" y="0"/>
+          <a:ext cx="0" cy="0"/>
+          <a:chOff x="0" y="0"/>
+          <a:chExt cx="0" cy="0"/>
+        </a:xfrm>
+      </p:grpSpPr>
+      <p:sp>
+        <p:nvSpPr>
+          <p:cNvPr id="2" name="スライド イメージ プレースホルダー 1"/>
+          <p:cNvSpPr>
+            <a:spLocks noGrp="1" noRot="1" noChangeAspect="1"/>
+          </p:cNvSpPr>
+          <p:nvPr>
+            <p:ph type="sldImg"/>
+          </p:nvPr>
+        </p:nvSpPr>
+        <p:spPr/>
+      </p:sp>
+      <p:sp>
+        <p:nvSpPr>
+          <p:cNvPr id="3" name="ノート プレースホルダー 2"/>
+          <p:cNvSpPr>
+            <a:spLocks noGrp="1"/>
+          </p:cNvSpPr>
+          <p:nvPr>
+            <p:ph type="body" idx="1"/>
+          </p:nvPr>
+        </p:nvSpPr>
+        <p:spPr/>
+        <p:txBody>
+          <a:bodyPr/>
+          <a:lstStyle/>
+          <a:p>
+            <a:r>
+              <a:rPr lang="ja-JP" altLang="en-US"/>
+              <a:t>その方法として、まず最初に私が本研究で扱うデータからお話したいと思います。今回の研究で使用するデータは、</a:t>
+            </a:r>
+            <a:r>
+              <a:rPr lang="en" altLang="ja-JP" dirty="0" err="1"/>
+              <a:t>Probspace</a:t>
+            </a:r>
+            <a:r>
+              <a:rPr lang="en" altLang="ja-JP" dirty="0"/>
+              <a:t> YouTube</a:t>
+            </a:r>
+            <a:r>
+              <a:rPr lang="ja-JP" altLang="en-US"/>
+              <a:t>動画視聴回数予測コンペティションのデータです。</a:t>
+            </a:r>
+            <a:r>
+              <a:rPr lang="en" altLang="ja-JP" dirty="0" err="1"/>
+              <a:t>Probspace</a:t>
+            </a:r>
+            <a:r>
+              <a:rPr lang="ja-JP" altLang="en-US"/>
+              <a:t>のデータセットにした理由は、他のデータセットに比べて、欠損地が少なかったからです。</a:t>
+            </a:r>
+            <a:endParaRPr lang="en-US" altLang="ja-JP" dirty="0"/>
+          </a:p>
+          <a:p>
+            <a:endParaRPr lang="ja-JP" altLang="en-US"/>
+          </a:p>
+          <a:p>
+            <a:r>
+              <a:rPr lang="ja-JP" altLang="en-US"/>
+              <a:t>扱うデータの形式に関しては、左の表の通りです。一つのレコードに動画に関する情報である動画のタイトルや再生数、チャンネル名などが入っています。レコード数が</a:t>
+            </a:r>
+            <a:r>
+              <a:rPr lang="en-US" altLang="ja-JP" dirty="0"/>
+              <a:t>19720</a:t>
+            </a:r>
+            <a:r>
+              <a:rPr lang="ja-JP" altLang="en-US"/>
+              <a:t>、カラム数が</a:t>
+            </a:r>
+            <a:r>
+              <a:rPr lang="en-US" altLang="ja-JP" dirty="0"/>
+              <a:t>17</a:t>
+            </a:r>
+            <a:r>
+              <a:rPr lang="ja-JP" altLang="en-US"/>
+              <a:t>です。</a:t>
+            </a:r>
+          </a:p>
+          <a:p>
+            <a:endParaRPr kumimoji="1" lang="ja-JP" altLang="en-US"/>
+          </a:p>
+        </p:txBody>
+      </p:sp>
+      <p:sp>
+        <p:nvSpPr>
+          <p:cNvPr id="4" name="スライド番号プレースホルダー 3"/>
+          <p:cNvSpPr>
+            <a:spLocks noGrp="1"/>
+          </p:cNvSpPr>
+          <p:nvPr>
+            <p:ph type="sldNum" sz="quarter" idx="5"/>
+          </p:nvPr>
+        </p:nvSpPr>
+        <p:spPr/>
+        <p:txBody>
+          <a:bodyPr/>
+          <a:lstStyle/>
+          <a:p>
+            <a:fld id="{7ED71D3B-A0FC-7045-AF17-774B633FB3A8}" type="slidenum">
+              <a:rPr kumimoji="1" lang="ja-JP" altLang="en-US" smtClean="0"/>
+              <a:t>5</a:t>
+            </a:fld>
+            <a:endParaRPr kumimoji="1" lang="ja-JP" altLang="en-US"/>
+          </a:p>
+        </p:txBody>
+      </p:sp>
+    </p:spTree>
+    <p:extLst>
+      <p:ext uri="{BB962C8B-B14F-4D97-AF65-F5344CB8AC3E}">
+        <p14:creationId xmlns:p14="http://schemas.microsoft.com/office/powerpoint/2010/main" val="1340924041"/>
+      </p:ext>
+    </p:extLst>
+  </p:cSld>
+  <p:clrMapOvr>
+    <a:masterClrMapping/>
+  </p:clrMapOvr>
+</p:notes>
+</file>
+
+<file path=ppt/notesSlides/notesSlide6.xml><?xml version="1.0" encoding="utf-8"?>
+<p:notes xmlns:a="http://schemas.openxmlformats.org/drawingml/2006/main" xmlns:r="http://schemas.openxmlformats.org/officeDocument/2006/relationships" xmlns:p="http://schemas.openxmlformats.org/presentationml/2006/main">
+  <p:cSld>
+    <p:spTree>
+      <p:nvGrpSpPr>
+        <p:cNvPr id="1" name=""/>
+        <p:cNvGrpSpPr/>
+        <p:nvPr/>
+      </p:nvGrpSpPr>
+      <p:grpSpPr>
+        <a:xfrm>
+          <a:off x="0" y="0"/>
+          <a:ext cx="0" cy="0"/>
+          <a:chOff x="0" y="0"/>
+          <a:chExt cx="0" cy="0"/>
+        </a:xfrm>
+      </p:grpSpPr>
+      <p:sp>
+        <p:nvSpPr>
+          <p:cNvPr id="2" name="スライド イメージ プレースホルダー 1"/>
+          <p:cNvSpPr>
+            <a:spLocks noGrp="1" noRot="1" noChangeAspect="1"/>
+          </p:cNvSpPr>
+          <p:nvPr>
+            <p:ph type="sldImg"/>
+          </p:nvPr>
+        </p:nvSpPr>
+        <p:spPr/>
+      </p:sp>
+      <p:sp>
+        <p:nvSpPr>
+          <p:cNvPr id="3" name="ノート プレースホルダー 2"/>
+          <p:cNvSpPr>
+            <a:spLocks noGrp="1"/>
+          </p:cNvSpPr>
+          <p:nvPr>
+            <p:ph type="body" idx="1"/>
+          </p:nvPr>
+        </p:nvSpPr>
+        <p:spPr/>
+        <p:txBody>
+          <a:bodyPr/>
+          <a:lstStyle/>
+          <a:p>
+            <a:r>
+              <a:rPr lang="ja-JP" altLang="en-US"/>
+              <a:t>方法としては</a:t>
+            </a:r>
+            <a:r>
+              <a:rPr lang="en" altLang="ja-JP" dirty="0"/>
+              <a:t>EDA</a:t>
+            </a:r>
+            <a:r>
+              <a:rPr lang="ja-JP" altLang="en-US"/>
+              <a:t>などを行い、再生数を予測するのに効果的な特徴量を見つけることです。</a:t>
+            </a:r>
+          </a:p>
+          <a:p>
+            <a:r>
+              <a:rPr lang="ja-JP" altLang="en-US"/>
+              <a:t>以下の特徴量を用意しますが、今回は重要な要素である。下線を引いているものに着目します。</a:t>
+            </a:r>
+          </a:p>
+          <a:p>
+            <a:endParaRPr kumimoji="1" lang="ja-JP" altLang="en-US"/>
+          </a:p>
+        </p:txBody>
+      </p:sp>
+      <p:sp>
+        <p:nvSpPr>
+          <p:cNvPr id="4" name="スライド番号プレースホルダー 3"/>
+          <p:cNvSpPr>
+            <a:spLocks noGrp="1"/>
+          </p:cNvSpPr>
+          <p:nvPr>
+            <p:ph type="sldNum" sz="quarter" idx="5"/>
+          </p:nvPr>
+        </p:nvSpPr>
+        <p:spPr/>
+        <p:txBody>
+          <a:bodyPr/>
+          <a:lstStyle/>
+          <a:p>
+            <a:fld id="{7ED71D3B-A0FC-7045-AF17-774B633FB3A8}" type="slidenum">
+              <a:rPr kumimoji="1" lang="ja-JP" altLang="en-US" smtClean="0"/>
+              <a:t>6</a:t>
+            </a:fld>
+            <a:endParaRPr kumimoji="1" lang="ja-JP" altLang="en-US"/>
+          </a:p>
+        </p:txBody>
+      </p:sp>
+    </p:spTree>
+    <p:extLst>
+      <p:ext uri="{BB962C8B-B14F-4D97-AF65-F5344CB8AC3E}">
+        <p14:creationId xmlns:p14="http://schemas.microsoft.com/office/powerpoint/2010/main" val="3552146041"/>
+      </p:ext>
+    </p:extLst>
+  </p:cSld>
+  <p:clrMapOvr>
+    <a:masterClrMapping/>
+  </p:clrMapOvr>
+</p:notes>
+</file>
+
+<file path=ppt/notesSlides/notesSlide7.xml><?xml version="1.0" encoding="utf-8"?>
+<p:notes xmlns:a="http://schemas.openxmlformats.org/drawingml/2006/main" xmlns:r="http://schemas.openxmlformats.org/officeDocument/2006/relationships" xmlns:p="http://schemas.openxmlformats.org/presentationml/2006/main">
+  <p:cSld>
+    <p:spTree>
+      <p:nvGrpSpPr>
+        <p:cNvPr id="1" name=""/>
+        <p:cNvGrpSpPr/>
+        <p:nvPr/>
+      </p:nvGrpSpPr>
+      <p:grpSpPr>
+        <a:xfrm>
+          <a:off x="0" y="0"/>
+          <a:ext cx="0" cy="0"/>
+          <a:chOff x="0" y="0"/>
+          <a:chExt cx="0" cy="0"/>
+        </a:xfrm>
+      </p:grpSpPr>
+      <p:sp>
+        <p:nvSpPr>
+          <p:cNvPr id="2" name="スライド イメージ プレースホルダー 1"/>
+          <p:cNvSpPr>
+            <a:spLocks noGrp="1" noRot="1" noChangeAspect="1"/>
+          </p:cNvSpPr>
+          <p:nvPr>
+            <p:ph type="sldImg"/>
+          </p:nvPr>
+        </p:nvSpPr>
+        <p:spPr/>
+      </p:sp>
+      <p:sp>
+        <p:nvSpPr>
+          <p:cNvPr id="3" name="ノート プレースホルダー 2"/>
+          <p:cNvSpPr>
+            <a:spLocks noGrp="1"/>
+          </p:cNvSpPr>
+          <p:nvPr>
+            <p:ph type="body" idx="1"/>
+          </p:nvPr>
+        </p:nvSpPr>
+        <p:spPr/>
+        <p:txBody>
+          <a:bodyPr/>
+          <a:lstStyle/>
+          <a:p>
+            <a:pPr marL="0" marR="0" lvl="0" indent="0" algn="l" defTabSz="914400" rtl="0" eaLnBrk="1" fontAlgn="auto" latinLnBrk="0" hangingPunct="1">
+              <a:lnSpc>
+                <a:spcPct val="100000"/>
+              </a:lnSpc>
+              <a:spcBef>
+                <a:spcPts val="0"/>
+              </a:spcBef>
+              <a:spcAft>
+                <a:spcPts val="0"/>
+              </a:spcAft>
+              <a:buClrTx/>
+              <a:buSzTx/>
+              <a:buFontTx/>
+              <a:buNone/>
+              <a:tabLst/>
+              <a:defRPr/>
+            </a:pPr>
+            <a:r>
+              <a:rPr lang="ja-JP" altLang="en-US"/>
+              <a:t>なぜ</a:t>
+            </a:r>
+            <a:r>
+              <a:rPr lang="en" altLang="ja-JP" dirty="0"/>
+              <a:t>dislike</a:t>
+            </a:r>
+            <a:r>
+              <a:rPr lang="ja-JP" altLang="en"/>
+              <a:t>、</a:t>
+            </a:r>
+            <a:r>
+              <a:rPr lang="en" altLang="ja-JP" dirty="0"/>
+              <a:t>likes</a:t>
+            </a:r>
+            <a:r>
+              <a:rPr lang="ja-JP" altLang="en"/>
+              <a:t>、</a:t>
+            </a:r>
+            <a:r>
+              <a:rPr lang="en" altLang="ja-JP" dirty="0" err="1"/>
+              <a:t>comment_count</a:t>
+            </a:r>
+            <a:r>
+              <a:rPr lang="ja-JP" altLang="en-US"/>
+              <a:t>の予測数が必要なのかと言うと、これらのデータは評価やコメントを行うことが許されていないものに関しては値が</a:t>
+            </a:r>
+            <a:r>
+              <a:rPr lang="en-US" altLang="ja-JP" dirty="0"/>
+              <a:t>0</a:t>
+            </a:r>
+            <a:r>
+              <a:rPr lang="ja-JP" altLang="en-US"/>
+              <a:t>となっているからです。効果的な特徴量であるにもかかわらず値が</a:t>
+            </a:r>
+            <a:r>
+              <a:rPr lang="en-US" altLang="ja-JP" dirty="0"/>
+              <a:t>0</a:t>
+            </a:r>
+            <a:r>
+              <a:rPr lang="ja-JP" altLang="en-US"/>
+              <a:t>になっているので、許可されていないデータの値を予測し、特徴量として扱いたいと思います。</a:t>
+            </a:r>
+          </a:p>
+          <a:p>
+            <a:endParaRPr kumimoji="1" lang="ja-JP" altLang="en-US"/>
+          </a:p>
+        </p:txBody>
+      </p:sp>
+      <p:sp>
+        <p:nvSpPr>
+          <p:cNvPr id="4" name="スライド番号プレースホルダー 3"/>
+          <p:cNvSpPr>
+            <a:spLocks noGrp="1"/>
+          </p:cNvSpPr>
+          <p:nvPr>
+            <p:ph type="sldNum" sz="quarter" idx="5"/>
+          </p:nvPr>
+        </p:nvSpPr>
+        <p:spPr/>
+        <p:txBody>
+          <a:bodyPr/>
+          <a:lstStyle/>
+          <a:p>
+            <a:fld id="{7ED71D3B-A0FC-7045-AF17-774B633FB3A8}" type="slidenum">
+              <a:rPr kumimoji="1" lang="ja-JP" altLang="en-US" smtClean="0"/>
+              <a:t>7</a:t>
+            </a:fld>
+            <a:endParaRPr kumimoji="1" lang="ja-JP" altLang="en-US"/>
+          </a:p>
+        </p:txBody>
+      </p:sp>
+    </p:spTree>
+    <p:extLst>
+      <p:ext uri="{BB962C8B-B14F-4D97-AF65-F5344CB8AC3E}">
+        <p14:creationId xmlns:p14="http://schemas.microsoft.com/office/powerpoint/2010/main" val="1348097708"/>
+      </p:ext>
+    </p:extLst>
+  </p:cSld>
+  <p:clrMapOvr>
+    <a:masterClrMapping/>
+  </p:clrMapOvr>
+</p:notes>
+</file>
+
+<file path=ppt/notesSlides/notesSlide8.xml><?xml version="1.0" encoding="utf-8"?>
+<p:notes xmlns:a="http://schemas.openxmlformats.org/drawingml/2006/main" xmlns:r="http://schemas.openxmlformats.org/officeDocument/2006/relationships" xmlns:p="http://schemas.openxmlformats.org/presentationml/2006/main">
+  <p:cSld>
+    <p:spTree>
+      <p:nvGrpSpPr>
+        <p:cNvPr id="1" name=""/>
+        <p:cNvGrpSpPr/>
+        <p:nvPr/>
+      </p:nvGrpSpPr>
+      <p:grpSpPr>
+        <a:xfrm>
+          <a:off x="0" y="0"/>
+          <a:ext cx="0" cy="0"/>
+          <a:chOff x="0" y="0"/>
+          <a:chExt cx="0" cy="0"/>
+        </a:xfrm>
+      </p:grpSpPr>
+      <p:sp>
+        <p:nvSpPr>
+          <p:cNvPr id="2" name="スライド イメージ プレースホルダー 1"/>
+          <p:cNvSpPr>
+            <a:spLocks noGrp="1" noRot="1" noChangeAspect="1"/>
+          </p:cNvSpPr>
+          <p:nvPr>
+            <p:ph type="sldImg"/>
+          </p:nvPr>
+        </p:nvSpPr>
+        <p:spPr/>
+      </p:sp>
+      <p:sp>
+        <p:nvSpPr>
+          <p:cNvPr id="3" name="ノート プレースホルダー 2"/>
+          <p:cNvSpPr>
+            <a:spLocks noGrp="1"/>
+          </p:cNvSpPr>
+          <p:nvPr>
+            <p:ph type="body" idx="1"/>
+          </p:nvPr>
+        </p:nvSpPr>
+        <p:spPr/>
+        <p:txBody>
+          <a:bodyPr/>
+          <a:lstStyle/>
+          <a:p>
+            <a:r>
+              <a:rPr lang="ja-JP" altLang="en-US"/>
+              <a:t>モデリングに関しては</a:t>
+            </a:r>
+            <a:r>
+              <a:rPr lang="en" altLang="ja-JP" dirty="0" err="1"/>
+              <a:t>LightGBM</a:t>
+            </a:r>
+            <a:r>
+              <a:rPr lang="ja-JP" altLang="en-US"/>
+              <a:t>と言う決定木の勾配ブースティングすレームワークを使いたいと思います。</a:t>
+            </a:r>
+          </a:p>
+          <a:p>
+            <a:r>
+              <a:rPr lang="ja-JP" altLang="en-US"/>
+              <a:t>勾配ブースティングと言うのは、学習器にあまり高性能なものを使わずに、弱分類器という感じで、予測値の誤差を新しく作った弱学習器がどんどん引き継いでいきながら誤差を小さくしていく方法です。</a:t>
+            </a:r>
+            <a:r>
+              <a:rPr lang="en" altLang="ja-JP" dirty="0" err="1"/>
+              <a:t>LightGBM</a:t>
+            </a:r>
+            <a:r>
+              <a:rPr lang="ja-JP" altLang="en-US"/>
+              <a:t>でいう学習期は決定木です。</a:t>
+            </a:r>
+          </a:p>
+          <a:p>
+            <a:endParaRPr kumimoji="1" lang="ja-JP" altLang="en-US"/>
+          </a:p>
+        </p:txBody>
+      </p:sp>
+      <p:sp>
+        <p:nvSpPr>
+          <p:cNvPr id="4" name="スライド番号プレースホルダー 3"/>
+          <p:cNvSpPr>
+            <a:spLocks noGrp="1"/>
+          </p:cNvSpPr>
+          <p:nvPr>
+            <p:ph type="sldNum" sz="quarter" idx="5"/>
+          </p:nvPr>
+        </p:nvSpPr>
+        <p:spPr/>
+        <p:txBody>
+          <a:bodyPr/>
+          <a:lstStyle/>
+          <a:p>
+            <a:fld id="{7ED71D3B-A0FC-7045-AF17-774B633FB3A8}" type="slidenum">
+              <a:rPr kumimoji="1" lang="ja-JP" altLang="en-US" smtClean="0"/>
+              <a:t>8</a:t>
+            </a:fld>
+            <a:endParaRPr kumimoji="1" lang="ja-JP" altLang="en-US"/>
+          </a:p>
+        </p:txBody>
+      </p:sp>
+    </p:spTree>
+    <p:extLst>
+      <p:ext uri="{BB962C8B-B14F-4D97-AF65-F5344CB8AC3E}">
+        <p14:creationId xmlns:p14="http://schemas.microsoft.com/office/powerpoint/2010/main" val="2140327205"/>
       </p:ext>
     </p:extLst>
   </p:cSld>
@@ -848,7 +1585,7 @@
           <a:p>
             <a:fld id="{748E6AB6-1A34-DC48-935D-01482CBC09AE}" type="datetimeFigureOut">
               <a:rPr kumimoji="1" lang="ja-JP" altLang="en-US" smtClean="0"/>
-              <a:t>2020/9/17</a:t>
+              <a:t>2020/9/18</a:t>
             </a:fld>
             <a:endParaRPr kumimoji="1" lang="ja-JP" altLang="en-US"/>
           </a:p>
@@ -1050,7 +1787,7 @@
           <a:p>
             <a:fld id="{748E6AB6-1A34-DC48-935D-01482CBC09AE}" type="datetimeFigureOut">
               <a:rPr kumimoji="1" lang="ja-JP" altLang="en-US" smtClean="0"/>
-              <a:t>2020/9/17</a:t>
+              <a:t>2020/9/18</a:t>
             </a:fld>
             <a:endParaRPr kumimoji="1" lang="ja-JP" altLang="en-US"/>
           </a:p>
@@ -1262,7 +1999,7 @@
           <a:p>
             <a:fld id="{748E6AB6-1A34-DC48-935D-01482CBC09AE}" type="datetimeFigureOut">
               <a:rPr kumimoji="1" lang="ja-JP" altLang="en-US" smtClean="0"/>
-              <a:t>2020/9/17</a:t>
+              <a:t>2020/9/18</a:t>
             </a:fld>
             <a:endParaRPr kumimoji="1" lang="ja-JP" altLang="en-US"/>
           </a:p>
@@ -1464,7 +2201,7 @@
           <a:p>
             <a:fld id="{748E6AB6-1A34-DC48-935D-01482CBC09AE}" type="datetimeFigureOut">
               <a:rPr kumimoji="1" lang="ja-JP" altLang="en-US" smtClean="0"/>
-              <a:t>2020/9/17</a:t>
+              <a:t>2020/9/18</a:t>
             </a:fld>
             <a:endParaRPr kumimoji="1" lang="ja-JP" altLang="en-US"/>
           </a:p>
@@ -1710,7 +2447,7 @@
           <a:p>
             <a:fld id="{748E6AB6-1A34-DC48-935D-01482CBC09AE}" type="datetimeFigureOut">
               <a:rPr kumimoji="1" lang="ja-JP" altLang="en-US" smtClean="0"/>
-              <a:t>2020/9/17</a:t>
+              <a:t>2020/9/18</a:t>
             </a:fld>
             <a:endParaRPr kumimoji="1" lang="ja-JP" altLang="en-US"/>
           </a:p>
@@ -2006,7 +2743,7 @@
           <a:p>
             <a:fld id="{748E6AB6-1A34-DC48-935D-01482CBC09AE}" type="datetimeFigureOut">
               <a:rPr kumimoji="1" lang="ja-JP" altLang="en-US" smtClean="0"/>
-              <a:t>2020/9/17</a:t>
+              <a:t>2020/9/18</a:t>
             </a:fld>
             <a:endParaRPr kumimoji="1" lang="ja-JP" altLang="en-US"/>
           </a:p>
@@ -2437,7 +3174,7 @@
           <a:p>
             <a:fld id="{748E6AB6-1A34-DC48-935D-01482CBC09AE}" type="datetimeFigureOut">
               <a:rPr kumimoji="1" lang="ja-JP" altLang="en-US" smtClean="0"/>
-              <a:t>2020/9/17</a:t>
+              <a:t>2020/9/18</a:t>
             </a:fld>
             <a:endParaRPr kumimoji="1" lang="ja-JP" altLang="en-US"/>
           </a:p>
@@ -2555,7 +3292,7 @@
           <a:p>
             <a:fld id="{748E6AB6-1A34-DC48-935D-01482CBC09AE}" type="datetimeFigureOut">
               <a:rPr kumimoji="1" lang="ja-JP" altLang="en-US" smtClean="0"/>
-              <a:t>2020/9/17</a:t>
+              <a:t>2020/9/18</a:t>
             </a:fld>
             <a:endParaRPr kumimoji="1" lang="ja-JP" altLang="en-US"/>
           </a:p>
@@ -2650,7 +3387,7 @@
           <a:p>
             <a:fld id="{748E6AB6-1A34-DC48-935D-01482CBC09AE}" type="datetimeFigureOut">
               <a:rPr kumimoji="1" lang="ja-JP" altLang="en-US" smtClean="0"/>
-              <a:t>2020/9/17</a:t>
+              <a:t>2020/9/18</a:t>
             </a:fld>
             <a:endParaRPr kumimoji="1" lang="ja-JP" altLang="en-US"/>
           </a:p>
@@ -2959,7 +3696,7 @@
           <a:p>
             <a:fld id="{748E6AB6-1A34-DC48-935D-01482CBC09AE}" type="datetimeFigureOut">
               <a:rPr kumimoji="1" lang="ja-JP" altLang="en-US" smtClean="0"/>
-              <a:t>2020/9/17</a:t>
+              <a:t>2020/9/18</a:t>
             </a:fld>
             <a:endParaRPr kumimoji="1" lang="ja-JP" altLang="en-US"/>
           </a:p>
@@ -3216,7 +3953,7 @@
           <a:p>
             <a:fld id="{748E6AB6-1A34-DC48-935D-01482CBC09AE}" type="datetimeFigureOut">
               <a:rPr kumimoji="1" lang="ja-JP" altLang="en-US" smtClean="0"/>
-              <a:t>2020/9/17</a:t>
+              <a:t>2020/9/18</a:t>
             </a:fld>
             <a:endParaRPr kumimoji="1" lang="ja-JP" altLang="en-US"/>
           </a:p>
@@ -3461,7 +4198,7 @@
           <a:p>
             <a:fld id="{748E6AB6-1A34-DC48-935D-01482CBC09AE}" type="datetimeFigureOut">
               <a:rPr kumimoji="1" lang="ja-JP" altLang="en-US" smtClean="0"/>
-              <a:t>2020/9/17</a:t>
+              <a:t>2020/9/18</a:t>
             </a:fld>
             <a:endParaRPr kumimoji="1" lang="ja-JP" altLang="en-US"/>
           </a:p>
@@ -4054,425 +4791,6 @@
       </p:grpSpPr>
       <p:sp>
         <p:nvSpPr>
-          <p:cNvPr id="2" name="テキスト ボックス 1">
-            <a:extLst>
-              <a:ext uri="{FF2B5EF4-FFF2-40B4-BE49-F238E27FC236}">
-                <a16:creationId xmlns:a16="http://schemas.microsoft.com/office/drawing/2014/main" id="{E228DF88-6D15-5843-BA10-9257189A60A9}"/>
-              </a:ext>
-            </a:extLst>
-          </p:cNvPr>
-          <p:cNvSpPr txBox="1"/>
-          <p:nvPr/>
-        </p:nvSpPr>
-        <p:spPr>
-          <a:xfrm>
-            <a:off x="5205674" y="633070"/>
-            <a:ext cx="4534329" cy="584775"/>
-          </a:xfrm>
-          <a:prstGeom prst="rect">
-            <a:avLst/>
-          </a:prstGeom>
-          <a:noFill/>
-        </p:spPr>
-        <p:txBody>
-          <a:bodyPr wrap="square" rtlCol="0">
-            <a:spAutoFit/>
-          </a:bodyPr>
-          <a:lstStyle/>
-          <a:p>
-            <a:r>
-              <a:rPr lang="ja-JP" altLang="en-US" sz="3200"/>
-              <a:t>進捗状況</a:t>
-            </a:r>
-          </a:p>
-        </p:txBody>
-      </p:sp>
-      <p:sp>
-        <p:nvSpPr>
-          <p:cNvPr id="3" name="正方形/長方形 2">
-            <a:extLst>
-              <a:ext uri="{FF2B5EF4-FFF2-40B4-BE49-F238E27FC236}">
-                <a16:creationId xmlns:a16="http://schemas.microsoft.com/office/drawing/2014/main" id="{9E1FD1D3-C49F-F146-B181-76C5A130F93C}"/>
-              </a:ext>
-            </a:extLst>
-          </p:cNvPr>
-          <p:cNvSpPr/>
-          <p:nvPr/>
-        </p:nvSpPr>
-        <p:spPr>
-          <a:xfrm>
-            <a:off x="8087854" y="214351"/>
-            <a:ext cx="3519425" cy="369460"/>
-          </a:xfrm>
-          <a:prstGeom prst="rect">
-            <a:avLst/>
-          </a:prstGeom>
-        </p:spPr>
-        <p:txBody>
-          <a:bodyPr wrap="none">
-            <a:spAutoFit/>
-          </a:bodyPr>
-          <a:lstStyle/>
-          <a:p>
-            <a:r>
-              <a:rPr lang="en-US" altLang="ja-JP" sz="1801" dirty="0"/>
-              <a:t>YouTube</a:t>
-            </a:r>
-            <a:r>
-              <a:rPr lang="ja-JP" altLang="en-US" sz="1801" dirty="0"/>
-              <a:t>動画の再生数を予測する</a:t>
-            </a:r>
-          </a:p>
-        </p:txBody>
-      </p:sp>
-      <p:sp>
-        <p:nvSpPr>
-          <p:cNvPr id="5" name="テキスト ボックス 4"/>
-          <p:cNvSpPr txBox="1"/>
-          <p:nvPr/>
-        </p:nvSpPr>
-        <p:spPr>
-          <a:xfrm>
-            <a:off x="1679331" y="1125417"/>
-            <a:ext cx="9873761" cy="5262979"/>
-          </a:xfrm>
-          <a:prstGeom prst="rect">
-            <a:avLst/>
-          </a:prstGeom>
-          <a:noFill/>
-        </p:spPr>
-        <p:txBody>
-          <a:bodyPr wrap="square" rtlCol="0">
-            <a:spAutoFit/>
-          </a:bodyPr>
-          <a:lstStyle/>
-          <a:p>
-            <a:r>
-              <a:rPr lang="ja-JP" altLang="en-US" sz="2400" dirty="0"/>
-              <a:t>特徴量について</a:t>
-            </a:r>
-            <a:endParaRPr lang="en-US" altLang="ja-JP" sz="2400" dirty="0"/>
-          </a:p>
-          <a:p>
-            <a:r>
-              <a:rPr lang="ja-JP" altLang="en-US" sz="2400" dirty="0"/>
-              <a:t>〇・データ収集。</a:t>
-            </a:r>
-            <a:r>
-              <a:rPr lang="en-US" altLang="ja-JP" sz="2400" dirty="0" err="1"/>
-              <a:t>Probspace</a:t>
-            </a:r>
-            <a:r>
-              <a:rPr lang="ja-JP" altLang="en-US" sz="2400" dirty="0"/>
-              <a:t> </a:t>
-            </a:r>
-            <a:r>
-              <a:rPr lang="en-US" altLang="ja-JP" sz="2400" dirty="0"/>
-              <a:t>YouTube</a:t>
-            </a:r>
-            <a:r>
-              <a:rPr lang="ja-JP" altLang="en-US" sz="2400" dirty="0"/>
-              <a:t>動画視聴回数予測コンペ</a:t>
-            </a:r>
-            <a:endParaRPr lang="en-US" altLang="ja-JP" sz="2400" dirty="0"/>
-          </a:p>
-          <a:p>
-            <a:r>
-              <a:rPr lang="ja-JP" altLang="en-US" sz="2400" dirty="0"/>
-              <a:t>〇・収集したデータを</a:t>
-            </a:r>
-            <a:r>
-              <a:rPr lang="en-US" altLang="ja-JP" sz="2400" dirty="0"/>
-              <a:t>EDA(</a:t>
-            </a:r>
-            <a:r>
-              <a:rPr lang="ja-JP" altLang="en-US" sz="2400" dirty="0"/>
-              <a:t>探索型データ解析</a:t>
-            </a:r>
-            <a:r>
-              <a:rPr lang="en-US" altLang="ja-JP" sz="2400" dirty="0"/>
-              <a:t>)</a:t>
-            </a:r>
-            <a:r>
-              <a:rPr lang="ja-JP" altLang="en-US" sz="2400" dirty="0"/>
-              <a:t>を行う</a:t>
-            </a:r>
-            <a:endParaRPr lang="en-US" altLang="ja-JP" sz="2400" dirty="0"/>
-          </a:p>
-          <a:p>
-            <a:r>
-              <a:rPr lang="ja-JP" altLang="en-US" sz="2400" dirty="0"/>
-              <a:t>〇・特徴量エンジニアリング</a:t>
-            </a:r>
-            <a:endParaRPr lang="en-US" altLang="ja-JP" sz="2400" dirty="0"/>
-          </a:p>
-          <a:p>
-            <a:r>
-              <a:rPr lang="ja-JP" altLang="en-US" sz="2400" dirty="0"/>
-              <a:t>　・</a:t>
-            </a:r>
-            <a:r>
-              <a:rPr lang="en-US" altLang="ja-JP" sz="2400" dirty="0"/>
-              <a:t>numerical data(dislikes, likes, </a:t>
-            </a:r>
-            <a:r>
-              <a:rPr lang="en-US" altLang="ja-JP" sz="2400" dirty="0" err="1"/>
-              <a:t>comment_count</a:t>
-            </a:r>
-            <a:r>
-              <a:rPr lang="en-US" altLang="ja-JP" sz="2400" dirty="0"/>
-              <a:t>)</a:t>
-            </a:r>
-            <a:r>
-              <a:rPr lang="ja-JP" altLang="en-US" sz="2400" dirty="0"/>
-              <a:t>の</a:t>
-            </a:r>
-            <a:r>
-              <a:rPr lang="en-US" altLang="ja-JP" sz="2400" dirty="0"/>
-              <a:t>aggregation</a:t>
-            </a:r>
-            <a:r>
-              <a:rPr lang="ja-JP" altLang="en-US" sz="2400" dirty="0"/>
-              <a:t>特</a:t>
-            </a:r>
-            <a:endParaRPr lang="en-US" altLang="ja-JP" sz="2400" dirty="0"/>
-          </a:p>
-          <a:p>
-            <a:r>
-              <a:rPr lang="ja-JP" altLang="en-US" sz="2400" dirty="0"/>
-              <a:t>　　徴量を作成</a:t>
-            </a:r>
-            <a:endParaRPr lang="en-US" altLang="ja-JP" sz="2400" dirty="0"/>
-          </a:p>
-          <a:p>
-            <a:r>
-              <a:rPr lang="ja-JP" altLang="en-US" sz="2400" dirty="0"/>
-              <a:t>　・</a:t>
-            </a:r>
-            <a:r>
-              <a:rPr lang="en-US" altLang="ja-JP" sz="2400" dirty="0"/>
-              <a:t>text data</a:t>
-            </a:r>
-            <a:r>
-              <a:rPr lang="ja-JP" altLang="en-US" sz="2400" dirty="0"/>
-              <a:t>は</a:t>
-            </a:r>
-            <a:r>
-              <a:rPr lang="en-US" altLang="ja-JP" sz="2400" dirty="0" err="1"/>
-              <a:t>tf-idf</a:t>
-            </a:r>
-            <a:r>
-              <a:rPr lang="ja-JP" altLang="en-US" sz="2400" dirty="0"/>
-              <a:t>特徴量を</a:t>
-            </a:r>
-            <a:r>
-              <a:rPr lang="en-US" altLang="ja-JP" sz="2400" dirty="0" err="1"/>
-              <a:t>svd</a:t>
-            </a:r>
-            <a:r>
-              <a:rPr lang="ja-JP" altLang="en-US" sz="2400" dirty="0"/>
-              <a:t>特徴量に変換、そして</a:t>
-            </a:r>
-            <a:r>
-              <a:rPr lang="en-US" altLang="ja-JP" sz="2400" dirty="0"/>
-              <a:t>aggregation</a:t>
-            </a:r>
-            <a:r>
-              <a:rPr lang="ja-JP" altLang="en-US" sz="2400" dirty="0"/>
-              <a:t>特</a:t>
-            </a:r>
-            <a:endParaRPr lang="en-US" altLang="ja-JP" sz="2400" dirty="0"/>
-          </a:p>
-          <a:p>
-            <a:r>
-              <a:rPr lang="ja-JP" altLang="en-US" sz="2400" dirty="0"/>
-              <a:t>　　徴量を作成</a:t>
-            </a:r>
-            <a:endParaRPr lang="en-US" altLang="ja-JP" sz="2400" dirty="0"/>
-          </a:p>
-          <a:p>
-            <a:r>
-              <a:rPr lang="ja-JP" altLang="en-US" sz="2400" dirty="0"/>
-              <a:t>　・</a:t>
-            </a:r>
-            <a:r>
-              <a:rPr lang="en-US" altLang="ja-JP" sz="2400" dirty="0"/>
-              <a:t>Target Encoding</a:t>
-            </a:r>
-          </a:p>
-          <a:p>
-            <a:r>
-              <a:rPr lang="ja-JP" altLang="en-US" sz="2400" dirty="0"/>
-              <a:t>モデルについて</a:t>
-            </a:r>
-            <a:endParaRPr lang="en-US" altLang="ja-JP" sz="2400" dirty="0"/>
-          </a:p>
-          <a:p>
-            <a:r>
-              <a:rPr lang="ja-JP" altLang="en-US" sz="2400" dirty="0"/>
-              <a:t>　</a:t>
-            </a:r>
-            <a:r>
-              <a:rPr lang="en-US" altLang="ja-JP" sz="2400" dirty="0"/>
-              <a:t>×</a:t>
-            </a:r>
-            <a:r>
-              <a:rPr lang="ja-JP" altLang="en-US" sz="2400" dirty="0"/>
-              <a:t>・</a:t>
-            </a:r>
-            <a:r>
-              <a:rPr lang="en-US" altLang="ja-JP" sz="2400" dirty="0" err="1"/>
-              <a:t>LightGBM</a:t>
-            </a:r>
-            <a:r>
-              <a:rPr lang="ja-JP" altLang="en-US" sz="2400" dirty="0"/>
-              <a:t>をメインとして</a:t>
-            </a:r>
-            <a:r>
-              <a:rPr lang="en-US" altLang="ja-JP" sz="2400" dirty="0"/>
-              <a:t>NN</a:t>
-            </a:r>
-            <a:r>
-              <a:rPr lang="ja-JP" altLang="en-US" sz="2400" dirty="0" err="1"/>
-              <a:t>、</a:t>
-            </a:r>
-            <a:r>
-              <a:rPr lang="en-US" altLang="ja-JP" sz="2400" dirty="0"/>
-              <a:t>RF(</a:t>
-            </a:r>
-            <a:r>
-              <a:rPr lang="en-US" altLang="ja-JP" sz="2400" dirty="0" err="1"/>
-              <a:t>lightGBM</a:t>
-            </a:r>
-            <a:r>
-              <a:rPr lang="en-US" altLang="ja-JP" sz="2400" dirty="0"/>
-              <a:t> </a:t>
-            </a:r>
-            <a:r>
-              <a:rPr lang="en-US" altLang="ja-JP" sz="2400" dirty="0" err="1"/>
-              <a:t>rf</a:t>
-            </a:r>
-            <a:r>
-              <a:rPr lang="en-US" altLang="ja-JP" sz="2400" dirty="0"/>
-              <a:t> mode) </a:t>
-            </a:r>
-            <a:r>
-              <a:rPr lang="ja-JP" altLang="en-US" sz="2400" dirty="0"/>
-              <a:t>の</a:t>
-            </a:r>
-            <a:endParaRPr lang="en-US" altLang="ja-JP" sz="2400" dirty="0"/>
-          </a:p>
-          <a:p>
-            <a:r>
-              <a:rPr lang="ja-JP" altLang="en-US" sz="2400" dirty="0"/>
-              <a:t>　　　</a:t>
-            </a:r>
-            <a:r>
-              <a:rPr lang="en-US" altLang="ja-JP" sz="2400" dirty="0"/>
-              <a:t>Linear Regression</a:t>
-            </a:r>
-            <a:r>
-              <a:rPr lang="ja-JP" altLang="en-US" sz="2400" dirty="0"/>
-              <a:t>による</a:t>
-            </a:r>
-            <a:r>
-              <a:rPr lang="en-US" altLang="ja-JP" sz="2400" dirty="0"/>
-              <a:t>Stacking</a:t>
-            </a:r>
-            <a:r>
-              <a:rPr lang="ja-JP" altLang="en-US" sz="2400" dirty="0"/>
-              <a:t>を行う。</a:t>
-            </a:r>
-            <a:endParaRPr lang="en-US" altLang="ja-JP" sz="2400" dirty="0"/>
-          </a:p>
-          <a:p>
-            <a:r>
-              <a:rPr lang="ja-JP" altLang="en-US" sz="2400" dirty="0"/>
-              <a:t>　</a:t>
-            </a:r>
-            <a:r>
-              <a:rPr lang="en-US" altLang="ja-JP" sz="2400" dirty="0"/>
-              <a:t>×</a:t>
-            </a:r>
-            <a:r>
-              <a:rPr lang="ja-JP" altLang="en-US" sz="2400" dirty="0"/>
-              <a:t>・シングルモデルでは、</a:t>
-            </a:r>
-            <a:r>
-              <a:rPr lang="en-US" altLang="ja-JP" sz="2400" dirty="0" err="1"/>
-              <a:t>LightGBM</a:t>
-            </a:r>
-            <a:r>
-              <a:rPr lang="ja-JP" altLang="en-US" sz="2400" dirty="0" err="1"/>
-              <a:t>、</a:t>
-            </a:r>
-            <a:r>
-              <a:rPr lang="en-US" altLang="ja-JP" sz="2400" dirty="0" err="1"/>
-              <a:t>XGBoost</a:t>
-            </a:r>
-            <a:r>
-              <a:rPr lang="ja-JP" altLang="en-US" sz="2400" dirty="0" err="1"/>
-              <a:t>、</a:t>
-            </a:r>
-            <a:r>
-              <a:rPr lang="en-US" altLang="ja-JP" sz="2400" dirty="0" err="1"/>
-              <a:t>CatBoost</a:t>
-            </a:r>
-            <a:r>
-              <a:rPr lang="ja-JP" altLang="en-US" sz="2400" dirty="0"/>
-              <a:t>を試す</a:t>
-            </a:r>
-            <a:endParaRPr lang="en-US" altLang="ja-JP" sz="2400" dirty="0"/>
-          </a:p>
-          <a:p>
-            <a:r>
-              <a:rPr lang="ja-JP" altLang="en-US" sz="2400" dirty="0"/>
-              <a:t>　</a:t>
-            </a:r>
-            <a:r>
-              <a:rPr lang="en-US" altLang="ja-JP" sz="2400" dirty="0"/>
-              <a:t>×</a:t>
-            </a:r>
-            <a:r>
-              <a:rPr lang="ja-JP" altLang="en-US" sz="2400" dirty="0"/>
-              <a:t>・各々のモデルのパラメータ調整</a:t>
-            </a:r>
-            <a:endParaRPr lang="en-US" altLang="ja-JP" sz="2400" dirty="0"/>
-          </a:p>
-        </p:txBody>
-      </p:sp>
-    </p:spTree>
-    <p:extLst>
-      <p:ext uri="{BB962C8B-B14F-4D97-AF65-F5344CB8AC3E}">
-        <p14:creationId xmlns:p14="http://schemas.microsoft.com/office/powerpoint/2010/main" val="3850791543"/>
-      </p:ext>
-    </p:extLst>
-  </p:cSld>
-  <p:clrMapOvr>
-    <a:masterClrMapping/>
-  </p:clrMapOvr>
-</p:sld>
-</file>
-
-<file path=ppt/slides/slide11.xml><?xml version="1.0" encoding="utf-8"?>
-<p:sld xmlns:a="http://schemas.openxmlformats.org/drawingml/2006/main" xmlns:r="http://schemas.openxmlformats.org/officeDocument/2006/relationships" xmlns:p="http://schemas.openxmlformats.org/presentationml/2006/main">
-  <p:cSld>
-    <p:spTree>
-      <p:nvGrpSpPr>
-        <p:cNvPr id="1" name=""/>
-        <p:cNvGrpSpPr/>
-        <p:nvPr/>
-      </p:nvGrpSpPr>
-      <p:grpSpPr>
-        <a:xfrm>
-          <a:off x="0" y="0"/>
-          <a:ext cx="0" cy="0"/>
-          <a:chOff x="0" y="0"/>
-          <a:chExt cx="0" cy="0"/>
-        </a:xfrm>
-      </p:grpSpPr>
-      <p:sp>
-        <p:nvSpPr>
           <p:cNvPr id="2" name="テキスト ボックス 1"/>
           <p:cNvSpPr txBox="1"/>
           <p:nvPr/>
@@ -4547,7 +4865,7 @@
         <p:spPr>
           <a:xfrm>
             <a:off x="1916724" y="2769578"/>
-            <a:ext cx="10084777" cy="1815882"/>
+            <a:ext cx="10084777" cy="1384995"/>
           </a:xfrm>
           <a:prstGeom prst="rect">
             <a:avLst/>
@@ -4561,22 +4879,7 @@
           <a:lstStyle/>
           <a:p>
             <a:r>
-              <a:rPr lang="ja-JP" altLang="en-US" sz="2800" dirty="0"/>
-              <a:t>・テキストデータを</a:t>
-            </a:r>
-            <a:r>
-              <a:rPr lang="en-US" altLang="ja-JP" sz="2800" dirty="0"/>
-              <a:t>doc2vec</a:t>
-            </a:r>
-            <a:r>
-              <a:rPr lang="ja-JP" altLang="en-US" sz="2800" dirty="0"/>
-              <a:t>でベクトル化</a:t>
-            </a:r>
-            <a:endParaRPr lang="en-US" altLang="ja-JP" sz="2800" dirty="0"/>
-          </a:p>
-          <a:p>
-            <a:r>
-              <a:rPr lang="ja-JP" altLang="en-US" sz="2800" dirty="0"/>
+              <a:rPr lang="ja-JP" altLang="en-US" sz="2800"/>
               <a:t>・</a:t>
             </a:r>
             <a:r>
@@ -4606,8 +4909,12 @@
               <a:t>, tags)</a:t>
             </a:r>
             <a:r>
+              <a:rPr lang="ja-JP" altLang="en-US" sz="2800"/>
+              <a:t>の特徴徴</a:t>
+            </a:r>
+            <a:r>
               <a:rPr lang="ja-JP" altLang="en-US" sz="2800" dirty="0"/>
-              <a:t>の特徴出</a:t>
+              <a:t>出</a:t>
             </a:r>
             <a:endParaRPr lang="en-US" altLang="ja-JP" sz="2800" dirty="0"/>
           </a:p>
@@ -5155,7 +5462,7 @@
         <p:spPr>
           <a:xfrm>
             <a:off x="1936377" y="2252210"/>
-            <a:ext cx="8619566" cy="1384995"/>
+            <a:ext cx="8619566" cy="1815882"/>
           </a:xfrm>
           <a:prstGeom prst="rect">
             <a:avLst/>
@@ -5186,12 +5493,17 @@
             </a:r>
             <a:r>
               <a:rPr lang="ja-JP" altLang="en-US" sz="2800" u="sng" dirty="0"/>
-              <a:t>どのような指標を心がける必要があるか</a:t>
-            </a:r>
-            <a:r>
-              <a:rPr lang="ja-JP" altLang="en-US" sz="2800" dirty="0"/>
-              <a:t>、その情報を可視化する</a:t>
-            </a:r>
+              <a:t>どのような指標を心がける必要</a:t>
+            </a:r>
+            <a:r>
+              <a:rPr lang="ja-JP" altLang="en-US" sz="2800" u="sng"/>
+              <a:t>があるのかを知り</a:t>
+            </a:r>
+            <a:r>
+              <a:rPr lang="ja-JP" altLang="en-US" sz="2800"/>
+              <a:t>、動画の再生数を予測できるモデルを構築する。</a:t>
+            </a:r>
+            <a:endParaRPr lang="ja-JP" altLang="en-US" sz="2800" dirty="0"/>
           </a:p>
         </p:txBody>
       </p:sp>
@@ -6569,7 +6881,7 @@
           <p:nvPr/>
         </p:nvPicPr>
         <p:blipFill>
-          <a:blip r:embed="rId2">
+          <a:blip r:embed="rId3">
             <a:extLst>
               <a:ext uri="{28A0092B-C50C-407E-A947-70E740481C1C}">
                 <a14:useLocalDpi xmlns:a14="http://schemas.microsoft.com/office/drawing/2010/main" val="0"/>
@@ -6657,143 +6969,7 @@
       </p:grpSpPr>
       <p:sp>
         <p:nvSpPr>
-          <p:cNvPr id="2" name="正方形/長方形 1"/>
-          <p:cNvSpPr/>
-          <p:nvPr/>
-        </p:nvSpPr>
-        <p:spPr>
-          <a:xfrm>
-            <a:off x="1966547" y="2070437"/>
-            <a:ext cx="9111761" cy="2677656"/>
-          </a:xfrm>
-          <a:prstGeom prst="rect">
-            <a:avLst/>
-          </a:prstGeom>
-        </p:spPr>
-        <p:txBody>
-          <a:bodyPr wrap="square">
-            <a:spAutoFit/>
-          </a:bodyPr>
-          <a:lstStyle/>
-          <a:p>
-            <a:r>
-              <a:rPr lang="ja-JP" altLang="en-US" sz="2800" dirty="0"/>
-              <a:t>モデリング</a:t>
-            </a:r>
-            <a:endParaRPr lang="en-US" altLang="ja-JP" sz="2800" dirty="0"/>
-          </a:p>
-          <a:p>
-            <a:r>
-              <a:rPr lang="ja-JP" altLang="en-US" sz="2800" dirty="0"/>
-              <a:t>・</a:t>
-            </a:r>
-            <a:r>
-              <a:rPr lang="en-US" altLang="ja-JP" sz="2800" u="sng" dirty="0" err="1"/>
-              <a:t>LightGBM</a:t>
-            </a:r>
-            <a:r>
-              <a:rPr lang="ja-JP" altLang="en-US" sz="2800" u="sng" dirty="0"/>
-              <a:t>をメイン</a:t>
-            </a:r>
-            <a:r>
-              <a:rPr lang="ja-JP" altLang="en-US" sz="2800" dirty="0"/>
-              <a:t>として、</a:t>
-            </a:r>
-            <a:r>
-              <a:rPr lang="en-US" altLang="ja-JP" sz="2800" dirty="0"/>
-              <a:t>NN,RF(</a:t>
-            </a:r>
-            <a:r>
-              <a:rPr lang="en-US" altLang="ja-JP" sz="2800" dirty="0" err="1"/>
-              <a:t>LightGBM</a:t>
-            </a:r>
-            <a:r>
-              <a:rPr lang="en-US" altLang="ja-JP" sz="2800" dirty="0"/>
-              <a:t> </a:t>
-            </a:r>
-            <a:r>
-              <a:rPr lang="en-US" altLang="ja-JP" sz="2800" dirty="0" err="1"/>
-              <a:t>rf</a:t>
-            </a:r>
-            <a:endParaRPr lang="en-US" altLang="ja-JP" sz="2800" dirty="0"/>
-          </a:p>
-          <a:p>
-            <a:r>
-              <a:rPr lang="ja-JP" altLang="en-US" sz="2800" dirty="0"/>
-              <a:t>　</a:t>
-            </a:r>
-            <a:r>
-              <a:rPr lang="en-US" altLang="ja-JP" sz="2800" dirty="0"/>
-              <a:t> mode)</a:t>
-            </a:r>
-            <a:r>
-              <a:rPr lang="ja-JP" altLang="en-US" sz="2800" dirty="0"/>
-              <a:t>の</a:t>
-            </a:r>
-            <a:r>
-              <a:rPr lang="en-US" altLang="ja-JP" sz="2800" dirty="0"/>
-              <a:t>Linear Regression</a:t>
-            </a:r>
-            <a:r>
-              <a:rPr lang="ja-JP" altLang="en-US" sz="2800" dirty="0"/>
-              <a:t>による</a:t>
-            </a:r>
-            <a:r>
-              <a:rPr lang="en-US" altLang="ja-JP" sz="2800" dirty="0"/>
-              <a:t>Stacking</a:t>
-            </a:r>
-            <a:r>
-              <a:rPr lang="ja-JP" altLang="en-US" sz="2800" dirty="0"/>
-              <a:t>を行う</a:t>
-            </a:r>
-            <a:endParaRPr lang="en-US" altLang="ja-JP" sz="2800" dirty="0"/>
-          </a:p>
-          <a:p>
-            <a:r>
-              <a:rPr lang="ja-JP" altLang="en-US" sz="2800" dirty="0"/>
-              <a:t>・シングルモデルでは、</a:t>
-            </a:r>
-            <a:r>
-              <a:rPr lang="en-US" altLang="ja-JP" sz="2800" dirty="0" err="1"/>
-              <a:t>LightGBM</a:t>
-            </a:r>
-            <a:r>
-              <a:rPr lang="ja-JP" altLang="en-US" sz="2800" dirty="0" err="1"/>
-              <a:t>、</a:t>
-            </a:r>
-            <a:r>
-              <a:rPr lang="en-US" altLang="ja-JP" sz="2800" dirty="0" err="1"/>
-              <a:t>XGBoost</a:t>
-            </a:r>
-            <a:r>
-              <a:rPr lang="ja-JP" altLang="en-US" sz="2800" dirty="0" err="1"/>
-              <a:t>、</a:t>
-            </a:r>
-            <a:endParaRPr lang="en-US" altLang="ja-JP" sz="2800" dirty="0"/>
-          </a:p>
-          <a:p>
-            <a:r>
-              <a:rPr lang="ja-JP" altLang="en-US" sz="2800" dirty="0"/>
-              <a:t>　</a:t>
-            </a:r>
-            <a:r>
-              <a:rPr lang="en-US" altLang="ja-JP" sz="2800" dirty="0" err="1"/>
-              <a:t>CatBoost</a:t>
-            </a:r>
-            <a:r>
-              <a:rPr lang="ja-JP" altLang="en-US" sz="2800" dirty="0"/>
-              <a:t>を試す</a:t>
-            </a:r>
-            <a:endParaRPr lang="en-US" altLang="ja-JP" sz="2800" dirty="0"/>
-          </a:p>
-          <a:p>
-            <a:endParaRPr lang="en-US" altLang="ja-JP" sz="2800" dirty="0"/>
-          </a:p>
-        </p:txBody>
-      </p:sp>
-      <p:sp>
-        <p:nvSpPr>
-          <p:cNvPr id="3" name="テキスト ボックス 2">
+          <p:cNvPr id="2" name="テキスト ボックス 1">
             <a:extLst>
               <a:ext uri="{FF2B5EF4-FFF2-40B4-BE49-F238E27FC236}">
                 <a16:creationId xmlns:a16="http://schemas.microsoft.com/office/drawing/2014/main" id="{E7168466-B6A2-4447-84A6-4F4CFFEEF700}"/>
@@ -6826,10 +7002,139 @@
           </a:p>
         </p:txBody>
       </p:sp>
+      <p:sp>
+        <p:nvSpPr>
+          <p:cNvPr id="3" name="テキスト ボックス 2"/>
+          <p:cNvSpPr txBox="1"/>
+          <p:nvPr/>
+        </p:nvSpPr>
+        <p:spPr>
+          <a:xfrm>
+            <a:off x="978877" y="2981126"/>
+            <a:ext cx="10234246" cy="2246769"/>
+          </a:xfrm>
+          <a:prstGeom prst="rect">
+            <a:avLst/>
+          </a:prstGeom>
+          <a:noFill/>
+        </p:spPr>
+        <p:txBody>
+          <a:bodyPr wrap="square" rtlCol="0">
+            <a:spAutoFit/>
+          </a:bodyPr>
+          <a:lstStyle/>
+          <a:p>
+            <a:r>
+              <a:rPr lang="ja-JP" altLang="en-US" sz="2800" dirty="0"/>
+              <a:t>なぜ</a:t>
+            </a:r>
+            <a:r>
+              <a:rPr lang="en-US" altLang="ja-JP" sz="2800" dirty="0" err="1"/>
+              <a:t>LightGBM</a:t>
+            </a:r>
+            <a:r>
+              <a:rPr lang="ja-JP" altLang="en-US" sz="2800" dirty="0"/>
+              <a:t>を使うのか？</a:t>
+            </a:r>
+            <a:endParaRPr lang="en-US" altLang="ja-JP" sz="2800" dirty="0"/>
+          </a:p>
+          <a:p>
+            <a:r>
+              <a:rPr lang="ja-JP" altLang="en-US" sz="2800" dirty="0"/>
+              <a:t>・カテゴリ変数に対して特別な処理を自動的に実行してくれる</a:t>
+            </a:r>
+            <a:endParaRPr lang="en-US" altLang="ja-JP" sz="2800" dirty="0"/>
+          </a:p>
+          <a:p>
+            <a:r>
+              <a:rPr lang="ja-JP" altLang="en-US" sz="2800" dirty="0"/>
+              <a:t>　ので、</a:t>
+            </a:r>
+            <a:r>
+              <a:rPr lang="en-US" altLang="ja-JP" sz="2800" dirty="0"/>
+              <a:t>One-Hot</a:t>
+            </a:r>
+            <a:r>
+              <a:rPr lang="ja-JP" altLang="en-US" sz="2800" dirty="0"/>
+              <a:t>エンコーディングの手間を無くせる</a:t>
+            </a:r>
+            <a:endParaRPr lang="en-US" altLang="ja-JP" sz="2800" dirty="0"/>
+          </a:p>
+          <a:p>
+            <a:r>
+              <a:rPr lang="ja-JP" altLang="en-US" sz="2800" dirty="0"/>
+              <a:t>・既存のデータセットを極力加工せずに利用するという観点で、</a:t>
+            </a:r>
+            <a:endParaRPr lang="en-US" altLang="ja-JP" sz="2800" dirty="0"/>
+          </a:p>
+          <a:p>
+            <a:r>
+              <a:rPr lang="ja-JP" altLang="en-US" sz="2800" dirty="0"/>
+              <a:t>　特徴量エンジニアリングの負担を軽減</a:t>
+            </a:r>
+            <a:r>
+              <a:rPr lang="ja-JP" altLang="en-US" sz="2800"/>
+              <a:t>してくれる</a:t>
+            </a:r>
+            <a:endParaRPr lang="en-US" altLang="ja-JP" sz="2800" dirty="0"/>
+          </a:p>
+        </p:txBody>
+      </p:sp>
+      <p:sp>
+        <p:nvSpPr>
+          <p:cNvPr id="4" name="テキスト ボックス 3">
+            <a:extLst>
+              <a:ext uri="{FF2B5EF4-FFF2-40B4-BE49-F238E27FC236}">
+                <a16:creationId xmlns:a16="http://schemas.microsoft.com/office/drawing/2014/main" id="{E31DFD15-E240-0941-A589-98DDFA649607}"/>
+              </a:ext>
+            </a:extLst>
+          </p:cNvPr>
+          <p:cNvSpPr txBox="1"/>
+          <p:nvPr/>
+        </p:nvSpPr>
+        <p:spPr>
+          <a:xfrm>
+            <a:off x="978877" y="1448150"/>
+            <a:ext cx="9876692" cy="954107"/>
+          </a:xfrm>
+          <a:prstGeom prst="rect">
+            <a:avLst/>
+          </a:prstGeom>
+          <a:noFill/>
+        </p:spPr>
+        <p:txBody>
+          <a:bodyPr wrap="square" rtlCol="0">
+            <a:spAutoFit/>
+          </a:bodyPr>
+          <a:lstStyle/>
+          <a:p>
+            <a:r>
+              <a:rPr lang="ja-JP" altLang="en-US" sz="2800"/>
+              <a:t>・モデリングでは、</a:t>
+            </a:r>
+            <a:r>
+              <a:rPr lang="en-US" altLang="ja-JP" sz="2800" dirty="0" err="1"/>
+              <a:t>LightGBM</a:t>
+            </a:r>
+            <a:r>
+              <a:rPr lang="ja-JP" altLang="en-US" sz="2800"/>
+              <a:t>という勾配ブースティング</a:t>
+            </a:r>
+            <a:endParaRPr lang="en-US" altLang="ja-JP" sz="2800" dirty="0"/>
+          </a:p>
+          <a:p>
+            <a:r>
+              <a:rPr lang="ja-JP" altLang="en-US" sz="2800"/>
+              <a:t>　フレームワークを用いる</a:t>
+            </a:r>
+            <a:endParaRPr lang="en-US" altLang="ja-JP" sz="2800" dirty="0"/>
+          </a:p>
+        </p:txBody>
+      </p:sp>
     </p:spTree>
     <p:extLst>
       <p:ext uri="{BB962C8B-B14F-4D97-AF65-F5344CB8AC3E}">
-        <p14:creationId xmlns:p14="http://schemas.microsoft.com/office/powerpoint/2010/main" val="956519074"/>
+        <p14:creationId xmlns:p14="http://schemas.microsoft.com/office/powerpoint/2010/main" val="2576709370"/>
       </p:ext>
     </p:extLst>
   </p:cSld>
@@ -6861,7 +7166,7 @@
           <p:cNvPr id="2" name="テキスト ボックス 1">
             <a:extLst>
               <a:ext uri="{FF2B5EF4-FFF2-40B4-BE49-F238E27FC236}">
-                <a16:creationId xmlns:a16="http://schemas.microsoft.com/office/drawing/2014/main" id="{E7168466-B6A2-4447-84A6-4F4CFFEEF700}"/>
+                <a16:creationId xmlns:a16="http://schemas.microsoft.com/office/drawing/2014/main" id="{E228DF88-6D15-5843-BA10-9257189A60A9}"/>
               </a:ext>
             </a:extLst>
           </p:cNvPr>
@@ -6870,7 +7175,7 @@
         </p:nvSpPr>
         <p:spPr>
           <a:xfrm>
-            <a:off x="3968544" y="612752"/>
+            <a:off x="5205674" y="633070"/>
             <a:ext cx="4534329" cy="584775"/>
           </a:xfrm>
           <a:prstGeom prst="rect">
@@ -6885,22 +7190,60 @@
           <a:lstStyle/>
           <a:p>
             <a:r>
-              <a:rPr lang="ja-JP" altLang="en-US" sz="3200" dirty="0"/>
-              <a:t>アプローチ・方法</a:t>
-            </a:r>
-          </a:p>
-        </p:txBody>
-      </p:sp>
-      <p:sp>
-        <p:nvSpPr>
-          <p:cNvPr id="3" name="テキスト ボックス 2"/>
+              <a:rPr lang="ja-JP" altLang="en-US" sz="3200"/>
+              <a:t>進捗状況</a:t>
+            </a:r>
+          </a:p>
+        </p:txBody>
+      </p:sp>
+      <p:sp>
+        <p:nvSpPr>
+          <p:cNvPr id="3" name="正方形/長方形 2">
+            <a:extLst>
+              <a:ext uri="{FF2B5EF4-FFF2-40B4-BE49-F238E27FC236}">
+                <a16:creationId xmlns:a16="http://schemas.microsoft.com/office/drawing/2014/main" id="{9E1FD1D3-C49F-F146-B181-76C5A130F93C}"/>
+              </a:ext>
+            </a:extLst>
+          </p:cNvPr>
+          <p:cNvSpPr/>
+          <p:nvPr/>
+        </p:nvSpPr>
+        <p:spPr>
+          <a:xfrm>
+            <a:off x="8087854" y="214351"/>
+            <a:ext cx="3519425" cy="369460"/>
+          </a:xfrm>
+          <a:prstGeom prst="rect">
+            <a:avLst/>
+          </a:prstGeom>
+        </p:spPr>
+        <p:txBody>
+          <a:bodyPr wrap="none">
+            <a:spAutoFit/>
+          </a:bodyPr>
+          <a:lstStyle/>
+          <a:p>
+            <a:r>
+              <a:rPr lang="en-US" altLang="ja-JP" sz="1801" dirty="0"/>
+              <a:t>YouTube</a:t>
+            </a:r>
+            <a:r>
+              <a:rPr lang="ja-JP" altLang="en-US" sz="1801" dirty="0"/>
+              <a:t>動画の再生数を予測する</a:t>
+            </a:r>
+          </a:p>
+        </p:txBody>
+      </p:sp>
+      <p:sp>
+        <p:nvSpPr>
+          <p:cNvPr id="5" name="テキスト ボックス 4"/>
           <p:cNvSpPr txBox="1"/>
           <p:nvPr/>
         </p:nvSpPr>
         <p:spPr>
           <a:xfrm>
-            <a:off x="978878" y="2090172"/>
-            <a:ext cx="10234246" cy="2677656"/>
+            <a:off x="1679331" y="1125417"/>
+            <a:ext cx="9873761" cy="4524315"/>
           </a:xfrm>
           <a:prstGeom prst="rect">
             <a:avLst/>
@@ -6914,71 +7257,229 @@
           <a:lstStyle/>
           <a:p>
             <a:r>
-              <a:rPr lang="ja-JP" altLang="en-US" sz="2800" dirty="0"/>
-              <a:t>なぜ</a:t>
-            </a:r>
-            <a:r>
-              <a:rPr lang="en-US" altLang="ja-JP" sz="2800" dirty="0" err="1"/>
+              <a:rPr lang="ja-JP" altLang="en-US" sz="2400" dirty="0"/>
+              <a:t>特徴量について</a:t>
+            </a:r>
+            <a:endParaRPr lang="en-US" altLang="ja-JP" sz="2400" dirty="0"/>
+          </a:p>
+          <a:p>
+            <a:r>
+              <a:rPr lang="ja-JP" altLang="en-US" sz="2400" dirty="0"/>
+              <a:t>〇・データ収集。</a:t>
+            </a:r>
+            <a:r>
+              <a:rPr lang="en-US" altLang="ja-JP" sz="2400" dirty="0" err="1"/>
+              <a:t>Probspace</a:t>
+            </a:r>
+            <a:r>
+              <a:rPr lang="ja-JP" altLang="en-US" sz="2400" dirty="0"/>
+              <a:t> </a:t>
+            </a:r>
+            <a:r>
+              <a:rPr lang="en-US" altLang="ja-JP" sz="2400" dirty="0"/>
+              <a:t>YouTube</a:t>
+            </a:r>
+            <a:r>
+              <a:rPr lang="ja-JP" altLang="en-US" sz="2400" dirty="0"/>
+              <a:t>動画視聴回数予測コンペ</a:t>
+            </a:r>
+            <a:endParaRPr lang="en-US" altLang="ja-JP" sz="2400" dirty="0"/>
+          </a:p>
+          <a:p>
+            <a:r>
+              <a:rPr lang="ja-JP" altLang="en-US" sz="2400" dirty="0"/>
+              <a:t>〇・収集したデータを</a:t>
+            </a:r>
+            <a:r>
+              <a:rPr lang="en-US" altLang="ja-JP" sz="2400" dirty="0"/>
+              <a:t>EDA(</a:t>
+            </a:r>
+            <a:r>
+              <a:rPr lang="ja-JP" altLang="en-US" sz="2400" dirty="0"/>
+              <a:t>探索型データ解析</a:t>
+            </a:r>
+            <a:r>
+              <a:rPr lang="en-US" altLang="ja-JP" sz="2400" dirty="0"/>
+              <a:t>)</a:t>
+            </a:r>
+            <a:r>
+              <a:rPr lang="ja-JP" altLang="en-US" sz="2400" dirty="0"/>
+              <a:t>を行う</a:t>
+            </a:r>
+            <a:endParaRPr lang="en-US" altLang="ja-JP" sz="2400" dirty="0"/>
+          </a:p>
+          <a:p>
+            <a:r>
+              <a:rPr lang="ja-JP" altLang="en-US" sz="2400" dirty="0"/>
+              <a:t>〇・特徴量エンジニアリング</a:t>
+            </a:r>
+            <a:endParaRPr lang="en-US" altLang="ja-JP" sz="2400" dirty="0"/>
+          </a:p>
+          <a:p>
+            <a:r>
+              <a:rPr lang="ja-JP" altLang="en-US" sz="2400" dirty="0"/>
+              <a:t>　・</a:t>
+            </a:r>
+            <a:r>
+              <a:rPr lang="en-US" altLang="ja-JP" sz="2400" dirty="0"/>
+              <a:t>numerical data(dislikes, likes, </a:t>
+            </a:r>
+            <a:r>
+              <a:rPr lang="en-US" altLang="ja-JP" sz="2400" dirty="0" err="1"/>
+              <a:t>comment_count</a:t>
+            </a:r>
+            <a:r>
+              <a:rPr lang="en-US" altLang="ja-JP" sz="2400" dirty="0"/>
+              <a:t>)</a:t>
+            </a:r>
+            <a:r>
+              <a:rPr lang="ja-JP" altLang="en-US" sz="2400" dirty="0"/>
+              <a:t>の</a:t>
+            </a:r>
+            <a:r>
+              <a:rPr lang="en-US" altLang="ja-JP" sz="2400" dirty="0"/>
+              <a:t>aggregation</a:t>
+            </a:r>
+            <a:r>
+              <a:rPr lang="ja-JP" altLang="en-US" sz="2400" dirty="0"/>
+              <a:t>特</a:t>
+            </a:r>
+            <a:endParaRPr lang="en-US" altLang="ja-JP" sz="2400" dirty="0"/>
+          </a:p>
+          <a:p>
+            <a:r>
+              <a:rPr lang="ja-JP" altLang="en-US" sz="2400" dirty="0"/>
+              <a:t>　　徴量を作成</a:t>
+            </a:r>
+            <a:endParaRPr lang="en-US" altLang="ja-JP" sz="2400" dirty="0"/>
+          </a:p>
+          <a:p>
+            <a:r>
+              <a:rPr lang="ja-JP" altLang="en-US" sz="2400" dirty="0"/>
+              <a:t>　・</a:t>
+            </a:r>
+            <a:r>
+              <a:rPr lang="en-US" altLang="ja-JP" sz="2400" dirty="0"/>
+              <a:t>text data</a:t>
+            </a:r>
+            <a:r>
+              <a:rPr lang="ja-JP" altLang="en-US" sz="2400" dirty="0"/>
+              <a:t>は</a:t>
+            </a:r>
+            <a:r>
+              <a:rPr lang="en-US" altLang="ja-JP" sz="2400" dirty="0" err="1"/>
+              <a:t>tf-idf</a:t>
+            </a:r>
+            <a:r>
+              <a:rPr lang="ja-JP" altLang="en-US" sz="2400" dirty="0"/>
+              <a:t>特徴量を</a:t>
+            </a:r>
+            <a:r>
+              <a:rPr lang="en-US" altLang="ja-JP" sz="2400" dirty="0" err="1"/>
+              <a:t>svd</a:t>
+            </a:r>
+            <a:r>
+              <a:rPr lang="ja-JP" altLang="en-US" sz="2400" dirty="0"/>
+              <a:t>特徴量に変換、そして</a:t>
+            </a:r>
+            <a:r>
+              <a:rPr lang="en-US" altLang="ja-JP" sz="2400" dirty="0"/>
+              <a:t>aggregation</a:t>
+            </a:r>
+            <a:r>
+              <a:rPr lang="ja-JP" altLang="en-US" sz="2400" dirty="0"/>
+              <a:t>特</a:t>
+            </a:r>
+            <a:endParaRPr lang="en-US" altLang="ja-JP" sz="2400" dirty="0"/>
+          </a:p>
+          <a:p>
+            <a:r>
+              <a:rPr lang="ja-JP" altLang="en-US" sz="2400" dirty="0"/>
+              <a:t>　　徴量を作成</a:t>
+            </a:r>
+            <a:endParaRPr lang="en-US" altLang="ja-JP" sz="2400" dirty="0"/>
+          </a:p>
+          <a:p>
+            <a:r>
+              <a:rPr lang="ja-JP" altLang="en-US" sz="2400" dirty="0"/>
+              <a:t>　・</a:t>
+            </a:r>
+            <a:r>
+              <a:rPr lang="en-US" altLang="ja-JP" sz="2400" dirty="0"/>
+              <a:t>Target Encoding</a:t>
+            </a:r>
+          </a:p>
+          <a:p>
+            <a:r>
+              <a:rPr lang="ja-JP" altLang="en-US" sz="2400" dirty="0"/>
+              <a:t>モデル</a:t>
+            </a:r>
+            <a:r>
+              <a:rPr lang="ja-JP" altLang="en-US" sz="2400"/>
+              <a:t>について</a:t>
+            </a:r>
+            <a:endParaRPr lang="en-US" altLang="ja-JP" sz="2400" dirty="0"/>
+          </a:p>
+          <a:p>
+            <a:r>
+              <a:rPr lang="ja-JP" altLang="en-US" sz="2400" dirty="0"/>
+              <a:t>　</a:t>
+            </a:r>
+            <a:r>
+              <a:rPr lang="en-US" altLang="ja-JP" sz="2400" dirty="0"/>
+              <a:t>×</a:t>
+            </a:r>
+            <a:r>
+              <a:rPr lang="ja-JP" altLang="en-US" sz="2400" dirty="0"/>
+              <a:t>・シングルモデルでは、</a:t>
+            </a:r>
+            <a:r>
+              <a:rPr lang="en-US" altLang="ja-JP" sz="2400" dirty="0" err="1"/>
               <a:t>LightGBM</a:t>
             </a:r>
             <a:r>
-              <a:rPr lang="ja-JP" altLang="en-US" sz="2800" dirty="0"/>
-              <a:t>を使うのか？</a:t>
-            </a:r>
-            <a:endParaRPr lang="en-US" altLang="ja-JP" sz="2800" dirty="0"/>
-          </a:p>
-          <a:p>
-            <a:r>
-              <a:rPr lang="ja-JP" altLang="en-US" sz="2800" dirty="0"/>
-              <a:t>・カテゴリ変数に対して特別な処理を自動的に実行してくれる</a:t>
-            </a:r>
-            <a:endParaRPr lang="en-US" altLang="ja-JP" sz="2800" dirty="0"/>
-          </a:p>
-          <a:p>
-            <a:r>
-              <a:rPr lang="ja-JP" altLang="en-US" sz="2800" dirty="0"/>
-              <a:t>　ので、</a:t>
-            </a:r>
-            <a:r>
-              <a:rPr lang="en-US" altLang="ja-JP" sz="2800" dirty="0"/>
-              <a:t>One-Hot</a:t>
-            </a:r>
-            <a:r>
-              <a:rPr lang="ja-JP" altLang="en-US" sz="2800" dirty="0"/>
-              <a:t>エンコーディングの手間を無くせる</a:t>
-            </a:r>
-            <a:endParaRPr lang="en-US" altLang="ja-JP" sz="2800" dirty="0"/>
-          </a:p>
-          <a:p>
-            <a:r>
-              <a:rPr lang="ja-JP" altLang="en-US" sz="2800" dirty="0"/>
-              <a:t>・既存のデータセットを極力加工せずに利用するという観点で、</a:t>
-            </a:r>
-            <a:endParaRPr lang="en-US" altLang="ja-JP" sz="2800" dirty="0"/>
-          </a:p>
-          <a:p>
-            <a:r>
-              <a:rPr lang="ja-JP" altLang="en-US" sz="2800" dirty="0"/>
-              <a:t>　特徴量エンジニアリングの負担を軽減してくれる</a:t>
-            </a:r>
-            <a:endParaRPr lang="en-US" altLang="ja-JP" sz="2800" dirty="0"/>
-          </a:p>
-          <a:p>
-            <a:r>
-              <a:rPr lang="en-US" altLang="ja-JP" sz="2800" dirty="0"/>
-              <a:t>   </a:t>
-            </a:r>
-            <a:r>
-              <a:rPr lang="ja-JP" altLang="en-US" sz="2800"/>
-              <a:t>・特徴量の重要度を計算できる</a:t>
-            </a:r>
+              <a:rPr lang="ja-JP" altLang="en-US" sz="2400" dirty="0" err="1"/>
+              <a:t>、</a:t>
+            </a:r>
+            <a:r>
+              <a:rPr lang="en-US" altLang="ja-JP" sz="2400" dirty="0" err="1"/>
+              <a:t>XGBoost</a:t>
+            </a:r>
+            <a:r>
+              <a:rPr lang="ja-JP" altLang="en-US" sz="2400" dirty="0" err="1"/>
+              <a:t>、</a:t>
+            </a:r>
+            <a:r>
+              <a:rPr lang="en-US" altLang="ja-JP" sz="2400" dirty="0" err="1"/>
+              <a:t>CatBoost</a:t>
+            </a:r>
+            <a:r>
+              <a:rPr lang="ja-JP" altLang="en-US" sz="2400" dirty="0"/>
+              <a:t>を試す</a:t>
+            </a:r>
+            <a:endParaRPr lang="en-US" altLang="ja-JP" sz="2400" dirty="0"/>
+          </a:p>
+          <a:p>
+            <a:r>
+              <a:rPr lang="ja-JP" altLang="en-US" sz="2400" dirty="0"/>
+              <a:t>　</a:t>
+            </a:r>
+            <a:r>
+              <a:rPr lang="en-US" altLang="ja-JP" sz="2400" dirty="0"/>
+              <a:t>×</a:t>
+            </a:r>
+            <a:r>
+              <a:rPr lang="ja-JP" altLang="en-US" sz="2400" dirty="0"/>
+              <a:t>・各々のモデルのパラメータ調整</a:t>
+            </a:r>
+            <a:endParaRPr lang="en-US" altLang="ja-JP" sz="2400" dirty="0"/>
           </a:p>
         </p:txBody>
       </p:sp>
     </p:spTree>
     <p:extLst>
       <p:ext uri="{BB962C8B-B14F-4D97-AF65-F5344CB8AC3E}">
-        <p14:creationId xmlns:p14="http://schemas.microsoft.com/office/powerpoint/2010/main" val="2576709370"/>
+        <p14:creationId xmlns:p14="http://schemas.microsoft.com/office/powerpoint/2010/main" val="3850791543"/>
       </p:ext>
     </p:extLst>
   </p:cSld>

--- a/docs/PD3_interim_report.pptx
+++ b/docs/PD3_interim_report.pptx
@@ -246,7 +246,7 @@
           <a:p>
             <a:fld id="{A9875936-CAD0-1C40-8DBE-97E7FC885E68}" type="datetimeFigureOut">
               <a:rPr kumimoji="1" lang="ja-JP" altLang="en-US" smtClean="0"/>
-              <a:t>2020/9/18</a:t>
+              <a:t>2020/9/23</a:t>
             </a:fld>
             <a:endParaRPr kumimoji="1" lang="ja-JP" altLang="en-US"/>
           </a:p>
@@ -1454,6 +1454,270 @@
 </p:notes>
 </file>
 
+<file path=ppt/notesSlides/notesSlide9.xml><?xml version="1.0" encoding="utf-8"?>
+<p:notes xmlns:a="http://schemas.openxmlformats.org/drawingml/2006/main" xmlns:r="http://schemas.openxmlformats.org/officeDocument/2006/relationships" xmlns:p="http://schemas.openxmlformats.org/presentationml/2006/main">
+  <p:cSld>
+    <p:spTree>
+      <p:nvGrpSpPr>
+        <p:cNvPr id="1" name=""/>
+        <p:cNvGrpSpPr/>
+        <p:nvPr/>
+      </p:nvGrpSpPr>
+      <p:grpSpPr>
+        <a:xfrm>
+          <a:off x="0" y="0"/>
+          <a:ext cx="0" cy="0"/>
+          <a:chOff x="0" y="0"/>
+          <a:chExt cx="0" cy="0"/>
+        </a:xfrm>
+      </p:grpSpPr>
+      <p:sp>
+        <p:nvSpPr>
+          <p:cNvPr id="2" name="スライド イメージ プレースホルダー 1"/>
+          <p:cNvSpPr>
+            <a:spLocks noGrp="1" noRot="1" noChangeAspect="1"/>
+          </p:cNvSpPr>
+          <p:nvPr>
+            <p:ph type="sldImg"/>
+          </p:nvPr>
+        </p:nvSpPr>
+        <p:spPr/>
+      </p:sp>
+      <p:sp>
+        <p:nvSpPr>
+          <p:cNvPr id="3" name="ノート プレースホルダー 2"/>
+          <p:cNvSpPr>
+            <a:spLocks noGrp="1"/>
+          </p:cNvSpPr>
+          <p:nvPr>
+            <p:ph type="body" idx="1"/>
+          </p:nvPr>
+        </p:nvSpPr>
+        <p:spPr/>
+        <p:txBody>
+          <a:bodyPr/>
+          <a:lstStyle/>
+          <a:p>
+            <a:r>
+              <a:rPr kumimoji="1" lang="ja-JP" altLang="en-US" sz="1200" b="0" i="0" kern="1200">
+                <a:solidFill>
+                  <a:schemeClr val="tx1"/>
+                </a:solidFill>
+                <a:effectLst/>
+                <a:latin typeface="+mn-lt"/>
+                <a:ea typeface="+mn-ea"/>
+                <a:cs typeface="+mn-cs"/>
+              </a:rPr>
+              <a:t>自然言語処理は、単語を高次元のベクトルに置き換える分散表現という技術を用いて入力されます。単語データの並びのことを「シーケンス」と言い、これはいわゆる文章にあたりますが、</a:t>
+            </a:r>
+            <a:r>
+              <a:rPr kumimoji="1" lang="en" altLang="ja-JP" sz="1200" b="0" i="0" kern="1200" dirty="0">
+                <a:solidFill>
+                  <a:schemeClr val="tx1"/>
+                </a:solidFill>
+                <a:effectLst/>
+                <a:latin typeface="+mn-lt"/>
+                <a:ea typeface="+mn-ea"/>
+                <a:cs typeface="+mn-cs"/>
+              </a:rPr>
+              <a:t>BERT</a:t>
+            </a:r>
+            <a:r>
+              <a:rPr kumimoji="1" lang="ja-JP" altLang="en-US" sz="1200" b="0" i="0" kern="1200">
+                <a:solidFill>
+                  <a:schemeClr val="tx1"/>
+                </a:solidFill>
+                <a:effectLst/>
+                <a:latin typeface="+mn-lt"/>
+                <a:ea typeface="+mn-ea"/>
+                <a:cs typeface="+mn-cs"/>
+              </a:rPr>
+              <a:t>は入力されたシーケンスから別のシーケンスを予測します。</a:t>
+            </a:r>
+            <a:r>
+              <a:rPr kumimoji="1" lang="en" altLang="ja-JP" sz="1200" b="0" i="0" kern="1200" dirty="0">
+                <a:solidFill>
+                  <a:schemeClr val="tx1"/>
+                </a:solidFill>
+                <a:effectLst/>
+                <a:latin typeface="+mn-lt"/>
+                <a:ea typeface="+mn-ea"/>
+                <a:cs typeface="+mn-cs"/>
+              </a:rPr>
+              <a:t>BERT</a:t>
+            </a:r>
+            <a:r>
+              <a:rPr kumimoji="1" lang="ja-JP" altLang="en-US" sz="1200" b="0" i="0" kern="1200">
+                <a:solidFill>
+                  <a:schemeClr val="tx1"/>
+                </a:solidFill>
+                <a:effectLst/>
+                <a:latin typeface="+mn-lt"/>
+                <a:ea typeface="+mn-ea"/>
+                <a:cs typeface="+mn-cs"/>
+              </a:rPr>
+              <a:t>は事前学習モデルであり、入力されたラベルが付与されていない、つまり名前がついていない分散表現を</a:t>
+            </a:r>
+            <a:r>
+              <a:rPr kumimoji="1" lang="en" altLang="ja-JP" sz="1200" b="0" i="0" kern="1200" dirty="0">
+                <a:solidFill>
+                  <a:schemeClr val="tx1"/>
+                </a:solidFill>
+                <a:effectLst/>
+                <a:latin typeface="+mn-lt"/>
+                <a:ea typeface="+mn-ea"/>
+                <a:cs typeface="+mn-cs"/>
+              </a:rPr>
+              <a:t>Transformer</a:t>
+            </a:r>
+            <a:r>
+              <a:rPr kumimoji="1" lang="ja-JP" altLang="en-US" sz="1200" b="0" i="0" kern="1200">
+                <a:solidFill>
+                  <a:schemeClr val="tx1"/>
+                </a:solidFill>
+                <a:effectLst/>
+                <a:latin typeface="+mn-lt"/>
+                <a:ea typeface="+mn-ea"/>
+                <a:cs typeface="+mn-cs"/>
+              </a:rPr>
+              <a:t>が処理することによって学習します。実際には、</a:t>
+            </a:r>
+            <a:r>
+              <a:rPr kumimoji="1" lang="en" altLang="ja-JP" sz="1200" b="0" i="0" kern="1200" dirty="0">
+                <a:solidFill>
+                  <a:schemeClr val="tx1"/>
+                </a:solidFill>
+                <a:effectLst/>
+                <a:latin typeface="+mn-lt"/>
+                <a:ea typeface="+mn-ea"/>
+                <a:cs typeface="+mn-cs"/>
+              </a:rPr>
+              <a:t>Transformer</a:t>
+            </a:r>
+            <a:r>
+              <a:rPr kumimoji="1" lang="ja-JP" altLang="en-US" sz="1200" b="0" i="0" kern="1200">
+                <a:solidFill>
+                  <a:schemeClr val="tx1"/>
+                </a:solidFill>
+                <a:effectLst/>
+                <a:latin typeface="+mn-lt"/>
+                <a:ea typeface="+mn-ea"/>
+                <a:cs typeface="+mn-cs"/>
+              </a:rPr>
+              <a:t>が</a:t>
+            </a:r>
+            <a:r>
+              <a:rPr kumimoji="1" lang="en" altLang="ja-JP" sz="1200" b="1" i="0" kern="1200" dirty="0">
+                <a:solidFill>
+                  <a:schemeClr val="tx1"/>
+                </a:solidFill>
+                <a:effectLst/>
+                <a:latin typeface="+mn-lt"/>
+                <a:ea typeface="+mn-ea"/>
+                <a:cs typeface="+mn-cs"/>
+              </a:rPr>
+              <a:t>Masked Language Model</a:t>
+            </a:r>
+            <a:r>
+              <a:rPr kumimoji="1" lang="ja-JP" altLang="en-US" sz="1200" b="0" i="0" kern="1200">
+                <a:solidFill>
+                  <a:schemeClr val="tx1"/>
+                </a:solidFill>
+                <a:effectLst/>
+                <a:latin typeface="+mn-lt"/>
+                <a:ea typeface="+mn-ea"/>
+                <a:cs typeface="+mn-cs"/>
+              </a:rPr>
+              <a:t>と</a:t>
+            </a:r>
+            <a:r>
+              <a:rPr kumimoji="1" lang="en" altLang="ja-JP" sz="1200" b="1" i="0" kern="1200" dirty="0">
+                <a:solidFill>
+                  <a:schemeClr val="tx1"/>
+                </a:solidFill>
+                <a:effectLst/>
+                <a:latin typeface="+mn-lt"/>
+                <a:ea typeface="+mn-ea"/>
+                <a:cs typeface="+mn-cs"/>
+              </a:rPr>
+              <a:t>Next Sentence Prediction</a:t>
+            </a:r>
+            <a:r>
+              <a:rPr kumimoji="1" lang="ja-JP" altLang="en-US" sz="1200" b="0" i="0" kern="1200">
+                <a:solidFill>
+                  <a:schemeClr val="tx1"/>
+                </a:solidFill>
+                <a:effectLst/>
+                <a:latin typeface="+mn-lt"/>
+                <a:ea typeface="+mn-ea"/>
+                <a:cs typeface="+mn-cs"/>
+              </a:rPr>
+              <a:t>という</a:t>
+            </a:r>
+            <a:r>
+              <a:rPr kumimoji="1" lang="en-US" altLang="ja-JP" sz="1200" b="0" i="0" kern="1200" dirty="0">
+                <a:solidFill>
+                  <a:schemeClr val="tx1"/>
+                </a:solidFill>
+                <a:effectLst/>
+                <a:latin typeface="+mn-lt"/>
+                <a:ea typeface="+mn-ea"/>
+                <a:cs typeface="+mn-cs"/>
+              </a:rPr>
+              <a:t>2</a:t>
+            </a:r>
+            <a:r>
+              <a:rPr kumimoji="1" lang="ja-JP" altLang="en-US" sz="1200" b="0" i="0" kern="1200">
+                <a:solidFill>
+                  <a:schemeClr val="tx1"/>
+                </a:solidFill>
+                <a:effectLst/>
+                <a:latin typeface="+mn-lt"/>
+                <a:ea typeface="+mn-ea"/>
+                <a:cs typeface="+mn-cs"/>
+              </a:rPr>
+              <a:t>つの手法を同時進行で行うことで学習します。</a:t>
+            </a:r>
+            <a:endParaRPr kumimoji="1" lang="ja-JP" altLang="en-US"/>
+          </a:p>
+        </p:txBody>
+      </p:sp>
+      <p:sp>
+        <p:nvSpPr>
+          <p:cNvPr id="4" name="スライド番号プレースホルダー 3"/>
+          <p:cNvSpPr>
+            <a:spLocks noGrp="1"/>
+          </p:cNvSpPr>
+          <p:nvPr>
+            <p:ph type="sldNum" sz="quarter" idx="5"/>
+          </p:nvPr>
+        </p:nvSpPr>
+        <p:spPr/>
+        <p:txBody>
+          <a:bodyPr/>
+          <a:lstStyle/>
+          <a:p>
+            <a:fld id="{7ED71D3B-A0FC-7045-AF17-774B633FB3A8}" type="slidenum">
+              <a:rPr kumimoji="1" lang="ja-JP" altLang="en-US" smtClean="0"/>
+              <a:t>10</a:t>
+            </a:fld>
+            <a:endParaRPr kumimoji="1" lang="ja-JP" altLang="en-US"/>
+          </a:p>
+        </p:txBody>
+      </p:sp>
+    </p:spTree>
+    <p:extLst>
+      <p:ext uri="{BB962C8B-B14F-4D97-AF65-F5344CB8AC3E}">
+        <p14:creationId xmlns:p14="http://schemas.microsoft.com/office/powerpoint/2010/main" val="2764129764"/>
+      </p:ext>
+    </p:extLst>
+  </p:cSld>
+  <p:clrMapOvr>
+    <a:masterClrMapping/>
+  </p:clrMapOvr>
+</p:notes>
+</file>
+
 <file path=ppt/slideLayouts/slideLayout1.xml><?xml version="1.0" encoding="utf-8"?>
 <p:sldLayout xmlns:a="http://schemas.openxmlformats.org/drawingml/2006/main" xmlns:r="http://schemas.openxmlformats.org/officeDocument/2006/relationships" xmlns:p="http://schemas.openxmlformats.org/presentationml/2006/main" type="title" preserve="1">
   <p:cSld name="タイトル スライド">
@@ -1585,7 +1849,7 @@
           <a:p>
             <a:fld id="{748E6AB6-1A34-DC48-935D-01482CBC09AE}" type="datetimeFigureOut">
               <a:rPr kumimoji="1" lang="ja-JP" altLang="en-US" smtClean="0"/>
-              <a:t>2020/9/18</a:t>
+              <a:t>2020/9/23</a:t>
             </a:fld>
             <a:endParaRPr kumimoji="1" lang="ja-JP" altLang="en-US"/>
           </a:p>
@@ -1787,7 +2051,7 @@
           <a:p>
             <a:fld id="{748E6AB6-1A34-DC48-935D-01482CBC09AE}" type="datetimeFigureOut">
               <a:rPr kumimoji="1" lang="ja-JP" altLang="en-US" smtClean="0"/>
-              <a:t>2020/9/18</a:t>
+              <a:t>2020/9/23</a:t>
             </a:fld>
             <a:endParaRPr kumimoji="1" lang="ja-JP" altLang="en-US"/>
           </a:p>
@@ -1999,7 +2263,7 @@
           <a:p>
             <a:fld id="{748E6AB6-1A34-DC48-935D-01482CBC09AE}" type="datetimeFigureOut">
               <a:rPr kumimoji="1" lang="ja-JP" altLang="en-US" smtClean="0"/>
-              <a:t>2020/9/18</a:t>
+              <a:t>2020/9/23</a:t>
             </a:fld>
             <a:endParaRPr kumimoji="1" lang="ja-JP" altLang="en-US"/>
           </a:p>
@@ -2201,7 +2465,7 @@
           <a:p>
             <a:fld id="{748E6AB6-1A34-DC48-935D-01482CBC09AE}" type="datetimeFigureOut">
               <a:rPr kumimoji="1" lang="ja-JP" altLang="en-US" smtClean="0"/>
-              <a:t>2020/9/18</a:t>
+              <a:t>2020/9/23</a:t>
             </a:fld>
             <a:endParaRPr kumimoji="1" lang="ja-JP" altLang="en-US"/>
           </a:p>
@@ -2447,7 +2711,7 @@
           <a:p>
             <a:fld id="{748E6AB6-1A34-DC48-935D-01482CBC09AE}" type="datetimeFigureOut">
               <a:rPr kumimoji="1" lang="ja-JP" altLang="en-US" smtClean="0"/>
-              <a:t>2020/9/18</a:t>
+              <a:t>2020/9/23</a:t>
             </a:fld>
             <a:endParaRPr kumimoji="1" lang="ja-JP" altLang="en-US"/>
           </a:p>
@@ -2743,7 +3007,7 @@
           <a:p>
             <a:fld id="{748E6AB6-1A34-DC48-935D-01482CBC09AE}" type="datetimeFigureOut">
               <a:rPr kumimoji="1" lang="ja-JP" altLang="en-US" smtClean="0"/>
-              <a:t>2020/9/18</a:t>
+              <a:t>2020/9/23</a:t>
             </a:fld>
             <a:endParaRPr kumimoji="1" lang="ja-JP" altLang="en-US"/>
           </a:p>
@@ -3174,7 +3438,7 @@
           <a:p>
             <a:fld id="{748E6AB6-1A34-DC48-935D-01482CBC09AE}" type="datetimeFigureOut">
               <a:rPr kumimoji="1" lang="ja-JP" altLang="en-US" smtClean="0"/>
-              <a:t>2020/9/18</a:t>
+              <a:t>2020/9/23</a:t>
             </a:fld>
             <a:endParaRPr kumimoji="1" lang="ja-JP" altLang="en-US"/>
           </a:p>
@@ -3292,7 +3556,7 @@
           <a:p>
             <a:fld id="{748E6AB6-1A34-DC48-935D-01482CBC09AE}" type="datetimeFigureOut">
               <a:rPr kumimoji="1" lang="ja-JP" altLang="en-US" smtClean="0"/>
-              <a:t>2020/9/18</a:t>
+              <a:t>2020/9/23</a:t>
             </a:fld>
             <a:endParaRPr kumimoji="1" lang="ja-JP" altLang="en-US"/>
           </a:p>
@@ -3387,7 +3651,7 @@
           <a:p>
             <a:fld id="{748E6AB6-1A34-DC48-935D-01482CBC09AE}" type="datetimeFigureOut">
               <a:rPr kumimoji="1" lang="ja-JP" altLang="en-US" smtClean="0"/>
-              <a:t>2020/9/18</a:t>
+              <a:t>2020/9/23</a:t>
             </a:fld>
             <a:endParaRPr kumimoji="1" lang="ja-JP" altLang="en-US"/>
           </a:p>
@@ -3696,7 +3960,7 @@
           <a:p>
             <a:fld id="{748E6AB6-1A34-DC48-935D-01482CBC09AE}" type="datetimeFigureOut">
               <a:rPr kumimoji="1" lang="ja-JP" altLang="en-US" smtClean="0"/>
-              <a:t>2020/9/18</a:t>
+              <a:t>2020/9/23</a:t>
             </a:fld>
             <a:endParaRPr kumimoji="1" lang="ja-JP" altLang="en-US"/>
           </a:p>
@@ -3953,7 +4217,7 @@
           <a:p>
             <a:fld id="{748E6AB6-1A34-DC48-935D-01482CBC09AE}" type="datetimeFigureOut">
               <a:rPr kumimoji="1" lang="ja-JP" altLang="en-US" smtClean="0"/>
-              <a:t>2020/9/18</a:t>
+              <a:t>2020/9/23</a:t>
             </a:fld>
             <a:endParaRPr kumimoji="1" lang="ja-JP" altLang="en-US"/>
           </a:p>
@@ -4198,7 +4462,7 @@
           <a:p>
             <a:fld id="{748E6AB6-1A34-DC48-935D-01482CBC09AE}" type="datetimeFigureOut">
               <a:rPr kumimoji="1" lang="ja-JP" altLang="en-US" smtClean="0"/>
-              <a:t>2020/9/18</a:t>
+              <a:t>2020/9/23</a:t>
             </a:fld>
             <a:endParaRPr kumimoji="1" lang="ja-JP" altLang="en-US"/>
           </a:p>
